--- a/Face Recognition Algorithm Based on VGG Network Model.pptx
+++ b/Face Recognition Algorithm Based on VGG Network Model.pptx
@@ -6,7 +6,15 @@
   </p:sldMasterIdLst>
   <p:sldIdLst>
     <p:sldId id="256" r:id="rId2"/>
-    <p:sldId id="257" r:id="rId3"/>
+    <p:sldId id="258" r:id="rId3"/>
+    <p:sldId id="259" r:id="rId4"/>
+    <p:sldId id="260" r:id="rId5"/>
+    <p:sldId id="261" r:id="rId6"/>
+    <p:sldId id="262" r:id="rId7"/>
+    <p:sldId id="263" r:id="rId8"/>
+    <p:sldId id="264" r:id="rId9"/>
+    <p:sldId id="265" r:id="rId10"/>
+    <p:sldId id="257" r:id="rId11"/>
   </p:sldIdLst>
   <p:sldSz cx="12192000" cy="6858000"/>
   <p:notesSz cx="6858000" cy="9144000"/>
@@ -105,6 +113,11 @@
       </a:defRPr>
     </a:lvl9pPr>
   </p:defaultTextStyle>
+  <p:extLst>
+    <p:ext uri="{EFAFB233-063F-42B5-8137-9DF3F51BA10A}">
+      <p15:sldGuideLst xmlns:p15="http://schemas.microsoft.com/office/powerpoint/2012/main"/>
+    </p:ext>
+  </p:extLst>
 </p:presentation>
 </file>
 
@@ -239,7 +252,7 @@
           <a:p>
             <a:fld id="{A9D72E2C-C581-45C7-8729-02149165DC38}" type="datetimeFigureOut">
               <a:rPr lang="en-US" smtClean="0"/>
-              <a:t>10/12/2020</a:t>
+              <a:t>10/17/2020</a:t>
             </a:fld>
             <a:endParaRPr lang="en-US"/>
           </a:p>
@@ -409,7 +422,7 @@
           <a:p>
             <a:fld id="{A9D72E2C-C581-45C7-8729-02149165DC38}" type="datetimeFigureOut">
               <a:rPr lang="en-US" smtClean="0"/>
-              <a:t>10/12/2020</a:t>
+              <a:t>10/17/2020</a:t>
             </a:fld>
             <a:endParaRPr lang="en-US"/>
           </a:p>
@@ -589,7 +602,7 @@
           <a:p>
             <a:fld id="{A9D72E2C-C581-45C7-8729-02149165DC38}" type="datetimeFigureOut">
               <a:rPr lang="en-US" smtClean="0"/>
-              <a:t>10/12/2020</a:t>
+              <a:t>10/17/2020</a:t>
             </a:fld>
             <a:endParaRPr lang="en-US"/>
           </a:p>
@@ -759,7 +772,7 @@
           <a:p>
             <a:fld id="{A9D72E2C-C581-45C7-8729-02149165DC38}" type="datetimeFigureOut">
               <a:rPr lang="en-US" smtClean="0"/>
-              <a:t>10/12/2020</a:t>
+              <a:t>10/17/2020</a:t>
             </a:fld>
             <a:endParaRPr lang="en-US"/>
           </a:p>
@@ -1005,7 +1018,7 @@
           <a:p>
             <a:fld id="{A9D72E2C-C581-45C7-8729-02149165DC38}" type="datetimeFigureOut">
               <a:rPr lang="en-US" smtClean="0"/>
-              <a:t>10/12/2020</a:t>
+              <a:t>10/17/2020</a:t>
             </a:fld>
             <a:endParaRPr lang="en-US"/>
           </a:p>
@@ -1237,7 +1250,7 @@
           <a:p>
             <a:fld id="{A9D72E2C-C581-45C7-8729-02149165DC38}" type="datetimeFigureOut">
               <a:rPr lang="en-US" smtClean="0"/>
-              <a:t>10/12/2020</a:t>
+              <a:t>10/17/2020</a:t>
             </a:fld>
             <a:endParaRPr lang="en-US"/>
           </a:p>
@@ -1604,7 +1617,7 @@
           <a:p>
             <a:fld id="{A9D72E2C-C581-45C7-8729-02149165DC38}" type="datetimeFigureOut">
               <a:rPr lang="en-US" smtClean="0"/>
-              <a:t>10/12/2020</a:t>
+              <a:t>10/17/2020</a:t>
             </a:fld>
             <a:endParaRPr lang="en-US"/>
           </a:p>
@@ -1722,7 +1735,7 @@
           <a:p>
             <a:fld id="{A9D72E2C-C581-45C7-8729-02149165DC38}" type="datetimeFigureOut">
               <a:rPr lang="en-US" smtClean="0"/>
-              <a:t>10/12/2020</a:t>
+              <a:t>10/17/2020</a:t>
             </a:fld>
             <a:endParaRPr lang="en-US"/>
           </a:p>
@@ -1817,7 +1830,7 @@
           <a:p>
             <a:fld id="{A9D72E2C-C581-45C7-8729-02149165DC38}" type="datetimeFigureOut">
               <a:rPr lang="en-US" smtClean="0"/>
-              <a:t>10/12/2020</a:t>
+              <a:t>10/17/2020</a:t>
             </a:fld>
             <a:endParaRPr lang="en-US"/>
           </a:p>
@@ -2094,7 +2107,7 @@
           <a:p>
             <a:fld id="{A9D72E2C-C581-45C7-8729-02149165DC38}" type="datetimeFigureOut">
               <a:rPr lang="en-US" smtClean="0"/>
-              <a:t>10/12/2020</a:t>
+              <a:t>10/17/2020</a:t>
             </a:fld>
             <a:endParaRPr lang="en-US"/>
           </a:p>
@@ -2347,7 +2360,7 @@
           <a:p>
             <a:fld id="{A9D72E2C-C581-45C7-8729-02149165DC38}" type="datetimeFigureOut">
               <a:rPr lang="en-US" smtClean="0"/>
-              <a:t>10/12/2020</a:t>
+              <a:t>10/17/2020</a:t>
             </a:fld>
             <a:endParaRPr lang="en-US"/>
           </a:p>
@@ -2560,7 +2573,7 @@
           <a:p>
             <a:fld id="{A9D72E2C-C581-45C7-8729-02149165DC38}" type="datetimeFigureOut">
               <a:rPr lang="en-US" smtClean="0"/>
-              <a:t>10/12/2020</a:t>
+              <a:t>10/17/2020</a:t>
             </a:fld>
             <a:endParaRPr lang="en-US"/>
           </a:p>
@@ -2984,11 +2997,7 @@
           <a:p>
             <a:r>
               <a:rPr lang="en-US"/>
-              <a:t>Face Recognition Algorithm Based on VGG Network Model </a:t>
-            </a:r>
-            <a:r>
-              <a:rPr lang="en-US"/>
-              <a:t>and </a:t>
+              <a:t>Face Recognition Algorithm Based on VGG Network Model and </a:t>
             </a:r>
             <a:r>
               <a:rPr lang="en-US" smtClean="0"/>
@@ -3047,7 +3056,7 @@
 </p:sld>
 </file>
 
-<file path=ppt/slides/slide2.xml><?xml version="1.0" encoding="utf-8"?>
+<file path=ppt/slides/slide10.xml><?xml version="1.0" encoding="utf-8"?>
 <p:sld xmlns:a="http://schemas.openxmlformats.org/drawingml/2006/main" xmlns:r="http://schemas.openxmlformats.org/officeDocument/2006/relationships" xmlns:p="http://schemas.openxmlformats.org/presentationml/2006/main">
   <p:cSld>
     <p:spTree>
@@ -3115,6 +3124,786 @@
     <p:extLst>
       <p:ext uri="{BB962C8B-B14F-4D97-AF65-F5344CB8AC3E}">
         <p14:creationId xmlns:p14="http://schemas.microsoft.com/office/powerpoint/2010/main" val="3620851011"/>
+      </p:ext>
+    </p:extLst>
+  </p:cSld>
+  <p:clrMapOvr>
+    <a:masterClrMapping/>
+  </p:clrMapOvr>
+</p:sld>
+</file>
+
+<file path=ppt/slides/slide2.xml><?xml version="1.0" encoding="utf-8"?>
+<p:sld xmlns:a="http://schemas.openxmlformats.org/drawingml/2006/main" xmlns:r="http://schemas.openxmlformats.org/officeDocument/2006/relationships" xmlns:p="http://schemas.openxmlformats.org/presentationml/2006/main">
+  <p:cSld>
+    <p:spTree>
+      <p:nvGrpSpPr>
+        <p:cNvPr id="1" name=""/>
+        <p:cNvGrpSpPr/>
+        <p:nvPr/>
+      </p:nvGrpSpPr>
+      <p:grpSpPr>
+        <a:xfrm>
+          <a:off x="0" y="0"/>
+          <a:ext cx="0" cy="0"/>
+          <a:chOff x="0" y="0"/>
+          <a:chExt cx="0" cy="0"/>
+        </a:xfrm>
+      </p:grpSpPr>
+      <p:sp>
+        <p:nvSpPr>
+          <p:cNvPr id="2" name="Title 1"/>
+          <p:cNvSpPr>
+            <a:spLocks noGrp="1"/>
+          </p:cNvSpPr>
+          <p:nvPr>
+            <p:ph type="title"/>
+          </p:nvPr>
+        </p:nvSpPr>
+        <p:spPr/>
+        <p:txBody>
+          <a:bodyPr/>
+          <a:lstStyle/>
+          <a:p>
+            <a:r>
+              <a:rPr lang="en-US" dirty="0" smtClean="0"/>
+              <a:t>Citation</a:t>
+            </a:r>
+            <a:endParaRPr lang="en-US" dirty="0"/>
+          </a:p>
+        </p:txBody>
+      </p:sp>
+      <p:sp>
+        <p:nvSpPr>
+          <p:cNvPr id="3" name="Content Placeholder 2"/>
+          <p:cNvSpPr>
+            <a:spLocks noGrp="1"/>
+          </p:cNvSpPr>
+          <p:nvPr>
+            <p:ph idx="1"/>
+          </p:nvPr>
+        </p:nvSpPr>
+        <p:spPr/>
+        <p:txBody>
+          <a:bodyPr/>
+          <a:lstStyle/>
+          <a:p>
+            <a:pPr marL="0" indent="0">
+              <a:buNone/>
+            </a:pPr>
+            <a:r>
+              <a:rPr lang="en-US" dirty="0" smtClean="0"/>
+              <a:t>Dataset:</a:t>
+            </a:r>
+          </a:p>
+          <a:p>
+            <a:r>
+              <a:rPr lang="en-US" dirty="0" smtClean="0"/>
+              <a:t>R </a:t>
+            </a:r>
+            <a:r>
+              <a:rPr lang="en-US" dirty="0" err="1"/>
+              <a:t>Vemulapalli</a:t>
+            </a:r>
+            <a:r>
+              <a:rPr lang="en-US" dirty="0"/>
+              <a:t>, A </a:t>
+            </a:r>
+            <a:r>
+              <a:rPr lang="en-US" dirty="0" err="1"/>
+              <a:t>Agarwala</a:t>
+            </a:r>
+            <a:r>
+              <a:rPr lang="en-US" dirty="0"/>
+              <a:t>, “A Compact Embedding for Facial Expression </a:t>
+            </a:r>
+            <a:r>
+              <a:rPr lang="en-US" dirty="0" smtClean="0"/>
+              <a:t>Similarity</a:t>
+            </a:r>
+            <a:r>
+              <a:rPr lang="en-US" dirty="0"/>
+              <a:t>”, </a:t>
+            </a:r>
+            <a:r>
+              <a:rPr lang="en-US" dirty="0" err="1"/>
+              <a:t>CoRR</a:t>
+            </a:r>
+            <a:r>
+              <a:rPr lang="en-US" dirty="0"/>
+              <a:t>, abs/1811.11283, 2018</a:t>
+            </a:r>
+            <a:r>
+              <a:rPr lang="en-US" dirty="0" smtClean="0"/>
+              <a:t>.</a:t>
+            </a:r>
+          </a:p>
+          <a:p>
+            <a:endParaRPr lang="en-US" dirty="0"/>
+          </a:p>
+          <a:p>
+            <a:endParaRPr lang="en-US" dirty="0"/>
+          </a:p>
+        </p:txBody>
+      </p:sp>
+    </p:spTree>
+    <p:extLst>
+      <p:ext uri="{BB962C8B-B14F-4D97-AF65-F5344CB8AC3E}">
+        <p14:creationId xmlns:p14="http://schemas.microsoft.com/office/powerpoint/2010/main" val="342112347"/>
+      </p:ext>
+    </p:extLst>
+  </p:cSld>
+  <p:clrMapOvr>
+    <a:masterClrMapping/>
+  </p:clrMapOvr>
+</p:sld>
+</file>
+
+<file path=ppt/slides/slide3.xml><?xml version="1.0" encoding="utf-8"?>
+<p:sld xmlns:a="http://schemas.openxmlformats.org/drawingml/2006/main" xmlns:r="http://schemas.openxmlformats.org/officeDocument/2006/relationships" xmlns:p="http://schemas.openxmlformats.org/presentationml/2006/main">
+  <p:cSld>
+    <p:spTree>
+      <p:nvGrpSpPr>
+        <p:cNvPr id="1" name=""/>
+        <p:cNvGrpSpPr/>
+        <p:nvPr/>
+      </p:nvGrpSpPr>
+      <p:grpSpPr>
+        <a:xfrm>
+          <a:off x="0" y="0"/>
+          <a:ext cx="0" cy="0"/>
+          <a:chOff x="0" y="0"/>
+          <a:chExt cx="0" cy="0"/>
+        </a:xfrm>
+      </p:grpSpPr>
+      <p:sp>
+        <p:nvSpPr>
+          <p:cNvPr id="2" name="Title 1"/>
+          <p:cNvSpPr>
+            <a:spLocks noGrp="1"/>
+          </p:cNvSpPr>
+          <p:nvPr>
+            <p:ph type="title"/>
+          </p:nvPr>
+        </p:nvSpPr>
+        <p:spPr/>
+        <p:txBody>
+          <a:bodyPr/>
+          <a:lstStyle/>
+          <a:p>
+            <a:r>
+              <a:rPr lang="en-US" dirty="0" smtClean="0"/>
+              <a:t>CNN</a:t>
+            </a:r>
+            <a:endParaRPr lang="en-US" dirty="0"/>
+          </a:p>
+        </p:txBody>
+      </p:sp>
+      <p:pic>
+        <p:nvPicPr>
+          <p:cNvPr id="1026" name="Picture 2" descr="Image for post"/>
+          <p:cNvPicPr>
+            <a:picLocks noGrp="1" noChangeAspect="1" noChangeArrowheads="1"/>
+          </p:cNvPicPr>
+          <p:nvPr>
+            <p:ph idx="1"/>
+          </p:nvPr>
+        </p:nvPicPr>
+        <p:blipFill>
+          <a:blip r:embed="rId2">
+            <a:extLst>
+              <a:ext uri="{28A0092B-C50C-407E-A947-70E740481C1C}">
+                <a14:useLocalDpi xmlns:a14="http://schemas.microsoft.com/office/drawing/2010/main" val="0"/>
+              </a:ext>
+            </a:extLst>
+          </a:blip>
+          <a:srcRect/>
+          <a:stretch>
+            <a:fillRect/>
+          </a:stretch>
+        </p:blipFill>
+        <p:spPr bwMode="auto">
+          <a:xfrm>
+            <a:off x="838200" y="2224954"/>
+            <a:ext cx="10515600" cy="3552680"/>
+          </a:xfrm>
+          <a:prstGeom prst="rect">
+            <a:avLst/>
+          </a:prstGeom>
+          <a:noFill/>
+          <a:extLst>
+            <a:ext uri="{909E8E84-426E-40DD-AFC4-6F175D3DCCD1}">
+              <a14:hiddenFill xmlns:a14="http://schemas.microsoft.com/office/drawing/2010/main">
+                <a:solidFill>
+                  <a:srgbClr val="FFFFFF"/>
+                </a:solidFill>
+              </a14:hiddenFill>
+            </a:ext>
+          </a:extLst>
+        </p:spPr>
+      </p:pic>
+    </p:spTree>
+    <p:extLst>
+      <p:ext uri="{BB962C8B-B14F-4D97-AF65-F5344CB8AC3E}">
+        <p14:creationId xmlns:p14="http://schemas.microsoft.com/office/powerpoint/2010/main" val="2787264134"/>
+      </p:ext>
+    </p:extLst>
+  </p:cSld>
+  <p:clrMapOvr>
+    <a:masterClrMapping/>
+  </p:clrMapOvr>
+</p:sld>
+</file>
+
+<file path=ppt/slides/slide4.xml><?xml version="1.0" encoding="utf-8"?>
+<p:sld xmlns:a="http://schemas.openxmlformats.org/drawingml/2006/main" xmlns:r="http://schemas.openxmlformats.org/officeDocument/2006/relationships" xmlns:p="http://schemas.openxmlformats.org/presentationml/2006/main">
+  <p:cSld>
+    <p:spTree>
+      <p:nvGrpSpPr>
+        <p:cNvPr id="1" name=""/>
+        <p:cNvGrpSpPr/>
+        <p:nvPr/>
+      </p:nvGrpSpPr>
+      <p:grpSpPr>
+        <a:xfrm>
+          <a:off x="0" y="0"/>
+          <a:ext cx="0" cy="0"/>
+          <a:chOff x="0" y="0"/>
+          <a:chExt cx="0" cy="0"/>
+        </a:xfrm>
+      </p:grpSpPr>
+      <p:sp>
+        <p:nvSpPr>
+          <p:cNvPr id="2" name="Title 1"/>
+          <p:cNvSpPr>
+            <a:spLocks noGrp="1"/>
+          </p:cNvSpPr>
+          <p:nvPr>
+            <p:ph type="title"/>
+          </p:nvPr>
+        </p:nvSpPr>
+        <p:spPr/>
+        <p:txBody>
+          <a:bodyPr/>
+          <a:lstStyle/>
+          <a:p>
+            <a:r>
+              <a:rPr lang="vi-VN" dirty="0" smtClean="0"/>
+              <a:t>Convolution layer </a:t>
+            </a:r>
+            <a:endParaRPr lang="en-US" dirty="0"/>
+          </a:p>
+        </p:txBody>
+      </p:sp>
+      <p:pic>
+        <p:nvPicPr>
+          <p:cNvPr id="4" name="Content Placeholder 3"/>
+          <p:cNvPicPr>
+            <a:picLocks noGrp="1" noChangeAspect="1"/>
+          </p:cNvPicPr>
+          <p:nvPr>
+            <p:ph idx="1"/>
+          </p:nvPr>
+        </p:nvPicPr>
+        <p:blipFill>
+          <a:blip r:embed="rId2">
+            <a:extLst>
+              <a:ext uri="{28A0092B-C50C-407E-A947-70E740481C1C}">
+                <a14:useLocalDpi xmlns:a14="http://schemas.microsoft.com/office/drawing/2010/main" val="0"/>
+              </a:ext>
+            </a:extLst>
+          </a:blip>
+          <a:stretch>
+            <a:fillRect/>
+          </a:stretch>
+        </p:blipFill>
+        <p:spPr>
+          <a:xfrm>
+            <a:off x="3590925" y="2172494"/>
+            <a:ext cx="5010150" cy="3657600"/>
+          </a:xfrm>
+        </p:spPr>
+      </p:pic>
+    </p:spTree>
+    <p:extLst>
+      <p:ext uri="{BB962C8B-B14F-4D97-AF65-F5344CB8AC3E}">
+        <p14:creationId xmlns:p14="http://schemas.microsoft.com/office/powerpoint/2010/main" val="2242889819"/>
+      </p:ext>
+    </p:extLst>
+  </p:cSld>
+  <p:clrMapOvr>
+    <a:masterClrMapping/>
+  </p:clrMapOvr>
+</p:sld>
+</file>
+
+<file path=ppt/slides/slide5.xml><?xml version="1.0" encoding="utf-8"?>
+<p:sld xmlns:a="http://schemas.openxmlformats.org/drawingml/2006/main" xmlns:r="http://schemas.openxmlformats.org/officeDocument/2006/relationships" xmlns:p="http://schemas.openxmlformats.org/presentationml/2006/main">
+  <p:cSld>
+    <p:spTree>
+      <p:nvGrpSpPr>
+        <p:cNvPr id="1" name=""/>
+        <p:cNvGrpSpPr/>
+        <p:nvPr/>
+      </p:nvGrpSpPr>
+      <p:grpSpPr>
+        <a:xfrm>
+          <a:off x="0" y="0"/>
+          <a:ext cx="0" cy="0"/>
+          <a:chOff x="0" y="0"/>
+          <a:chExt cx="0" cy="0"/>
+        </a:xfrm>
+      </p:grpSpPr>
+      <p:sp>
+        <p:nvSpPr>
+          <p:cNvPr id="2" name="Title 1"/>
+          <p:cNvSpPr>
+            <a:spLocks noGrp="1"/>
+          </p:cNvSpPr>
+          <p:nvPr>
+            <p:ph type="title"/>
+          </p:nvPr>
+        </p:nvSpPr>
+        <p:spPr/>
+        <p:txBody>
+          <a:bodyPr/>
+          <a:lstStyle/>
+          <a:p>
+            <a:r>
+              <a:rPr lang="vi-VN" dirty="0" smtClean="0"/>
+              <a:t>Stride - padding</a:t>
+            </a:r>
+            <a:endParaRPr lang="en-US" dirty="0"/>
+          </a:p>
+        </p:txBody>
+      </p:sp>
+      <p:pic>
+        <p:nvPicPr>
+          <p:cNvPr id="2050" name="Picture 2" descr="Image for post"/>
+          <p:cNvPicPr>
+            <a:picLocks noGrp="1" noChangeAspect="1" noChangeArrowheads="1"/>
+          </p:cNvPicPr>
+          <p:nvPr>
+            <p:ph idx="1"/>
+          </p:nvPr>
+        </p:nvPicPr>
+        <p:blipFill>
+          <a:blip r:embed="rId2">
+            <a:extLst>
+              <a:ext uri="{28A0092B-C50C-407E-A947-70E740481C1C}">
+                <a14:useLocalDpi xmlns:a14="http://schemas.microsoft.com/office/drawing/2010/main" val="0"/>
+              </a:ext>
+            </a:extLst>
+          </a:blip>
+          <a:srcRect/>
+          <a:stretch>
+            <a:fillRect/>
+          </a:stretch>
+        </p:blipFill>
+        <p:spPr bwMode="auto">
+          <a:xfrm>
+            <a:off x="2786062" y="2553494"/>
+            <a:ext cx="6619875" cy="2895600"/>
+          </a:xfrm>
+          <a:prstGeom prst="rect">
+            <a:avLst/>
+          </a:prstGeom>
+          <a:noFill/>
+          <a:extLst>
+            <a:ext uri="{909E8E84-426E-40DD-AFC4-6F175D3DCCD1}">
+              <a14:hiddenFill xmlns:a14="http://schemas.microsoft.com/office/drawing/2010/main">
+                <a:solidFill>
+                  <a:srgbClr val="FFFFFF"/>
+                </a:solidFill>
+              </a14:hiddenFill>
+            </a:ext>
+          </a:extLst>
+        </p:spPr>
+      </p:pic>
+    </p:spTree>
+    <p:extLst>
+      <p:ext uri="{BB962C8B-B14F-4D97-AF65-F5344CB8AC3E}">
+        <p14:creationId xmlns:p14="http://schemas.microsoft.com/office/powerpoint/2010/main" val="3472739859"/>
+      </p:ext>
+    </p:extLst>
+  </p:cSld>
+  <p:clrMapOvr>
+    <a:masterClrMapping/>
+  </p:clrMapOvr>
+</p:sld>
+</file>
+
+<file path=ppt/slides/slide6.xml><?xml version="1.0" encoding="utf-8"?>
+<p:sld xmlns:a="http://schemas.openxmlformats.org/drawingml/2006/main" xmlns:r="http://schemas.openxmlformats.org/officeDocument/2006/relationships" xmlns:p="http://schemas.openxmlformats.org/presentationml/2006/main">
+  <p:cSld>
+    <p:spTree>
+      <p:nvGrpSpPr>
+        <p:cNvPr id="1" name=""/>
+        <p:cNvGrpSpPr/>
+        <p:nvPr/>
+      </p:nvGrpSpPr>
+      <p:grpSpPr>
+        <a:xfrm>
+          <a:off x="0" y="0"/>
+          <a:ext cx="0" cy="0"/>
+          <a:chOff x="0" y="0"/>
+          <a:chExt cx="0" cy="0"/>
+        </a:xfrm>
+      </p:grpSpPr>
+      <p:sp>
+        <p:nvSpPr>
+          <p:cNvPr id="2" name="Title 1"/>
+          <p:cNvSpPr>
+            <a:spLocks noGrp="1"/>
+          </p:cNvSpPr>
+          <p:nvPr>
+            <p:ph type="title"/>
+          </p:nvPr>
+        </p:nvSpPr>
+        <p:spPr/>
+        <p:txBody>
+          <a:bodyPr/>
+          <a:lstStyle/>
+          <a:p>
+            <a:r>
+              <a:rPr lang="vi-VN" dirty="0" smtClean="0"/>
+              <a:t>Softmax function</a:t>
+            </a:r>
+            <a:endParaRPr lang="en-US" dirty="0"/>
+          </a:p>
+        </p:txBody>
+      </p:sp>
+      <p:pic>
+        <p:nvPicPr>
+          <p:cNvPr id="3074" name="Picture 2" descr="Image for post"/>
+          <p:cNvPicPr>
+            <a:picLocks noGrp="1" noChangeAspect="1" noChangeArrowheads="1"/>
+          </p:cNvPicPr>
+          <p:nvPr>
+            <p:ph idx="1"/>
+          </p:nvPr>
+        </p:nvPicPr>
+        <p:blipFill>
+          <a:blip r:embed="rId2">
+            <a:extLst>
+              <a:ext uri="{28A0092B-C50C-407E-A947-70E740481C1C}">
+                <a14:useLocalDpi xmlns:a14="http://schemas.microsoft.com/office/drawing/2010/main" val="0"/>
+              </a:ext>
+            </a:extLst>
+          </a:blip>
+          <a:srcRect/>
+          <a:stretch>
+            <a:fillRect/>
+          </a:stretch>
+        </p:blipFill>
+        <p:spPr bwMode="auto">
+          <a:xfrm>
+            <a:off x="3957637" y="2991644"/>
+            <a:ext cx="4276725" cy="2019300"/>
+          </a:xfrm>
+          <a:prstGeom prst="rect">
+            <a:avLst/>
+          </a:prstGeom>
+          <a:noFill/>
+          <a:extLst>
+            <a:ext uri="{909E8E84-426E-40DD-AFC4-6F175D3DCCD1}">
+              <a14:hiddenFill xmlns:a14="http://schemas.microsoft.com/office/drawing/2010/main">
+                <a:solidFill>
+                  <a:srgbClr val="FFFFFF"/>
+                </a:solidFill>
+              </a14:hiddenFill>
+            </a:ext>
+          </a:extLst>
+        </p:spPr>
+      </p:pic>
+    </p:spTree>
+    <p:extLst>
+      <p:ext uri="{BB962C8B-B14F-4D97-AF65-F5344CB8AC3E}">
+        <p14:creationId xmlns:p14="http://schemas.microsoft.com/office/powerpoint/2010/main" val="4257556904"/>
+      </p:ext>
+    </p:extLst>
+  </p:cSld>
+  <p:clrMapOvr>
+    <a:masterClrMapping/>
+  </p:clrMapOvr>
+</p:sld>
+</file>
+
+<file path=ppt/slides/slide7.xml><?xml version="1.0" encoding="utf-8"?>
+<p:sld xmlns:a="http://schemas.openxmlformats.org/drawingml/2006/main" xmlns:r="http://schemas.openxmlformats.org/officeDocument/2006/relationships" xmlns:p="http://schemas.openxmlformats.org/presentationml/2006/main">
+  <p:cSld>
+    <p:spTree>
+      <p:nvGrpSpPr>
+        <p:cNvPr id="1" name=""/>
+        <p:cNvGrpSpPr/>
+        <p:nvPr/>
+      </p:nvGrpSpPr>
+      <p:grpSpPr>
+        <a:xfrm>
+          <a:off x="0" y="0"/>
+          <a:ext cx="0" cy="0"/>
+          <a:chOff x="0" y="0"/>
+          <a:chExt cx="0" cy="0"/>
+        </a:xfrm>
+      </p:grpSpPr>
+      <p:sp>
+        <p:nvSpPr>
+          <p:cNvPr id="2" name="Title 1"/>
+          <p:cNvSpPr>
+            <a:spLocks noGrp="1"/>
+          </p:cNvSpPr>
+          <p:nvPr>
+            <p:ph type="title"/>
+          </p:nvPr>
+        </p:nvSpPr>
+        <p:spPr/>
+        <p:txBody>
+          <a:bodyPr/>
+          <a:lstStyle/>
+          <a:p>
+            <a:r>
+              <a:rPr lang="vi-VN" dirty="0" smtClean="0"/>
+              <a:t>Pooling layer</a:t>
+            </a:r>
+            <a:endParaRPr lang="en-US" dirty="0"/>
+          </a:p>
+        </p:txBody>
+      </p:sp>
+      <p:pic>
+        <p:nvPicPr>
+          <p:cNvPr id="4098" name="Picture 2" descr="Image for post"/>
+          <p:cNvPicPr>
+            <a:picLocks noGrp="1" noChangeAspect="1" noChangeArrowheads="1"/>
+          </p:cNvPicPr>
+          <p:nvPr>
+            <p:ph idx="1"/>
+          </p:nvPr>
+        </p:nvPicPr>
+        <p:blipFill>
+          <a:blip r:embed="rId2">
+            <a:extLst>
+              <a:ext uri="{28A0092B-C50C-407E-A947-70E740481C1C}">
+                <a14:useLocalDpi xmlns:a14="http://schemas.microsoft.com/office/drawing/2010/main" val="0"/>
+              </a:ext>
+            </a:extLst>
+          </a:blip>
+          <a:srcRect/>
+          <a:stretch>
+            <a:fillRect/>
+          </a:stretch>
+        </p:blipFill>
+        <p:spPr bwMode="auto">
+          <a:xfrm>
+            <a:off x="3228975" y="2634456"/>
+            <a:ext cx="5734050" cy="2733675"/>
+          </a:xfrm>
+          <a:prstGeom prst="rect">
+            <a:avLst/>
+          </a:prstGeom>
+          <a:noFill/>
+          <a:extLst>
+            <a:ext uri="{909E8E84-426E-40DD-AFC4-6F175D3DCCD1}">
+              <a14:hiddenFill xmlns:a14="http://schemas.microsoft.com/office/drawing/2010/main">
+                <a:solidFill>
+                  <a:srgbClr val="FFFFFF"/>
+                </a:solidFill>
+              </a14:hiddenFill>
+            </a:ext>
+          </a:extLst>
+        </p:spPr>
+      </p:pic>
+    </p:spTree>
+    <p:extLst>
+      <p:ext uri="{BB962C8B-B14F-4D97-AF65-F5344CB8AC3E}">
+        <p14:creationId xmlns:p14="http://schemas.microsoft.com/office/powerpoint/2010/main" val="1414365083"/>
+      </p:ext>
+    </p:extLst>
+  </p:cSld>
+  <p:clrMapOvr>
+    <a:masterClrMapping/>
+  </p:clrMapOvr>
+</p:sld>
+</file>
+
+<file path=ppt/slides/slide8.xml><?xml version="1.0" encoding="utf-8"?>
+<p:sld xmlns:a="http://schemas.openxmlformats.org/drawingml/2006/main" xmlns:r="http://schemas.openxmlformats.org/officeDocument/2006/relationships" xmlns:p="http://schemas.openxmlformats.org/presentationml/2006/main">
+  <p:cSld>
+    <p:spTree>
+      <p:nvGrpSpPr>
+        <p:cNvPr id="1" name=""/>
+        <p:cNvGrpSpPr/>
+        <p:nvPr/>
+      </p:nvGrpSpPr>
+      <p:grpSpPr>
+        <a:xfrm>
+          <a:off x="0" y="0"/>
+          <a:ext cx="0" cy="0"/>
+          <a:chOff x="0" y="0"/>
+          <a:chExt cx="0" cy="0"/>
+        </a:xfrm>
+      </p:grpSpPr>
+      <p:sp>
+        <p:nvSpPr>
+          <p:cNvPr id="2" name="Title 1"/>
+          <p:cNvSpPr>
+            <a:spLocks noGrp="1"/>
+          </p:cNvSpPr>
+          <p:nvPr>
+            <p:ph type="title"/>
+          </p:nvPr>
+        </p:nvSpPr>
+        <p:spPr/>
+        <p:txBody>
+          <a:bodyPr/>
+          <a:lstStyle/>
+          <a:p>
+            <a:r>
+              <a:rPr lang="vi-VN" dirty="0" smtClean="0"/>
+              <a:t>Fully connected layer </a:t>
+            </a:r>
+            <a:endParaRPr lang="en-US" dirty="0"/>
+          </a:p>
+        </p:txBody>
+      </p:sp>
+      <p:pic>
+        <p:nvPicPr>
+          <p:cNvPr id="5122" name="Picture 2" descr="Image for post"/>
+          <p:cNvPicPr>
+            <a:picLocks noGrp="1" noChangeAspect="1" noChangeArrowheads="1"/>
+          </p:cNvPicPr>
+          <p:nvPr>
+            <p:ph idx="1"/>
+          </p:nvPr>
+        </p:nvPicPr>
+        <p:blipFill>
+          <a:blip r:embed="rId2">
+            <a:extLst>
+              <a:ext uri="{28A0092B-C50C-407E-A947-70E740481C1C}">
+                <a14:useLocalDpi xmlns:a14="http://schemas.microsoft.com/office/drawing/2010/main" val="0"/>
+              </a:ext>
+            </a:extLst>
+          </a:blip>
+          <a:srcRect/>
+          <a:stretch>
+            <a:fillRect/>
+          </a:stretch>
+        </p:blipFill>
+        <p:spPr bwMode="auto">
+          <a:xfrm>
+            <a:off x="3457575" y="2572544"/>
+            <a:ext cx="5276850" cy="2857500"/>
+          </a:xfrm>
+          <a:prstGeom prst="rect">
+            <a:avLst/>
+          </a:prstGeom>
+          <a:noFill/>
+          <a:extLst>
+            <a:ext uri="{909E8E84-426E-40DD-AFC4-6F175D3DCCD1}">
+              <a14:hiddenFill xmlns:a14="http://schemas.microsoft.com/office/drawing/2010/main">
+                <a:solidFill>
+                  <a:srgbClr val="FFFFFF"/>
+                </a:solidFill>
+              </a14:hiddenFill>
+            </a:ext>
+          </a:extLst>
+        </p:spPr>
+      </p:pic>
+    </p:spTree>
+    <p:extLst>
+      <p:ext uri="{BB962C8B-B14F-4D97-AF65-F5344CB8AC3E}">
+        <p14:creationId xmlns:p14="http://schemas.microsoft.com/office/powerpoint/2010/main" val="3594928109"/>
+      </p:ext>
+    </p:extLst>
+  </p:cSld>
+  <p:clrMapOvr>
+    <a:masterClrMapping/>
+  </p:clrMapOvr>
+</p:sld>
+</file>
+
+<file path=ppt/slides/slide9.xml><?xml version="1.0" encoding="utf-8"?>
+<p:sld xmlns:a="http://schemas.openxmlformats.org/drawingml/2006/main" xmlns:r="http://schemas.openxmlformats.org/officeDocument/2006/relationships" xmlns:p="http://schemas.openxmlformats.org/presentationml/2006/main">
+  <p:cSld>
+    <p:spTree>
+      <p:nvGrpSpPr>
+        <p:cNvPr id="1" name=""/>
+        <p:cNvGrpSpPr/>
+        <p:nvPr/>
+      </p:nvGrpSpPr>
+      <p:grpSpPr>
+        <a:xfrm>
+          <a:off x="0" y="0"/>
+          <a:ext cx="0" cy="0"/>
+          <a:chOff x="0" y="0"/>
+          <a:chExt cx="0" cy="0"/>
+        </a:xfrm>
+      </p:grpSpPr>
+      <p:sp>
+        <p:nvSpPr>
+          <p:cNvPr id="2" name="Title 1"/>
+          <p:cNvSpPr>
+            <a:spLocks noGrp="1"/>
+          </p:cNvSpPr>
+          <p:nvPr>
+            <p:ph type="title"/>
+          </p:nvPr>
+        </p:nvSpPr>
+        <p:spPr/>
+        <p:txBody>
+          <a:bodyPr/>
+          <a:lstStyle/>
+          <a:p>
+            <a:endParaRPr lang="en-US"/>
+          </a:p>
+        </p:txBody>
+      </p:sp>
+      <p:pic>
+        <p:nvPicPr>
+          <p:cNvPr id="6146" name="Picture 2" descr="Image for post"/>
+          <p:cNvPicPr>
+            <a:picLocks noGrp="1" noChangeAspect="1" noChangeArrowheads="1"/>
+          </p:cNvPicPr>
+          <p:nvPr>
+            <p:ph idx="1"/>
+          </p:nvPr>
+        </p:nvPicPr>
+        <p:blipFill>
+          <a:blip r:embed="rId2">
+            <a:extLst>
+              <a:ext uri="{28A0092B-C50C-407E-A947-70E740481C1C}">
+                <a14:useLocalDpi xmlns:a14="http://schemas.microsoft.com/office/drawing/2010/main" val="0"/>
+              </a:ext>
+            </a:extLst>
+          </a:blip>
+          <a:srcRect/>
+          <a:stretch>
+            <a:fillRect/>
+          </a:stretch>
+        </p:blipFill>
+        <p:spPr bwMode="auto">
+          <a:xfrm>
+            <a:off x="1581150" y="2905919"/>
+            <a:ext cx="9029700" cy="2190750"/>
+          </a:xfrm>
+          <a:prstGeom prst="rect">
+            <a:avLst/>
+          </a:prstGeom>
+          <a:noFill/>
+          <a:extLst>
+            <a:ext uri="{909E8E84-426E-40DD-AFC4-6F175D3DCCD1}">
+              <a14:hiddenFill xmlns:a14="http://schemas.microsoft.com/office/drawing/2010/main">
+                <a:solidFill>
+                  <a:srgbClr val="FFFFFF"/>
+                </a:solidFill>
+              </a14:hiddenFill>
+            </a:ext>
+          </a:extLst>
+        </p:spPr>
+      </p:pic>
+    </p:spTree>
+    <p:extLst>
+      <p:ext uri="{BB962C8B-B14F-4D97-AF65-F5344CB8AC3E}">
+        <p14:creationId xmlns:p14="http://schemas.microsoft.com/office/powerpoint/2010/main" val="2931463693"/>
       </p:ext>
     </p:extLst>
   </p:cSld>

--- a/Face Recognition Algorithm Based on VGG Network Model.pptx
+++ b/Face Recognition Algorithm Based on VGG Network Model.pptx
@@ -8,13 +8,18 @@
     <p:sldId id="256" r:id="rId2"/>
     <p:sldId id="258" r:id="rId3"/>
     <p:sldId id="259" r:id="rId4"/>
-    <p:sldId id="260" r:id="rId5"/>
-    <p:sldId id="261" r:id="rId6"/>
-    <p:sldId id="262" r:id="rId7"/>
-    <p:sldId id="263" r:id="rId8"/>
-    <p:sldId id="264" r:id="rId9"/>
-    <p:sldId id="265" r:id="rId10"/>
-    <p:sldId id="257" r:id="rId11"/>
+    <p:sldId id="266" r:id="rId5"/>
+    <p:sldId id="260" r:id="rId6"/>
+    <p:sldId id="261" r:id="rId7"/>
+    <p:sldId id="267" r:id="rId8"/>
+    <p:sldId id="268" r:id="rId9"/>
+    <p:sldId id="263" r:id="rId10"/>
+    <p:sldId id="262" r:id="rId11"/>
+    <p:sldId id="264" r:id="rId12"/>
+    <p:sldId id="269" r:id="rId13"/>
+    <p:sldId id="270" r:id="rId14"/>
+    <p:sldId id="265" r:id="rId15"/>
+    <p:sldId id="257" r:id="rId16"/>
   </p:sldIdLst>
   <p:sldSz cx="12192000" cy="6858000"/>
   <p:notesSz cx="6858000" cy="9144000"/>
@@ -252,7 +257,7 @@
           <a:p>
             <a:fld id="{A9D72E2C-C581-45C7-8729-02149165DC38}" type="datetimeFigureOut">
               <a:rPr lang="en-US" smtClean="0"/>
-              <a:t>10/17/2020</a:t>
+              <a:t>10/18/2020</a:t>
             </a:fld>
             <a:endParaRPr lang="en-US"/>
           </a:p>
@@ -422,7 +427,7 @@
           <a:p>
             <a:fld id="{A9D72E2C-C581-45C7-8729-02149165DC38}" type="datetimeFigureOut">
               <a:rPr lang="en-US" smtClean="0"/>
-              <a:t>10/17/2020</a:t>
+              <a:t>10/18/2020</a:t>
             </a:fld>
             <a:endParaRPr lang="en-US"/>
           </a:p>
@@ -602,7 +607,7 @@
           <a:p>
             <a:fld id="{A9D72E2C-C581-45C7-8729-02149165DC38}" type="datetimeFigureOut">
               <a:rPr lang="en-US" smtClean="0"/>
-              <a:t>10/17/2020</a:t>
+              <a:t>10/18/2020</a:t>
             </a:fld>
             <a:endParaRPr lang="en-US"/>
           </a:p>
@@ -772,7 +777,7 @@
           <a:p>
             <a:fld id="{A9D72E2C-C581-45C7-8729-02149165DC38}" type="datetimeFigureOut">
               <a:rPr lang="en-US" smtClean="0"/>
-              <a:t>10/17/2020</a:t>
+              <a:t>10/18/2020</a:t>
             </a:fld>
             <a:endParaRPr lang="en-US"/>
           </a:p>
@@ -1018,7 +1023,7 @@
           <a:p>
             <a:fld id="{A9D72E2C-C581-45C7-8729-02149165DC38}" type="datetimeFigureOut">
               <a:rPr lang="en-US" smtClean="0"/>
-              <a:t>10/17/2020</a:t>
+              <a:t>10/18/2020</a:t>
             </a:fld>
             <a:endParaRPr lang="en-US"/>
           </a:p>
@@ -1250,7 +1255,7 @@
           <a:p>
             <a:fld id="{A9D72E2C-C581-45C7-8729-02149165DC38}" type="datetimeFigureOut">
               <a:rPr lang="en-US" smtClean="0"/>
-              <a:t>10/17/2020</a:t>
+              <a:t>10/18/2020</a:t>
             </a:fld>
             <a:endParaRPr lang="en-US"/>
           </a:p>
@@ -1617,7 +1622,7 @@
           <a:p>
             <a:fld id="{A9D72E2C-C581-45C7-8729-02149165DC38}" type="datetimeFigureOut">
               <a:rPr lang="en-US" smtClean="0"/>
-              <a:t>10/17/2020</a:t>
+              <a:t>10/18/2020</a:t>
             </a:fld>
             <a:endParaRPr lang="en-US"/>
           </a:p>
@@ -1735,7 +1740,7 @@
           <a:p>
             <a:fld id="{A9D72E2C-C581-45C7-8729-02149165DC38}" type="datetimeFigureOut">
               <a:rPr lang="en-US" smtClean="0"/>
-              <a:t>10/17/2020</a:t>
+              <a:t>10/18/2020</a:t>
             </a:fld>
             <a:endParaRPr lang="en-US"/>
           </a:p>
@@ -1830,7 +1835,7 @@
           <a:p>
             <a:fld id="{A9D72E2C-C581-45C7-8729-02149165DC38}" type="datetimeFigureOut">
               <a:rPr lang="en-US" smtClean="0"/>
-              <a:t>10/17/2020</a:t>
+              <a:t>10/18/2020</a:t>
             </a:fld>
             <a:endParaRPr lang="en-US"/>
           </a:p>
@@ -2107,7 +2112,7 @@
           <a:p>
             <a:fld id="{A9D72E2C-C581-45C7-8729-02149165DC38}" type="datetimeFigureOut">
               <a:rPr lang="en-US" smtClean="0"/>
-              <a:t>10/17/2020</a:t>
+              <a:t>10/18/2020</a:t>
             </a:fld>
             <a:endParaRPr lang="en-US"/>
           </a:p>
@@ -2360,7 +2365,7 @@
           <a:p>
             <a:fld id="{A9D72E2C-C581-45C7-8729-02149165DC38}" type="datetimeFigureOut">
               <a:rPr lang="en-US" smtClean="0"/>
-              <a:t>10/17/2020</a:t>
+              <a:t>10/18/2020</a:t>
             </a:fld>
             <a:endParaRPr lang="en-US"/>
           </a:p>
@@ -2573,7 +2578,7 @@
           <a:p>
             <a:fld id="{A9D72E2C-C581-45C7-8729-02149165DC38}" type="datetimeFigureOut">
               <a:rPr lang="en-US" smtClean="0"/>
-              <a:t>10/17/2020</a:t>
+              <a:t>10/18/2020</a:t>
             </a:fld>
             <a:endParaRPr lang="en-US"/>
           </a:p>
@@ -3089,6 +3094,448 @@
           <a:lstStyle/>
           <a:p>
             <a:r>
+              <a:rPr lang="vi-VN" dirty="0" smtClean="0"/>
+              <a:t>Softmax </a:t>
+            </a:r>
+            <a:r>
+              <a:rPr lang="vi-VN" dirty="0" smtClean="0"/>
+              <a:t>function</a:t>
+            </a:r>
+            <a:r>
+              <a:rPr lang="en-US" dirty="0" smtClean="0"/>
+              <a:t>( Normalization)</a:t>
+            </a:r>
+            <a:endParaRPr lang="en-US" dirty="0"/>
+          </a:p>
+        </p:txBody>
+      </p:sp>
+      <p:pic>
+        <p:nvPicPr>
+          <p:cNvPr id="3074" name="Picture 2" descr="Image for post"/>
+          <p:cNvPicPr>
+            <a:picLocks noGrp="1" noChangeAspect="1" noChangeArrowheads="1"/>
+          </p:cNvPicPr>
+          <p:nvPr>
+            <p:ph idx="1"/>
+          </p:nvPr>
+        </p:nvPicPr>
+        <p:blipFill>
+          <a:blip r:embed="rId2">
+            <a:extLst>
+              <a:ext uri="{28A0092B-C50C-407E-A947-70E740481C1C}">
+                <a14:useLocalDpi xmlns:a14="http://schemas.microsoft.com/office/drawing/2010/main" val="0"/>
+              </a:ext>
+            </a:extLst>
+          </a:blip>
+          <a:srcRect/>
+          <a:stretch>
+            <a:fillRect/>
+          </a:stretch>
+        </p:blipFill>
+        <p:spPr bwMode="auto">
+          <a:xfrm>
+            <a:off x="3957637" y="2991644"/>
+            <a:ext cx="4276725" cy="2019300"/>
+          </a:xfrm>
+          <a:prstGeom prst="rect">
+            <a:avLst/>
+          </a:prstGeom>
+          <a:noFill/>
+          <a:extLst>
+            <a:ext uri="{909E8E84-426E-40DD-AFC4-6F175D3DCCD1}">
+              <a14:hiddenFill xmlns:a14="http://schemas.microsoft.com/office/drawing/2010/main">
+                <a:solidFill>
+                  <a:srgbClr val="FFFFFF"/>
+                </a:solidFill>
+              </a14:hiddenFill>
+            </a:ext>
+          </a:extLst>
+        </p:spPr>
+      </p:pic>
+    </p:spTree>
+    <p:extLst>
+      <p:ext uri="{BB962C8B-B14F-4D97-AF65-F5344CB8AC3E}">
+        <p14:creationId xmlns:p14="http://schemas.microsoft.com/office/powerpoint/2010/main" val="4257556904"/>
+      </p:ext>
+    </p:extLst>
+  </p:cSld>
+  <p:clrMapOvr>
+    <a:masterClrMapping/>
+  </p:clrMapOvr>
+</p:sld>
+</file>
+
+<file path=ppt/slides/slide11.xml><?xml version="1.0" encoding="utf-8"?>
+<p:sld xmlns:a="http://schemas.openxmlformats.org/drawingml/2006/main" xmlns:r="http://schemas.openxmlformats.org/officeDocument/2006/relationships" xmlns:p="http://schemas.openxmlformats.org/presentationml/2006/main">
+  <p:cSld>
+    <p:spTree>
+      <p:nvGrpSpPr>
+        <p:cNvPr id="1" name=""/>
+        <p:cNvGrpSpPr/>
+        <p:nvPr/>
+      </p:nvGrpSpPr>
+      <p:grpSpPr>
+        <a:xfrm>
+          <a:off x="0" y="0"/>
+          <a:ext cx="0" cy="0"/>
+          <a:chOff x="0" y="0"/>
+          <a:chExt cx="0" cy="0"/>
+        </a:xfrm>
+      </p:grpSpPr>
+      <p:sp>
+        <p:nvSpPr>
+          <p:cNvPr id="2" name="Title 1"/>
+          <p:cNvSpPr>
+            <a:spLocks noGrp="1"/>
+          </p:cNvSpPr>
+          <p:nvPr>
+            <p:ph type="title"/>
+          </p:nvPr>
+        </p:nvSpPr>
+        <p:spPr/>
+        <p:txBody>
+          <a:bodyPr/>
+          <a:lstStyle/>
+          <a:p>
+            <a:r>
+              <a:rPr lang="vi-VN" dirty="0" smtClean="0"/>
+              <a:t>Fully connected layer </a:t>
+            </a:r>
+            <a:endParaRPr lang="en-US" dirty="0"/>
+          </a:p>
+        </p:txBody>
+      </p:sp>
+      <p:pic>
+        <p:nvPicPr>
+          <p:cNvPr id="5122" name="Picture 2" descr="Image for post"/>
+          <p:cNvPicPr>
+            <a:picLocks noGrp="1" noChangeAspect="1" noChangeArrowheads="1"/>
+          </p:cNvPicPr>
+          <p:nvPr>
+            <p:ph idx="1"/>
+          </p:nvPr>
+        </p:nvPicPr>
+        <p:blipFill>
+          <a:blip r:embed="rId2">
+            <a:extLst>
+              <a:ext uri="{28A0092B-C50C-407E-A947-70E740481C1C}">
+                <a14:useLocalDpi xmlns:a14="http://schemas.microsoft.com/office/drawing/2010/main" val="0"/>
+              </a:ext>
+            </a:extLst>
+          </a:blip>
+          <a:srcRect/>
+          <a:stretch>
+            <a:fillRect/>
+          </a:stretch>
+        </p:blipFill>
+        <p:spPr bwMode="auto">
+          <a:xfrm>
+            <a:off x="3457575" y="2572544"/>
+            <a:ext cx="5276850" cy="2857500"/>
+          </a:xfrm>
+          <a:prstGeom prst="rect">
+            <a:avLst/>
+          </a:prstGeom>
+          <a:noFill/>
+          <a:extLst>
+            <a:ext uri="{909E8E84-426E-40DD-AFC4-6F175D3DCCD1}">
+              <a14:hiddenFill xmlns:a14="http://schemas.microsoft.com/office/drawing/2010/main">
+                <a:solidFill>
+                  <a:srgbClr val="FFFFFF"/>
+                </a:solidFill>
+              </a14:hiddenFill>
+            </a:ext>
+          </a:extLst>
+        </p:spPr>
+      </p:pic>
+    </p:spTree>
+    <p:extLst>
+      <p:ext uri="{BB962C8B-B14F-4D97-AF65-F5344CB8AC3E}">
+        <p14:creationId xmlns:p14="http://schemas.microsoft.com/office/powerpoint/2010/main" val="3594928109"/>
+      </p:ext>
+    </p:extLst>
+  </p:cSld>
+  <p:clrMapOvr>
+    <a:masterClrMapping/>
+  </p:clrMapOvr>
+</p:sld>
+</file>
+
+<file path=ppt/slides/slide12.xml><?xml version="1.0" encoding="utf-8"?>
+<p:sld xmlns:a="http://schemas.openxmlformats.org/drawingml/2006/main" xmlns:r="http://schemas.openxmlformats.org/officeDocument/2006/relationships" xmlns:p="http://schemas.openxmlformats.org/presentationml/2006/main">
+  <p:cSld>
+    <p:spTree>
+      <p:nvGrpSpPr>
+        <p:cNvPr id="1" name=""/>
+        <p:cNvGrpSpPr/>
+        <p:nvPr/>
+      </p:nvGrpSpPr>
+      <p:grpSpPr>
+        <a:xfrm>
+          <a:off x="0" y="0"/>
+          <a:ext cx="0" cy="0"/>
+          <a:chOff x="0" y="0"/>
+          <a:chExt cx="0" cy="0"/>
+        </a:xfrm>
+      </p:grpSpPr>
+      <p:sp>
+        <p:nvSpPr>
+          <p:cNvPr id="2" name="Title 1"/>
+          <p:cNvSpPr>
+            <a:spLocks noGrp="1"/>
+          </p:cNvSpPr>
+          <p:nvPr>
+            <p:ph type="title"/>
+          </p:nvPr>
+        </p:nvSpPr>
+        <p:spPr/>
+        <p:txBody>
+          <a:bodyPr/>
+          <a:lstStyle/>
+          <a:p>
+            <a:endParaRPr lang="en-US"/>
+          </a:p>
+        </p:txBody>
+      </p:sp>
+      <p:pic>
+        <p:nvPicPr>
+          <p:cNvPr id="5" name="Content Placeholder 4"/>
+          <p:cNvPicPr>
+            <a:picLocks noGrp="1" noChangeAspect="1"/>
+          </p:cNvPicPr>
+          <p:nvPr>
+            <p:ph idx="1"/>
+          </p:nvPr>
+        </p:nvPicPr>
+        <p:blipFill>
+          <a:blip r:embed="rId2"/>
+          <a:stretch>
+            <a:fillRect/>
+          </a:stretch>
+        </p:blipFill>
+        <p:spPr>
+          <a:xfrm>
+            <a:off x="0" y="0"/>
+            <a:ext cx="12192000" cy="6858000"/>
+          </a:xfrm>
+          <a:prstGeom prst="rect">
+            <a:avLst/>
+          </a:prstGeom>
+        </p:spPr>
+      </p:pic>
+    </p:spTree>
+    <p:extLst>
+      <p:ext uri="{BB962C8B-B14F-4D97-AF65-F5344CB8AC3E}">
+        <p14:creationId xmlns:p14="http://schemas.microsoft.com/office/powerpoint/2010/main" val="2544249161"/>
+      </p:ext>
+    </p:extLst>
+  </p:cSld>
+  <p:clrMapOvr>
+    <a:masterClrMapping/>
+  </p:clrMapOvr>
+</p:sld>
+</file>
+
+<file path=ppt/slides/slide13.xml><?xml version="1.0" encoding="utf-8"?>
+<p:sld xmlns:a="http://schemas.openxmlformats.org/drawingml/2006/main" xmlns:r="http://schemas.openxmlformats.org/officeDocument/2006/relationships" xmlns:p="http://schemas.openxmlformats.org/presentationml/2006/main">
+  <p:cSld>
+    <p:spTree>
+      <p:nvGrpSpPr>
+        <p:cNvPr id="1" name=""/>
+        <p:cNvGrpSpPr/>
+        <p:nvPr/>
+      </p:nvGrpSpPr>
+      <p:grpSpPr>
+        <a:xfrm>
+          <a:off x="0" y="0"/>
+          <a:ext cx="0" cy="0"/>
+          <a:chOff x="0" y="0"/>
+          <a:chExt cx="0" cy="0"/>
+        </a:xfrm>
+      </p:grpSpPr>
+      <p:sp>
+        <p:nvSpPr>
+          <p:cNvPr id="2" name="Title 1"/>
+          <p:cNvSpPr>
+            <a:spLocks noGrp="1"/>
+          </p:cNvSpPr>
+          <p:nvPr>
+            <p:ph type="title"/>
+          </p:nvPr>
+        </p:nvSpPr>
+        <p:spPr/>
+        <p:txBody>
+          <a:bodyPr/>
+          <a:lstStyle/>
+          <a:p>
+            <a:endParaRPr lang="en-US"/>
+          </a:p>
+        </p:txBody>
+      </p:sp>
+      <p:pic>
+        <p:nvPicPr>
+          <p:cNvPr id="4" name="Content Placeholder 3"/>
+          <p:cNvPicPr>
+            <a:picLocks noGrp="1" noChangeAspect="1"/>
+          </p:cNvPicPr>
+          <p:nvPr>
+            <p:ph idx="1"/>
+          </p:nvPr>
+        </p:nvPicPr>
+        <p:blipFill>
+          <a:blip r:embed="rId2"/>
+          <a:stretch>
+            <a:fillRect/>
+          </a:stretch>
+        </p:blipFill>
+        <p:spPr>
+          <a:xfrm>
+            <a:off x="0" y="0"/>
+            <a:ext cx="12192000" cy="6858000"/>
+          </a:xfrm>
+          <a:prstGeom prst="rect">
+            <a:avLst/>
+          </a:prstGeom>
+        </p:spPr>
+      </p:pic>
+    </p:spTree>
+    <p:extLst>
+      <p:ext uri="{BB962C8B-B14F-4D97-AF65-F5344CB8AC3E}">
+        <p14:creationId xmlns:p14="http://schemas.microsoft.com/office/powerpoint/2010/main" val="2109874004"/>
+      </p:ext>
+    </p:extLst>
+  </p:cSld>
+  <p:clrMapOvr>
+    <a:masterClrMapping/>
+  </p:clrMapOvr>
+</p:sld>
+</file>
+
+<file path=ppt/slides/slide14.xml><?xml version="1.0" encoding="utf-8"?>
+<p:sld xmlns:a="http://schemas.openxmlformats.org/drawingml/2006/main" xmlns:r="http://schemas.openxmlformats.org/officeDocument/2006/relationships" xmlns:p="http://schemas.openxmlformats.org/presentationml/2006/main">
+  <p:cSld>
+    <p:spTree>
+      <p:nvGrpSpPr>
+        <p:cNvPr id="1" name=""/>
+        <p:cNvGrpSpPr/>
+        <p:nvPr/>
+      </p:nvGrpSpPr>
+      <p:grpSpPr>
+        <a:xfrm>
+          <a:off x="0" y="0"/>
+          <a:ext cx="0" cy="0"/>
+          <a:chOff x="0" y="0"/>
+          <a:chExt cx="0" cy="0"/>
+        </a:xfrm>
+      </p:grpSpPr>
+      <p:sp>
+        <p:nvSpPr>
+          <p:cNvPr id="2" name="Title 1"/>
+          <p:cNvSpPr>
+            <a:spLocks noGrp="1"/>
+          </p:cNvSpPr>
+          <p:nvPr>
+            <p:ph type="title"/>
+          </p:nvPr>
+        </p:nvSpPr>
+        <p:spPr/>
+        <p:txBody>
+          <a:bodyPr/>
+          <a:lstStyle/>
+          <a:p>
+            <a:endParaRPr lang="en-US"/>
+          </a:p>
+        </p:txBody>
+      </p:sp>
+      <p:pic>
+        <p:nvPicPr>
+          <p:cNvPr id="6146" name="Picture 2" descr="Image for post"/>
+          <p:cNvPicPr>
+            <a:picLocks noGrp="1" noChangeAspect="1" noChangeArrowheads="1"/>
+          </p:cNvPicPr>
+          <p:nvPr>
+            <p:ph idx="1"/>
+          </p:nvPr>
+        </p:nvPicPr>
+        <p:blipFill>
+          <a:blip r:embed="rId2">
+            <a:extLst>
+              <a:ext uri="{28A0092B-C50C-407E-A947-70E740481C1C}">
+                <a14:useLocalDpi xmlns:a14="http://schemas.microsoft.com/office/drawing/2010/main" val="0"/>
+              </a:ext>
+            </a:extLst>
+          </a:blip>
+          <a:srcRect/>
+          <a:stretch>
+            <a:fillRect/>
+          </a:stretch>
+        </p:blipFill>
+        <p:spPr bwMode="auto">
+          <a:xfrm>
+            <a:off x="1581150" y="2905919"/>
+            <a:ext cx="9029700" cy="2190750"/>
+          </a:xfrm>
+          <a:prstGeom prst="rect">
+            <a:avLst/>
+          </a:prstGeom>
+          <a:noFill/>
+          <a:extLst>
+            <a:ext uri="{909E8E84-426E-40DD-AFC4-6F175D3DCCD1}">
+              <a14:hiddenFill xmlns:a14="http://schemas.microsoft.com/office/drawing/2010/main">
+                <a:solidFill>
+                  <a:srgbClr val="FFFFFF"/>
+                </a:solidFill>
+              </a14:hiddenFill>
+            </a:ext>
+          </a:extLst>
+        </p:spPr>
+      </p:pic>
+    </p:spTree>
+    <p:extLst>
+      <p:ext uri="{BB962C8B-B14F-4D97-AF65-F5344CB8AC3E}">
+        <p14:creationId xmlns:p14="http://schemas.microsoft.com/office/powerpoint/2010/main" val="2931463693"/>
+      </p:ext>
+    </p:extLst>
+  </p:cSld>
+  <p:clrMapOvr>
+    <a:masterClrMapping/>
+  </p:clrMapOvr>
+</p:sld>
+</file>
+
+<file path=ppt/slides/slide15.xml><?xml version="1.0" encoding="utf-8"?>
+<p:sld xmlns:a="http://schemas.openxmlformats.org/drawingml/2006/main" xmlns:r="http://schemas.openxmlformats.org/officeDocument/2006/relationships" xmlns:p="http://schemas.openxmlformats.org/presentationml/2006/main">
+  <p:cSld>
+    <p:spTree>
+      <p:nvGrpSpPr>
+        <p:cNvPr id="1" name=""/>
+        <p:cNvGrpSpPr/>
+        <p:nvPr/>
+      </p:nvGrpSpPr>
+      <p:grpSpPr>
+        <a:xfrm>
+          <a:off x="0" y="0"/>
+          <a:ext cx="0" cy="0"/>
+          <a:chOff x="0" y="0"/>
+          <a:chExt cx="0" cy="0"/>
+        </a:xfrm>
+      </p:grpSpPr>
+      <p:sp>
+        <p:nvSpPr>
+          <p:cNvPr id="2" name="Title 1"/>
+          <p:cNvSpPr>
+            <a:spLocks noGrp="1"/>
+          </p:cNvSpPr>
+          <p:nvPr>
+            <p:ph type="title"/>
+          </p:nvPr>
+        </p:nvSpPr>
+        <p:spPr/>
+        <p:txBody>
+          <a:bodyPr/>
+          <a:lstStyle/>
+          <a:p>
+            <a:r>
               <a:rPr lang="en-US" smtClean="0"/>
               <a:t>VGG16 model concept</a:t>
             </a:r>
@@ -3387,6 +3834,81 @@
           <a:bodyPr/>
           <a:lstStyle/>
           <a:p>
+            <a:endParaRPr lang="en-US"/>
+          </a:p>
+        </p:txBody>
+      </p:sp>
+      <p:pic>
+        <p:nvPicPr>
+          <p:cNvPr id="6" name="Content Placeholder 5"/>
+          <p:cNvPicPr>
+            <a:picLocks noGrp="1" noChangeAspect="1"/>
+          </p:cNvPicPr>
+          <p:nvPr>
+            <p:ph idx="1"/>
+          </p:nvPr>
+        </p:nvPicPr>
+        <p:blipFill>
+          <a:blip r:embed="rId2"/>
+          <a:stretch>
+            <a:fillRect/>
+          </a:stretch>
+        </p:blipFill>
+        <p:spPr>
+          <a:xfrm>
+            <a:off x="-1" y="0"/>
+            <a:ext cx="12191999" cy="6858000"/>
+          </a:xfrm>
+          <a:prstGeom prst="rect">
+            <a:avLst/>
+          </a:prstGeom>
+        </p:spPr>
+      </p:pic>
+    </p:spTree>
+    <p:extLst>
+      <p:ext uri="{BB962C8B-B14F-4D97-AF65-F5344CB8AC3E}">
+        <p14:creationId xmlns:p14="http://schemas.microsoft.com/office/powerpoint/2010/main" val="768392904"/>
+      </p:ext>
+    </p:extLst>
+  </p:cSld>
+  <p:clrMapOvr>
+    <a:masterClrMapping/>
+  </p:clrMapOvr>
+</p:sld>
+</file>
+
+<file path=ppt/slides/slide5.xml><?xml version="1.0" encoding="utf-8"?>
+<p:sld xmlns:a="http://schemas.openxmlformats.org/drawingml/2006/main" xmlns:r="http://schemas.openxmlformats.org/officeDocument/2006/relationships" xmlns:p="http://schemas.openxmlformats.org/presentationml/2006/main">
+  <p:cSld>
+    <p:spTree>
+      <p:nvGrpSpPr>
+        <p:cNvPr id="1" name=""/>
+        <p:cNvGrpSpPr/>
+        <p:nvPr/>
+      </p:nvGrpSpPr>
+      <p:grpSpPr>
+        <a:xfrm>
+          <a:off x="0" y="0"/>
+          <a:ext cx="0" cy="0"/>
+          <a:chOff x="0" y="0"/>
+          <a:chExt cx="0" cy="0"/>
+        </a:xfrm>
+      </p:grpSpPr>
+      <p:sp>
+        <p:nvSpPr>
+          <p:cNvPr id="2" name="Title 1"/>
+          <p:cNvSpPr>
+            <a:spLocks noGrp="1"/>
+          </p:cNvSpPr>
+          <p:nvPr>
+            <p:ph type="title"/>
+          </p:nvPr>
+        </p:nvSpPr>
+        <p:spPr/>
+        <p:txBody>
+          <a:bodyPr/>
+          <a:lstStyle/>
+          <a:p>
             <a:r>
               <a:rPr lang="vi-VN" dirty="0" smtClean="0"/>
               <a:t>Convolution layer </a:t>
@@ -3434,10 +3956,17 @@
   <p:clrMapOvr>
     <a:masterClrMapping/>
   </p:clrMapOvr>
+  <p:timing>
+    <p:tnLst>
+      <p:par>
+        <p:cTn id="1" dur="indefinite" restart="never" nodeType="tmRoot"/>
+      </p:par>
+    </p:tnLst>
+  </p:timing>
 </p:sld>
 </file>
 
-<file path=ppt/slides/slide5.xml><?xml version="1.0" encoding="utf-8"?>
+<file path=ppt/slides/slide6.xml><?xml version="1.0" encoding="utf-8"?>
 <p:sld xmlns:a="http://schemas.openxmlformats.org/drawingml/2006/main" xmlns:r="http://schemas.openxmlformats.org/officeDocument/2006/relationships" xmlns:p="http://schemas.openxmlformats.org/presentationml/2006/main">
   <p:cSld>
     <p:spTree>
@@ -3533,7 +4062,7 @@
 </p:sld>
 </file>
 
-<file path=ppt/slides/slide6.xml><?xml version="1.0" encoding="utf-8"?>
+<file path=ppt/slides/slide7.xml><?xml version="1.0" encoding="utf-8"?>
 <p:sld xmlns:a="http://schemas.openxmlformats.org/drawingml/2006/main" xmlns:r="http://schemas.openxmlformats.org/officeDocument/2006/relationships" xmlns:p="http://schemas.openxmlformats.org/presentationml/2006/main">
   <p:cSld>
     <p:spTree>
@@ -3565,61 +4094,40 @@
           <a:bodyPr/>
           <a:lstStyle/>
           <a:p>
-            <a:r>
-              <a:rPr lang="vi-VN" dirty="0" smtClean="0"/>
-              <a:t>Softmax function</a:t>
-            </a:r>
-            <a:endParaRPr lang="en-US" dirty="0"/>
+            <a:endParaRPr lang="en-US"/>
           </a:p>
         </p:txBody>
       </p:sp>
       <p:pic>
         <p:nvPicPr>
-          <p:cNvPr id="3074" name="Picture 2" descr="Image for post"/>
+          <p:cNvPr id="6" name="Content Placeholder 5"/>
           <p:cNvPicPr>
-            <a:picLocks noGrp="1" noChangeAspect="1" noChangeArrowheads="1"/>
+            <a:picLocks noGrp="1" noChangeAspect="1"/>
           </p:cNvPicPr>
           <p:nvPr>
             <p:ph idx="1"/>
           </p:nvPr>
         </p:nvPicPr>
         <p:blipFill>
-          <a:blip r:embed="rId2">
-            <a:extLst>
-              <a:ext uri="{28A0092B-C50C-407E-A947-70E740481C1C}">
-                <a14:useLocalDpi xmlns:a14="http://schemas.microsoft.com/office/drawing/2010/main" val="0"/>
-              </a:ext>
-            </a:extLst>
-          </a:blip>
-          <a:srcRect/>
+          <a:blip r:embed="rId2"/>
           <a:stretch>
             <a:fillRect/>
           </a:stretch>
         </p:blipFill>
-        <p:spPr bwMode="auto">
+        <p:spPr>
           <a:xfrm>
-            <a:off x="3957637" y="2991644"/>
-            <a:ext cx="4276725" cy="2019300"/>
+            <a:off x="0" y="0"/>
+            <a:ext cx="12192000" cy="6858000"/>
           </a:xfrm>
           <a:prstGeom prst="rect">
             <a:avLst/>
           </a:prstGeom>
-          <a:noFill/>
-          <a:extLst>
-            <a:ext uri="{909E8E84-426E-40DD-AFC4-6F175D3DCCD1}">
-              <a14:hiddenFill xmlns:a14="http://schemas.microsoft.com/office/drawing/2010/main">
-                <a:solidFill>
-                  <a:srgbClr val="FFFFFF"/>
-                </a:solidFill>
-              </a14:hiddenFill>
-            </a:ext>
-          </a:extLst>
         </p:spPr>
       </p:pic>
     </p:spTree>
     <p:extLst>
       <p:ext uri="{BB962C8B-B14F-4D97-AF65-F5344CB8AC3E}">
-        <p14:creationId xmlns:p14="http://schemas.microsoft.com/office/powerpoint/2010/main" val="4257556904"/>
+        <p14:creationId xmlns:p14="http://schemas.microsoft.com/office/powerpoint/2010/main" val="811960443"/>
       </p:ext>
     </p:extLst>
   </p:cSld>
@@ -3629,7 +4137,82 @@
 </p:sld>
 </file>
 
-<file path=ppt/slides/slide7.xml><?xml version="1.0" encoding="utf-8"?>
+<file path=ppt/slides/slide8.xml><?xml version="1.0" encoding="utf-8"?>
+<p:sld xmlns:a="http://schemas.openxmlformats.org/drawingml/2006/main" xmlns:r="http://schemas.openxmlformats.org/officeDocument/2006/relationships" xmlns:p="http://schemas.openxmlformats.org/presentationml/2006/main">
+  <p:cSld>
+    <p:spTree>
+      <p:nvGrpSpPr>
+        <p:cNvPr id="1" name=""/>
+        <p:cNvGrpSpPr/>
+        <p:nvPr/>
+      </p:nvGrpSpPr>
+      <p:grpSpPr>
+        <a:xfrm>
+          <a:off x="0" y="0"/>
+          <a:ext cx="0" cy="0"/>
+          <a:chOff x="0" y="0"/>
+          <a:chExt cx="0" cy="0"/>
+        </a:xfrm>
+      </p:grpSpPr>
+      <p:sp>
+        <p:nvSpPr>
+          <p:cNvPr id="2" name="Title 1"/>
+          <p:cNvSpPr>
+            <a:spLocks noGrp="1"/>
+          </p:cNvSpPr>
+          <p:nvPr>
+            <p:ph type="title"/>
+          </p:nvPr>
+        </p:nvSpPr>
+        <p:spPr/>
+        <p:txBody>
+          <a:bodyPr/>
+          <a:lstStyle/>
+          <a:p>
+            <a:endParaRPr lang="en-US"/>
+          </a:p>
+        </p:txBody>
+      </p:sp>
+      <p:pic>
+        <p:nvPicPr>
+          <p:cNvPr id="5" name="Content Placeholder 4"/>
+          <p:cNvPicPr>
+            <a:picLocks noGrp="1" noChangeAspect="1"/>
+          </p:cNvPicPr>
+          <p:nvPr>
+            <p:ph idx="1"/>
+          </p:nvPr>
+        </p:nvPicPr>
+        <p:blipFill>
+          <a:blip r:embed="rId2"/>
+          <a:stretch>
+            <a:fillRect/>
+          </a:stretch>
+        </p:blipFill>
+        <p:spPr>
+          <a:xfrm>
+            <a:off x="0" y="0"/>
+            <a:ext cx="12192000" cy="6858000"/>
+          </a:xfrm>
+          <a:prstGeom prst="rect">
+            <a:avLst/>
+          </a:prstGeom>
+        </p:spPr>
+      </p:pic>
+    </p:spTree>
+    <p:extLst>
+      <p:ext uri="{BB962C8B-B14F-4D97-AF65-F5344CB8AC3E}">
+        <p14:creationId xmlns:p14="http://schemas.microsoft.com/office/powerpoint/2010/main" val="1006817452"/>
+      </p:ext>
+    </p:extLst>
+  </p:cSld>
+  <p:clrMapOvr>
+    <a:masterClrMapping/>
+  </p:clrMapOvr>
+</p:sld>
+</file>
+
+<file path=ppt/slides/slide9.xml><?xml version="1.0" encoding="utf-8"?>
 <p:sld xmlns:a="http://schemas.openxmlformats.org/drawingml/2006/main" xmlns:r="http://schemas.openxmlformats.org/officeDocument/2006/relationships" xmlns:p="http://schemas.openxmlformats.org/presentationml/2006/main">
   <p:cSld>
     <p:spTree>
@@ -3716,194 +4299,6 @@
     <p:extLst>
       <p:ext uri="{BB962C8B-B14F-4D97-AF65-F5344CB8AC3E}">
         <p14:creationId xmlns:p14="http://schemas.microsoft.com/office/powerpoint/2010/main" val="1414365083"/>
-      </p:ext>
-    </p:extLst>
-  </p:cSld>
-  <p:clrMapOvr>
-    <a:masterClrMapping/>
-  </p:clrMapOvr>
-</p:sld>
-</file>
-
-<file path=ppt/slides/slide8.xml><?xml version="1.0" encoding="utf-8"?>
-<p:sld xmlns:a="http://schemas.openxmlformats.org/drawingml/2006/main" xmlns:r="http://schemas.openxmlformats.org/officeDocument/2006/relationships" xmlns:p="http://schemas.openxmlformats.org/presentationml/2006/main">
-  <p:cSld>
-    <p:spTree>
-      <p:nvGrpSpPr>
-        <p:cNvPr id="1" name=""/>
-        <p:cNvGrpSpPr/>
-        <p:nvPr/>
-      </p:nvGrpSpPr>
-      <p:grpSpPr>
-        <a:xfrm>
-          <a:off x="0" y="0"/>
-          <a:ext cx="0" cy="0"/>
-          <a:chOff x="0" y="0"/>
-          <a:chExt cx="0" cy="0"/>
-        </a:xfrm>
-      </p:grpSpPr>
-      <p:sp>
-        <p:nvSpPr>
-          <p:cNvPr id="2" name="Title 1"/>
-          <p:cNvSpPr>
-            <a:spLocks noGrp="1"/>
-          </p:cNvSpPr>
-          <p:nvPr>
-            <p:ph type="title"/>
-          </p:nvPr>
-        </p:nvSpPr>
-        <p:spPr/>
-        <p:txBody>
-          <a:bodyPr/>
-          <a:lstStyle/>
-          <a:p>
-            <a:r>
-              <a:rPr lang="vi-VN" dirty="0" smtClean="0"/>
-              <a:t>Fully connected layer </a:t>
-            </a:r>
-            <a:endParaRPr lang="en-US" dirty="0"/>
-          </a:p>
-        </p:txBody>
-      </p:sp>
-      <p:pic>
-        <p:nvPicPr>
-          <p:cNvPr id="5122" name="Picture 2" descr="Image for post"/>
-          <p:cNvPicPr>
-            <a:picLocks noGrp="1" noChangeAspect="1" noChangeArrowheads="1"/>
-          </p:cNvPicPr>
-          <p:nvPr>
-            <p:ph idx="1"/>
-          </p:nvPr>
-        </p:nvPicPr>
-        <p:blipFill>
-          <a:blip r:embed="rId2">
-            <a:extLst>
-              <a:ext uri="{28A0092B-C50C-407E-A947-70E740481C1C}">
-                <a14:useLocalDpi xmlns:a14="http://schemas.microsoft.com/office/drawing/2010/main" val="0"/>
-              </a:ext>
-            </a:extLst>
-          </a:blip>
-          <a:srcRect/>
-          <a:stretch>
-            <a:fillRect/>
-          </a:stretch>
-        </p:blipFill>
-        <p:spPr bwMode="auto">
-          <a:xfrm>
-            <a:off x="3457575" y="2572544"/>
-            <a:ext cx="5276850" cy="2857500"/>
-          </a:xfrm>
-          <a:prstGeom prst="rect">
-            <a:avLst/>
-          </a:prstGeom>
-          <a:noFill/>
-          <a:extLst>
-            <a:ext uri="{909E8E84-426E-40DD-AFC4-6F175D3DCCD1}">
-              <a14:hiddenFill xmlns:a14="http://schemas.microsoft.com/office/drawing/2010/main">
-                <a:solidFill>
-                  <a:srgbClr val="FFFFFF"/>
-                </a:solidFill>
-              </a14:hiddenFill>
-            </a:ext>
-          </a:extLst>
-        </p:spPr>
-      </p:pic>
-    </p:spTree>
-    <p:extLst>
-      <p:ext uri="{BB962C8B-B14F-4D97-AF65-F5344CB8AC3E}">
-        <p14:creationId xmlns:p14="http://schemas.microsoft.com/office/powerpoint/2010/main" val="3594928109"/>
-      </p:ext>
-    </p:extLst>
-  </p:cSld>
-  <p:clrMapOvr>
-    <a:masterClrMapping/>
-  </p:clrMapOvr>
-</p:sld>
-</file>
-
-<file path=ppt/slides/slide9.xml><?xml version="1.0" encoding="utf-8"?>
-<p:sld xmlns:a="http://schemas.openxmlformats.org/drawingml/2006/main" xmlns:r="http://schemas.openxmlformats.org/officeDocument/2006/relationships" xmlns:p="http://schemas.openxmlformats.org/presentationml/2006/main">
-  <p:cSld>
-    <p:spTree>
-      <p:nvGrpSpPr>
-        <p:cNvPr id="1" name=""/>
-        <p:cNvGrpSpPr/>
-        <p:nvPr/>
-      </p:nvGrpSpPr>
-      <p:grpSpPr>
-        <a:xfrm>
-          <a:off x="0" y="0"/>
-          <a:ext cx="0" cy="0"/>
-          <a:chOff x="0" y="0"/>
-          <a:chExt cx="0" cy="0"/>
-        </a:xfrm>
-      </p:grpSpPr>
-      <p:sp>
-        <p:nvSpPr>
-          <p:cNvPr id="2" name="Title 1"/>
-          <p:cNvSpPr>
-            <a:spLocks noGrp="1"/>
-          </p:cNvSpPr>
-          <p:nvPr>
-            <p:ph type="title"/>
-          </p:nvPr>
-        </p:nvSpPr>
-        <p:spPr/>
-        <p:txBody>
-          <a:bodyPr/>
-          <a:lstStyle/>
-          <a:p>
-            <a:endParaRPr lang="en-US"/>
-          </a:p>
-        </p:txBody>
-      </p:sp>
-      <p:pic>
-        <p:nvPicPr>
-          <p:cNvPr id="6146" name="Picture 2" descr="Image for post"/>
-          <p:cNvPicPr>
-            <a:picLocks noGrp="1" noChangeAspect="1" noChangeArrowheads="1"/>
-          </p:cNvPicPr>
-          <p:nvPr>
-            <p:ph idx="1"/>
-          </p:nvPr>
-        </p:nvPicPr>
-        <p:blipFill>
-          <a:blip r:embed="rId2">
-            <a:extLst>
-              <a:ext uri="{28A0092B-C50C-407E-A947-70E740481C1C}">
-                <a14:useLocalDpi xmlns:a14="http://schemas.microsoft.com/office/drawing/2010/main" val="0"/>
-              </a:ext>
-            </a:extLst>
-          </a:blip>
-          <a:srcRect/>
-          <a:stretch>
-            <a:fillRect/>
-          </a:stretch>
-        </p:blipFill>
-        <p:spPr bwMode="auto">
-          <a:xfrm>
-            <a:off x="1581150" y="2905919"/>
-            <a:ext cx="9029700" cy="2190750"/>
-          </a:xfrm>
-          <a:prstGeom prst="rect">
-            <a:avLst/>
-          </a:prstGeom>
-          <a:noFill/>
-          <a:extLst>
-            <a:ext uri="{909E8E84-426E-40DD-AFC4-6F175D3DCCD1}">
-              <a14:hiddenFill xmlns:a14="http://schemas.microsoft.com/office/drawing/2010/main">
-                <a:solidFill>
-                  <a:srgbClr val="FFFFFF"/>
-                </a:solidFill>
-              </a14:hiddenFill>
-            </a:ext>
-          </a:extLst>
-        </p:spPr>
-      </p:pic>
-    </p:spTree>
-    <p:extLst>
-      <p:ext uri="{BB962C8B-B14F-4D97-AF65-F5344CB8AC3E}">
-        <p14:creationId xmlns:p14="http://schemas.microsoft.com/office/powerpoint/2010/main" val="2931463693"/>
       </p:ext>
     </p:extLst>
   </p:cSld>

--- a/Face Recognition Algorithm Based on VGG Network Model.pptx
+++ b/Face Recognition Algorithm Based on VGG Network Model.pptx
@@ -6,7 +6,19 @@
   </p:sldMasterIdLst>
   <p:sldIdLst>
     <p:sldId id="256" r:id="rId2"/>
-    <p:sldId id="257" r:id="rId3"/>
+    <p:sldId id="263" r:id="rId3"/>
+    <p:sldId id="257" r:id="rId4"/>
+    <p:sldId id="259" r:id="rId5"/>
+    <p:sldId id="261" r:id="rId6"/>
+    <p:sldId id="260" r:id="rId7"/>
+    <p:sldId id="262" r:id="rId8"/>
+    <p:sldId id="267" r:id="rId9"/>
+    <p:sldId id="258" r:id="rId10"/>
+    <p:sldId id="264" r:id="rId11"/>
+    <p:sldId id="265" r:id="rId12"/>
+    <p:sldId id="266" r:id="rId13"/>
+    <p:sldId id="268" r:id="rId14"/>
+    <p:sldId id="269" r:id="rId15"/>
   </p:sldIdLst>
   <p:sldSz cx="12192000" cy="6858000"/>
   <p:notesSz cx="6858000" cy="9144000"/>
@@ -105,6 +117,11 @@
       </a:defRPr>
     </a:lvl9pPr>
   </p:defaultTextStyle>
+  <p:extLst>
+    <p:ext uri="{EFAFB233-063F-42B5-8137-9DF3F51BA10A}">
+      <p15:sldGuideLst xmlns:p15="http://schemas.microsoft.com/office/powerpoint/2012/main"/>
+    </p:ext>
+  </p:extLst>
 </p:presentation>
 </file>
 
@@ -239,7 +256,7 @@
           <a:p>
             <a:fld id="{A9D72E2C-C581-45C7-8729-02149165DC38}" type="datetimeFigureOut">
               <a:rPr lang="en-US" smtClean="0"/>
-              <a:t>10/12/2020</a:t>
+              <a:t>10/18/2020</a:t>
             </a:fld>
             <a:endParaRPr lang="en-US"/>
           </a:p>
@@ -409,7 +426,7 @@
           <a:p>
             <a:fld id="{A9D72E2C-C581-45C7-8729-02149165DC38}" type="datetimeFigureOut">
               <a:rPr lang="en-US" smtClean="0"/>
-              <a:t>10/12/2020</a:t>
+              <a:t>10/18/2020</a:t>
             </a:fld>
             <a:endParaRPr lang="en-US"/>
           </a:p>
@@ -589,7 +606,7 @@
           <a:p>
             <a:fld id="{A9D72E2C-C581-45C7-8729-02149165DC38}" type="datetimeFigureOut">
               <a:rPr lang="en-US" smtClean="0"/>
-              <a:t>10/12/2020</a:t>
+              <a:t>10/18/2020</a:t>
             </a:fld>
             <a:endParaRPr lang="en-US"/>
           </a:p>
@@ -759,7 +776,7 @@
           <a:p>
             <a:fld id="{A9D72E2C-C581-45C7-8729-02149165DC38}" type="datetimeFigureOut">
               <a:rPr lang="en-US" smtClean="0"/>
-              <a:t>10/12/2020</a:t>
+              <a:t>10/18/2020</a:t>
             </a:fld>
             <a:endParaRPr lang="en-US"/>
           </a:p>
@@ -1005,7 +1022,7 @@
           <a:p>
             <a:fld id="{A9D72E2C-C581-45C7-8729-02149165DC38}" type="datetimeFigureOut">
               <a:rPr lang="en-US" smtClean="0"/>
-              <a:t>10/12/2020</a:t>
+              <a:t>10/18/2020</a:t>
             </a:fld>
             <a:endParaRPr lang="en-US"/>
           </a:p>
@@ -1237,7 +1254,7 @@
           <a:p>
             <a:fld id="{A9D72E2C-C581-45C7-8729-02149165DC38}" type="datetimeFigureOut">
               <a:rPr lang="en-US" smtClean="0"/>
-              <a:t>10/12/2020</a:t>
+              <a:t>10/18/2020</a:t>
             </a:fld>
             <a:endParaRPr lang="en-US"/>
           </a:p>
@@ -1604,7 +1621,7 @@
           <a:p>
             <a:fld id="{A9D72E2C-C581-45C7-8729-02149165DC38}" type="datetimeFigureOut">
               <a:rPr lang="en-US" smtClean="0"/>
-              <a:t>10/12/2020</a:t>
+              <a:t>10/18/2020</a:t>
             </a:fld>
             <a:endParaRPr lang="en-US"/>
           </a:p>
@@ -1722,7 +1739,7 @@
           <a:p>
             <a:fld id="{A9D72E2C-C581-45C7-8729-02149165DC38}" type="datetimeFigureOut">
               <a:rPr lang="en-US" smtClean="0"/>
-              <a:t>10/12/2020</a:t>
+              <a:t>10/18/2020</a:t>
             </a:fld>
             <a:endParaRPr lang="en-US"/>
           </a:p>
@@ -1817,7 +1834,7 @@
           <a:p>
             <a:fld id="{A9D72E2C-C581-45C7-8729-02149165DC38}" type="datetimeFigureOut">
               <a:rPr lang="en-US" smtClean="0"/>
-              <a:t>10/12/2020</a:t>
+              <a:t>10/18/2020</a:t>
             </a:fld>
             <a:endParaRPr lang="en-US"/>
           </a:p>
@@ -2094,7 +2111,7 @@
           <a:p>
             <a:fld id="{A9D72E2C-C581-45C7-8729-02149165DC38}" type="datetimeFigureOut">
               <a:rPr lang="en-US" smtClean="0"/>
-              <a:t>10/12/2020</a:t>
+              <a:t>10/18/2020</a:t>
             </a:fld>
             <a:endParaRPr lang="en-US"/>
           </a:p>
@@ -2347,7 +2364,7 @@
           <a:p>
             <a:fld id="{A9D72E2C-C581-45C7-8729-02149165DC38}" type="datetimeFigureOut">
               <a:rPr lang="en-US" smtClean="0"/>
-              <a:t>10/12/2020</a:t>
+              <a:t>10/18/2020</a:t>
             </a:fld>
             <a:endParaRPr lang="en-US"/>
           </a:p>
@@ -2560,7 +2577,7 @@
           <a:p>
             <a:fld id="{A9D72E2C-C581-45C7-8729-02149165DC38}" type="datetimeFigureOut">
               <a:rPr lang="en-US" smtClean="0"/>
-              <a:t>10/12/2020</a:t>
+              <a:t>10/18/2020</a:t>
             </a:fld>
             <a:endParaRPr lang="en-US"/>
           </a:p>
@@ -2984,11 +3001,7 @@
           <a:p>
             <a:r>
               <a:rPr lang="en-US"/>
-              <a:t>Face Recognition Algorithm Based on VGG Network Model </a:t>
-            </a:r>
-            <a:r>
-              <a:rPr lang="en-US"/>
-              <a:t>and </a:t>
+              <a:t>Face Recognition Algorithm Based on VGG Network Model and </a:t>
             </a:r>
             <a:r>
               <a:rPr lang="en-US" smtClean="0"/>
@@ -3038,6 +3051,2002 @@
     <p:extLst>
       <p:ext uri="{BB962C8B-B14F-4D97-AF65-F5344CB8AC3E}">
         <p14:creationId xmlns:p14="http://schemas.microsoft.com/office/powerpoint/2010/main" val="1054378878"/>
+      </p:ext>
+    </p:extLst>
+  </p:cSld>
+  <p:clrMapOvr>
+    <a:masterClrMapping/>
+  </p:clrMapOvr>
+  <p:timing>
+    <p:tnLst>
+      <p:par>
+        <p:cTn id="1" dur="indefinite" restart="never" nodeType="tmRoot"/>
+      </p:par>
+    </p:tnLst>
+  </p:timing>
+</p:sld>
+</file>
+
+<file path=ppt/slides/slide10.xml><?xml version="1.0" encoding="utf-8"?>
+<p:sld xmlns:a="http://schemas.openxmlformats.org/drawingml/2006/main" xmlns:r="http://schemas.openxmlformats.org/officeDocument/2006/relationships" xmlns:p="http://schemas.openxmlformats.org/presentationml/2006/main">
+  <p:cSld>
+    <p:spTree>
+      <p:nvGrpSpPr>
+        <p:cNvPr id="1" name=""/>
+        <p:cNvGrpSpPr/>
+        <p:nvPr/>
+      </p:nvGrpSpPr>
+      <p:grpSpPr>
+        <a:xfrm>
+          <a:off x="0" y="0"/>
+          <a:ext cx="0" cy="0"/>
+          <a:chOff x="0" y="0"/>
+          <a:chExt cx="0" cy="0"/>
+        </a:xfrm>
+      </p:grpSpPr>
+      <p:sp>
+        <p:nvSpPr>
+          <p:cNvPr id="2" name="Title 1"/>
+          <p:cNvSpPr>
+            <a:spLocks noGrp="1"/>
+          </p:cNvSpPr>
+          <p:nvPr>
+            <p:ph type="title"/>
+          </p:nvPr>
+        </p:nvSpPr>
+        <p:spPr>
+          <a:xfrm>
+            <a:off x="455814" y="40928"/>
+            <a:ext cx="10515600" cy="1325563"/>
+          </a:xfrm>
+        </p:spPr>
+        <p:txBody>
+          <a:bodyPr/>
+          <a:lstStyle/>
+          <a:p>
+            <a:r>
+              <a:rPr lang="en-US" smtClean="0"/>
+              <a:t>General </a:t>
+            </a:r>
+            <a:r>
+              <a:rPr lang="en-US"/>
+              <a:t>presentation</a:t>
+            </a:r>
+          </a:p>
+        </p:txBody>
+      </p:sp>
+      <p:pic>
+        <p:nvPicPr>
+          <p:cNvPr id="4" name="RNnKtNrsrmg"/>
+          <p:cNvPicPr>
+            <a:picLocks noRot="1" noChangeAspect="1"/>
+          </p:cNvPicPr>
+          <p:nvPr>
+            <a:videoFile r:link="rId1"/>
+          </p:nvPr>
+        </p:nvPicPr>
+        <p:blipFill>
+          <a:blip r:embed="rId3"/>
+          <a:stretch>
+            <a:fillRect/>
+          </a:stretch>
+        </p:blipFill>
+        <p:spPr>
+          <a:xfrm>
+            <a:off x="2147916" y="1200237"/>
+            <a:ext cx="8311803" cy="4675389"/>
+          </a:xfrm>
+          <a:prstGeom prst="rect">
+            <a:avLst/>
+          </a:prstGeom>
+        </p:spPr>
+      </p:pic>
+      <p:sp>
+        <p:nvSpPr>
+          <p:cNvPr id="5" name="Subtitle 2"/>
+          <p:cNvSpPr txBox="1">
+            <a:spLocks/>
+          </p:cNvSpPr>
+          <p:nvPr/>
+        </p:nvSpPr>
+        <p:spPr>
+          <a:xfrm>
+            <a:off x="2147916" y="6048462"/>
+            <a:ext cx="8679873" cy="471198"/>
+          </a:xfrm>
+          <a:prstGeom prst="rect">
+            <a:avLst/>
+          </a:prstGeom>
+        </p:spPr>
+        <p:txBody>
+          <a:bodyPr vert="horz" lIns="91440" tIns="45720" rIns="91440" bIns="45720" rtlCol="0" anchor="t">
+            <a:normAutofit fontScale="62500" lnSpcReduction="20000"/>
+          </a:bodyPr>
+          <a:lstStyle>
+            <a:lvl1pPr marL="228600" indent="-228600" algn="l" defTabSz="914400" rtl="0" eaLnBrk="1" latinLnBrk="0" hangingPunct="1">
+              <a:lnSpc>
+                <a:spcPct val="90000"/>
+              </a:lnSpc>
+              <a:spcBef>
+                <a:spcPts val="1000"/>
+              </a:spcBef>
+              <a:buFont typeface="Arial" panose="020B0604020202020204" pitchFamily="34" charset="0"/>
+              <a:buChar char="•"/>
+              <a:defRPr sz="2800" kern="1200">
+                <a:solidFill>
+                  <a:schemeClr val="tx1"/>
+                </a:solidFill>
+                <a:latin typeface="+mn-lt"/>
+                <a:ea typeface="+mn-ea"/>
+                <a:cs typeface="+mn-cs"/>
+              </a:defRPr>
+            </a:lvl1pPr>
+            <a:lvl2pPr marL="685800" indent="-228600" algn="l" defTabSz="914400" rtl="0" eaLnBrk="1" latinLnBrk="0" hangingPunct="1">
+              <a:lnSpc>
+                <a:spcPct val="90000"/>
+              </a:lnSpc>
+              <a:spcBef>
+                <a:spcPts val="500"/>
+              </a:spcBef>
+              <a:buFont typeface="Arial" panose="020B0604020202020204" pitchFamily="34" charset="0"/>
+              <a:buChar char="•"/>
+              <a:defRPr sz="2400" kern="1200">
+                <a:solidFill>
+                  <a:schemeClr val="tx1"/>
+                </a:solidFill>
+                <a:latin typeface="+mn-lt"/>
+                <a:ea typeface="+mn-ea"/>
+                <a:cs typeface="+mn-cs"/>
+              </a:defRPr>
+            </a:lvl2pPr>
+            <a:lvl3pPr marL="1143000" indent="-228600" algn="l" defTabSz="914400" rtl="0" eaLnBrk="1" latinLnBrk="0" hangingPunct="1">
+              <a:lnSpc>
+                <a:spcPct val="90000"/>
+              </a:lnSpc>
+              <a:spcBef>
+                <a:spcPts val="500"/>
+              </a:spcBef>
+              <a:buFont typeface="Arial" panose="020B0604020202020204" pitchFamily="34" charset="0"/>
+              <a:buChar char="•"/>
+              <a:defRPr sz="2000" kern="1200">
+                <a:solidFill>
+                  <a:schemeClr val="tx1"/>
+                </a:solidFill>
+                <a:latin typeface="+mn-lt"/>
+                <a:ea typeface="+mn-ea"/>
+                <a:cs typeface="+mn-cs"/>
+              </a:defRPr>
+            </a:lvl3pPr>
+            <a:lvl4pPr marL="1600200" indent="-228600" algn="l" defTabSz="914400" rtl="0" eaLnBrk="1" latinLnBrk="0" hangingPunct="1">
+              <a:lnSpc>
+                <a:spcPct val="90000"/>
+              </a:lnSpc>
+              <a:spcBef>
+                <a:spcPts val="500"/>
+              </a:spcBef>
+              <a:buFont typeface="Arial" panose="020B0604020202020204" pitchFamily="34" charset="0"/>
+              <a:buChar char="•"/>
+              <a:defRPr sz="1800" kern="1200">
+                <a:solidFill>
+                  <a:schemeClr val="tx1"/>
+                </a:solidFill>
+                <a:latin typeface="+mn-lt"/>
+                <a:ea typeface="+mn-ea"/>
+                <a:cs typeface="+mn-cs"/>
+              </a:defRPr>
+            </a:lvl4pPr>
+            <a:lvl5pPr marL="2057400" indent="-228600" algn="l" defTabSz="914400" rtl="0" eaLnBrk="1" latinLnBrk="0" hangingPunct="1">
+              <a:lnSpc>
+                <a:spcPct val="90000"/>
+              </a:lnSpc>
+              <a:spcBef>
+                <a:spcPts val="500"/>
+              </a:spcBef>
+              <a:buFont typeface="Arial" panose="020B0604020202020204" pitchFamily="34" charset="0"/>
+              <a:buChar char="•"/>
+              <a:defRPr sz="1800" kern="1200">
+                <a:solidFill>
+                  <a:schemeClr val="tx1"/>
+                </a:solidFill>
+                <a:latin typeface="+mn-lt"/>
+                <a:ea typeface="+mn-ea"/>
+                <a:cs typeface="+mn-cs"/>
+              </a:defRPr>
+            </a:lvl5pPr>
+            <a:lvl6pPr marL="2514600" indent="-228600" algn="l" defTabSz="914400" rtl="0" eaLnBrk="1" latinLnBrk="0" hangingPunct="1">
+              <a:lnSpc>
+                <a:spcPct val="90000"/>
+              </a:lnSpc>
+              <a:spcBef>
+                <a:spcPts val="500"/>
+              </a:spcBef>
+              <a:buFont typeface="Arial" panose="020B0604020202020204" pitchFamily="34" charset="0"/>
+              <a:buChar char="•"/>
+              <a:defRPr sz="1800" kern="1200">
+                <a:solidFill>
+                  <a:schemeClr val="tx1"/>
+                </a:solidFill>
+                <a:latin typeface="+mn-lt"/>
+                <a:ea typeface="+mn-ea"/>
+                <a:cs typeface="+mn-cs"/>
+              </a:defRPr>
+            </a:lvl6pPr>
+            <a:lvl7pPr marL="2971800" indent="-228600" algn="l" defTabSz="914400" rtl="0" eaLnBrk="1" latinLnBrk="0" hangingPunct="1">
+              <a:lnSpc>
+                <a:spcPct val="90000"/>
+              </a:lnSpc>
+              <a:spcBef>
+                <a:spcPts val="500"/>
+              </a:spcBef>
+              <a:buFont typeface="Arial" panose="020B0604020202020204" pitchFamily="34" charset="0"/>
+              <a:buChar char="•"/>
+              <a:defRPr sz="1800" kern="1200">
+                <a:solidFill>
+                  <a:schemeClr val="tx1"/>
+                </a:solidFill>
+                <a:latin typeface="+mn-lt"/>
+                <a:ea typeface="+mn-ea"/>
+                <a:cs typeface="+mn-cs"/>
+              </a:defRPr>
+            </a:lvl7pPr>
+            <a:lvl8pPr marL="3429000" indent="-228600" algn="l" defTabSz="914400" rtl="0" eaLnBrk="1" latinLnBrk="0" hangingPunct="1">
+              <a:lnSpc>
+                <a:spcPct val="90000"/>
+              </a:lnSpc>
+              <a:spcBef>
+                <a:spcPts val="500"/>
+              </a:spcBef>
+              <a:buFont typeface="Arial" panose="020B0604020202020204" pitchFamily="34" charset="0"/>
+              <a:buChar char="•"/>
+              <a:defRPr sz="1800" kern="1200">
+                <a:solidFill>
+                  <a:schemeClr val="tx1"/>
+                </a:solidFill>
+                <a:latin typeface="+mn-lt"/>
+                <a:ea typeface="+mn-ea"/>
+                <a:cs typeface="+mn-cs"/>
+              </a:defRPr>
+            </a:lvl8pPr>
+            <a:lvl9pPr marL="3886200" indent="-228600" algn="l" defTabSz="914400" rtl="0" eaLnBrk="1" latinLnBrk="0" hangingPunct="1">
+              <a:lnSpc>
+                <a:spcPct val="90000"/>
+              </a:lnSpc>
+              <a:spcBef>
+                <a:spcPts val="500"/>
+              </a:spcBef>
+              <a:buFont typeface="Arial" panose="020B0604020202020204" pitchFamily="34" charset="0"/>
+              <a:buChar char="•"/>
+              <a:defRPr sz="1800" kern="1200">
+                <a:solidFill>
+                  <a:schemeClr val="tx1"/>
+                </a:solidFill>
+                <a:latin typeface="+mn-lt"/>
+                <a:ea typeface="+mn-ea"/>
+                <a:cs typeface="+mn-cs"/>
+              </a:defRPr>
+            </a:lvl9pPr>
+          </a:lstStyle>
+          <a:p>
+            <a:pPr marL="0" indent="0">
+              <a:buNone/>
+            </a:pPr>
+            <a:r>
+              <a:rPr lang="en-US" smtClean="0"/>
+              <a:t>Nguồn: </a:t>
+            </a:r>
+            <a:r>
+              <a:rPr lang="en-US">
+                <a:hlinkClick r:id="rId4"/>
+              </a:rPr>
+              <a:t>https://www.youtube.com/watch?v=RNnKtNrsrmg&amp;ab_channel=DenisDmitriev</a:t>
+            </a:r>
+            <a:endParaRPr lang="en-US"/>
+          </a:p>
+        </p:txBody>
+      </p:sp>
+    </p:spTree>
+    <p:extLst>
+      <p:ext uri="{BB962C8B-B14F-4D97-AF65-F5344CB8AC3E}">
+        <p14:creationId xmlns:p14="http://schemas.microsoft.com/office/powerpoint/2010/main" val="1636723207"/>
+      </p:ext>
+    </p:extLst>
+  </p:cSld>
+  <p:clrMapOvr>
+    <a:masterClrMapping/>
+  </p:clrMapOvr>
+  <p:timing>
+    <p:tnLst>
+      <p:par>
+        <p:cTn id="1" dur="indefinite" restart="never" nodeType="tmRoot"/>
+      </p:par>
+    </p:tnLst>
+  </p:timing>
+</p:sld>
+</file>
+
+<file path=ppt/slides/slide11.xml><?xml version="1.0" encoding="utf-8"?>
+<p:sld xmlns:a="http://schemas.openxmlformats.org/drawingml/2006/main" xmlns:r="http://schemas.openxmlformats.org/officeDocument/2006/relationships" xmlns:p="http://schemas.openxmlformats.org/presentationml/2006/main">
+  <p:cSld>
+    <p:spTree>
+      <p:nvGrpSpPr>
+        <p:cNvPr id="1" name=""/>
+        <p:cNvGrpSpPr/>
+        <p:nvPr/>
+      </p:nvGrpSpPr>
+      <p:grpSpPr>
+        <a:xfrm>
+          <a:off x="0" y="0"/>
+          <a:ext cx="0" cy="0"/>
+          <a:chOff x="0" y="0"/>
+          <a:chExt cx="0" cy="0"/>
+        </a:xfrm>
+      </p:grpSpPr>
+      <p:sp>
+        <p:nvSpPr>
+          <p:cNvPr id="2" name="Title 1"/>
+          <p:cNvSpPr>
+            <a:spLocks noGrp="1"/>
+          </p:cNvSpPr>
+          <p:nvPr>
+            <p:ph type="title"/>
+          </p:nvPr>
+        </p:nvSpPr>
+        <p:spPr/>
+        <p:txBody>
+          <a:bodyPr/>
+          <a:lstStyle/>
+          <a:p>
+            <a:r>
+              <a:rPr lang="en-US" smtClean="0"/>
+              <a:t>Bias </a:t>
+            </a:r>
+            <a:r>
+              <a:rPr lang="en-US" err="1" smtClean="0"/>
+              <a:t>và</a:t>
+            </a:r>
+            <a:r>
+              <a:rPr lang="en-US" smtClean="0"/>
+              <a:t> Variance</a:t>
+            </a:r>
+            <a:endParaRPr lang="en-US"/>
+          </a:p>
+        </p:txBody>
+      </p:sp>
+      <p:pic>
+        <p:nvPicPr>
+          <p:cNvPr id="4" name="Picture 3"/>
+          <p:cNvPicPr/>
+          <p:nvPr/>
+        </p:nvPicPr>
+        <p:blipFill>
+          <a:blip r:embed="rId2"/>
+          <a:stretch>
+            <a:fillRect/>
+          </a:stretch>
+        </p:blipFill>
+        <p:spPr>
+          <a:xfrm>
+            <a:off x="6189647" y="1690688"/>
+            <a:ext cx="4629150" cy="4419600"/>
+          </a:xfrm>
+          <a:prstGeom prst="rect">
+            <a:avLst/>
+          </a:prstGeom>
+        </p:spPr>
+      </p:pic>
+      <p:pic>
+        <p:nvPicPr>
+          <p:cNvPr id="7" name="Picture 6"/>
+          <p:cNvPicPr/>
+          <p:nvPr/>
+        </p:nvPicPr>
+        <p:blipFill>
+          <a:blip r:embed="rId3"/>
+          <a:stretch>
+            <a:fillRect/>
+          </a:stretch>
+        </p:blipFill>
+        <p:spPr>
+          <a:xfrm>
+            <a:off x="838200" y="2366963"/>
+            <a:ext cx="4886325" cy="3067050"/>
+          </a:xfrm>
+          <a:prstGeom prst="rect">
+            <a:avLst/>
+          </a:prstGeom>
+        </p:spPr>
+      </p:pic>
+      <p:sp>
+        <p:nvSpPr>
+          <p:cNvPr id="5" name="Subtitle 2"/>
+          <p:cNvSpPr txBox="1">
+            <a:spLocks/>
+          </p:cNvSpPr>
+          <p:nvPr/>
+        </p:nvSpPr>
+        <p:spPr>
+          <a:xfrm>
+            <a:off x="1318952" y="6110288"/>
+            <a:ext cx="10034848" cy="471198"/>
+          </a:xfrm>
+          <a:prstGeom prst="rect">
+            <a:avLst/>
+          </a:prstGeom>
+        </p:spPr>
+        <p:txBody>
+          <a:bodyPr vert="horz" lIns="91440" tIns="45720" rIns="91440" bIns="45720" rtlCol="0" anchor="t">
+            <a:noAutofit/>
+          </a:bodyPr>
+          <a:lstStyle>
+            <a:lvl1pPr marL="228600" indent="-228600" algn="l" defTabSz="914400" rtl="0" eaLnBrk="1" latinLnBrk="0" hangingPunct="1">
+              <a:lnSpc>
+                <a:spcPct val="90000"/>
+              </a:lnSpc>
+              <a:spcBef>
+                <a:spcPts val="1000"/>
+              </a:spcBef>
+              <a:buFont typeface="Arial" panose="020B0604020202020204" pitchFamily="34" charset="0"/>
+              <a:buChar char="•"/>
+              <a:defRPr sz="2800" kern="1200">
+                <a:solidFill>
+                  <a:schemeClr val="tx1"/>
+                </a:solidFill>
+                <a:latin typeface="+mn-lt"/>
+                <a:ea typeface="+mn-ea"/>
+                <a:cs typeface="+mn-cs"/>
+              </a:defRPr>
+            </a:lvl1pPr>
+            <a:lvl2pPr marL="685800" indent="-228600" algn="l" defTabSz="914400" rtl="0" eaLnBrk="1" latinLnBrk="0" hangingPunct="1">
+              <a:lnSpc>
+                <a:spcPct val="90000"/>
+              </a:lnSpc>
+              <a:spcBef>
+                <a:spcPts val="500"/>
+              </a:spcBef>
+              <a:buFont typeface="Arial" panose="020B0604020202020204" pitchFamily="34" charset="0"/>
+              <a:buChar char="•"/>
+              <a:defRPr sz="2400" kern="1200">
+                <a:solidFill>
+                  <a:schemeClr val="tx1"/>
+                </a:solidFill>
+                <a:latin typeface="+mn-lt"/>
+                <a:ea typeface="+mn-ea"/>
+                <a:cs typeface="+mn-cs"/>
+              </a:defRPr>
+            </a:lvl2pPr>
+            <a:lvl3pPr marL="1143000" indent="-228600" algn="l" defTabSz="914400" rtl="0" eaLnBrk="1" latinLnBrk="0" hangingPunct="1">
+              <a:lnSpc>
+                <a:spcPct val="90000"/>
+              </a:lnSpc>
+              <a:spcBef>
+                <a:spcPts val="500"/>
+              </a:spcBef>
+              <a:buFont typeface="Arial" panose="020B0604020202020204" pitchFamily="34" charset="0"/>
+              <a:buChar char="•"/>
+              <a:defRPr sz="2000" kern="1200">
+                <a:solidFill>
+                  <a:schemeClr val="tx1"/>
+                </a:solidFill>
+                <a:latin typeface="+mn-lt"/>
+                <a:ea typeface="+mn-ea"/>
+                <a:cs typeface="+mn-cs"/>
+              </a:defRPr>
+            </a:lvl3pPr>
+            <a:lvl4pPr marL="1600200" indent="-228600" algn="l" defTabSz="914400" rtl="0" eaLnBrk="1" latinLnBrk="0" hangingPunct="1">
+              <a:lnSpc>
+                <a:spcPct val="90000"/>
+              </a:lnSpc>
+              <a:spcBef>
+                <a:spcPts val="500"/>
+              </a:spcBef>
+              <a:buFont typeface="Arial" panose="020B0604020202020204" pitchFamily="34" charset="0"/>
+              <a:buChar char="•"/>
+              <a:defRPr sz="1800" kern="1200">
+                <a:solidFill>
+                  <a:schemeClr val="tx1"/>
+                </a:solidFill>
+                <a:latin typeface="+mn-lt"/>
+                <a:ea typeface="+mn-ea"/>
+                <a:cs typeface="+mn-cs"/>
+              </a:defRPr>
+            </a:lvl4pPr>
+            <a:lvl5pPr marL="2057400" indent="-228600" algn="l" defTabSz="914400" rtl="0" eaLnBrk="1" latinLnBrk="0" hangingPunct="1">
+              <a:lnSpc>
+                <a:spcPct val="90000"/>
+              </a:lnSpc>
+              <a:spcBef>
+                <a:spcPts val="500"/>
+              </a:spcBef>
+              <a:buFont typeface="Arial" panose="020B0604020202020204" pitchFamily="34" charset="0"/>
+              <a:buChar char="•"/>
+              <a:defRPr sz="1800" kern="1200">
+                <a:solidFill>
+                  <a:schemeClr val="tx1"/>
+                </a:solidFill>
+                <a:latin typeface="+mn-lt"/>
+                <a:ea typeface="+mn-ea"/>
+                <a:cs typeface="+mn-cs"/>
+              </a:defRPr>
+            </a:lvl5pPr>
+            <a:lvl6pPr marL="2514600" indent="-228600" algn="l" defTabSz="914400" rtl="0" eaLnBrk="1" latinLnBrk="0" hangingPunct="1">
+              <a:lnSpc>
+                <a:spcPct val="90000"/>
+              </a:lnSpc>
+              <a:spcBef>
+                <a:spcPts val="500"/>
+              </a:spcBef>
+              <a:buFont typeface="Arial" panose="020B0604020202020204" pitchFamily="34" charset="0"/>
+              <a:buChar char="•"/>
+              <a:defRPr sz="1800" kern="1200">
+                <a:solidFill>
+                  <a:schemeClr val="tx1"/>
+                </a:solidFill>
+                <a:latin typeface="+mn-lt"/>
+                <a:ea typeface="+mn-ea"/>
+                <a:cs typeface="+mn-cs"/>
+              </a:defRPr>
+            </a:lvl6pPr>
+            <a:lvl7pPr marL="2971800" indent="-228600" algn="l" defTabSz="914400" rtl="0" eaLnBrk="1" latinLnBrk="0" hangingPunct="1">
+              <a:lnSpc>
+                <a:spcPct val="90000"/>
+              </a:lnSpc>
+              <a:spcBef>
+                <a:spcPts val="500"/>
+              </a:spcBef>
+              <a:buFont typeface="Arial" panose="020B0604020202020204" pitchFamily="34" charset="0"/>
+              <a:buChar char="•"/>
+              <a:defRPr sz="1800" kern="1200">
+                <a:solidFill>
+                  <a:schemeClr val="tx1"/>
+                </a:solidFill>
+                <a:latin typeface="+mn-lt"/>
+                <a:ea typeface="+mn-ea"/>
+                <a:cs typeface="+mn-cs"/>
+              </a:defRPr>
+            </a:lvl7pPr>
+            <a:lvl8pPr marL="3429000" indent="-228600" algn="l" defTabSz="914400" rtl="0" eaLnBrk="1" latinLnBrk="0" hangingPunct="1">
+              <a:lnSpc>
+                <a:spcPct val="90000"/>
+              </a:lnSpc>
+              <a:spcBef>
+                <a:spcPts val="500"/>
+              </a:spcBef>
+              <a:buFont typeface="Arial" panose="020B0604020202020204" pitchFamily="34" charset="0"/>
+              <a:buChar char="•"/>
+              <a:defRPr sz="1800" kern="1200">
+                <a:solidFill>
+                  <a:schemeClr val="tx1"/>
+                </a:solidFill>
+                <a:latin typeface="+mn-lt"/>
+                <a:ea typeface="+mn-ea"/>
+                <a:cs typeface="+mn-cs"/>
+              </a:defRPr>
+            </a:lvl8pPr>
+            <a:lvl9pPr marL="3886200" indent="-228600" algn="l" defTabSz="914400" rtl="0" eaLnBrk="1" latinLnBrk="0" hangingPunct="1">
+              <a:lnSpc>
+                <a:spcPct val="90000"/>
+              </a:lnSpc>
+              <a:spcBef>
+                <a:spcPts val="500"/>
+              </a:spcBef>
+              <a:buFont typeface="Arial" panose="020B0604020202020204" pitchFamily="34" charset="0"/>
+              <a:buChar char="•"/>
+              <a:defRPr sz="1800" kern="1200">
+                <a:solidFill>
+                  <a:schemeClr val="tx1"/>
+                </a:solidFill>
+                <a:latin typeface="+mn-lt"/>
+                <a:ea typeface="+mn-ea"/>
+                <a:cs typeface="+mn-cs"/>
+              </a:defRPr>
+            </a:lvl9pPr>
+          </a:lstStyle>
+          <a:p>
+            <a:pPr marL="0" indent="0" algn="ctr">
+              <a:buNone/>
+            </a:pPr>
+            <a:r>
+              <a:rPr lang="en-US" sz="2000" smtClean="0"/>
+              <a:t>Nguồn: </a:t>
+            </a:r>
+            <a:r>
+              <a:rPr lang="en-US" sz="2000"/>
+              <a:t>Trevor Hastie, Robert Tibshirani, Jerome Friedman, 2008, The Elements of Statistical Learning: Data Mining, Inference, and Prediction (Second Edition).</a:t>
+            </a:r>
+            <a:endParaRPr lang="en-US" sz="2000"/>
+          </a:p>
+        </p:txBody>
+      </p:sp>
+    </p:spTree>
+    <p:extLst>
+      <p:ext uri="{BB962C8B-B14F-4D97-AF65-F5344CB8AC3E}">
+        <p14:creationId xmlns:p14="http://schemas.microsoft.com/office/powerpoint/2010/main" val="3562019051"/>
+      </p:ext>
+    </p:extLst>
+  </p:cSld>
+  <p:clrMapOvr>
+    <a:masterClrMapping/>
+  </p:clrMapOvr>
+</p:sld>
+</file>
+
+<file path=ppt/slides/slide12.xml><?xml version="1.0" encoding="utf-8"?>
+<p:sld xmlns:a="http://schemas.openxmlformats.org/drawingml/2006/main" xmlns:r="http://schemas.openxmlformats.org/officeDocument/2006/relationships" xmlns:p="http://schemas.openxmlformats.org/presentationml/2006/main">
+  <p:cSld>
+    <p:spTree>
+      <p:nvGrpSpPr>
+        <p:cNvPr id="1" name=""/>
+        <p:cNvGrpSpPr/>
+        <p:nvPr/>
+      </p:nvGrpSpPr>
+      <p:grpSpPr>
+        <a:xfrm>
+          <a:off x="0" y="0"/>
+          <a:ext cx="0" cy="0"/>
+          <a:chOff x="0" y="0"/>
+          <a:chExt cx="0" cy="0"/>
+        </a:xfrm>
+      </p:grpSpPr>
+      <p:sp>
+        <p:nvSpPr>
+          <p:cNvPr id="5" name="Title 4">
+            <a:extLst>
+              <a:ext uri="{FF2B5EF4-FFF2-40B4-BE49-F238E27FC236}">
+                <a16:creationId xmlns:a16="http://schemas.microsoft.com/office/drawing/2014/main" id="{1ACD2337-0507-40BF-B21F-D38B9A855491}"/>
+              </a:ext>
+            </a:extLst>
+          </p:cNvPr>
+          <p:cNvSpPr>
+            <a:spLocks noGrp="1"/>
+          </p:cNvSpPr>
+          <p:nvPr>
+            <p:ph type="title"/>
+          </p:nvPr>
+        </p:nvSpPr>
+        <p:spPr>
+          <a:xfrm>
+            <a:off x="838199" y="111628"/>
+            <a:ext cx="10515600" cy="1325563"/>
+          </a:xfrm>
+        </p:spPr>
+        <p:txBody>
+          <a:bodyPr/>
+          <a:lstStyle/>
+          <a:p>
+            <a:r>
+              <a:rPr lang="en-US" smtClean="0">
+                <a:latin typeface="Times New Roman" panose="02020603050405020304" pitchFamily="18" charset="0"/>
+                <a:cs typeface="Times New Roman" panose="02020603050405020304" pitchFamily="18" charset="0"/>
+              </a:rPr>
+              <a:t>Principle </a:t>
+            </a:r>
+            <a:r>
+              <a:rPr lang="en-US" smtClean="0">
+                <a:latin typeface="Times New Roman" panose="02020603050405020304" pitchFamily="18" charset="0"/>
+                <a:cs typeface="Times New Roman" panose="02020603050405020304" pitchFamily="18" charset="0"/>
+              </a:rPr>
+              <a:t>Component Regression</a:t>
+            </a:r>
+            <a:endParaRPr lang="en-US">
+              <a:latin typeface="Times New Roman" panose="02020603050405020304" pitchFamily="18" charset="0"/>
+              <a:cs typeface="Times New Roman" panose="02020603050405020304" pitchFamily="18" charset="0"/>
+            </a:endParaRPr>
+          </a:p>
+        </p:txBody>
+      </p:sp>
+      <p:pic>
+        <p:nvPicPr>
+          <p:cNvPr id="2" name="Picture 1"/>
+          <p:cNvPicPr>
+            <a:picLocks noChangeAspect="1"/>
+          </p:cNvPicPr>
+          <p:nvPr/>
+        </p:nvPicPr>
+        <p:blipFill>
+          <a:blip r:embed="rId2"/>
+          <a:stretch>
+            <a:fillRect/>
+          </a:stretch>
+        </p:blipFill>
+        <p:spPr>
+          <a:xfrm>
+            <a:off x="4762499" y="2478338"/>
+            <a:ext cx="2667000" cy="942975"/>
+          </a:xfrm>
+          <a:prstGeom prst="rect">
+            <a:avLst/>
+          </a:prstGeom>
+        </p:spPr>
+      </p:pic>
+      <p:pic>
+        <p:nvPicPr>
+          <p:cNvPr id="3" name="Picture 2"/>
+          <p:cNvPicPr>
+            <a:picLocks noChangeAspect="1"/>
+          </p:cNvPicPr>
+          <p:nvPr/>
+        </p:nvPicPr>
+        <p:blipFill>
+          <a:blip r:embed="rId3"/>
+          <a:stretch>
+            <a:fillRect/>
+          </a:stretch>
+        </p:blipFill>
+        <p:spPr>
+          <a:xfrm>
+            <a:off x="4872036" y="3421313"/>
+            <a:ext cx="2447925" cy="990600"/>
+          </a:xfrm>
+          <a:prstGeom prst="rect">
+            <a:avLst/>
+          </a:prstGeom>
+        </p:spPr>
+      </p:pic>
+      <p:sp>
+        <p:nvSpPr>
+          <p:cNvPr id="6" name="Content Placeholder 2">
+            <a:extLst>
+              <a:ext uri="{FF2B5EF4-FFF2-40B4-BE49-F238E27FC236}">
+                <a16:creationId xmlns:a16="http://schemas.microsoft.com/office/drawing/2014/main" id="{4F5FD8A8-D0E5-426C-AF4B-83DB79D462B3}"/>
+              </a:ext>
+            </a:extLst>
+          </p:cNvPr>
+          <p:cNvSpPr txBox="1">
+            <a:spLocks/>
+          </p:cNvSpPr>
+          <p:nvPr/>
+        </p:nvSpPr>
+        <p:spPr>
+          <a:xfrm>
+            <a:off x="838199" y="1691817"/>
+            <a:ext cx="8257666" cy="481347"/>
+          </a:xfrm>
+          <a:prstGeom prst="rect">
+            <a:avLst/>
+          </a:prstGeom>
+        </p:spPr>
+        <p:txBody>
+          <a:bodyPr vert="horz" lIns="91440" tIns="45720" rIns="91440" bIns="45720" rtlCol="0">
+            <a:noAutofit/>
+          </a:bodyPr>
+          <a:lstStyle>
+            <a:lvl1pPr marL="228600" indent="-228600" algn="l" defTabSz="914400" rtl="0" eaLnBrk="1" latinLnBrk="0" hangingPunct="1">
+              <a:lnSpc>
+                <a:spcPct val="90000"/>
+              </a:lnSpc>
+              <a:spcBef>
+                <a:spcPts val="1000"/>
+              </a:spcBef>
+              <a:buFont typeface="Arial" panose="020B0604020202020204" pitchFamily="34" charset="0"/>
+              <a:buChar char="•"/>
+              <a:defRPr sz="2800" kern="1200">
+                <a:solidFill>
+                  <a:schemeClr val="tx1"/>
+                </a:solidFill>
+                <a:latin typeface="+mn-lt"/>
+                <a:ea typeface="+mn-ea"/>
+                <a:cs typeface="+mn-cs"/>
+              </a:defRPr>
+            </a:lvl1pPr>
+            <a:lvl2pPr marL="685800" indent="-228600" algn="l" defTabSz="914400" rtl="0" eaLnBrk="1" latinLnBrk="0" hangingPunct="1">
+              <a:lnSpc>
+                <a:spcPct val="90000"/>
+              </a:lnSpc>
+              <a:spcBef>
+                <a:spcPts val="500"/>
+              </a:spcBef>
+              <a:buFont typeface="Arial" panose="020B0604020202020204" pitchFamily="34" charset="0"/>
+              <a:buChar char="•"/>
+              <a:defRPr sz="2400" kern="1200">
+                <a:solidFill>
+                  <a:schemeClr val="tx1"/>
+                </a:solidFill>
+                <a:latin typeface="+mn-lt"/>
+                <a:ea typeface="+mn-ea"/>
+                <a:cs typeface="+mn-cs"/>
+              </a:defRPr>
+            </a:lvl2pPr>
+            <a:lvl3pPr marL="1143000" indent="-228600" algn="l" defTabSz="914400" rtl="0" eaLnBrk="1" latinLnBrk="0" hangingPunct="1">
+              <a:lnSpc>
+                <a:spcPct val="90000"/>
+              </a:lnSpc>
+              <a:spcBef>
+                <a:spcPts val="500"/>
+              </a:spcBef>
+              <a:buFont typeface="Arial" panose="020B0604020202020204" pitchFamily="34" charset="0"/>
+              <a:buChar char="•"/>
+              <a:defRPr sz="2000" kern="1200">
+                <a:solidFill>
+                  <a:schemeClr val="tx1"/>
+                </a:solidFill>
+                <a:latin typeface="+mn-lt"/>
+                <a:ea typeface="+mn-ea"/>
+                <a:cs typeface="+mn-cs"/>
+              </a:defRPr>
+            </a:lvl3pPr>
+            <a:lvl4pPr marL="1600200" indent="-228600" algn="l" defTabSz="914400" rtl="0" eaLnBrk="1" latinLnBrk="0" hangingPunct="1">
+              <a:lnSpc>
+                <a:spcPct val="90000"/>
+              </a:lnSpc>
+              <a:spcBef>
+                <a:spcPts val="500"/>
+              </a:spcBef>
+              <a:buFont typeface="Arial" panose="020B0604020202020204" pitchFamily="34" charset="0"/>
+              <a:buChar char="•"/>
+              <a:defRPr sz="1800" kern="1200">
+                <a:solidFill>
+                  <a:schemeClr val="tx1"/>
+                </a:solidFill>
+                <a:latin typeface="+mn-lt"/>
+                <a:ea typeface="+mn-ea"/>
+                <a:cs typeface="+mn-cs"/>
+              </a:defRPr>
+            </a:lvl4pPr>
+            <a:lvl5pPr marL="2057400" indent="-228600" algn="l" defTabSz="914400" rtl="0" eaLnBrk="1" latinLnBrk="0" hangingPunct="1">
+              <a:lnSpc>
+                <a:spcPct val="90000"/>
+              </a:lnSpc>
+              <a:spcBef>
+                <a:spcPts val="500"/>
+              </a:spcBef>
+              <a:buFont typeface="Arial" panose="020B0604020202020204" pitchFamily="34" charset="0"/>
+              <a:buChar char="•"/>
+              <a:defRPr sz="1800" kern="1200">
+                <a:solidFill>
+                  <a:schemeClr val="tx1"/>
+                </a:solidFill>
+                <a:latin typeface="+mn-lt"/>
+                <a:ea typeface="+mn-ea"/>
+                <a:cs typeface="+mn-cs"/>
+              </a:defRPr>
+            </a:lvl5pPr>
+            <a:lvl6pPr marL="2514600" indent="-228600" algn="l" defTabSz="914400" rtl="0" eaLnBrk="1" latinLnBrk="0" hangingPunct="1">
+              <a:lnSpc>
+                <a:spcPct val="90000"/>
+              </a:lnSpc>
+              <a:spcBef>
+                <a:spcPts val="500"/>
+              </a:spcBef>
+              <a:buFont typeface="Arial" panose="020B0604020202020204" pitchFamily="34" charset="0"/>
+              <a:buChar char="•"/>
+              <a:defRPr sz="1800" kern="1200">
+                <a:solidFill>
+                  <a:schemeClr val="tx1"/>
+                </a:solidFill>
+                <a:latin typeface="+mn-lt"/>
+                <a:ea typeface="+mn-ea"/>
+                <a:cs typeface="+mn-cs"/>
+              </a:defRPr>
+            </a:lvl6pPr>
+            <a:lvl7pPr marL="2971800" indent="-228600" algn="l" defTabSz="914400" rtl="0" eaLnBrk="1" latinLnBrk="0" hangingPunct="1">
+              <a:lnSpc>
+                <a:spcPct val="90000"/>
+              </a:lnSpc>
+              <a:spcBef>
+                <a:spcPts val="500"/>
+              </a:spcBef>
+              <a:buFont typeface="Arial" panose="020B0604020202020204" pitchFamily="34" charset="0"/>
+              <a:buChar char="•"/>
+              <a:defRPr sz="1800" kern="1200">
+                <a:solidFill>
+                  <a:schemeClr val="tx1"/>
+                </a:solidFill>
+                <a:latin typeface="+mn-lt"/>
+                <a:ea typeface="+mn-ea"/>
+                <a:cs typeface="+mn-cs"/>
+              </a:defRPr>
+            </a:lvl7pPr>
+            <a:lvl8pPr marL="3429000" indent="-228600" algn="l" defTabSz="914400" rtl="0" eaLnBrk="1" latinLnBrk="0" hangingPunct="1">
+              <a:lnSpc>
+                <a:spcPct val="90000"/>
+              </a:lnSpc>
+              <a:spcBef>
+                <a:spcPts val="500"/>
+              </a:spcBef>
+              <a:buFont typeface="Arial" panose="020B0604020202020204" pitchFamily="34" charset="0"/>
+              <a:buChar char="•"/>
+              <a:defRPr sz="1800" kern="1200">
+                <a:solidFill>
+                  <a:schemeClr val="tx1"/>
+                </a:solidFill>
+                <a:latin typeface="+mn-lt"/>
+                <a:ea typeface="+mn-ea"/>
+                <a:cs typeface="+mn-cs"/>
+              </a:defRPr>
+            </a:lvl8pPr>
+            <a:lvl9pPr marL="3886200" indent="-228600" algn="l" defTabSz="914400" rtl="0" eaLnBrk="1" latinLnBrk="0" hangingPunct="1">
+              <a:lnSpc>
+                <a:spcPct val="90000"/>
+              </a:lnSpc>
+              <a:spcBef>
+                <a:spcPts val="500"/>
+              </a:spcBef>
+              <a:buFont typeface="Arial" panose="020B0604020202020204" pitchFamily="34" charset="0"/>
+              <a:buChar char="•"/>
+              <a:defRPr sz="1800" kern="1200">
+                <a:solidFill>
+                  <a:schemeClr val="tx1"/>
+                </a:solidFill>
+                <a:latin typeface="+mn-lt"/>
+                <a:ea typeface="+mn-ea"/>
+                <a:cs typeface="+mn-cs"/>
+              </a:defRPr>
+            </a:lvl9pPr>
+          </a:lstStyle>
+          <a:p>
+            <a:pPr marL="0" indent="0">
+              <a:buFont typeface="Arial" panose="020B0604020202020204" pitchFamily="34" charset="0"/>
+              <a:buNone/>
+            </a:pPr>
+            <a:r>
+              <a:rPr lang="en-US" smtClean="0">
+                <a:latin typeface="Times New Roman" panose="02020603050405020304" pitchFamily="18" charset="0"/>
+                <a:cs typeface="Times New Roman" panose="02020603050405020304" pitchFamily="18" charset="0"/>
+              </a:rPr>
+              <a:t>Phân tập dữ liệu thành tập các thành phần z</a:t>
+            </a:r>
+            <a:endParaRPr lang="en-US">
+              <a:latin typeface="Times New Roman" panose="02020603050405020304" pitchFamily="18" charset="0"/>
+              <a:cs typeface="Times New Roman" panose="02020603050405020304" pitchFamily="18" charset="0"/>
+            </a:endParaRPr>
+          </a:p>
+        </p:txBody>
+      </p:sp>
+      <mc:AlternateContent xmlns:mc="http://schemas.openxmlformats.org/markup-compatibility/2006" xmlns:a14="http://schemas.microsoft.com/office/drawing/2010/main">
+        <mc:Choice Requires="a14">
+          <p:sp>
+            <p:nvSpPr>
+              <p:cNvPr id="4" name="TextBox 3"/>
+              <p:cNvSpPr txBox="1"/>
+              <p:nvPr/>
+            </p:nvSpPr>
+            <p:spPr>
+              <a:xfrm>
+                <a:off x="5214955" y="4721630"/>
+                <a:ext cx="1762085" cy="712503"/>
+              </a:xfrm>
+              <a:prstGeom prst="rect">
+                <a:avLst/>
+              </a:prstGeom>
+              <a:noFill/>
+            </p:spPr>
+            <p:txBody>
+              <a:bodyPr wrap="none" lIns="0" tIns="0" rIns="0" bIns="0" rtlCol="0">
+                <a:spAutoFit/>
+              </a:bodyPr>
+              <a:lstStyle/>
+              <a:p>
+                <a:pPr/>
+                <a14:m>
+                  <m:oMathPara xmlns:m="http://schemas.openxmlformats.org/officeDocument/2006/math">
+                    <m:oMathParaPr>
+                      <m:jc m:val="centerGroup"/>
+                    </m:oMathParaPr>
+                    <m:oMath xmlns:m="http://schemas.openxmlformats.org/officeDocument/2006/math">
+                      <m:sSub>
+                        <m:sSubPr>
+                          <m:ctrlPr>
+                            <a:rPr lang="en-US" sz="2200" i="1" smtClean="0">
+                              <a:latin typeface="Cambria Math" panose="02040503050406030204" pitchFamily="18" charset="0"/>
+                            </a:rPr>
+                          </m:ctrlPr>
+                        </m:sSubPr>
+                        <m:e>
+                          <m:acc>
+                            <m:accPr>
+                              <m:chr m:val="̂"/>
+                              <m:ctrlPr>
+                                <a:rPr lang="en-US" sz="2200" i="1" smtClean="0">
+                                  <a:latin typeface="Cambria Math" panose="02040503050406030204" pitchFamily="18" charset="0"/>
+                                </a:rPr>
+                              </m:ctrlPr>
+                            </m:accPr>
+                            <m:e>
+                              <m:r>
+                                <a:rPr lang="en-US" sz="2200" i="1" smtClean="0">
+                                  <a:latin typeface="Cambria Math" panose="02040503050406030204" pitchFamily="18" charset="0"/>
+                                  <a:ea typeface="Cambria Math" panose="02040503050406030204" pitchFamily="18" charset="0"/>
+                                </a:rPr>
+                                <m:t>𝜃</m:t>
+                              </m:r>
+                            </m:e>
+                          </m:acc>
+                        </m:e>
+                        <m:sub>
+                          <m:r>
+                            <a:rPr lang="en-US" sz="2200" b="0" i="1" smtClean="0">
+                              <a:latin typeface="Cambria Math" panose="02040503050406030204" pitchFamily="18" charset="0"/>
+                            </a:rPr>
+                            <m:t>𝑚</m:t>
+                          </m:r>
+                        </m:sub>
+                      </m:sSub>
+                      <m:r>
+                        <a:rPr lang="en-US" sz="2200" b="0" i="1" smtClean="0">
+                          <a:latin typeface="Cambria Math" panose="02040503050406030204" pitchFamily="18" charset="0"/>
+                        </a:rPr>
+                        <m:t>=</m:t>
+                      </m:r>
+                      <m:f>
+                        <m:fPr>
+                          <m:ctrlPr>
+                            <a:rPr lang="en-US" sz="2200" b="0" i="1" smtClean="0">
+                              <a:latin typeface="Cambria Math" panose="02040503050406030204" pitchFamily="18" charset="0"/>
+                            </a:rPr>
+                          </m:ctrlPr>
+                        </m:fPr>
+                        <m:num>
+                          <m:d>
+                            <m:dPr>
+                              <m:begChr m:val="⟨"/>
+                              <m:endChr m:val="⟩"/>
+                              <m:ctrlPr>
+                                <a:rPr lang="en-US" sz="2200" b="0" i="1" smtClean="0">
+                                  <a:latin typeface="Cambria Math" panose="02040503050406030204" pitchFamily="18" charset="0"/>
+                                </a:rPr>
+                              </m:ctrlPr>
+                            </m:dPr>
+                            <m:e>
+                              <m:sSub>
+                                <m:sSubPr>
+                                  <m:ctrlPr>
+                                    <a:rPr lang="en-US" sz="2200" b="0" i="1" smtClean="0">
+                                      <a:latin typeface="Cambria Math" panose="02040503050406030204" pitchFamily="18" charset="0"/>
+                                    </a:rPr>
+                                  </m:ctrlPr>
+                                </m:sSubPr>
+                                <m:e>
+                                  <m:r>
+                                    <a:rPr lang="en-US" sz="2200" b="0" i="1" smtClean="0">
+                                      <a:latin typeface="Cambria Math" panose="02040503050406030204" pitchFamily="18" charset="0"/>
+                                    </a:rPr>
+                                    <m:t>𝑧</m:t>
+                                  </m:r>
+                                </m:e>
+                                <m:sub>
+                                  <m:r>
+                                    <a:rPr lang="en-US" sz="2200" b="0" i="1" smtClean="0">
+                                      <a:latin typeface="Cambria Math" panose="02040503050406030204" pitchFamily="18" charset="0"/>
+                                    </a:rPr>
+                                    <m:t>𝑚</m:t>
+                                  </m:r>
+                                </m:sub>
+                              </m:sSub>
+                              <m:r>
+                                <a:rPr lang="en-US" sz="2200" b="0" i="1" smtClean="0">
+                                  <a:latin typeface="Cambria Math" panose="02040503050406030204" pitchFamily="18" charset="0"/>
+                                </a:rPr>
+                                <m:t>,</m:t>
+                              </m:r>
+                              <m:r>
+                                <a:rPr lang="en-US" sz="2200" b="0" i="1" smtClean="0">
+                                  <a:latin typeface="Cambria Math" panose="02040503050406030204" pitchFamily="18" charset="0"/>
+                                </a:rPr>
+                                <m:t>𝑦</m:t>
+                              </m:r>
+                            </m:e>
+                          </m:d>
+                        </m:num>
+                        <m:den>
+                          <m:d>
+                            <m:dPr>
+                              <m:begChr m:val="⟨"/>
+                              <m:endChr m:val="⟩"/>
+                              <m:ctrlPr>
+                                <a:rPr lang="en-US" sz="2200" i="1">
+                                  <a:latin typeface="Cambria Math" panose="02040503050406030204" pitchFamily="18" charset="0"/>
+                                </a:rPr>
+                              </m:ctrlPr>
+                            </m:dPr>
+                            <m:e>
+                              <m:sSub>
+                                <m:sSubPr>
+                                  <m:ctrlPr>
+                                    <a:rPr lang="en-US" sz="2200" i="1">
+                                      <a:latin typeface="Cambria Math" panose="02040503050406030204" pitchFamily="18" charset="0"/>
+                                    </a:rPr>
+                                  </m:ctrlPr>
+                                </m:sSubPr>
+                                <m:e>
+                                  <m:r>
+                                    <a:rPr lang="en-US" sz="2200" i="1">
+                                      <a:latin typeface="Cambria Math" panose="02040503050406030204" pitchFamily="18" charset="0"/>
+                                    </a:rPr>
+                                    <m:t>𝑧</m:t>
+                                  </m:r>
+                                </m:e>
+                                <m:sub>
+                                  <m:r>
+                                    <a:rPr lang="en-US" sz="2200" i="1">
+                                      <a:latin typeface="Cambria Math" panose="02040503050406030204" pitchFamily="18" charset="0"/>
+                                    </a:rPr>
+                                    <m:t>𝑚</m:t>
+                                  </m:r>
+                                </m:sub>
+                              </m:sSub>
+                              <m:r>
+                                <a:rPr lang="en-US" sz="2200" i="1">
+                                  <a:latin typeface="Cambria Math" panose="02040503050406030204" pitchFamily="18" charset="0"/>
+                                </a:rPr>
+                                <m:t>,</m:t>
+                              </m:r>
+                              <m:sSub>
+                                <m:sSubPr>
+                                  <m:ctrlPr>
+                                    <a:rPr lang="en-US" sz="2200" i="1">
+                                      <a:latin typeface="Cambria Math" panose="02040503050406030204" pitchFamily="18" charset="0"/>
+                                    </a:rPr>
+                                  </m:ctrlPr>
+                                </m:sSubPr>
+                                <m:e>
+                                  <m:r>
+                                    <a:rPr lang="en-US" sz="2200" i="1">
+                                      <a:latin typeface="Cambria Math" panose="02040503050406030204" pitchFamily="18" charset="0"/>
+                                    </a:rPr>
+                                    <m:t>𝑧</m:t>
+                                  </m:r>
+                                </m:e>
+                                <m:sub>
+                                  <m:r>
+                                    <a:rPr lang="en-US" sz="2200" i="1">
+                                      <a:latin typeface="Cambria Math" panose="02040503050406030204" pitchFamily="18" charset="0"/>
+                                    </a:rPr>
+                                    <m:t>𝑚</m:t>
+                                  </m:r>
+                                </m:sub>
+                              </m:sSub>
+                            </m:e>
+                          </m:d>
+                        </m:den>
+                      </m:f>
+                    </m:oMath>
+                  </m:oMathPara>
+                </a14:m>
+                <a:endParaRPr lang="en-US" sz="2200"/>
+              </a:p>
+            </p:txBody>
+          </p:sp>
+        </mc:Choice>
+        <mc:Fallback xmlns="">
+          <p:sp>
+            <p:nvSpPr>
+              <p:cNvPr id="4" name="TextBox 3"/>
+              <p:cNvSpPr txBox="1">
+                <a:spLocks noRot="1" noChangeAspect="1" noMove="1" noResize="1" noEditPoints="1" noAdjustHandles="1" noChangeArrowheads="1" noChangeShapeType="1" noTextEdit="1"/>
+              </p:cNvSpPr>
+              <p:nvPr/>
+            </p:nvSpPr>
+            <p:spPr>
+              <a:xfrm>
+                <a:off x="5214955" y="4721630"/>
+                <a:ext cx="1762085" cy="712503"/>
+              </a:xfrm>
+              <a:prstGeom prst="rect">
+                <a:avLst/>
+              </a:prstGeom>
+              <a:blipFill>
+                <a:blip r:embed="rId4"/>
+                <a:stretch>
+                  <a:fillRect/>
+                </a:stretch>
+              </a:blipFill>
+            </p:spPr>
+            <p:txBody>
+              <a:bodyPr/>
+              <a:lstStyle/>
+              <a:p>
+                <a:r>
+                  <a:rPr lang="en-US">
+                    <a:noFill/>
+                  </a:rPr>
+                  <a:t> </a:t>
+                </a:r>
+              </a:p>
+            </p:txBody>
+          </p:sp>
+        </mc:Fallback>
+      </mc:AlternateContent>
+      <p:sp>
+        <p:nvSpPr>
+          <p:cNvPr id="7" name="Content Placeholder 2">
+            <a:extLst>
+              <a:ext uri="{FF2B5EF4-FFF2-40B4-BE49-F238E27FC236}">
+                <a16:creationId xmlns:a16="http://schemas.microsoft.com/office/drawing/2014/main" id="{4F5FD8A8-D0E5-426C-AF4B-83DB79D462B3}"/>
+              </a:ext>
+            </a:extLst>
+          </p:cNvPr>
+          <p:cNvSpPr txBox="1">
+            <a:spLocks/>
+          </p:cNvSpPr>
+          <p:nvPr/>
+        </p:nvSpPr>
+        <p:spPr>
+          <a:xfrm>
+            <a:off x="838199" y="5743850"/>
+            <a:ext cx="9777154" cy="481347"/>
+          </a:xfrm>
+          <a:prstGeom prst="rect">
+            <a:avLst/>
+          </a:prstGeom>
+        </p:spPr>
+        <p:txBody>
+          <a:bodyPr vert="horz" lIns="91440" tIns="45720" rIns="91440" bIns="45720" rtlCol="0">
+            <a:noAutofit/>
+          </a:bodyPr>
+          <a:lstStyle>
+            <a:lvl1pPr marL="228600" indent="-228600" algn="l" defTabSz="914400" rtl="0" eaLnBrk="1" latinLnBrk="0" hangingPunct="1">
+              <a:lnSpc>
+                <a:spcPct val="90000"/>
+              </a:lnSpc>
+              <a:spcBef>
+                <a:spcPts val="1000"/>
+              </a:spcBef>
+              <a:buFont typeface="Arial" panose="020B0604020202020204" pitchFamily="34" charset="0"/>
+              <a:buChar char="•"/>
+              <a:defRPr sz="2800" kern="1200">
+                <a:solidFill>
+                  <a:schemeClr val="tx1"/>
+                </a:solidFill>
+                <a:latin typeface="+mn-lt"/>
+                <a:ea typeface="+mn-ea"/>
+                <a:cs typeface="+mn-cs"/>
+              </a:defRPr>
+            </a:lvl1pPr>
+            <a:lvl2pPr marL="685800" indent="-228600" algn="l" defTabSz="914400" rtl="0" eaLnBrk="1" latinLnBrk="0" hangingPunct="1">
+              <a:lnSpc>
+                <a:spcPct val="90000"/>
+              </a:lnSpc>
+              <a:spcBef>
+                <a:spcPts val="500"/>
+              </a:spcBef>
+              <a:buFont typeface="Arial" panose="020B0604020202020204" pitchFamily="34" charset="0"/>
+              <a:buChar char="•"/>
+              <a:defRPr sz="2400" kern="1200">
+                <a:solidFill>
+                  <a:schemeClr val="tx1"/>
+                </a:solidFill>
+                <a:latin typeface="+mn-lt"/>
+                <a:ea typeface="+mn-ea"/>
+                <a:cs typeface="+mn-cs"/>
+              </a:defRPr>
+            </a:lvl2pPr>
+            <a:lvl3pPr marL="1143000" indent="-228600" algn="l" defTabSz="914400" rtl="0" eaLnBrk="1" latinLnBrk="0" hangingPunct="1">
+              <a:lnSpc>
+                <a:spcPct val="90000"/>
+              </a:lnSpc>
+              <a:spcBef>
+                <a:spcPts val="500"/>
+              </a:spcBef>
+              <a:buFont typeface="Arial" panose="020B0604020202020204" pitchFamily="34" charset="0"/>
+              <a:buChar char="•"/>
+              <a:defRPr sz="2000" kern="1200">
+                <a:solidFill>
+                  <a:schemeClr val="tx1"/>
+                </a:solidFill>
+                <a:latin typeface="+mn-lt"/>
+                <a:ea typeface="+mn-ea"/>
+                <a:cs typeface="+mn-cs"/>
+              </a:defRPr>
+            </a:lvl3pPr>
+            <a:lvl4pPr marL="1600200" indent="-228600" algn="l" defTabSz="914400" rtl="0" eaLnBrk="1" latinLnBrk="0" hangingPunct="1">
+              <a:lnSpc>
+                <a:spcPct val="90000"/>
+              </a:lnSpc>
+              <a:spcBef>
+                <a:spcPts val="500"/>
+              </a:spcBef>
+              <a:buFont typeface="Arial" panose="020B0604020202020204" pitchFamily="34" charset="0"/>
+              <a:buChar char="•"/>
+              <a:defRPr sz="1800" kern="1200">
+                <a:solidFill>
+                  <a:schemeClr val="tx1"/>
+                </a:solidFill>
+                <a:latin typeface="+mn-lt"/>
+                <a:ea typeface="+mn-ea"/>
+                <a:cs typeface="+mn-cs"/>
+              </a:defRPr>
+            </a:lvl4pPr>
+            <a:lvl5pPr marL="2057400" indent="-228600" algn="l" defTabSz="914400" rtl="0" eaLnBrk="1" latinLnBrk="0" hangingPunct="1">
+              <a:lnSpc>
+                <a:spcPct val="90000"/>
+              </a:lnSpc>
+              <a:spcBef>
+                <a:spcPts val="500"/>
+              </a:spcBef>
+              <a:buFont typeface="Arial" panose="020B0604020202020204" pitchFamily="34" charset="0"/>
+              <a:buChar char="•"/>
+              <a:defRPr sz="1800" kern="1200">
+                <a:solidFill>
+                  <a:schemeClr val="tx1"/>
+                </a:solidFill>
+                <a:latin typeface="+mn-lt"/>
+                <a:ea typeface="+mn-ea"/>
+                <a:cs typeface="+mn-cs"/>
+              </a:defRPr>
+            </a:lvl5pPr>
+            <a:lvl6pPr marL="2514600" indent="-228600" algn="l" defTabSz="914400" rtl="0" eaLnBrk="1" latinLnBrk="0" hangingPunct="1">
+              <a:lnSpc>
+                <a:spcPct val="90000"/>
+              </a:lnSpc>
+              <a:spcBef>
+                <a:spcPts val="500"/>
+              </a:spcBef>
+              <a:buFont typeface="Arial" panose="020B0604020202020204" pitchFamily="34" charset="0"/>
+              <a:buChar char="•"/>
+              <a:defRPr sz="1800" kern="1200">
+                <a:solidFill>
+                  <a:schemeClr val="tx1"/>
+                </a:solidFill>
+                <a:latin typeface="+mn-lt"/>
+                <a:ea typeface="+mn-ea"/>
+                <a:cs typeface="+mn-cs"/>
+              </a:defRPr>
+            </a:lvl6pPr>
+            <a:lvl7pPr marL="2971800" indent="-228600" algn="l" defTabSz="914400" rtl="0" eaLnBrk="1" latinLnBrk="0" hangingPunct="1">
+              <a:lnSpc>
+                <a:spcPct val="90000"/>
+              </a:lnSpc>
+              <a:spcBef>
+                <a:spcPts val="500"/>
+              </a:spcBef>
+              <a:buFont typeface="Arial" panose="020B0604020202020204" pitchFamily="34" charset="0"/>
+              <a:buChar char="•"/>
+              <a:defRPr sz="1800" kern="1200">
+                <a:solidFill>
+                  <a:schemeClr val="tx1"/>
+                </a:solidFill>
+                <a:latin typeface="+mn-lt"/>
+                <a:ea typeface="+mn-ea"/>
+                <a:cs typeface="+mn-cs"/>
+              </a:defRPr>
+            </a:lvl7pPr>
+            <a:lvl8pPr marL="3429000" indent="-228600" algn="l" defTabSz="914400" rtl="0" eaLnBrk="1" latinLnBrk="0" hangingPunct="1">
+              <a:lnSpc>
+                <a:spcPct val="90000"/>
+              </a:lnSpc>
+              <a:spcBef>
+                <a:spcPts val="500"/>
+              </a:spcBef>
+              <a:buFont typeface="Arial" panose="020B0604020202020204" pitchFamily="34" charset="0"/>
+              <a:buChar char="•"/>
+              <a:defRPr sz="1800" kern="1200">
+                <a:solidFill>
+                  <a:schemeClr val="tx1"/>
+                </a:solidFill>
+                <a:latin typeface="+mn-lt"/>
+                <a:ea typeface="+mn-ea"/>
+                <a:cs typeface="+mn-cs"/>
+              </a:defRPr>
+            </a:lvl8pPr>
+            <a:lvl9pPr marL="3886200" indent="-228600" algn="l" defTabSz="914400" rtl="0" eaLnBrk="1" latinLnBrk="0" hangingPunct="1">
+              <a:lnSpc>
+                <a:spcPct val="90000"/>
+              </a:lnSpc>
+              <a:spcBef>
+                <a:spcPts val="500"/>
+              </a:spcBef>
+              <a:buFont typeface="Arial" panose="020B0604020202020204" pitchFamily="34" charset="0"/>
+              <a:buChar char="•"/>
+              <a:defRPr sz="1800" kern="1200">
+                <a:solidFill>
+                  <a:schemeClr val="tx1"/>
+                </a:solidFill>
+                <a:latin typeface="+mn-lt"/>
+                <a:ea typeface="+mn-ea"/>
+                <a:cs typeface="+mn-cs"/>
+              </a:defRPr>
+            </a:lvl9pPr>
+          </a:lstStyle>
+          <a:p>
+            <a:pPr marL="0" indent="0">
+              <a:buFont typeface="Arial" panose="020B0604020202020204" pitchFamily="34" charset="0"/>
+              <a:buNone/>
+            </a:pPr>
+            <a:r>
+              <a:rPr lang="en-US" smtClean="0">
+                <a:latin typeface="Times New Roman" panose="02020603050405020304" pitchFamily="18" charset="0"/>
+                <a:cs typeface="Times New Roman" panose="02020603050405020304" pitchFamily="18" charset="0"/>
+              </a:rPr>
+              <a:t>Chọn tập có m z_component có sai số nhỏ nhất làm mô hình chính.</a:t>
+            </a:r>
+            <a:endParaRPr lang="en-US">
+              <a:latin typeface="Times New Roman" panose="02020603050405020304" pitchFamily="18" charset="0"/>
+              <a:cs typeface="Times New Roman" panose="02020603050405020304" pitchFamily="18" charset="0"/>
+            </a:endParaRPr>
+          </a:p>
+        </p:txBody>
+      </p:sp>
+    </p:spTree>
+    <p:extLst>
+      <p:ext uri="{BB962C8B-B14F-4D97-AF65-F5344CB8AC3E}">
+        <p14:creationId xmlns:p14="http://schemas.microsoft.com/office/powerpoint/2010/main" val="2146927629"/>
+      </p:ext>
+    </p:extLst>
+  </p:cSld>
+  <p:clrMapOvr>
+    <a:masterClrMapping/>
+  </p:clrMapOvr>
+</p:sld>
+</file>
+
+<file path=ppt/slides/slide13.xml><?xml version="1.0" encoding="utf-8"?>
+<p:sld xmlns:a="http://schemas.openxmlformats.org/drawingml/2006/main" xmlns:r="http://schemas.openxmlformats.org/officeDocument/2006/relationships" xmlns:p="http://schemas.openxmlformats.org/presentationml/2006/main">
+  <p:cSld>
+    <p:spTree>
+      <p:nvGrpSpPr>
+        <p:cNvPr id="1" name=""/>
+        <p:cNvGrpSpPr/>
+        <p:nvPr/>
+      </p:nvGrpSpPr>
+      <p:grpSpPr>
+        <a:xfrm>
+          <a:off x="0" y="0"/>
+          <a:ext cx="0" cy="0"/>
+          <a:chOff x="0" y="0"/>
+          <a:chExt cx="0" cy="0"/>
+        </a:xfrm>
+      </p:grpSpPr>
+      <p:sp>
+        <p:nvSpPr>
+          <p:cNvPr id="5" name="Title 4">
+            <a:extLst>
+              <a:ext uri="{FF2B5EF4-FFF2-40B4-BE49-F238E27FC236}">
+                <a16:creationId xmlns:a16="http://schemas.microsoft.com/office/drawing/2014/main" id="{1ACD2337-0507-40BF-B21F-D38B9A855491}"/>
+              </a:ext>
+            </a:extLst>
+          </p:cNvPr>
+          <p:cNvSpPr>
+            <a:spLocks noGrp="1"/>
+          </p:cNvSpPr>
+          <p:nvPr>
+            <p:ph type="title"/>
+          </p:nvPr>
+        </p:nvSpPr>
+        <p:spPr>
+          <a:xfrm>
+            <a:off x="838199" y="111628"/>
+            <a:ext cx="10515600" cy="1325563"/>
+          </a:xfrm>
+        </p:spPr>
+        <p:txBody>
+          <a:bodyPr/>
+          <a:lstStyle/>
+          <a:p>
+            <a:r>
+              <a:rPr lang="en-US" smtClean="0">
+                <a:latin typeface="Times New Roman" panose="02020603050405020304" pitchFamily="18" charset="0"/>
+                <a:cs typeface="Times New Roman" panose="02020603050405020304" pitchFamily="18" charset="0"/>
+              </a:rPr>
+              <a:t>Principle </a:t>
+            </a:r>
+            <a:r>
+              <a:rPr lang="en-US" smtClean="0">
+                <a:latin typeface="Times New Roman" panose="02020603050405020304" pitchFamily="18" charset="0"/>
+                <a:cs typeface="Times New Roman" panose="02020603050405020304" pitchFamily="18" charset="0"/>
+              </a:rPr>
+              <a:t>Component Regression</a:t>
+            </a:r>
+            <a:endParaRPr lang="en-US">
+              <a:latin typeface="Times New Roman" panose="02020603050405020304" pitchFamily="18" charset="0"/>
+              <a:cs typeface="Times New Roman" panose="02020603050405020304" pitchFamily="18" charset="0"/>
+            </a:endParaRPr>
+          </a:p>
+        </p:txBody>
+      </p:sp>
+      <p:pic>
+        <p:nvPicPr>
+          <p:cNvPr id="8" name="Picture 7"/>
+          <p:cNvPicPr/>
+          <p:nvPr/>
+        </p:nvPicPr>
+        <p:blipFill>
+          <a:blip r:embed="rId2"/>
+          <a:stretch>
+            <a:fillRect/>
+          </a:stretch>
+        </p:blipFill>
+        <p:spPr>
+          <a:xfrm>
+            <a:off x="3924299" y="1437191"/>
+            <a:ext cx="4343400" cy="4486275"/>
+          </a:xfrm>
+          <a:prstGeom prst="rect">
+            <a:avLst/>
+          </a:prstGeom>
+        </p:spPr>
+      </p:pic>
+      <p:sp>
+        <p:nvSpPr>
+          <p:cNvPr id="9" name="Subtitle 2"/>
+          <p:cNvSpPr txBox="1">
+            <a:spLocks/>
+          </p:cNvSpPr>
+          <p:nvPr/>
+        </p:nvSpPr>
+        <p:spPr>
+          <a:xfrm>
+            <a:off x="1078575" y="5923466"/>
+            <a:ext cx="10034848" cy="471198"/>
+          </a:xfrm>
+          <a:prstGeom prst="rect">
+            <a:avLst/>
+          </a:prstGeom>
+        </p:spPr>
+        <p:txBody>
+          <a:bodyPr vert="horz" lIns="91440" tIns="45720" rIns="91440" bIns="45720" rtlCol="0" anchor="t">
+            <a:noAutofit/>
+          </a:bodyPr>
+          <a:lstStyle>
+            <a:lvl1pPr marL="228600" indent="-228600" algn="l" defTabSz="914400" rtl="0" eaLnBrk="1" latinLnBrk="0" hangingPunct="1">
+              <a:lnSpc>
+                <a:spcPct val="90000"/>
+              </a:lnSpc>
+              <a:spcBef>
+                <a:spcPts val="1000"/>
+              </a:spcBef>
+              <a:buFont typeface="Arial" panose="020B0604020202020204" pitchFamily="34" charset="0"/>
+              <a:buChar char="•"/>
+              <a:defRPr sz="2800" kern="1200">
+                <a:solidFill>
+                  <a:schemeClr val="tx1"/>
+                </a:solidFill>
+                <a:latin typeface="+mn-lt"/>
+                <a:ea typeface="+mn-ea"/>
+                <a:cs typeface="+mn-cs"/>
+              </a:defRPr>
+            </a:lvl1pPr>
+            <a:lvl2pPr marL="685800" indent="-228600" algn="l" defTabSz="914400" rtl="0" eaLnBrk="1" latinLnBrk="0" hangingPunct="1">
+              <a:lnSpc>
+                <a:spcPct val="90000"/>
+              </a:lnSpc>
+              <a:spcBef>
+                <a:spcPts val="500"/>
+              </a:spcBef>
+              <a:buFont typeface="Arial" panose="020B0604020202020204" pitchFamily="34" charset="0"/>
+              <a:buChar char="•"/>
+              <a:defRPr sz="2400" kern="1200">
+                <a:solidFill>
+                  <a:schemeClr val="tx1"/>
+                </a:solidFill>
+                <a:latin typeface="+mn-lt"/>
+                <a:ea typeface="+mn-ea"/>
+                <a:cs typeface="+mn-cs"/>
+              </a:defRPr>
+            </a:lvl2pPr>
+            <a:lvl3pPr marL="1143000" indent="-228600" algn="l" defTabSz="914400" rtl="0" eaLnBrk="1" latinLnBrk="0" hangingPunct="1">
+              <a:lnSpc>
+                <a:spcPct val="90000"/>
+              </a:lnSpc>
+              <a:spcBef>
+                <a:spcPts val="500"/>
+              </a:spcBef>
+              <a:buFont typeface="Arial" panose="020B0604020202020204" pitchFamily="34" charset="0"/>
+              <a:buChar char="•"/>
+              <a:defRPr sz="2000" kern="1200">
+                <a:solidFill>
+                  <a:schemeClr val="tx1"/>
+                </a:solidFill>
+                <a:latin typeface="+mn-lt"/>
+                <a:ea typeface="+mn-ea"/>
+                <a:cs typeface="+mn-cs"/>
+              </a:defRPr>
+            </a:lvl3pPr>
+            <a:lvl4pPr marL="1600200" indent="-228600" algn="l" defTabSz="914400" rtl="0" eaLnBrk="1" latinLnBrk="0" hangingPunct="1">
+              <a:lnSpc>
+                <a:spcPct val="90000"/>
+              </a:lnSpc>
+              <a:spcBef>
+                <a:spcPts val="500"/>
+              </a:spcBef>
+              <a:buFont typeface="Arial" panose="020B0604020202020204" pitchFamily="34" charset="0"/>
+              <a:buChar char="•"/>
+              <a:defRPr sz="1800" kern="1200">
+                <a:solidFill>
+                  <a:schemeClr val="tx1"/>
+                </a:solidFill>
+                <a:latin typeface="+mn-lt"/>
+                <a:ea typeface="+mn-ea"/>
+                <a:cs typeface="+mn-cs"/>
+              </a:defRPr>
+            </a:lvl4pPr>
+            <a:lvl5pPr marL="2057400" indent="-228600" algn="l" defTabSz="914400" rtl="0" eaLnBrk="1" latinLnBrk="0" hangingPunct="1">
+              <a:lnSpc>
+                <a:spcPct val="90000"/>
+              </a:lnSpc>
+              <a:spcBef>
+                <a:spcPts val="500"/>
+              </a:spcBef>
+              <a:buFont typeface="Arial" panose="020B0604020202020204" pitchFamily="34" charset="0"/>
+              <a:buChar char="•"/>
+              <a:defRPr sz="1800" kern="1200">
+                <a:solidFill>
+                  <a:schemeClr val="tx1"/>
+                </a:solidFill>
+                <a:latin typeface="+mn-lt"/>
+                <a:ea typeface="+mn-ea"/>
+                <a:cs typeface="+mn-cs"/>
+              </a:defRPr>
+            </a:lvl5pPr>
+            <a:lvl6pPr marL="2514600" indent="-228600" algn="l" defTabSz="914400" rtl="0" eaLnBrk="1" latinLnBrk="0" hangingPunct="1">
+              <a:lnSpc>
+                <a:spcPct val="90000"/>
+              </a:lnSpc>
+              <a:spcBef>
+                <a:spcPts val="500"/>
+              </a:spcBef>
+              <a:buFont typeface="Arial" panose="020B0604020202020204" pitchFamily="34" charset="0"/>
+              <a:buChar char="•"/>
+              <a:defRPr sz="1800" kern="1200">
+                <a:solidFill>
+                  <a:schemeClr val="tx1"/>
+                </a:solidFill>
+                <a:latin typeface="+mn-lt"/>
+                <a:ea typeface="+mn-ea"/>
+                <a:cs typeface="+mn-cs"/>
+              </a:defRPr>
+            </a:lvl6pPr>
+            <a:lvl7pPr marL="2971800" indent="-228600" algn="l" defTabSz="914400" rtl="0" eaLnBrk="1" latinLnBrk="0" hangingPunct="1">
+              <a:lnSpc>
+                <a:spcPct val="90000"/>
+              </a:lnSpc>
+              <a:spcBef>
+                <a:spcPts val="500"/>
+              </a:spcBef>
+              <a:buFont typeface="Arial" panose="020B0604020202020204" pitchFamily="34" charset="0"/>
+              <a:buChar char="•"/>
+              <a:defRPr sz="1800" kern="1200">
+                <a:solidFill>
+                  <a:schemeClr val="tx1"/>
+                </a:solidFill>
+                <a:latin typeface="+mn-lt"/>
+                <a:ea typeface="+mn-ea"/>
+                <a:cs typeface="+mn-cs"/>
+              </a:defRPr>
+            </a:lvl7pPr>
+            <a:lvl8pPr marL="3429000" indent="-228600" algn="l" defTabSz="914400" rtl="0" eaLnBrk="1" latinLnBrk="0" hangingPunct="1">
+              <a:lnSpc>
+                <a:spcPct val="90000"/>
+              </a:lnSpc>
+              <a:spcBef>
+                <a:spcPts val="500"/>
+              </a:spcBef>
+              <a:buFont typeface="Arial" panose="020B0604020202020204" pitchFamily="34" charset="0"/>
+              <a:buChar char="•"/>
+              <a:defRPr sz="1800" kern="1200">
+                <a:solidFill>
+                  <a:schemeClr val="tx1"/>
+                </a:solidFill>
+                <a:latin typeface="+mn-lt"/>
+                <a:ea typeface="+mn-ea"/>
+                <a:cs typeface="+mn-cs"/>
+              </a:defRPr>
+            </a:lvl8pPr>
+            <a:lvl9pPr marL="3886200" indent="-228600" algn="l" defTabSz="914400" rtl="0" eaLnBrk="1" latinLnBrk="0" hangingPunct="1">
+              <a:lnSpc>
+                <a:spcPct val="90000"/>
+              </a:lnSpc>
+              <a:spcBef>
+                <a:spcPts val="500"/>
+              </a:spcBef>
+              <a:buFont typeface="Arial" panose="020B0604020202020204" pitchFamily="34" charset="0"/>
+              <a:buChar char="•"/>
+              <a:defRPr sz="1800" kern="1200">
+                <a:solidFill>
+                  <a:schemeClr val="tx1"/>
+                </a:solidFill>
+                <a:latin typeface="+mn-lt"/>
+                <a:ea typeface="+mn-ea"/>
+                <a:cs typeface="+mn-cs"/>
+              </a:defRPr>
+            </a:lvl9pPr>
+          </a:lstStyle>
+          <a:p>
+            <a:pPr marL="0" indent="0" algn="ctr">
+              <a:buNone/>
+            </a:pPr>
+            <a:r>
+              <a:rPr lang="en-US" sz="2000" smtClean="0"/>
+              <a:t>Nguồn: </a:t>
+            </a:r>
+            <a:r>
+              <a:rPr lang="en-US" sz="2000"/>
+              <a:t>Trevor Hastie, Robert Tibshirani, Jerome Friedman, 2008, The Elements of Statistical Learning: Data Mining, Inference, and Prediction (Second Edition).</a:t>
+            </a:r>
+            <a:endParaRPr lang="en-US" sz="2000"/>
+          </a:p>
+        </p:txBody>
+      </p:sp>
+    </p:spTree>
+    <p:extLst>
+      <p:ext uri="{BB962C8B-B14F-4D97-AF65-F5344CB8AC3E}">
+        <p14:creationId xmlns:p14="http://schemas.microsoft.com/office/powerpoint/2010/main" val="2689894869"/>
+      </p:ext>
+    </p:extLst>
+  </p:cSld>
+  <p:clrMapOvr>
+    <a:masterClrMapping/>
+  </p:clrMapOvr>
+</p:sld>
+</file>
+
+<file path=ppt/slides/slide14.xml><?xml version="1.0" encoding="utf-8"?>
+<p:sld xmlns:a="http://schemas.openxmlformats.org/drawingml/2006/main" xmlns:r="http://schemas.openxmlformats.org/officeDocument/2006/relationships" xmlns:p="http://schemas.openxmlformats.org/presentationml/2006/main">
+  <p:cSld>
+    <p:spTree>
+      <p:nvGrpSpPr>
+        <p:cNvPr id="1" name=""/>
+        <p:cNvGrpSpPr/>
+        <p:nvPr/>
+      </p:nvGrpSpPr>
+      <p:grpSpPr>
+        <a:xfrm>
+          <a:off x="0" y="0"/>
+          <a:ext cx="0" cy="0"/>
+          <a:chOff x="0" y="0"/>
+          <a:chExt cx="0" cy="0"/>
+        </a:xfrm>
+      </p:grpSpPr>
+      <p:sp>
+        <p:nvSpPr>
+          <p:cNvPr id="2" name="Title 1"/>
+          <p:cNvSpPr>
+            <a:spLocks noGrp="1"/>
+          </p:cNvSpPr>
+          <p:nvPr>
+            <p:ph type="title"/>
+          </p:nvPr>
+        </p:nvSpPr>
+        <p:spPr>
+          <a:xfrm>
+            <a:off x="555567" y="99118"/>
+            <a:ext cx="10515600" cy="1325563"/>
+          </a:xfrm>
+        </p:spPr>
+        <p:txBody>
+          <a:bodyPr/>
+          <a:lstStyle/>
+          <a:p>
+            <a:r>
+              <a:rPr lang="en-US" smtClean="0"/>
+              <a:t>Support Vector Machine - SVM</a:t>
+            </a:r>
+            <a:endParaRPr lang="en-US"/>
+          </a:p>
+        </p:txBody>
+      </p:sp>
+      <p:pic>
+        <p:nvPicPr>
+          <p:cNvPr id="4" name="efR1C6CvhmE"/>
+          <p:cNvPicPr>
+            <a:picLocks noRot="1" noChangeAspect="1"/>
+          </p:cNvPicPr>
+          <p:nvPr>
+            <a:videoFile r:link="rId1"/>
+          </p:nvPr>
+        </p:nvPicPr>
+        <p:blipFill>
+          <a:blip r:embed="rId3"/>
+          <a:stretch>
+            <a:fillRect/>
+          </a:stretch>
+        </p:blipFill>
+        <p:spPr>
+          <a:xfrm>
+            <a:off x="1493519" y="1258338"/>
+            <a:ext cx="8639696" cy="4859829"/>
+          </a:xfrm>
+          <a:prstGeom prst="rect">
+            <a:avLst/>
+          </a:prstGeom>
+        </p:spPr>
+      </p:pic>
+      <p:sp>
+        <p:nvSpPr>
+          <p:cNvPr id="5" name="Subtitle 2"/>
+          <p:cNvSpPr txBox="1">
+            <a:spLocks/>
+          </p:cNvSpPr>
+          <p:nvPr/>
+        </p:nvSpPr>
+        <p:spPr>
+          <a:xfrm>
+            <a:off x="1473430" y="6295362"/>
+            <a:ext cx="8679873" cy="471198"/>
+          </a:xfrm>
+          <a:prstGeom prst="rect">
+            <a:avLst/>
+          </a:prstGeom>
+        </p:spPr>
+        <p:txBody>
+          <a:bodyPr vert="horz" lIns="91440" tIns="45720" rIns="91440" bIns="45720" rtlCol="0" anchor="t">
+            <a:normAutofit fontScale="55000" lnSpcReduction="20000"/>
+          </a:bodyPr>
+          <a:lstStyle>
+            <a:lvl1pPr marL="228600" indent="-228600" algn="l" defTabSz="914400" rtl="0" eaLnBrk="1" latinLnBrk="0" hangingPunct="1">
+              <a:lnSpc>
+                <a:spcPct val="90000"/>
+              </a:lnSpc>
+              <a:spcBef>
+                <a:spcPts val="1000"/>
+              </a:spcBef>
+              <a:buFont typeface="Arial" panose="020B0604020202020204" pitchFamily="34" charset="0"/>
+              <a:buChar char="•"/>
+              <a:defRPr sz="2800" kern="1200">
+                <a:solidFill>
+                  <a:schemeClr val="tx1"/>
+                </a:solidFill>
+                <a:latin typeface="+mn-lt"/>
+                <a:ea typeface="+mn-ea"/>
+                <a:cs typeface="+mn-cs"/>
+              </a:defRPr>
+            </a:lvl1pPr>
+            <a:lvl2pPr marL="685800" indent="-228600" algn="l" defTabSz="914400" rtl="0" eaLnBrk="1" latinLnBrk="0" hangingPunct="1">
+              <a:lnSpc>
+                <a:spcPct val="90000"/>
+              </a:lnSpc>
+              <a:spcBef>
+                <a:spcPts val="500"/>
+              </a:spcBef>
+              <a:buFont typeface="Arial" panose="020B0604020202020204" pitchFamily="34" charset="0"/>
+              <a:buChar char="•"/>
+              <a:defRPr sz="2400" kern="1200">
+                <a:solidFill>
+                  <a:schemeClr val="tx1"/>
+                </a:solidFill>
+                <a:latin typeface="+mn-lt"/>
+                <a:ea typeface="+mn-ea"/>
+                <a:cs typeface="+mn-cs"/>
+              </a:defRPr>
+            </a:lvl2pPr>
+            <a:lvl3pPr marL="1143000" indent="-228600" algn="l" defTabSz="914400" rtl="0" eaLnBrk="1" latinLnBrk="0" hangingPunct="1">
+              <a:lnSpc>
+                <a:spcPct val="90000"/>
+              </a:lnSpc>
+              <a:spcBef>
+                <a:spcPts val="500"/>
+              </a:spcBef>
+              <a:buFont typeface="Arial" panose="020B0604020202020204" pitchFamily="34" charset="0"/>
+              <a:buChar char="•"/>
+              <a:defRPr sz="2000" kern="1200">
+                <a:solidFill>
+                  <a:schemeClr val="tx1"/>
+                </a:solidFill>
+                <a:latin typeface="+mn-lt"/>
+                <a:ea typeface="+mn-ea"/>
+                <a:cs typeface="+mn-cs"/>
+              </a:defRPr>
+            </a:lvl3pPr>
+            <a:lvl4pPr marL="1600200" indent="-228600" algn="l" defTabSz="914400" rtl="0" eaLnBrk="1" latinLnBrk="0" hangingPunct="1">
+              <a:lnSpc>
+                <a:spcPct val="90000"/>
+              </a:lnSpc>
+              <a:spcBef>
+                <a:spcPts val="500"/>
+              </a:spcBef>
+              <a:buFont typeface="Arial" panose="020B0604020202020204" pitchFamily="34" charset="0"/>
+              <a:buChar char="•"/>
+              <a:defRPr sz="1800" kern="1200">
+                <a:solidFill>
+                  <a:schemeClr val="tx1"/>
+                </a:solidFill>
+                <a:latin typeface="+mn-lt"/>
+                <a:ea typeface="+mn-ea"/>
+                <a:cs typeface="+mn-cs"/>
+              </a:defRPr>
+            </a:lvl4pPr>
+            <a:lvl5pPr marL="2057400" indent="-228600" algn="l" defTabSz="914400" rtl="0" eaLnBrk="1" latinLnBrk="0" hangingPunct="1">
+              <a:lnSpc>
+                <a:spcPct val="90000"/>
+              </a:lnSpc>
+              <a:spcBef>
+                <a:spcPts val="500"/>
+              </a:spcBef>
+              <a:buFont typeface="Arial" panose="020B0604020202020204" pitchFamily="34" charset="0"/>
+              <a:buChar char="•"/>
+              <a:defRPr sz="1800" kern="1200">
+                <a:solidFill>
+                  <a:schemeClr val="tx1"/>
+                </a:solidFill>
+                <a:latin typeface="+mn-lt"/>
+                <a:ea typeface="+mn-ea"/>
+                <a:cs typeface="+mn-cs"/>
+              </a:defRPr>
+            </a:lvl5pPr>
+            <a:lvl6pPr marL="2514600" indent="-228600" algn="l" defTabSz="914400" rtl="0" eaLnBrk="1" latinLnBrk="0" hangingPunct="1">
+              <a:lnSpc>
+                <a:spcPct val="90000"/>
+              </a:lnSpc>
+              <a:spcBef>
+                <a:spcPts val="500"/>
+              </a:spcBef>
+              <a:buFont typeface="Arial" panose="020B0604020202020204" pitchFamily="34" charset="0"/>
+              <a:buChar char="•"/>
+              <a:defRPr sz="1800" kern="1200">
+                <a:solidFill>
+                  <a:schemeClr val="tx1"/>
+                </a:solidFill>
+                <a:latin typeface="+mn-lt"/>
+                <a:ea typeface="+mn-ea"/>
+                <a:cs typeface="+mn-cs"/>
+              </a:defRPr>
+            </a:lvl6pPr>
+            <a:lvl7pPr marL="2971800" indent="-228600" algn="l" defTabSz="914400" rtl="0" eaLnBrk="1" latinLnBrk="0" hangingPunct="1">
+              <a:lnSpc>
+                <a:spcPct val="90000"/>
+              </a:lnSpc>
+              <a:spcBef>
+                <a:spcPts val="500"/>
+              </a:spcBef>
+              <a:buFont typeface="Arial" panose="020B0604020202020204" pitchFamily="34" charset="0"/>
+              <a:buChar char="•"/>
+              <a:defRPr sz="1800" kern="1200">
+                <a:solidFill>
+                  <a:schemeClr val="tx1"/>
+                </a:solidFill>
+                <a:latin typeface="+mn-lt"/>
+                <a:ea typeface="+mn-ea"/>
+                <a:cs typeface="+mn-cs"/>
+              </a:defRPr>
+            </a:lvl7pPr>
+            <a:lvl8pPr marL="3429000" indent="-228600" algn="l" defTabSz="914400" rtl="0" eaLnBrk="1" latinLnBrk="0" hangingPunct="1">
+              <a:lnSpc>
+                <a:spcPct val="90000"/>
+              </a:lnSpc>
+              <a:spcBef>
+                <a:spcPts val="500"/>
+              </a:spcBef>
+              <a:buFont typeface="Arial" panose="020B0604020202020204" pitchFamily="34" charset="0"/>
+              <a:buChar char="•"/>
+              <a:defRPr sz="1800" kern="1200">
+                <a:solidFill>
+                  <a:schemeClr val="tx1"/>
+                </a:solidFill>
+                <a:latin typeface="+mn-lt"/>
+                <a:ea typeface="+mn-ea"/>
+                <a:cs typeface="+mn-cs"/>
+              </a:defRPr>
+            </a:lvl8pPr>
+            <a:lvl9pPr marL="3886200" indent="-228600" algn="l" defTabSz="914400" rtl="0" eaLnBrk="1" latinLnBrk="0" hangingPunct="1">
+              <a:lnSpc>
+                <a:spcPct val="90000"/>
+              </a:lnSpc>
+              <a:spcBef>
+                <a:spcPts val="500"/>
+              </a:spcBef>
+              <a:buFont typeface="Arial" panose="020B0604020202020204" pitchFamily="34" charset="0"/>
+              <a:buChar char="•"/>
+              <a:defRPr sz="1800" kern="1200">
+                <a:solidFill>
+                  <a:schemeClr val="tx1"/>
+                </a:solidFill>
+                <a:latin typeface="+mn-lt"/>
+                <a:ea typeface="+mn-ea"/>
+                <a:cs typeface="+mn-cs"/>
+              </a:defRPr>
+            </a:lvl9pPr>
+          </a:lstStyle>
+          <a:p>
+            <a:pPr marL="0" indent="0">
+              <a:buNone/>
+            </a:pPr>
+            <a:r>
+              <a:rPr lang="en-US" smtClean="0"/>
+              <a:t>Nguồn: </a:t>
+            </a:r>
+            <a:r>
+              <a:rPr lang="en-US">
+                <a:hlinkClick r:id="rId4"/>
+              </a:rPr>
+              <a:t>https://www.youtube.com/watch?v=efR1C6CvhmE&amp;t=723s&amp;ab_channel=StatQuestwithJoshStarmer</a:t>
+            </a:r>
+            <a:endParaRPr lang="en-US"/>
+          </a:p>
+        </p:txBody>
+      </p:sp>
+    </p:spTree>
+    <p:extLst>
+      <p:ext uri="{BB962C8B-B14F-4D97-AF65-F5344CB8AC3E}">
+        <p14:creationId xmlns:p14="http://schemas.microsoft.com/office/powerpoint/2010/main" val="1742130797"/>
       </p:ext>
     </p:extLst>
   </p:cSld>
@@ -3081,7 +5090,7 @@
           <a:p>
             <a:r>
               <a:rPr lang="en-US" smtClean="0"/>
-              <a:t>VGG16 model concept</a:t>
+              <a:t>Concept</a:t>
             </a:r>
             <a:endParaRPr lang="en-US"/>
           </a:p>
@@ -3103,7 +5112,296 @@
         </p:blipFill>
         <p:spPr>
           <a:xfrm>
-            <a:off x="2057400" y="1690688"/>
+            <a:off x="2266950" y="2248593"/>
+            <a:ext cx="7658100" cy="2743200"/>
+          </a:xfrm>
+          <a:prstGeom prst="rect">
+            <a:avLst/>
+          </a:prstGeom>
+        </p:spPr>
+      </p:pic>
+      <p:sp>
+        <p:nvSpPr>
+          <p:cNvPr id="5" name="Subtitle 2"/>
+          <p:cNvSpPr txBox="1">
+            <a:spLocks/>
+          </p:cNvSpPr>
+          <p:nvPr/>
+        </p:nvSpPr>
+        <p:spPr>
+          <a:xfrm>
+            <a:off x="1055716" y="5549698"/>
+            <a:ext cx="10823171" cy="471198"/>
+          </a:xfrm>
+          <a:prstGeom prst="rect">
+            <a:avLst/>
+          </a:prstGeom>
+        </p:spPr>
+        <p:txBody>
+          <a:bodyPr vert="horz" lIns="91440" tIns="45720" rIns="91440" bIns="45720" rtlCol="0" anchor="t">
+            <a:normAutofit fontScale="62500" lnSpcReduction="20000"/>
+          </a:bodyPr>
+          <a:lstStyle>
+            <a:lvl1pPr marL="228600" indent="-228600" algn="l" defTabSz="914400" rtl="0" eaLnBrk="1" latinLnBrk="0" hangingPunct="1">
+              <a:lnSpc>
+                <a:spcPct val="90000"/>
+              </a:lnSpc>
+              <a:spcBef>
+                <a:spcPts val="1000"/>
+              </a:spcBef>
+              <a:buFont typeface="Arial" panose="020B0604020202020204" pitchFamily="34" charset="0"/>
+              <a:buChar char="•"/>
+              <a:defRPr sz="2800" kern="1200">
+                <a:solidFill>
+                  <a:schemeClr val="tx1"/>
+                </a:solidFill>
+                <a:latin typeface="+mn-lt"/>
+                <a:ea typeface="+mn-ea"/>
+                <a:cs typeface="+mn-cs"/>
+              </a:defRPr>
+            </a:lvl1pPr>
+            <a:lvl2pPr marL="685800" indent="-228600" algn="l" defTabSz="914400" rtl="0" eaLnBrk="1" latinLnBrk="0" hangingPunct="1">
+              <a:lnSpc>
+                <a:spcPct val="90000"/>
+              </a:lnSpc>
+              <a:spcBef>
+                <a:spcPts val="500"/>
+              </a:spcBef>
+              <a:buFont typeface="Arial" panose="020B0604020202020204" pitchFamily="34" charset="0"/>
+              <a:buChar char="•"/>
+              <a:defRPr sz="2400" kern="1200">
+                <a:solidFill>
+                  <a:schemeClr val="tx1"/>
+                </a:solidFill>
+                <a:latin typeface="+mn-lt"/>
+                <a:ea typeface="+mn-ea"/>
+                <a:cs typeface="+mn-cs"/>
+              </a:defRPr>
+            </a:lvl2pPr>
+            <a:lvl3pPr marL="1143000" indent="-228600" algn="l" defTabSz="914400" rtl="0" eaLnBrk="1" latinLnBrk="0" hangingPunct="1">
+              <a:lnSpc>
+                <a:spcPct val="90000"/>
+              </a:lnSpc>
+              <a:spcBef>
+                <a:spcPts val="500"/>
+              </a:spcBef>
+              <a:buFont typeface="Arial" panose="020B0604020202020204" pitchFamily="34" charset="0"/>
+              <a:buChar char="•"/>
+              <a:defRPr sz="2000" kern="1200">
+                <a:solidFill>
+                  <a:schemeClr val="tx1"/>
+                </a:solidFill>
+                <a:latin typeface="+mn-lt"/>
+                <a:ea typeface="+mn-ea"/>
+                <a:cs typeface="+mn-cs"/>
+              </a:defRPr>
+            </a:lvl3pPr>
+            <a:lvl4pPr marL="1600200" indent="-228600" algn="l" defTabSz="914400" rtl="0" eaLnBrk="1" latinLnBrk="0" hangingPunct="1">
+              <a:lnSpc>
+                <a:spcPct val="90000"/>
+              </a:lnSpc>
+              <a:spcBef>
+                <a:spcPts val="500"/>
+              </a:spcBef>
+              <a:buFont typeface="Arial" panose="020B0604020202020204" pitchFamily="34" charset="0"/>
+              <a:buChar char="•"/>
+              <a:defRPr sz="1800" kern="1200">
+                <a:solidFill>
+                  <a:schemeClr val="tx1"/>
+                </a:solidFill>
+                <a:latin typeface="+mn-lt"/>
+                <a:ea typeface="+mn-ea"/>
+                <a:cs typeface="+mn-cs"/>
+              </a:defRPr>
+            </a:lvl4pPr>
+            <a:lvl5pPr marL="2057400" indent="-228600" algn="l" defTabSz="914400" rtl="0" eaLnBrk="1" latinLnBrk="0" hangingPunct="1">
+              <a:lnSpc>
+                <a:spcPct val="90000"/>
+              </a:lnSpc>
+              <a:spcBef>
+                <a:spcPts val="500"/>
+              </a:spcBef>
+              <a:buFont typeface="Arial" panose="020B0604020202020204" pitchFamily="34" charset="0"/>
+              <a:buChar char="•"/>
+              <a:defRPr sz="1800" kern="1200">
+                <a:solidFill>
+                  <a:schemeClr val="tx1"/>
+                </a:solidFill>
+                <a:latin typeface="+mn-lt"/>
+                <a:ea typeface="+mn-ea"/>
+                <a:cs typeface="+mn-cs"/>
+              </a:defRPr>
+            </a:lvl5pPr>
+            <a:lvl6pPr marL="2514600" indent="-228600" algn="l" defTabSz="914400" rtl="0" eaLnBrk="1" latinLnBrk="0" hangingPunct="1">
+              <a:lnSpc>
+                <a:spcPct val="90000"/>
+              </a:lnSpc>
+              <a:spcBef>
+                <a:spcPts val="500"/>
+              </a:spcBef>
+              <a:buFont typeface="Arial" panose="020B0604020202020204" pitchFamily="34" charset="0"/>
+              <a:buChar char="•"/>
+              <a:defRPr sz="1800" kern="1200">
+                <a:solidFill>
+                  <a:schemeClr val="tx1"/>
+                </a:solidFill>
+                <a:latin typeface="+mn-lt"/>
+                <a:ea typeface="+mn-ea"/>
+                <a:cs typeface="+mn-cs"/>
+              </a:defRPr>
+            </a:lvl6pPr>
+            <a:lvl7pPr marL="2971800" indent="-228600" algn="l" defTabSz="914400" rtl="0" eaLnBrk="1" latinLnBrk="0" hangingPunct="1">
+              <a:lnSpc>
+                <a:spcPct val="90000"/>
+              </a:lnSpc>
+              <a:spcBef>
+                <a:spcPts val="500"/>
+              </a:spcBef>
+              <a:buFont typeface="Arial" panose="020B0604020202020204" pitchFamily="34" charset="0"/>
+              <a:buChar char="•"/>
+              <a:defRPr sz="1800" kern="1200">
+                <a:solidFill>
+                  <a:schemeClr val="tx1"/>
+                </a:solidFill>
+                <a:latin typeface="+mn-lt"/>
+                <a:ea typeface="+mn-ea"/>
+                <a:cs typeface="+mn-cs"/>
+              </a:defRPr>
+            </a:lvl7pPr>
+            <a:lvl8pPr marL="3429000" indent="-228600" algn="l" defTabSz="914400" rtl="0" eaLnBrk="1" latinLnBrk="0" hangingPunct="1">
+              <a:lnSpc>
+                <a:spcPct val="90000"/>
+              </a:lnSpc>
+              <a:spcBef>
+                <a:spcPts val="500"/>
+              </a:spcBef>
+              <a:buFont typeface="Arial" panose="020B0604020202020204" pitchFamily="34" charset="0"/>
+              <a:buChar char="•"/>
+              <a:defRPr sz="1800" kern="1200">
+                <a:solidFill>
+                  <a:schemeClr val="tx1"/>
+                </a:solidFill>
+                <a:latin typeface="+mn-lt"/>
+                <a:ea typeface="+mn-ea"/>
+                <a:cs typeface="+mn-cs"/>
+              </a:defRPr>
+            </a:lvl8pPr>
+            <a:lvl9pPr marL="3886200" indent="-228600" algn="l" defTabSz="914400" rtl="0" eaLnBrk="1" latinLnBrk="0" hangingPunct="1">
+              <a:lnSpc>
+                <a:spcPct val="90000"/>
+              </a:lnSpc>
+              <a:spcBef>
+                <a:spcPts val="500"/>
+              </a:spcBef>
+              <a:buFont typeface="Arial" panose="020B0604020202020204" pitchFamily="34" charset="0"/>
+              <a:buChar char="•"/>
+              <a:defRPr sz="1800" kern="1200">
+                <a:solidFill>
+                  <a:schemeClr val="tx1"/>
+                </a:solidFill>
+                <a:latin typeface="+mn-lt"/>
+                <a:ea typeface="+mn-ea"/>
+                <a:cs typeface="+mn-cs"/>
+              </a:defRPr>
+            </a:lvl9pPr>
+          </a:lstStyle>
+          <a:p>
+            <a:pPr marL="0" indent="0">
+              <a:buNone/>
+            </a:pPr>
+            <a:r>
+              <a:rPr lang="en-US" smtClean="0"/>
+              <a:t>Nguồn: </a:t>
+            </a:r>
+            <a:r>
+              <a:rPr lang="en-US"/>
+              <a:t>Hongling Chen, Chen Haoyu, 2019, Face Recognition Algorithm Based on VGG Network Model and SVM.</a:t>
+            </a:r>
+            <a:endParaRPr lang="en-US"/>
+          </a:p>
+        </p:txBody>
+      </p:sp>
+    </p:spTree>
+    <p:extLst>
+      <p:ext uri="{BB962C8B-B14F-4D97-AF65-F5344CB8AC3E}">
+        <p14:creationId xmlns:p14="http://schemas.microsoft.com/office/powerpoint/2010/main" val="4183697126"/>
+      </p:ext>
+    </p:extLst>
+  </p:cSld>
+  <p:clrMapOvr>
+    <a:masterClrMapping/>
+  </p:clrMapOvr>
+  <p:timing>
+    <p:tnLst>
+      <p:par>
+        <p:cTn id="1" dur="indefinite" restart="never" nodeType="tmRoot"/>
+      </p:par>
+    </p:tnLst>
+  </p:timing>
+</p:sld>
+</file>
+
+<file path=ppt/slides/slide3.xml><?xml version="1.0" encoding="utf-8"?>
+<p:sld xmlns:a="http://schemas.openxmlformats.org/drawingml/2006/main" xmlns:r="http://schemas.openxmlformats.org/officeDocument/2006/relationships" xmlns:p="http://schemas.openxmlformats.org/presentationml/2006/main">
+  <p:cSld>
+    <p:spTree>
+      <p:nvGrpSpPr>
+        <p:cNvPr id="1" name=""/>
+        <p:cNvGrpSpPr/>
+        <p:nvPr/>
+      </p:nvGrpSpPr>
+      <p:grpSpPr>
+        <a:xfrm>
+          <a:off x="0" y="0"/>
+          <a:ext cx="0" cy="0"/>
+          <a:chOff x="0" y="0"/>
+          <a:chExt cx="0" cy="0"/>
+        </a:xfrm>
+      </p:grpSpPr>
+      <p:sp>
+        <p:nvSpPr>
+          <p:cNvPr id="2" name="Title 1"/>
+          <p:cNvSpPr>
+            <a:spLocks noGrp="1"/>
+          </p:cNvSpPr>
+          <p:nvPr>
+            <p:ph type="title"/>
+          </p:nvPr>
+        </p:nvSpPr>
+        <p:spPr/>
+        <p:txBody>
+          <a:bodyPr/>
+          <a:lstStyle/>
+          <a:p>
+            <a:r>
+              <a:rPr lang="en-US" smtClean="0"/>
+              <a:t>VGG </a:t>
+            </a:r>
+            <a:r>
+              <a:rPr lang="en-US" smtClean="0"/>
+              <a:t>model concept</a:t>
+            </a:r>
+            <a:endParaRPr lang="en-US"/>
+          </a:p>
+        </p:txBody>
+      </p:sp>
+      <p:pic>
+        <p:nvPicPr>
+          <p:cNvPr id="4" name="Picture 3"/>
+          <p:cNvPicPr>
+            <a:picLocks noChangeAspect="1"/>
+          </p:cNvPicPr>
+          <p:nvPr/>
+        </p:nvPicPr>
+        <p:blipFill>
+          <a:blip r:embed="rId2"/>
+          <a:stretch>
+            <a:fillRect/>
+          </a:stretch>
+        </p:blipFill>
+        <p:spPr>
+          <a:xfrm>
+            <a:off x="2057400" y="1341553"/>
             <a:ext cx="8077200" cy="4610100"/>
           </a:xfrm>
           <a:prstGeom prst="rect">
@@ -3111,6 +5409,206 @@
           </a:prstGeom>
         </p:spPr>
       </p:pic>
+      <p:sp>
+        <p:nvSpPr>
+          <p:cNvPr id="5" name="Subtitle 2"/>
+          <p:cNvSpPr txBox="1">
+            <a:spLocks/>
+          </p:cNvSpPr>
+          <p:nvPr/>
+        </p:nvSpPr>
+        <p:spPr>
+          <a:xfrm>
+            <a:off x="1756063" y="6131590"/>
+            <a:ext cx="8679873" cy="471198"/>
+          </a:xfrm>
+          <a:prstGeom prst="rect">
+            <a:avLst/>
+          </a:prstGeom>
+        </p:spPr>
+        <p:txBody>
+          <a:bodyPr vert="horz" lIns="91440" tIns="45720" rIns="91440" bIns="45720" rtlCol="0" anchor="t">
+            <a:normAutofit lnSpcReduction="10000"/>
+          </a:bodyPr>
+          <a:lstStyle>
+            <a:lvl1pPr marL="228600" indent="-228600" algn="l" defTabSz="914400" rtl="0" eaLnBrk="1" latinLnBrk="0" hangingPunct="1">
+              <a:lnSpc>
+                <a:spcPct val="90000"/>
+              </a:lnSpc>
+              <a:spcBef>
+                <a:spcPts val="1000"/>
+              </a:spcBef>
+              <a:buFont typeface="Arial" panose="020B0604020202020204" pitchFamily="34" charset="0"/>
+              <a:buChar char="•"/>
+              <a:defRPr sz="2800" kern="1200">
+                <a:solidFill>
+                  <a:schemeClr val="tx1"/>
+                </a:solidFill>
+                <a:latin typeface="+mn-lt"/>
+                <a:ea typeface="+mn-ea"/>
+                <a:cs typeface="+mn-cs"/>
+              </a:defRPr>
+            </a:lvl1pPr>
+            <a:lvl2pPr marL="685800" indent="-228600" algn="l" defTabSz="914400" rtl="0" eaLnBrk="1" latinLnBrk="0" hangingPunct="1">
+              <a:lnSpc>
+                <a:spcPct val="90000"/>
+              </a:lnSpc>
+              <a:spcBef>
+                <a:spcPts val="500"/>
+              </a:spcBef>
+              <a:buFont typeface="Arial" panose="020B0604020202020204" pitchFamily="34" charset="0"/>
+              <a:buChar char="•"/>
+              <a:defRPr sz="2400" kern="1200">
+                <a:solidFill>
+                  <a:schemeClr val="tx1"/>
+                </a:solidFill>
+                <a:latin typeface="+mn-lt"/>
+                <a:ea typeface="+mn-ea"/>
+                <a:cs typeface="+mn-cs"/>
+              </a:defRPr>
+            </a:lvl2pPr>
+            <a:lvl3pPr marL="1143000" indent="-228600" algn="l" defTabSz="914400" rtl="0" eaLnBrk="1" latinLnBrk="0" hangingPunct="1">
+              <a:lnSpc>
+                <a:spcPct val="90000"/>
+              </a:lnSpc>
+              <a:spcBef>
+                <a:spcPts val="500"/>
+              </a:spcBef>
+              <a:buFont typeface="Arial" panose="020B0604020202020204" pitchFamily="34" charset="0"/>
+              <a:buChar char="•"/>
+              <a:defRPr sz="2000" kern="1200">
+                <a:solidFill>
+                  <a:schemeClr val="tx1"/>
+                </a:solidFill>
+                <a:latin typeface="+mn-lt"/>
+                <a:ea typeface="+mn-ea"/>
+                <a:cs typeface="+mn-cs"/>
+              </a:defRPr>
+            </a:lvl3pPr>
+            <a:lvl4pPr marL="1600200" indent="-228600" algn="l" defTabSz="914400" rtl="0" eaLnBrk="1" latinLnBrk="0" hangingPunct="1">
+              <a:lnSpc>
+                <a:spcPct val="90000"/>
+              </a:lnSpc>
+              <a:spcBef>
+                <a:spcPts val="500"/>
+              </a:spcBef>
+              <a:buFont typeface="Arial" panose="020B0604020202020204" pitchFamily="34" charset="0"/>
+              <a:buChar char="•"/>
+              <a:defRPr sz="1800" kern="1200">
+                <a:solidFill>
+                  <a:schemeClr val="tx1"/>
+                </a:solidFill>
+                <a:latin typeface="+mn-lt"/>
+                <a:ea typeface="+mn-ea"/>
+                <a:cs typeface="+mn-cs"/>
+              </a:defRPr>
+            </a:lvl4pPr>
+            <a:lvl5pPr marL="2057400" indent="-228600" algn="l" defTabSz="914400" rtl="0" eaLnBrk="1" latinLnBrk="0" hangingPunct="1">
+              <a:lnSpc>
+                <a:spcPct val="90000"/>
+              </a:lnSpc>
+              <a:spcBef>
+                <a:spcPts val="500"/>
+              </a:spcBef>
+              <a:buFont typeface="Arial" panose="020B0604020202020204" pitchFamily="34" charset="0"/>
+              <a:buChar char="•"/>
+              <a:defRPr sz="1800" kern="1200">
+                <a:solidFill>
+                  <a:schemeClr val="tx1"/>
+                </a:solidFill>
+                <a:latin typeface="+mn-lt"/>
+                <a:ea typeface="+mn-ea"/>
+                <a:cs typeface="+mn-cs"/>
+              </a:defRPr>
+            </a:lvl5pPr>
+            <a:lvl6pPr marL="2514600" indent="-228600" algn="l" defTabSz="914400" rtl="0" eaLnBrk="1" latinLnBrk="0" hangingPunct="1">
+              <a:lnSpc>
+                <a:spcPct val="90000"/>
+              </a:lnSpc>
+              <a:spcBef>
+                <a:spcPts val="500"/>
+              </a:spcBef>
+              <a:buFont typeface="Arial" panose="020B0604020202020204" pitchFamily="34" charset="0"/>
+              <a:buChar char="•"/>
+              <a:defRPr sz="1800" kern="1200">
+                <a:solidFill>
+                  <a:schemeClr val="tx1"/>
+                </a:solidFill>
+                <a:latin typeface="+mn-lt"/>
+                <a:ea typeface="+mn-ea"/>
+                <a:cs typeface="+mn-cs"/>
+              </a:defRPr>
+            </a:lvl6pPr>
+            <a:lvl7pPr marL="2971800" indent="-228600" algn="l" defTabSz="914400" rtl="0" eaLnBrk="1" latinLnBrk="0" hangingPunct="1">
+              <a:lnSpc>
+                <a:spcPct val="90000"/>
+              </a:lnSpc>
+              <a:spcBef>
+                <a:spcPts val="500"/>
+              </a:spcBef>
+              <a:buFont typeface="Arial" panose="020B0604020202020204" pitchFamily="34" charset="0"/>
+              <a:buChar char="•"/>
+              <a:defRPr sz="1800" kern="1200">
+                <a:solidFill>
+                  <a:schemeClr val="tx1"/>
+                </a:solidFill>
+                <a:latin typeface="+mn-lt"/>
+                <a:ea typeface="+mn-ea"/>
+                <a:cs typeface="+mn-cs"/>
+              </a:defRPr>
+            </a:lvl7pPr>
+            <a:lvl8pPr marL="3429000" indent="-228600" algn="l" defTabSz="914400" rtl="0" eaLnBrk="1" latinLnBrk="0" hangingPunct="1">
+              <a:lnSpc>
+                <a:spcPct val="90000"/>
+              </a:lnSpc>
+              <a:spcBef>
+                <a:spcPts val="500"/>
+              </a:spcBef>
+              <a:buFont typeface="Arial" panose="020B0604020202020204" pitchFamily="34" charset="0"/>
+              <a:buChar char="•"/>
+              <a:defRPr sz="1800" kern="1200">
+                <a:solidFill>
+                  <a:schemeClr val="tx1"/>
+                </a:solidFill>
+                <a:latin typeface="+mn-lt"/>
+                <a:ea typeface="+mn-ea"/>
+                <a:cs typeface="+mn-cs"/>
+              </a:defRPr>
+            </a:lvl8pPr>
+            <a:lvl9pPr marL="3886200" indent="-228600" algn="l" defTabSz="914400" rtl="0" eaLnBrk="1" latinLnBrk="0" hangingPunct="1">
+              <a:lnSpc>
+                <a:spcPct val="90000"/>
+              </a:lnSpc>
+              <a:spcBef>
+                <a:spcPts val="500"/>
+              </a:spcBef>
+              <a:buFont typeface="Arial" panose="020B0604020202020204" pitchFamily="34" charset="0"/>
+              <a:buChar char="•"/>
+              <a:defRPr sz="1800" kern="1200">
+                <a:solidFill>
+                  <a:schemeClr val="tx1"/>
+                </a:solidFill>
+                <a:latin typeface="+mn-lt"/>
+                <a:ea typeface="+mn-ea"/>
+                <a:cs typeface="+mn-cs"/>
+              </a:defRPr>
+            </a:lvl9pPr>
+          </a:lstStyle>
+          <a:p>
+            <a:pPr marL="0" indent="0">
+              <a:buNone/>
+            </a:pPr>
+            <a:r>
+              <a:rPr lang="en-US" smtClean="0"/>
+              <a:t>Nguồn: </a:t>
+            </a:r>
+            <a:r>
+              <a:rPr lang="en-US"/>
+              <a:t>https://neurohive.io/en/popular-networks/vgg16/</a:t>
+            </a:r>
+          </a:p>
+        </p:txBody>
+      </p:sp>
     </p:spTree>
     <p:extLst>
       <p:ext uri="{BB962C8B-B14F-4D97-AF65-F5344CB8AC3E}">
@@ -3121,6 +5619,4564 @@
   <p:clrMapOvr>
     <a:masterClrMapping/>
   </p:clrMapOvr>
+  <p:timing>
+    <p:tnLst>
+      <p:par>
+        <p:cTn id="1" dur="indefinite" restart="never" nodeType="tmRoot"/>
+      </p:par>
+    </p:tnLst>
+  </p:timing>
+</p:sld>
+</file>
+
+<file path=ppt/slides/slide4.xml><?xml version="1.0" encoding="utf-8"?>
+<p:sld xmlns:a="http://schemas.openxmlformats.org/drawingml/2006/main" xmlns:r="http://schemas.openxmlformats.org/officeDocument/2006/relationships" xmlns:p="http://schemas.openxmlformats.org/presentationml/2006/main">
+  <p:cSld>
+    <p:spTree>
+      <p:nvGrpSpPr>
+        <p:cNvPr id="1" name=""/>
+        <p:cNvGrpSpPr/>
+        <p:nvPr/>
+      </p:nvGrpSpPr>
+      <p:grpSpPr>
+        <a:xfrm>
+          <a:off x="0" y="0"/>
+          <a:ext cx="0" cy="0"/>
+          <a:chOff x="0" y="0"/>
+          <a:chExt cx="0" cy="0"/>
+        </a:xfrm>
+      </p:grpSpPr>
+      <p:sp>
+        <p:nvSpPr>
+          <p:cNvPr id="2" name="Title 1"/>
+          <p:cNvSpPr>
+            <a:spLocks noGrp="1"/>
+          </p:cNvSpPr>
+          <p:nvPr>
+            <p:ph type="title"/>
+          </p:nvPr>
+        </p:nvSpPr>
+        <p:spPr/>
+        <p:txBody>
+          <a:bodyPr/>
+          <a:lstStyle/>
+          <a:p>
+            <a:r>
+              <a:rPr lang="en-US" smtClean="0"/>
+              <a:t>VGG CNN stack</a:t>
+            </a:r>
+            <a:endParaRPr lang="en-US"/>
+          </a:p>
+        </p:txBody>
+      </p:sp>
+      <p:grpSp>
+        <p:nvGrpSpPr>
+          <p:cNvPr id="20" name="Group 19"/>
+          <p:cNvGrpSpPr/>
+          <p:nvPr/>
+        </p:nvGrpSpPr>
+        <p:grpSpPr>
+          <a:xfrm>
+            <a:off x="938645" y="1953490"/>
+            <a:ext cx="10314710" cy="4069883"/>
+            <a:chOff x="257694" y="1953490"/>
+            <a:chExt cx="10314710" cy="4069883"/>
+          </a:xfrm>
+        </p:grpSpPr>
+        <p:sp>
+          <p:nvSpPr>
+            <p:cNvPr id="3" name="Cube 2"/>
+            <p:cNvSpPr/>
+            <p:nvPr/>
+          </p:nvSpPr>
+          <p:spPr>
+            <a:xfrm>
+              <a:off x="838200" y="1953490"/>
+              <a:ext cx="806335" cy="3449782"/>
+            </a:xfrm>
+            <a:prstGeom prst="cube">
+              <a:avLst/>
+            </a:prstGeom>
+          </p:spPr>
+          <p:style>
+            <a:lnRef idx="2">
+              <a:schemeClr val="accent1">
+                <a:shade val="50000"/>
+              </a:schemeClr>
+            </a:lnRef>
+            <a:fillRef idx="1">
+              <a:schemeClr val="accent1"/>
+            </a:fillRef>
+            <a:effectRef idx="0">
+              <a:schemeClr val="accent1"/>
+            </a:effectRef>
+            <a:fontRef idx="minor">
+              <a:schemeClr val="lt1"/>
+            </a:fontRef>
+          </p:style>
+          <p:txBody>
+            <a:bodyPr rtlCol="0" anchor="ctr"/>
+            <a:lstStyle/>
+            <a:p>
+              <a:pPr algn="ctr"/>
+              <a:endParaRPr lang="en-US"/>
+            </a:p>
+          </p:txBody>
+        </p:sp>
+        <p:sp>
+          <p:nvSpPr>
+            <p:cNvPr id="5" name="Subtitle 2"/>
+            <p:cNvSpPr txBox="1">
+              <a:spLocks/>
+            </p:cNvSpPr>
+            <p:nvPr/>
+          </p:nvSpPr>
+          <p:spPr>
+            <a:xfrm>
+              <a:off x="257694" y="5549696"/>
+              <a:ext cx="1967345" cy="471198"/>
+            </a:xfrm>
+            <a:prstGeom prst="rect">
+              <a:avLst/>
+            </a:prstGeom>
+          </p:spPr>
+          <p:txBody>
+            <a:bodyPr vert="horz" lIns="91440" tIns="45720" rIns="91440" bIns="45720" rtlCol="0" anchor="t">
+              <a:normAutofit lnSpcReduction="10000"/>
+            </a:bodyPr>
+            <a:lstStyle>
+              <a:lvl1pPr marL="228600" indent="-228600" algn="l" defTabSz="914400" rtl="0" eaLnBrk="1" latinLnBrk="0" hangingPunct="1">
+                <a:lnSpc>
+                  <a:spcPct val="90000"/>
+                </a:lnSpc>
+                <a:spcBef>
+                  <a:spcPts val="1000"/>
+                </a:spcBef>
+                <a:buFont typeface="Arial" panose="020B0604020202020204" pitchFamily="34" charset="0"/>
+                <a:buChar char="•"/>
+                <a:defRPr sz="2800" kern="1200">
+                  <a:solidFill>
+                    <a:schemeClr val="tx1"/>
+                  </a:solidFill>
+                  <a:latin typeface="+mn-lt"/>
+                  <a:ea typeface="+mn-ea"/>
+                  <a:cs typeface="+mn-cs"/>
+                </a:defRPr>
+              </a:lvl1pPr>
+              <a:lvl2pPr marL="685800" indent="-228600" algn="l" defTabSz="914400" rtl="0" eaLnBrk="1" latinLnBrk="0" hangingPunct="1">
+                <a:lnSpc>
+                  <a:spcPct val="90000"/>
+                </a:lnSpc>
+                <a:spcBef>
+                  <a:spcPts val="500"/>
+                </a:spcBef>
+                <a:buFont typeface="Arial" panose="020B0604020202020204" pitchFamily="34" charset="0"/>
+                <a:buChar char="•"/>
+                <a:defRPr sz="2400" kern="1200">
+                  <a:solidFill>
+                    <a:schemeClr val="tx1"/>
+                  </a:solidFill>
+                  <a:latin typeface="+mn-lt"/>
+                  <a:ea typeface="+mn-ea"/>
+                  <a:cs typeface="+mn-cs"/>
+                </a:defRPr>
+              </a:lvl2pPr>
+              <a:lvl3pPr marL="1143000" indent="-228600" algn="l" defTabSz="914400" rtl="0" eaLnBrk="1" latinLnBrk="0" hangingPunct="1">
+                <a:lnSpc>
+                  <a:spcPct val="90000"/>
+                </a:lnSpc>
+                <a:spcBef>
+                  <a:spcPts val="500"/>
+                </a:spcBef>
+                <a:buFont typeface="Arial" panose="020B0604020202020204" pitchFamily="34" charset="0"/>
+                <a:buChar char="•"/>
+                <a:defRPr sz="2000" kern="1200">
+                  <a:solidFill>
+                    <a:schemeClr val="tx1"/>
+                  </a:solidFill>
+                  <a:latin typeface="+mn-lt"/>
+                  <a:ea typeface="+mn-ea"/>
+                  <a:cs typeface="+mn-cs"/>
+                </a:defRPr>
+              </a:lvl3pPr>
+              <a:lvl4pPr marL="1600200" indent="-228600" algn="l" defTabSz="914400" rtl="0" eaLnBrk="1" latinLnBrk="0" hangingPunct="1">
+                <a:lnSpc>
+                  <a:spcPct val="90000"/>
+                </a:lnSpc>
+                <a:spcBef>
+                  <a:spcPts val="500"/>
+                </a:spcBef>
+                <a:buFont typeface="Arial" panose="020B0604020202020204" pitchFamily="34" charset="0"/>
+                <a:buChar char="•"/>
+                <a:defRPr sz="1800" kern="1200">
+                  <a:solidFill>
+                    <a:schemeClr val="tx1"/>
+                  </a:solidFill>
+                  <a:latin typeface="+mn-lt"/>
+                  <a:ea typeface="+mn-ea"/>
+                  <a:cs typeface="+mn-cs"/>
+                </a:defRPr>
+              </a:lvl4pPr>
+              <a:lvl5pPr marL="2057400" indent="-228600" algn="l" defTabSz="914400" rtl="0" eaLnBrk="1" latinLnBrk="0" hangingPunct="1">
+                <a:lnSpc>
+                  <a:spcPct val="90000"/>
+                </a:lnSpc>
+                <a:spcBef>
+                  <a:spcPts val="500"/>
+                </a:spcBef>
+                <a:buFont typeface="Arial" panose="020B0604020202020204" pitchFamily="34" charset="0"/>
+                <a:buChar char="•"/>
+                <a:defRPr sz="1800" kern="1200">
+                  <a:solidFill>
+                    <a:schemeClr val="tx1"/>
+                  </a:solidFill>
+                  <a:latin typeface="+mn-lt"/>
+                  <a:ea typeface="+mn-ea"/>
+                  <a:cs typeface="+mn-cs"/>
+                </a:defRPr>
+              </a:lvl5pPr>
+              <a:lvl6pPr marL="2514600" indent="-228600" algn="l" defTabSz="914400" rtl="0" eaLnBrk="1" latinLnBrk="0" hangingPunct="1">
+                <a:lnSpc>
+                  <a:spcPct val="90000"/>
+                </a:lnSpc>
+                <a:spcBef>
+                  <a:spcPts val="500"/>
+                </a:spcBef>
+                <a:buFont typeface="Arial" panose="020B0604020202020204" pitchFamily="34" charset="0"/>
+                <a:buChar char="•"/>
+                <a:defRPr sz="1800" kern="1200">
+                  <a:solidFill>
+                    <a:schemeClr val="tx1"/>
+                  </a:solidFill>
+                  <a:latin typeface="+mn-lt"/>
+                  <a:ea typeface="+mn-ea"/>
+                  <a:cs typeface="+mn-cs"/>
+                </a:defRPr>
+              </a:lvl6pPr>
+              <a:lvl7pPr marL="2971800" indent="-228600" algn="l" defTabSz="914400" rtl="0" eaLnBrk="1" latinLnBrk="0" hangingPunct="1">
+                <a:lnSpc>
+                  <a:spcPct val="90000"/>
+                </a:lnSpc>
+                <a:spcBef>
+                  <a:spcPts val="500"/>
+                </a:spcBef>
+                <a:buFont typeface="Arial" panose="020B0604020202020204" pitchFamily="34" charset="0"/>
+                <a:buChar char="•"/>
+                <a:defRPr sz="1800" kern="1200">
+                  <a:solidFill>
+                    <a:schemeClr val="tx1"/>
+                  </a:solidFill>
+                  <a:latin typeface="+mn-lt"/>
+                  <a:ea typeface="+mn-ea"/>
+                  <a:cs typeface="+mn-cs"/>
+                </a:defRPr>
+              </a:lvl7pPr>
+              <a:lvl8pPr marL="3429000" indent="-228600" algn="l" defTabSz="914400" rtl="0" eaLnBrk="1" latinLnBrk="0" hangingPunct="1">
+                <a:lnSpc>
+                  <a:spcPct val="90000"/>
+                </a:lnSpc>
+                <a:spcBef>
+                  <a:spcPts val="500"/>
+                </a:spcBef>
+                <a:buFont typeface="Arial" panose="020B0604020202020204" pitchFamily="34" charset="0"/>
+                <a:buChar char="•"/>
+                <a:defRPr sz="1800" kern="1200">
+                  <a:solidFill>
+                    <a:schemeClr val="tx1"/>
+                  </a:solidFill>
+                  <a:latin typeface="+mn-lt"/>
+                  <a:ea typeface="+mn-ea"/>
+                  <a:cs typeface="+mn-cs"/>
+                </a:defRPr>
+              </a:lvl8pPr>
+              <a:lvl9pPr marL="3886200" indent="-228600" algn="l" defTabSz="914400" rtl="0" eaLnBrk="1" latinLnBrk="0" hangingPunct="1">
+                <a:lnSpc>
+                  <a:spcPct val="90000"/>
+                </a:lnSpc>
+                <a:spcBef>
+                  <a:spcPts val="500"/>
+                </a:spcBef>
+                <a:buFont typeface="Arial" panose="020B0604020202020204" pitchFamily="34" charset="0"/>
+                <a:buChar char="•"/>
+                <a:defRPr sz="1800" kern="1200">
+                  <a:solidFill>
+                    <a:schemeClr val="tx1"/>
+                  </a:solidFill>
+                  <a:latin typeface="+mn-lt"/>
+                  <a:ea typeface="+mn-ea"/>
+                  <a:cs typeface="+mn-cs"/>
+                </a:defRPr>
+              </a:lvl9pPr>
+            </a:lstStyle>
+            <a:p>
+              <a:pPr marL="0" indent="0">
+                <a:buNone/>
+              </a:pPr>
+              <a:r>
+                <a:rPr lang="en-US" smtClean="0"/>
+                <a:t>224x224x64</a:t>
+              </a:r>
+              <a:endParaRPr lang="en-US"/>
+            </a:p>
+          </p:txBody>
+        </p:sp>
+        <p:sp>
+          <p:nvSpPr>
+            <p:cNvPr id="6" name="Cube 5"/>
+            <p:cNvSpPr/>
+            <p:nvPr/>
+          </p:nvSpPr>
+          <p:spPr>
+            <a:xfrm>
+              <a:off x="2647605" y="3316778"/>
+              <a:ext cx="1432558" cy="2086494"/>
+            </a:xfrm>
+            <a:prstGeom prst="cube">
+              <a:avLst/>
+            </a:prstGeom>
+          </p:spPr>
+          <p:style>
+            <a:lnRef idx="2">
+              <a:schemeClr val="accent1">
+                <a:shade val="50000"/>
+              </a:schemeClr>
+            </a:lnRef>
+            <a:fillRef idx="1">
+              <a:schemeClr val="accent1"/>
+            </a:fillRef>
+            <a:effectRef idx="0">
+              <a:schemeClr val="accent1"/>
+            </a:effectRef>
+            <a:fontRef idx="minor">
+              <a:schemeClr val="lt1"/>
+            </a:fontRef>
+          </p:style>
+          <p:txBody>
+            <a:bodyPr rtlCol="0" anchor="ctr"/>
+            <a:lstStyle/>
+            <a:p>
+              <a:pPr algn="ctr"/>
+              <a:endParaRPr lang="en-US"/>
+            </a:p>
+          </p:txBody>
+        </p:sp>
+        <p:sp>
+          <p:nvSpPr>
+            <p:cNvPr id="7" name="Subtitle 2"/>
+            <p:cNvSpPr txBox="1">
+              <a:spLocks/>
+            </p:cNvSpPr>
+            <p:nvPr/>
+          </p:nvSpPr>
+          <p:spPr>
+            <a:xfrm>
+              <a:off x="2256907" y="5552175"/>
+              <a:ext cx="2213955" cy="471198"/>
+            </a:xfrm>
+            <a:prstGeom prst="rect">
+              <a:avLst/>
+            </a:prstGeom>
+          </p:spPr>
+          <p:txBody>
+            <a:bodyPr vert="horz" lIns="91440" tIns="45720" rIns="91440" bIns="45720" rtlCol="0" anchor="t">
+              <a:normAutofit lnSpcReduction="10000"/>
+            </a:bodyPr>
+            <a:lstStyle>
+              <a:lvl1pPr marL="228600" indent="-228600" algn="l" defTabSz="914400" rtl="0" eaLnBrk="1" latinLnBrk="0" hangingPunct="1">
+                <a:lnSpc>
+                  <a:spcPct val="90000"/>
+                </a:lnSpc>
+                <a:spcBef>
+                  <a:spcPts val="1000"/>
+                </a:spcBef>
+                <a:buFont typeface="Arial" panose="020B0604020202020204" pitchFamily="34" charset="0"/>
+                <a:buChar char="•"/>
+                <a:defRPr sz="2800" kern="1200">
+                  <a:solidFill>
+                    <a:schemeClr val="tx1"/>
+                  </a:solidFill>
+                  <a:latin typeface="+mn-lt"/>
+                  <a:ea typeface="+mn-ea"/>
+                  <a:cs typeface="+mn-cs"/>
+                </a:defRPr>
+              </a:lvl1pPr>
+              <a:lvl2pPr marL="685800" indent="-228600" algn="l" defTabSz="914400" rtl="0" eaLnBrk="1" latinLnBrk="0" hangingPunct="1">
+                <a:lnSpc>
+                  <a:spcPct val="90000"/>
+                </a:lnSpc>
+                <a:spcBef>
+                  <a:spcPts val="500"/>
+                </a:spcBef>
+                <a:buFont typeface="Arial" panose="020B0604020202020204" pitchFamily="34" charset="0"/>
+                <a:buChar char="•"/>
+                <a:defRPr sz="2400" kern="1200">
+                  <a:solidFill>
+                    <a:schemeClr val="tx1"/>
+                  </a:solidFill>
+                  <a:latin typeface="+mn-lt"/>
+                  <a:ea typeface="+mn-ea"/>
+                  <a:cs typeface="+mn-cs"/>
+                </a:defRPr>
+              </a:lvl2pPr>
+              <a:lvl3pPr marL="1143000" indent="-228600" algn="l" defTabSz="914400" rtl="0" eaLnBrk="1" latinLnBrk="0" hangingPunct="1">
+                <a:lnSpc>
+                  <a:spcPct val="90000"/>
+                </a:lnSpc>
+                <a:spcBef>
+                  <a:spcPts val="500"/>
+                </a:spcBef>
+                <a:buFont typeface="Arial" panose="020B0604020202020204" pitchFamily="34" charset="0"/>
+                <a:buChar char="•"/>
+                <a:defRPr sz="2000" kern="1200">
+                  <a:solidFill>
+                    <a:schemeClr val="tx1"/>
+                  </a:solidFill>
+                  <a:latin typeface="+mn-lt"/>
+                  <a:ea typeface="+mn-ea"/>
+                  <a:cs typeface="+mn-cs"/>
+                </a:defRPr>
+              </a:lvl3pPr>
+              <a:lvl4pPr marL="1600200" indent="-228600" algn="l" defTabSz="914400" rtl="0" eaLnBrk="1" latinLnBrk="0" hangingPunct="1">
+                <a:lnSpc>
+                  <a:spcPct val="90000"/>
+                </a:lnSpc>
+                <a:spcBef>
+                  <a:spcPts val="500"/>
+                </a:spcBef>
+                <a:buFont typeface="Arial" panose="020B0604020202020204" pitchFamily="34" charset="0"/>
+                <a:buChar char="•"/>
+                <a:defRPr sz="1800" kern="1200">
+                  <a:solidFill>
+                    <a:schemeClr val="tx1"/>
+                  </a:solidFill>
+                  <a:latin typeface="+mn-lt"/>
+                  <a:ea typeface="+mn-ea"/>
+                  <a:cs typeface="+mn-cs"/>
+                </a:defRPr>
+              </a:lvl4pPr>
+              <a:lvl5pPr marL="2057400" indent="-228600" algn="l" defTabSz="914400" rtl="0" eaLnBrk="1" latinLnBrk="0" hangingPunct="1">
+                <a:lnSpc>
+                  <a:spcPct val="90000"/>
+                </a:lnSpc>
+                <a:spcBef>
+                  <a:spcPts val="500"/>
+                </a:spcBef>
+                <a:buFont typeface="Arial" panose="020B0604020202020204" pitchFamily="34" charset="0"/>
+                <a:buChar char="•"/>
+                <a:defRPr sz="1800" kern="1200">
+                  <a:solidFill>
+                    <a:schemeClr val="tx1"/>
+                  </a:solidFill>
+                  <a:latin typeface="+mn-lt"/>
+                  <a:ea typeface="+mn-ea"/>
+                  <a:cs typeface="+mn-cs"/>
+                </a:defRPr>
+              </a:lvl5pPr>
+              <a:lvl6pPr marL="2514600" indent="-228600" algn="l" defTabSz="914400" rtl="0" eaLnBrk="1" latinLnBrk="0" hangingPunct="1">
+                <a:lnSpc>
+                  <a:spcPct val="90000"/>
+                </a:lnSpc>
+                <a:spcBef>
+                  <a:spcPts val="500"/>
+                </a:spcBef>
+                <a:buFont typeface="Arial" panose="020B0604020202020204" pitchFamily="34" charset="0"/>
+                <a:buChar char="•"/>
+                <a:defRPr sz="1800" kern="1200">
+                  <a:solidFill>
+                    <a:schemeClr val="tx1"/>
+                  </a:solidFill>
+                  <a:latin typeface="+mn-lt"/>
+                  <a:ea typeface="+mn-ea"/>
+                  <a:cs typeface="+mn-cs"/>
+                </a:defRPr>
+              </a:lvl6pPr>
+              <a:lvl7pPr marL="2971800" indent="-228600" algn="l" defTabSz="914400" rtl="0" eaLnBrk="1" latinLnBrk="0" hangingPunct="1">
+                <a:lnSpc>
+                  <a:spcPct val="90000"/>
+                </a:lnSpc>
+                <a:spcBef>
+                  <a:spcPts val="500"/>
+                </a:spcBef>
+                <a:buFont typeface="Arial" panose="020B0604020202020204" pitchFamily="34" charset="0"/>
+                <a:buChar char="•"/>
+                <a:defRPr sz="1800" kern="1200">
+                  <a:solidFill>
+                    <a:schemeClr val="tx1"/>
+                  </a:solidFill>
+                  <a:latin typeface="+mn-lt"/>
+                  <a:ea typeface="+mn-ea"/>
+                  <a:cs typeface="+mn-cs"/>
+                </a:defRPr>
+              </a:lvl7pPr>
+              <a:lvl8pPr marL="3429000" indent="-228600" algn="l" defTabSz="914400" rtl="0" eaLnBrk="1" latinLnBrk="0" hangingPunct="1">
+                <a:lnSpc>
+                  <a:spcPct val="90000"/>
+                </a:lnSpc>
+                <a:spcBef>
+                  <a:spcPts val="500"/>
+                </a:spcBef>
+                <a:buFont typeface="Arial" panose="020B0604020202020204" pitchFamily="34" charset="0"/>
+                <a:buChar char="•"/>
+                <a:defRPr sz="1800" kern="1200">
+                  <a:solidFill>
+                    <a:schemeClr val="tx1"/>
+                  </a:solidFill>
+                  <a:latin typeface="+mn-lt"/>
+                  <a:ea typeface="+mn-ea"/>
+                  <a:cs typeface="+mn-cs"/>
+                </a:defRPr>
+              </a:lvl8pPr>
+              <a:lvl9pPr marL="3886200" indent="-228600" algn="l" defTabSz="914400" rtl="0" eaLnBrk="1" latinLnBrk="0" hangingPunct="1">
+                <a:lnSpc>
+                  <a:spcPct val="90000"/>
+                </a:lnSpc>
+                <a:spcBef>
+                  <a:spcPts val="500"/>
+                </a:spcBef>
+                <a:buFont typeface="Arial" panose="020B0604020202020204" pitchFamily="34" charset="0"/>
+                <a:buChar char="•"/>
+                <a:defRPr sz="1800" kern="1200">
+                  <a:solidFill>
+                    <a:schemeClr val="tx1"/>
+                  </a:solidFill>
+                  <a:latin typeface="+mn-lt"/>
+                  <a:ea typeface="+mn-ea"/>
+                  <a:cs typeface="+mn-cs"/>
+                </a:defRPr>
+              </a:lvl9pPr>
+            </a:lstStyle>
+            <a:p>
+              <a:pPr marL="0" indent="0">
+                <a:buNone/>
+              </a:pPr>
+              <a:r>
+                <a:rPr lang="en-US" smtClean="0"/>
+                <a:t>112x112x128</a:t>
+              </a:r>
+              <a:endParaRPr lang="en-US"/>
+            </a:p>
+          </p:txBody>
+        </p:sp>
+        <p:sp>
+          <p:nvSpPr>
+            <p:cNvPr id="8" name="Cube 7"/>
+            <p:cNvSpPr/>
+            <p:nvPr/>
+          </p:nvSpPr>
+          <p:spPr>
+            <a:xfrm>
+              <a:off x="4879572" y="4164677"/>
+              <a:ext cx="2200100" cy="1238595"/>
+            </a:xfrm>
+            <a:prstGeom prst="cube">
+              <a:avLst/>
+            </a:prstGeom>
+          </p:spPr>
+          <p:style>
+            <a:lnRef idx="2">
+              <a:schemeClr val="accent1">
+                <a:shade val="50000"/>
+              </a:schemeClr>
+            </a:lnRef>
+            <a:fillRef idx="1">
+              <a:schemeClr val="accent1"/>
+            </a:fillRef>
+            <a:effectRef idx="0">
+              <a:schemeClr val="accent1"/>
+            </a:effectRef>
+            <a:fontRef idx="minor">
+              <a:schemeClr val="lt1"/>
+            </a:fontRef>
+          </p:style>
+          <p:txBody>
+            <a:bodyPr rtlCol="0" anchor="ctr"/>
+            <a:lstStyle/>
+            <a:p>
+              <a:pPr algn="ctr"/>
+              <a:endParaRPr lang="en-US"/>
+            </a:p>
+          </p:txBody>
+        </p:sp>
+        <p:sp>
+          <p:nvSpPr>
+            <p:cNvPr id="11" name="Subtitle 2"/>
+            <p:cNvSpPr txBox="1">
+              <a:spLocks/>
+            </p:cNvSpPr>
+            <p:nvPr/>
+          </p:nvSpPr>
+          <p:spPr>
+            <a:xfrm>
+              <a:off x="4995949" y="5549696"/>
+              <a:ext cx="1967345" cy="471198"/>
+            </a:xfrm>
+            <a:prstGeom prst="rect">
+              <a:avLst/>
+            </a:prstGeom>
+          </p:spPr>
+          <p:txBody>
+            <a:bodyPr vert="horz" lIns="91440" tIns="45720" rIns="91440" bIns="45720" rtlCol="0" anchor="t">
+              <a:normAutofit lnSpcReduction="10000"/>
+            </a:bodyPr>
+            <a:lstStyle>
+              <a:lvl1pPr marL="228600" indent="-228600" algn="l" defTabSz="914400" rtl="0" eaLnBrk="1" latinLnBrk="0" hangingPunct="1">
+                <a:lnSpc>
+                  <a:spcPct val="90000"/>
+                </a:lnSpc>
+                <a:spcBef>
+                  <a:spcPts val="1000"/>
+                </a:spcBef>
+                <a:buFont typeface="Arial" panose="020B0604020202020204" pitchFamily="34" charset="0"/>
+                <a:buChar char="•"/>
+                <a:defRPr sz="2800" kern="1200">
+                  <a:solidFill>
+                    <a:schemeClr val="tx1"/>
+                  </a:solidFill>
+                  <a:latin typeface="+mn-lt"/>
+                  <a:ea typeface="+mn-ea"/>
+                  <a:cs typeface="+mn-cs"/>
+                </a:defRPr>
+              </a:lvl1pPr>
+              <a:lvl2pPr marL="685800" indent="-228600" algn="l" defTabSz="914400" rtl="0" eaLnBrk="1" latinLnBrk="0" hangingPunct="1">
+                <a:lnSpc>
+                  <a:spcPct val="90000"/>
+                </a:lnSpc>
+                <a:spcBef>
+                  <a:spcPts val="500"/>
+                </a:spcBef>
+                <a:buFont typeface="Arial" panose="020B0604020202020204" pitchFamily="34" charset="0"/>
+                <a:buChar char="•"/>
+                <a:defRPr sz="2400" kern="1200">
+                  <a:solidFill>
+                    <a:schemeClr val="tx1"/>
+                  </a:solidFill>
+                  <a:latin typeface="+mn-lt"/>
+                  <a:ea typeface="+mn-ea"/>
+                  <a:cs typeface="+mn-cs"/>
+                </a:defRPr>
+              </a:lvl2pPr>
+              <a:lvl3pPr marL="1143000" indent="-228600" algn="l" defTabSz="914400" rtl="0" eaLnBrk="1" latinLnBrk="0" hangingPunct="1">
+                <a:lnSpc>
+                  <a:spcPct val="90000"/>
+                </a:lnSpc>
+                <a:spcBef>
+                  <a:spcPts val="500"/>
+                </a:spcBef>
+                <a:buFont typeface="Arial" panose="020B0604020202020204" pitchFamily="34" charset="0"/>
+                <a:buChar char="•"/>
+                <a:defRPr sz="2000" kern="1200">
+                  <a:solidFill>
+                    <a:schemeClr val="tx1"/>
+                  </a:solidFill>
+                  <a:latin typeface="+mn-lt"/>
+                  <a:ea typeface="+mn-ea"/>
+                  <a:cs typeface="+mn-cs"/>
+                </a:defRPr>
+              </a:lvl3pPr>
+              <a:lvl4pPr marL="1600200" indent="-228600" algn="l" defTabSz="914400" rtl="0" eaLnBrk="1" latinLnBrk="0" hangingPunct="1">
+                <a:lnSpc>
+                  <a:spcPct val="90000"/>
+                </a:lnSpc>
+                <a:spcBef>
+                  <a:spcPts val="500"/>
+                </a:spcBef>
+                <a:buFont typeface="Arial" panose="020B0604020202020204" pitchFamily="34" charset="0"/>
+                <a:buChar char="•"/>
+                <a:defRPr sz="1800" kern="1200">
+                  <a:solidFill>
+                    <a:schemeClr val="tx1"/>
+                  </a:solidFill>
+                  <a:latin typeface="+mn-lt"/>
+                  <a:ea typeface="+mn-ea"/>
+                  <a:cs typeface="+mn-cs"/>
+                </a:defRPr>
+              </a:lvl4pPr>
+              <a:lvl5pPr marL="2057400" indent="-228600" algn="l" defTabSz="914400" rtl="0" eaLnBrk="1" latinLnBrk="0" hangingPunct="1">
+                <a:lnSpc>
+                  <a:spcPct val="90000"/>
+                </a:lnSpc>
+                <a:spcBef>
+                  <a:spcPts val="500"/>
+                </a:spcBef>
+                <a:buFont typeface="Arial" panose="020B0604020202020204" pitchFamily="34" charset="0"/>
+                <a:buChar char="•"/>
+                <a:defRPr sz="1800" kern="1200">
+                  <a:solidFill>
+                    <a:schemeClr val="tx1"/>
+                  </a:solidFill>
+                  <a:latin typeface="+mn-lt"/>
+                  <a:ea typeface="+mn-ea"/>
+                  <a:cs typeface="+mn-cs"/>
+                </a:defRPr>
+              </a:lvl5pPr>
+              <a:lvl6pPr marL="2514600" indent="-228600" algn="l" defTabSz="914400" rtl="0" eaLnBrk="1" latinLnBrk="0" hangingPunct="1">
+                <a:lnSpc>
+                  <a:spcPct val="90000"/>
+                </a:lnSpc>
+                <a:spcBef>
+                  <a:spcPts val="500"/>
+                </a:spcBef>
+                <a:buFont typeface="Arial" panose="020B0604020202020204" pitchFamily="34" charset="0"/>
+                <a:buChar char="•"/>
+                <a:defRPr sz="1800" kern="1200">
+                  <a:solidFill>
+                    <a:schemeClr val="tx1"/>
+                  </a:solidFill>
+                  <a:latin typeface="+mn-lt"/>
+                  <a:ea typeface="+mn-ea"/>
+                  <a:cs typeface="+mn-cs"/>
+                </a:defRPr>
+              </a:lvl6pPr>
+              <a:lvl7pPr marL="2971800" indent="-228600" algn="l" defTabSz="914400" rtl="0" eaLnBrk="1" latinLnBrk="0" hangingPunct="1">
+                <a:lnSpc>
+                  <a:spcPct val="90000"/>
+                </a:lnSpc>
+                <a:spcBef>
+                  <a:spcPts val="500"/>
+                </a:spcBef>
+                <a:buFont typeface="Arial" panose="020B0604020202020204" pitchFamily="34" charset="0"/>
+                <a:buChar char="•"/>
+                <a:defRPr sz="1800" kern="1200">
+                  <a:solidFill>
+                    <a:schemeClr val="tx1"/>
+                  </a:solidFill>
+                  <a:latin typeface="+mn-lt"/>
+                  <a:ea typeface="+mn-ea"/>
+                  <a:cs typeface="+mn-cs"/>
+                </a:defRPr>
+              </a:lvl7pPr>
+              <a:lvl8pPr marL="3429000" indent="-228600" algn="l" defTabSz="914400" rtl="0" eaLnBrk="1" latinLnBrk="0" hangingPunct="1">
+                <a:lnSpc>
+                  <a:spcPct val="90000"/>
+                </a:lnSpc>
+                <a:spcBef>
+                  <a:spcPts val="500"/>
+                </a:spcBef>
+                <a:buFont typeface="Arial" panose="020B0604020202020204" pitchFamily="34" charset="0"/>
+                <a:buChar char="•"/>
+                <a:defRPr sz="1800" kern="1200">
+                  <a:solidFill>
+                    <a:schemeClr val="tx1"/>
+                  </a:solidFill>
+                  <a:latin typeface="+mn-lt"/>
+                  <a:ea typeface="+mn-ea"/>
+                  <a:cs typeface="+mn-cs"/>
+                </a:defRPr>
+              </a:lvl8pPr>
+              <a:lvl9pPr marL="3886200" indent="-228600" algn="l" defTabSz="914400" rtl="0" eaLnBrk="1" latinLnBrk="0" hangingPunct="1">
+                <a:lnSpc>
+                  <a:spcPct val="90000"/>
+                </a:lnSpc>
+                <a:spcBef>
+                  <a:spcPts val="500"/>
+                </a:spcBef>
+                <a:buFont typeface="Arial" panose="020B0604020202020204" pitchFamily="34" charset="0"/>
+                <a:buChar char="•"/>
+                <a:defRPr sz="1800" kern="1200">
+                  <a:solidFill>
+                    <a:schemeClr val="tx1"/>
+                  </a:solidFill>
+                  <a:latin typeface="+mn-lt"/>
+                  <a:ea typeface="+mn-ea"/>
+                  <a:cs typeface="+mn-cs"/>
+                </a:defRPr>
+              </a:lvl9pPr>
+            </a:lstStyle>
+            <a:p>
+              <a:pPr marL="0" indent="0">
+                <a:buNone/>
+              </a:pPr>
+              <a:r>
+                <a:rPr lang="en-US" smtClean="0"/>
+                <a:t>56x56x256</a:t>
+              </a:r>
+              <a:endParaRPr lang="en-US"/>
+            </a:p>
+          </p:txBody>
+        </p:sp>
+        <p:sp>
+          <p:nvSpPr>
+            <p:cNvPr id="14" name="Cube 13"/>
+            <p:cNvSpPr/>
+            <p:nvPr/>
+          </p:nvSpPr>
+          <p:spPr>
+            <a:xfrm>
+              <a:off x="7620001" y="4164677"/>
+              <a:ext cx="2952403" cy="631767"/>
+            </a:xfrm>
+            <a:prstGeom prst="cube">
+              <a:avLst/>
+            </a:prstGeom>
+          </p:spPr>
+          <p:style>
+            <a:lnRef idx="2">
+              <a:schemeClr val="accent1">
+                <a:shade val="50000"/>
+              </a:schemeClr>
+            </a:lnRef>
+            <a:fillRef idx="1">
+              <a:schemeClr val="accent1"/>
+            </a:fillRef>
+            <a:effectRef idx="0">
+              <a:schemeClr val="accent1"/>
+            </a:effectRef>
+            <a:fontRef idx="minor">
+              <a:schemeClr val="lt1"/>
+            </a:fontRef>
+          </p:style>
+          <p:txBody>
+            <a:bodyPr rtlCol="0" anchor="ctr"/>
+            <a:lstStyle/>
+            <a:p>
+              <a:pPr algn="ctr"/>
+              <a:endParaRPr lang="en-US"/>
+            </a:p>
+          </p:txBody>
+        </p:sp>
+        <p:sp>
+          <p:nvSpPr>
+            <p:cNvPr id="15" name="Cube 14"/>
+            <p:cNvSpPr/>
+            <p:nvPr/>
+          </p:nvSpPr>
+          <p:spPr>
+            <a:xfrm>
+              <a:off x="7620001" y="5012576"/>
+              <a:ext cx="2952403" cy="390696"/>
+            </a:xfrm>
+            <a:prstGeom prst="cube">
+              <a:avLst/>
+            </a:prstGeom>
+          </p:spPr>
+          <p:style>
+            <a:lnRef idx="2">
+              <a:schemeClr val="accent1">
+                <a:shade val="50000"/>
+              </a:schemeClr>
+            </a:lnRef>
+            <a:fillRef idx="1">
+              <a:schemeClr val="accent1"/>
+            </a:fillRef>
+            <a:effectRef idx="0">
+              <a:schemeClr val="accent1"/>
+            </a:effectRef>
+            <a:fontRef idx="minor">
+              <a:schemeClr val="lt1"/>
+            </a:fontRef>
+          </p:style>
+          <p:txBody>
+            <a:bodyPr rtlCol="0" anchor="ctr"/>
+            <a:lstStyle/>
+            <a:p>
+              <a:pPr algn="ctr"/>
+              <a:endParaRPr lang="en-US"/>
+            </a:p>
+          </p:txBody>
+        </p:sp>
+        <p:sp>
+          <p:nvSpPr>
+            <p:cNvPr id="16" name="Subtitle 2"/>
+            <p:cNvSpPr txBox="1">
+              <a:spLocks/>
+            </p:cNvSpPr>
+            <p:nvPr/>
+          </p:nvSpPr>
+          <p:spPr>
+            <a:xfrm>
+              <a:off x="8112529" y="5549696"/>
+              <a:ext cx="1967345" cy="471198"/>
+            </a:xfrm>
+            <a:prstGeom prst="rect">
+              <a:avLst/>
+            </a:prstGeom>
+          </p:spPr>
+          <p:txBody>
+            <a:bodyPr vert="horz" lIns="91440" tIns="45720" rIns="91440" bIns="45720" rtlCol="0" anchor="t">
+              <a:normAutofit lnSpcReduction="10000"/>
+            </a:bodyPr>
+            <a:lstStyle>
+              <a:lvl1pPr marL="228600" indent="-228600" algn="l" defTabSz="914400" rtl="0" eaLnBrk="1" latinLnBrk="0" hangingPunct="1">
+                <a:lnSpc>
+                  <a:spcPct val="90000"/>
+                </a:lnSpc>
+                <a:spcBef>
+                  <a:spcPts val="1000"/>
+                </a:spcBef>
+                <a:buFont typeface="Arial" panose="020B0604020202020204" pitchFamily="34" charset="0"/>
+                <a:buChar char="•"/>
+                <a:defRPr sz="2800" kern="1200">
+                  <a:solidFill>
+                    <a:schemeClr val="tx1"/>
+                  </a:solidFill>
+                  <a:latin typeface="+mn-lt"/>
+                  <a:ea typeface="+mn-ea"/>
+                  <a:cs typeface="+mn-cs"/>
+                </a:defRPr>
+              </a:lvl1pPr>
+              <a:lvl2pPr marL="685800" indent="-228600" algn="l" defTabSz="914400" rtl="0" eaLnBrk="1" latinLnBrk="0" hangingPunct="1">
+                <a:lnSpc>
+                  <a:spcPct val="90000"/>
+                </a:lnSpc>
+                <a:spcBef>
+                  <a:spcPts val="500"/>
+                </a:spcBef>
+                <a:buFont typeface="Arial" panose="020B0604020202020204" pitchFamily="34" charset="0"/>
+                <a:buChar char="•"/>
+                <a:defRPr sz="2400" kern="1200">
+                  <a:solidFill>
+                    <a:schemeClr val="tx1"/>
+                  </a:solidFill>
+                  <a:latin typeface="+mn-lt"/>
+                  <a:ea typeface="+mn-ea"/>
+                  <a:cs typeface="+mn-cs"/>
+                </a:defRPr>
+              </a:lvl2pPr>
+              <a:lvl3pPr marL="1143000" indent="-228600" algn="l" defTabSz="914400" rtl="0" eaLnBrk="1" latinLnBrk="0" hangingPunct="1">
+                <a:lnSpc>
+                  <a:spcPct val="90000"/>
+                </a:lnSpc>
+                <a:spcBef>
+                  <a:spcPts val="500"/>
+                </a:spcBef>
+                <a:buFont typeface="Arial" panose="020B0604020202020204" pitchFamily="34" charset="0"/>
+                <a:buChar char="•"/>
+                <a:defRPr sz="2000" kern="1200">
+                  <a:solidFill>
+                    <a:schemeClr val="tx1"/>
+                  </a:solidFill>
+                  <a:latin typeface="+mn-lt"/>
+                  <a:ea typeface="+mn-ea"/>
+                  <a:cs typeface="+mn-cs"/>
+                </a:defRPr>
+              </a:lvl3pPr>
+              <a:lvl4pPr marL="1600200" indent="-228600" algn="l" defTabSz="914400" rtl="0" eaLnBrk="1" latinLnBrk="0" hangingPunct="1">
+                <a:lnSpc>
+                  <a:spcPct val="90000"/>
+                </a:lnSpc>
+                <a:spcBef>
+                  <a:spcPts val="500"/>
+                </a:spcBef>
+                <a:buFont typeface="Arial" panose="020B0604020202020204" pitchFamily="34" charset="0"/>
+                <a:buChar char="•"/>
+                <a:defRPr sz="1800" kern="1200">
+                  <a:solidFill>
+                    <a:schemeClr val="tx1"/>
+                  </a:solidFill>
+                  <a:latin typeface="+mn-lt"/>
+                  <a:ea typeface="+mn-ea"/>
+                  <a:cs typeface="+mn-cs"/>
+                </a:defRPr>
+              </a:lvl4pPr>
+              <a:lvl5pPr marL="2057400" indent="-228600" algn="l" defTabSz="914400" rtl="0" eaLnBrk="1" latinLnBrk="0" hangingPunct="1">
+                <a:lnSpc>
+                  <a:spcPct val="90000"/>
+                </a:lnSpc>
+                <a:spcBef>
+                  <a:spcPts val="500"/>
+                </a:spcBef>
+                <a:buFont typeface="Arial" panose="020B0604020202020204" pitchFamily="34" charset="0"/>
+                <a:buChar char="•"/>
+                <a:defRPr sz="1800" kern="1200">
+                  <a:solidFill>
+                    <a:schemeClr val="tx1"/>
+                  </a:solidFill>
+                  <a:latin typeface="+mn-lt"/>
+                  <a:ea typeface="+mn-ea"/>
+                  <a:cs typeface="+mn-cs"/>
+                </a:defRPr>
+              </a:lvl5pPr>
+              <a:lvl6pPr marL="2514600" indent="-228600" algn="l" defTabSz="914400" rtl="0" eaLnBrk="1" latinLnBrk="0" hangingPunct="1">
+                <a:lnSpc>
+                  <a:spcPct val="90000"/>
+                </a:lnSpc>
+                <a:spcBef>
+                  <a:spcPts val="500"/>
+                </a:spcBef>
+                <a:buFont typeface="Arial" panose="020B0604020202020204" pitchFamily="34" charset="0"/>
+                <a:buChar char="•"/>
+                <a:defRPr sz="1800" kern="1200">
+                  <a:solidFill>
+                    <a:schemeClr val="tx1"/>
+                  </a:solidFill>
+                  <a:latin typeface="+mn-lt"/>
+                  <a:ea typeface="+mn-ea"/>
+                  <a:cs typeface="+mn-cs"/>
+                </a:defRPr>
+              </a:lvl6pPr>
+              <a:lvl7pPr marL="2971800" indent="-228600" algn="l" defTabSz="914400" rtl="0" eaLnBrk="1" latinLnBrk="0" hangingPunct="1">
+                <a:lnSpc>
+                  <a:spcPct val="90000"/>
+                </a:lnSpc>
+                <a:spcBef>
+                  <a:spcPts val="500"/>
+                </a:spcBef>
+                <a:buFont typeface="Arial" panose="020B0604020202020204" pitchFamily="34" charset="0"/>
+                <a:buChar char="•"/>
+                <a:defRPr sz="1800" kern="1200">
+                  <a:solidFill>
+                    <a:schemeClr val="tx1"/>
+                  </a:solidFill>
+                  <a:latin typeface="+mn-lt"/>
+                  <a:ea typeface="+mn-ea"/>
+                  <a:cs typeface="+mn-cs"/>
+                </a:defRPr>
+              </a:lvl7pPr>
+              <a:lvl8pPr marL="3429000" indent="-228600" algn="l" defTabSz="914400" rtl="0" eaLnBrk="1" latinLnBrk="0" hangingPunct="1">
+                <a:lnSpc>
+                  <a:spcPct val="90000"/>
+                </a:lnSpc>
+                <a:spcBef>
+                  <a:spcPts val="500"/>
+                </a:spcBef>
+                <a:buFont typeface="Arial" panose="020B0604020202020204" pitchFamily="34" charset="0"/>
+                <a:buChar char="•"/>
+                <a:defRPr sz="1800" kern="1200">
+                  <a:solidFill>
+                    <a:schemeClr val="tx1"/>
+                  </a:solidFill>
+                  <a:latin typeface="+mn-lt"/>
+                  <a:ea typeface="+mn-ea"/>
+                  <a:cs typeface="+mn-cs"/>
+                </a:defRPr>
+              </a:lvl8pPr>
+              <a:lvl9pPr marL="3886200" indent="-228600" algn="l" defTabSz="914400" rtl="0" eaLnBrk="1" latinLnBrk="0" hangingPunct="1">
+                <a:lnSpc>
+                  <a:spcPct val="90000"/>
+                </a:lnSpc>
+                <a:spcBef>
+                  <a:spcPts val="500"/>
+                </a:spcBef>
+                <a:buFont typeface="Arial" panose="020B0604020202020204" pitchFamily="34" charset="0"/>
+                <a:buChar char="•"/>
+                <a:defRPr sz="1800" kern="1200">
+                  <a:solidFill>
+                    <a:schemeClr val="tx1"/>
+                  </a:solidFill>
+                  <a:latin typeface="+mn-lt"/>
+                  <a:ea typeface="+mn-ea"/>
+                  <a:cs typeface="+mn-cs"/>
+                </a:defRPr>
+              </a:lvl9pPr>
+            </a:lstStyle>
+            <a:p>
+              <a:pPr marL="0" indent="0">
+                <a:buNone/>
+              </a:pPr>
+              <a:r>
+                <a:rPr lang="en-US" smtClean="0"/>
+                <a:t>14x14x512</a:t>
+              </a:r>
+              <a:endParaRPr lang="en-US"/>
+            </a:p>
+          </p:txBody>
+        </p:sp>
+        <p:sp>
+          <p:nvSpPr>
+            <p:cNvPr id="17" name="Subtitle 2"/>
+            <p:cNvSpPr txBox="1">
+              <a:spLocks/>
+            </p:cNvSpPr>
+            <p:nvPr/>
+          </p:nvSpPr>
+          <p:spPr>
+            <a:xfrm>
+              <a:off x="8112529" y="3547055"/>
+              <a:ext cx="1967345" cy="471198"/>
+            </a:xfrm>
+            <a:prstGeom prst="rect">
+              <a:avLst/>
+            </a:prstGeom>
+          </p:spPr>
+          <p:txBody>
+            <a:bodyPr vert="horz" lIns="91440" tIns="45720" rIns="91440" bIns="45720" rtlCol="0" anchor="t">
+              <a:normAutofit lnSpcReduction="10000"/>
+            </a:bodyPr>
+            <a:lstStyle>
+              <a:lvl1pPr marL="228600" indent="-228600" algn="l" defTabSz="914400" rtl="0" eaLnBrk="1" latinLnBrk="0" hangingPunct="1">
+                <a:lnSpc>
+                  <a:spcPct val="90000"/>
+                </a:lnSpc>
+                <a:spcBef>
+                  <a:spcPts val="1000"/>
+                </a:spcBef>
+                <a:buFont typeface="Arial" panose="020B0604020202020204" pitchFamily="34" charset="0"/>
+                <a:buChar char="•"/>
+                <a:defRPr sz="2800" kern="1200">
+                  <a:solidFill>
+                    <a:schemeClr val="tx1"/>
+                  </a:solidFill>
+                  <a:latin typeface="+mn-lt"/>
+                  <a:ea typeface="+mn-ea"/>
+                  <a:cs typeface="+mn-cs"/>
+                </a:defRPr>
+              </a:lvl1pPr>
+              <a:lvl2pPr marL="685800" indent="-228600" algn="l" defTabSz="914400" rtl="0" eaLnBrk="1" latinLnBrk="0" hangingPunct="1">
+                <a:lnSpc>
+                  <a:spcPct val="90000"/>
+                </a:lnSpc>
+                <a:spcBef>
+                  <a:spcPts val="500"/>
+                </a:spcBef>
+                <a:buFont typeface="Arial" panose="020B0604020202020204" pitchFamily="34" charset="0"/>
+                <a:buChar char="•"/>
+                <a:defRPr sz="2400" kern="1200">
+                  <a:solidFill>
+                    <a:schemeClr val="tx1"/>
+                  </a:solidFill>
+                  <a:latin typeface="+mn-lt"/>
+                  <a:ea typeface="+mn-ea"/>
+                  <a:cs typeface="+mn-cs"/>
+                </a:defRPr>
+              </a:lvl2pPr>
+              <a:lvl3pPr marL="1143000" indent="-228600" algn="l" defTabSz="914400" rtl="0" eaLnBrk="1" latinLnBrk="0" hangingPunct="1">
+                <a:lnSpc>
+                  <a:spcPct val="90000"/>
+                </a:lnSpc>
+                <a:spcBef>
+                  <a:spcPts val="500"/>
+                </a:spcBef>
+                <a:buFont typeface="Arial" panose="020B0604020202020204" pitchFamily="34" charset="0"/>
+                <a:buChar char="•"/>
+                <a:defRPr sz="2000" kern="1200">
+                  <a:solidFill>
+                    <a:schemeClr val="tx1"/>
+                  </a:solidFill>
+                  <a:latin typeface="+mn-lt"/>
+                  <a:ea typeface="+mn-ea"/>
+                  <a:cs typeface="+mn-cs"/>
+                </a:defRPr>
+              </a:lvl3pPr>
+              <a:lvl4pPr marL="1600200" indent="-228600" algn="l" defTabSz="914400" rtl="0" eaLnBrk="1" latinLnBrk="0" hangingPunct="1">
+                <a:lnSpc>
+                  <a:spcPct val="90000"/>
+                </a:lnSpc>
+                <a:spcBef>
+                  <a:spcPts val="500"/>
+                </a:spcBef>
+                <a:buFont typeface="Arial" panose="020B0604020202020204" pitchFamily="34" charset="0"/>
+                <a:buChar char="•"/>
+                <a:defRPr sz="1800" kern="1200">
+                  <a:solidFill>
+                    <a:schemeClr val="tx1"/>
+                  </a:solidFill>
+                  <a:latin typeface="+mn-lt"/>
+                  <a:ea typeface="+mn-ea"/>
+                  <a:cs typeface="+mn-cs"/>
+                </a:defRPr>
+              </a:lvl4pPr>
+              <a:lvl5pPr marL="2057400" indent="-228600" algn="l" defTabSz="914400" rtl="0" eaLnBrk="1" latinLnBrk="0" hangingPunct="1">
+                <a:lnSpc>
+                  <a:spcPct val="90000"/>
+                </a:lnSpc>
+                <a:spcBef>
+                  <a:spcPts val="500"/>
+                </a:spcBef>
+                <a:buFont typeface="Arial" panose="020B0604020202020204" pitchFamily="34" charset="0"/>
+                <a:buChar char="•"/>
+                <a:defRPr sz="1800" kern="1200">
+                  <a:solidFill>
+                    <a:schemeClr val="tx1"/>
+                  </a:solidFill>
+                  <a:latin typeface="+mn-lt"/>
+                  <a:ea typeface="+mn-ea"/>
+                  <a:cs typeface="+mn-cs"/>
+                </a:defRPr>
+              </a:lvl5pPr>
+              <a:lvl6pPr marL="2514600" indent="-228600" algn="l" defTabSz="914400" rtl="0" eaLnBrk="1" latinLnBrk="0" hangingPunct="1">
+                <a:lnSpc>
+                  <a:spcPct val="90000"/>
+                </a:lnSpc>
+                <a:spcBef>
+                  <a:spcPts val="500"/>
+                </a:spcBef>
+                <a:buFont typeface="Arial" panose="020B0604020202020204" pitchFamily="34" charset="0"/>
+                <a:buChar char="•"/>
+                <a:defRPr sz="1800" kern="1200">
+                  <a:solidFill>
+                    <a:schemeClr val="tx1"/>
+                  </a:solidFill>
+                  <a:latin typeface="+mn-lt"/>
+                  <a:ea typeface="+mn-ea"/>
+                  <a:cs typeface="+mn-cs"/>
+                </a:defRPr>
+              </a:lvl6pPr>
+              <a:lvl7pPr marL="2971800" indent="-228600" algn="l" defTabSz="914400" rtl="0" eaLnBrk="1" latinLnBrk="0" hangingPunct="1">
+                <a:lnSpc>
+                  <a:spcPct val="90000"/>
+                </a:lnSpc>
+                <a:spcBef>
+                  <a:spcPts val="500"/>
+                </a:spcBef>
+                <a:buFont typeface="Arial" panose="020B0604020202020204" pitchFamily="34" charset="0"/>
+                <a:buChar char="•"/>
+                <a:defRPr sz="1800" kern="1200">
+                  <a:solidFill>
+                    <a:schemeClr val="tx1"/>
+                  </a:solidFill>
+                  <a:latin typeface="+mn-lt"/>
+                  <a:ea typeface="+mn-ea"/>
+                  <a:cs typeface="+mn-cs"/>
+                </a:defRPr>
+              </a:lvl7pPr>
+              <a:lvl8pPr marL="3429000" indent="-228600" algn="l" defTabSz="914400" rtl="0" eaLnBrk="1" latinLnBrk="0" hangingPunct="1">
+                <a:lnSpc>
+                  <a:spcPct val="90000"/>
+                </a:lnSpc>
+                <a:spcBef>
+                  <a:spcPts val="500"/>
+                </a:spcBef>
+                <a:buFont typeface="Arial" panose="020B0604020202020204" pitchFamily="34" charset="0"/>
+                <a:buChar char="•"/>
+                <a:defRPr sz="1800" kern="1200">
+                  <a:solidFill>
+                    <a:schemeClr val="tx1"/>
+                  </a:solidFill>
+                  <a:latin typeface="+mn-lt"/>
+                  <a:ea typeface="+mn-ea"/>
+                  <a:cs typeface="+mn-cs"/>
+                </a:defRPr>
+              </a:lvl8pPr>
+              <a:lvl9pPr marL="3886200" indent="-228600" algn="l" defTabSz="914400" rtl="0" eaLnBrk="1" latinLnBrk="0" hangingPunct="1">
+                <a:lnSpc>
+                  <a:spcPct val="90000"/>
+                </a:lnSpc>
+                <a:spcBef>
+                  <a:spcPts val="500"/>
+                </a:spcBef>
+                <a:buFont typeface="Arial" panose="020B0604020202020204" pitchFamily="34" charset="0"/>
+                <a:buChar char="•"/>
+                <a:defRPr sz="1800" kern="1200">
+                  <a:solidFill>
+                    <a:schemeClr val="tx1"/>
+                  </a:solidFill>
+                  <a:latin typeface="+mn-lt"/>
+                  <a:ea typeface="+mn-ea"/>
+                  <a:cs typeface="+mn-cs"/>
+                </a:defRPr>
+              </a:lvl9pPr>
+            </a:lstStyle>
+            <a:p>
+              <a:pPr marL="0" indent="0">
+                <a:buNone/>
+              </a:pPr>
+              <a:r>
+                <a:rPr lang="en-US" smtClean="0"/>
+                <a:t>28x28x512</a:t>
+              </a:r>
+              <a:endParaRPr lang="en-US"/>
+            </a:p>
+          </p:txBody>
+        </p:sp>
+      </p:grpSp>
+    </p:spTree>
+    <p:extLst>
+      <p:ext uri="{BB962C8B-B14F-4D97-AF65-F5344CB8AC3E}">
+        <p14:creationId xmlns:p14="http://schemas.microsoft.com/office/powerpoint/2010/main" val="588230990"/>
+      </p:ext>
+    </p:extLst>
+  </p:cSld>
+  <p:clrMapOvr>
+    <a:masterClrMapping/>
+  </p:clrMapOvr>
+  <p:timing>
+    <p:tnLst>
+      <p:par>
+        <p:cTn id="1" dur="indefinite" restart="never" nodeType="tmRoot"/>
+      </p:par>
+    </p:tnLst>
+  </p:timing>
+</p:sld>
+</file>
+
+<file path=ppt/slides/slide5.xml><?xml version="1.0" encoding="utf-8"?>
+<p:sld xmlns:a="http://schemas.openxmlformats.org/drawingml/2006/main" xmlns:r="http://schemas.openxmlformats.org/officeDocument/2006/relationships" xmlns:p="http://schemas.openxmlformats.org/presentationml/2006/main">
+  <p:cSld>
+    <p:spTree>
+      <p:nvGrpSpPr>
+        <p:cNvPr id="1" name=""/>
+        <p:cNvGrpSpPr/>
+        <p:nvPr/>
+      </p:nvGrpSpPr>
+      <p:grpSpPr>
+        <a:xfrm>
+          <a:off x="0" y="0"/>
+          <a:ext cx="0" cy="0"/>
+          <a:chOff x="0" y="0"/>
+          <a:chExt cx="0" cy="0"/>
+        </a:xfrm>
+      </p:grpSpPr>
+      <p:sp>
+        <p:nvSpPr>
+          <p:cNvPr id="2" name="Title 1"/>
+          <p:cNvSpPr>
+            <a:spLocks noGrp="1"/>
+          </p:cNvSpPr>
+          <p:nvPr>
+            <p:ph type="title"/>
+          </p:nvPr>
+        </p:nvSpPr>
+        <p:spPr/>
+        <p:txBody>
+          <a:bodyPr/>
+          <a:lstStyle/>
+          <a:p>
+            <a:r>
+              <a:rPr lang="en-US" smtClean="0"/>
+              <a:t>VGG Max-pooling stack</a:t>
+            </a:r>
+            <a:endParaRPr lang="en-US"/>
+          </a:p>
+        </p:txBody>
+      </p:sp>
+      <p:grpSp>
+        <p:nvGrpSpPr>
+          <p:cNvPr id="9" name="Group 8"/>
+          <p:cNvGrpSpPr/>
+          <p:nvPr/>
+        </p:nvGrpSpPr>
+        <p:grpSpPr>
+          <a:xfrm>
+            <a:off x="1179031" y="2302625"/>
+            <a:ext cx="10174769" cy="2706595"/>
+            <a:chOff x="1988127" y="2502131"/>
+            <a:chExt cx="10174769" cy="2706595"/>
+          </a:xfrm>
+        </p:grpSpPr>
+        <p:grpSp>
+          <p:nvGrpSpPr>
+            <p:cNvPr id="4" name="Group 3"/>
+            <p:cNvGrpSpPr/>
+            <p:nvPr/>
+          </p:nvGrpSpPr>
+          <p:grpSpPr>
+            <a:xfrm>
+              <a:off x="1988127" y="2502131"/>
+              <a:ext cx="10174769" cy="2706595"/>
+              <a:chOff x="1988127" y="2502131"/>
+              <a:chExt cx="10174769" cy="2706595"/>
+            </a:xfrm>
+          </p:grpSpPr>
+          <p:grpSp>
+            <p:nvGrpSpPr>
+              <p:cNvPr id="20" name="Group 19"/>
+              <p:cNvGrpSpPr/>
+              <p:nvPr/>
+            </p:nvGrpSpPr>
+            <p:grpSpPr>
+              <a:xfrm>
+                <a:off x="1988127" y="2502131"/>
+                <a:ext cx="10174769" cy="2706595"/>
+                <a:chOff x="2256907" y="3316778"/>
+                <a:chExt cx="10174769" cy="2706595"/>
+              </a:xfrm>
+            </p:grpSpPr>
+            <p:sp>
+              <p:nvSpPr>
+                <p:cNvPr id="6" name="Cube 5"/>
+                <p:cNvSpPr/>
+                <p:nvPr/>
+              </p:nvSpPr>
+              <p:spPr>
+                <a:xfrm>
+                  <a:off x="2647605" y="3316778"/>
+                  <a:ext cx="1432558" cy="2086494"/>
+                </a:xfrm>
+                <a:prstGeom prst="cube">
+                  <a:avLst/>
+                </a:prstGeom>
+              </p:spPr>
+              <p:style>
+                <a:lnRef idx="2">
+                  <a:schemeClr val="accent1">
+                    <a:shade val="50000"/>
+                  </a:schemeClr>
+                </a:lnRef>
+                <a:fillRef idx="1">
+                  <a:schemeClr val="accent1"/>
+                </a:fillRef>
+                <a:effectRef idx="0">
+                  <a:schemeClr val="accent1"/>
+                </a:effectRef>
+                <a:fontRef idx="minor">
+                  <a:schemeClr val="lt1"/>
+                </a:fontRef>
+              </p:style>
+              <p:txBody>
+                <a:bodyPr rtlCol="0" anchor="ctr"/>
+                <a:lstStyle/>
+                <a:p>
+                  <a:pPr algn="ctr"/>
+                  <a:endParaRPr lang="en-US"/>
+                </a:p>
+              </p:txBody>
+            </p:sp>
+            <p:sp>
+              <p:nvSpPr>
+                <p:cNvPr id="7" name="Subtitle 2"/>
+                <p:cNvSpPr txBox="1">
+                  <a:spLocks/>
+                </p:cNvSpPr>
+                <p:nvPr/>
+              </p:nvSpPr>
+              <p:spPr>
+                <a:xfrm>
+                  <a:off x="2256907" y="5552175"/>
+                  <a:ext cx="2213955" cy="471198"/>
+                </a:xfrm>
+                <a:prstGeom prst="rect">
+                  <a:avLst/>
+                </a:prstGeom>
+              </p:spPr>
+              <p:txBody>
+                <a:bodyPr vert="horz" lIns="91440" tIns="45720" rIns="91440" bIns="45720" rtlCol="0" anchor="t">
+                  <a:normAutofit lnSpcReduction="10000"/>
+                </a:bodyPr>
+                <a:lstStyle>
+                  <a:lvl1pPr marL="228600" indent="-228600" algn="l" defTabSz="914400" rtl="0" eaLnBrk="1" latinLnBrk="0" hangingPunct="1">
+                    <a:lnSpc>
+                      <a:spcPct val="90000"/>
+                    </a:lnSpc>
+                    <a:spcBef>
+                      <a:spcPts val="1000"/>
+                    </a:spcBef>
+                    <a:buFont typeface="Arial" panose="020B0604020202020204" pitchFamily="34" charset="0"/>
+                    <a:buChar char="•"/>
+                    <a:defRPr sz="2800" kern="1200">
+                      <a:solidFill>
+                        <a:schemeClr val="tx1"/>
+                      </a:solidFill>
+                      <a:latin typeface="+mn-lt"/>
+                      <a:ea typeface="+mn-ea"/>
+                      <a:cs typeface="+mn-cs"/>
+                    </a:defRPr>
+                  </a:lvl1pPr>
+                  <a:lvl2pPr marL="685800" indent="-228600" algn="l" defTabSz="914400" rtl="0" eaLnBrk="1" latinLnBrk="0" hangingPunct="1">
+                    <a:lnSpc>
+                      <a:spcPct val="90000"/>
+                    </a:lnSpc>
+                    <a:spcBef>
+                      <a:spcPts val="500"/>
+                    </a:spcBef>
+                    <a:buFont typeface="Arial" panose="020B0604020202020204" pitchFamily="34" charset="0"/>
+                    <a:buChar char="•"/>
+                    <a:defRPr sz="2400" kern="1200">
+                      <a:solidFill>
+                        <a:schemeClr val="tx1"/>
+                      </a:solidFill>
+                      <a:latin typeface="+mn-lt"/>
+                      <a:ea typeface="+mn-ea"/>
+                      <a:cs typeface="+mn-cs"/>
+                    </a:defRPr>
+                  </a:lvl2pPr>
+                  <a:lvl3pPr marL="1143000" indent="-228600" algn="l" defTabSz="914400" rtl="0" eaLnBrk="1" latinLnBrk="0" hangingPunct="1">
+                    <a:lnSpc>
+                      <a:spcPct val="90000"/>
+                    </a:lnSpc>
+                    <a:spcBef>
+                      <a:spcPts val="500"/>
+                    </a:spcBef>
+                    <a:buFont typeface="Arial" panose="020B0604020202020204" pitchFamily="34" charset="0"/>
+                    <a:buChar char="•"/>
+                    <a:defRPr sz="2000" kern="1200">
+                      <a:solidFill>
+                        <a:schemeClr val="tx1"/>
+                      </a:solidFill>
+                      <a:latin typeface="+mn-lt"/>
+                      <a:ea typeface="+mn-ea"/>
+                      <a:cs typeface="+mn-cs"/>
+                    </a:defRPr>
+                  </a:lvl3pPr>
+                  <a:lvl4pPr marL="1600200" indent="-228600" algn="l" defTabSz="914400" rtl="0" eaLnBrk="1" latinLnBrk="0" hangingPunct="1">
+                    <a:lnSpc>
+                      <a:spcPct val="90000"/>
+                    </a:lnSpc>
+                    <a:spcBef>
+                      <a:spcPts val="500"/>
+                    </a:spcBef>
+                    <a:buFont typeface="Arial" panose="020B0604020202020204" pitchFamily="34" charset="0"/>
+                    <a:buChar char="•"/>
+                    <a:defRPr sz="1800" kern="1200">
+                      <a:solidFill>
+                        <a:schemeClr val="tx1"/>
+                      </a:solidFill>
+                      <a:latin typeface="+mn-lt"/>
+                      <a:ea typeface="+mn-ea"/>
+                      <a:cs typeface="+mn-cs"/>
+                    </a:defRPr>
+                  </a:lvl4pPr>
+                  <a:lvl5pPr marL="2057400" indent="-228600" algn="l" defTabSz="914400" rtl="0" eaLnBrk="1" latinLnBrk="0" hangingPunct="1">
+                    <a:lnSpc>
+                      <a:spcPct val="90000"/>
+                    </a:lnSpc>
+                    <a:spcBef>
+                      <a:spcPts val="500"/>
+                    </a:spcBef>
+                    <a:buFont typeface="Arial" panose="020B0604020202020204" pitchFamily="34" charset="0"/>
+                    <a:buChar char="•"/>
+                    <a:defRPr sz="1800" kern="1200">
+                      <a:solidFill>
+                        <a:schemeClr val="tx1"/>
+                      </a:solidFill>
+                      <a:latin typeface="+mn-lt"/>
+                      <a:ea typeface="+mn-ea"/>
+                      <a:cs typeface="+mn-cs"/>
+                    </a:defRPr>
+                  </a:lvl5pPr>
+                  <a:lvl6pPr marL="2514600" indent="-228600" algn="l" defTabSz="914400" rtl="0" eaLnBrk="1" latinLnBrk="0" hangingPunct="1">
+                    <a:lnSpc>
+                      <a:spcPct val="90000"/>
+                    </a:lnSpc>
+                    <a:spcBef>
+                      <a:spcPts val="500"/>
+                    </a:spcBef>
+                    <a:buFont typeface="Arial" panose="020B0604020202020204" pitchFamily="34" charset="0"/>
+                    <a:buChar char="•"/>
+                    <a:defRPr sz="1800" kern="1200">
+                      <a:solidFill>
+                        <a:schemeClr val="tx1"/>
+                      </a:solidFill>
+                      <a:latin typeface="+mn-lt"/>
+                      <a:ea typeface="+mn-ea"/>
+                      <a:cs typeface="+mn-cs"/>
+                    </a:defRPr>
+                  </a:lvl6pPr>
+                  <a:lvl7pPr marL="2971800" indent="-228600" algn="l" defTabSz="914400" rtl="0" eaLnBrk="1" latinLnBrk="0" hangingPunct="1">
+                    <a:lnSpc>
+                      <a:spcPct val="90000"/>
+                    </a:lnSpc>
+                    <a:spcBef>
+                      <a:spcPts val="500"/>
+                    </a:spcBef>
+                    <a:buFont typeface="Arial" panose="020B0604020202020204" pitchFamily="34" charset="0"/>
+                    <a:buChar char="•"/>
+                    <a:defRPr sz="1800" kern="1200">
+                      <a:solidFill>
+                        <a:schemeClr val="tx1"/>
+                      </a:solidFill>
+                      <a:latin typeface="+mn-lt"/>
+                      <a:ea typeface="+mn-ea"/>
+                      <a:cs typeface="+mn-cs"/>
+                    </a:defRPr>
+                  </a:lvl7pPr>
+                  <a:lvl8pPr marL="3429000" indent="-228600" algn="l" defTabSz="914400" rtl="0" eaLnBrk="1" latinLnBrk="0" hangingPunct="1">
+                    <a:lnSpc>
+                      <a:spcPct val="90000"/>
+                    </a:lnSpc>
+                    <a:spcBef>
+                      <a:spcPts val="500"/>
+                    </a:spcBef>
+                    <a:buFont typeface="Arial" panose="020B0604020202020204" pitchFamily="34" charset="0"/>
+                    <a:buChar char="•"/>
+                    <a:defRPr sz="1800" kern="1200">
+                      <a:solidFill>
+                        <a:schemeClr val="tx1"/>
+                      </a:solidFill>
+                      <a:latin typeface="+mn-lt"/>
+                      <a:ea typeface="+mn-ea"/>
+                      <a:cs typeface="+mn-cs"/>
+                    </a:defRPr>
+                  </a:lvl8pPr>
+                  <a:lvl9pPr marL="3886200" indent="-228600" algn="l" defTabSz="914400" rtl="0" eaLnBrk="1" latinLnBrk="0" hangingPunct="1">
+                    <a:lnSpc>
+                      <a:spcPct val="90000"/>
+                    </a:lnSpc>
+                    <a:spcBef>
+                      <a:spcPts val="500"/>
+                    </a:spcBef>
+                    <a:buFont typeface="Arial" panose="020B0604020202020204" pitchFamily="34" charset="0"/>
+                    <a:buChar char="•"/>
+                    <a:defRPr sz="1800" kern="1200">
+                      <a:solidFill>
+                        <a:schemeClr val="tx1"/>
+                      </a:solidFill>
+                      <a:latin typeface="+mn-lt"/>
+                      <a:ea typeface="+mn-ea"/>
+                      <a:cs typeface="+mn-cs"/>
+                    </a:defRPr>
+                  </a:lvl9pPr>
+                </a:lstStyle>
+                <a:p>
+                  <a:pPr marL="0" indent="0">
+                    <a:buNone/>
+                  </a:pPr>
+                  <a:r>
+                    <a:rPr lang="en-US" smtClean="0"/>
+                    <a:t>112x112x128</a:t>
+                  </a:r>
+                  <a:endParaRPr lang="en-US"/>
+                </a:p>
+              </p:txBody>
+            </p:sp>
+            <p:sp>
+              <p:nvSpPr>
+                <p:cNvPr id="8" name="Cube 7"/>
+                <p:cNvSpPr/>
+                <p:nvPr/>
+              </p:nvSpPr>
+              <p:spPr>
+                <a:xfrm>
+                  <a:off x="4879572" y="4164677"/>
+                  <a:ext cx="2200100" cy="1238595"/>
+                </a:xfrm>
+                <a:prstGeom prst="cube">
+                  <a:avLst/>
+                </a:prstGeom>
+              </p:spPr>
+              <p:style>
+                <a:lnRef idx="2">
+                  <a:schemeClr val="accent1">
+                    <a:shade val="50000"/>
+                  </a:schemeClr>
+                </a:lnRef>
+                <a:fillRef idx="1">
+                  <a:schemeClr val="accent1"/>
+                </a:fillRef>
+                <a:effectRef idx="0">
+                  <a:schemeClr val="accent1"/>
+                </a:effectRef>
+                <a:fontRef idx="minor">
+                  <a:schemeClr val="lt1"/>
+                </a:fontRef>
+              </p:style>
+              <p:txBody>
+                <a:bodyPr rtlCol="0" anchor="ctr"/>
+                <a:lstStyle/>
+                <a:p>
+                  <a:pPr algn="ctr"/>
+                  <a:endParaRPr lang="en-US"/>
+                </a:p>
+              </p:txBody>
+            </p:sp>
+            <p:sp>
+              <p:nvSpPr>
+                <p:cNvPr id="11" name="Subtitle 2"/>
+                <p:cNvSpPr txBox="1">
+                  <a:spLocks/>
+                </p:cNvSpPr>
+                <p:nvPr/>
+              </p:nvSpPr>
+              <p:spPr>
+                <a:xfrm>
+                  <a:off x="4995949" y="5549696"/>
+                  <a:ext cx="1967345" cy="471198"/>
+                </a:xfrm>
+                <a:prstGeom prst="rect">
+                  <a:avLst/>
+                </a:prstGeom>
+              </p:spPr>
+              <p:txBody>
+                <a:bodyPr vert="horz" lIns="91440" tIns="45720" rIns="91440" bIns="45720" rtlCol="0" anchor="t">
+                  <a:normAutofit lnSpcReduction="10000"/>
+                </a:bodyPr>
+                <a:lstStyle>
+                  <a:lvl1pPr marL="228600" indent="-228600" algn="l" defTabSz="914400" rtl="0" eaLnBrk="1" latinLnBrk="0" hangingPunct="1">
+                    <a:lnSpc>
+                      <a:spcPct val="90000"/>
+                    </a:lnSpc>
+                    <a:spcBef>
+                      <a:spcPts val="1000"/>
+                    </a:spcBef>
+                    <a:buFont typeface="Arial" panose="020B0604020202020204" pitchFamily="34" charset="0"/>
+                    <a:buChar char="•"/>
+                    <a:defRPr sz="2800" kern="1200">
+                      <a:solidFill>
+                        <a:schemeClr val="tx1"/>
+                      </a:solidFill>
+                      <a:latin typeface="+mn-lt"/>
+                      <a:ea typeface="+mn-ea"/>
+                      <a:cs typeface="+mn-cs"/>
+                    </a:defRPr>
+                  </a:lvl1pPr>
+                  <a:lvl2pPr marL="685800" indent="-228600" algn="l" defTabSz="914400" rtl="0" eaLnBrk="1" latinLnBrk="0" hangingPunct="1">
+                    <a:lnSpc>
+                      <a:spcPct val="90000"/>
+                    </a:lnSpc>
+                    <a:spcBef>
+                      <a:spcPts val="500"/>
+                    </a:spcBef>
+                    <a:buFont typeface="Arial" panose="020B0604020202020204" pitchFamily="34" charset="0"/>
+                    <a:buChar char="•"/>
+                    <a:defRPr sz="2400" kern="1200">
+                      <a:solidFill>
+                        <a:schemeClr val="tx1"/>
+                      </a:solidFill>
+                      <a:latin typeface="+mn-lt"/>
+                      <a:ea typeface="+mn-ea"/>
+                      <a:cs typeface="+mn-cs"/>
+                    </a:defRPr>
+                  </a:lvl2pPr>
+                  <a:lvl3pPr marL="1143000" indent="-228600" algn="l" defTabSz="914400" rtl="0" eaLnBrk="1" latinLnBrk="0" hangingPunct="1">
+                    <a:lnSpc>
+                      <a:spcPct val="90000"/>
+                    </a:lnSpc>
+                    <a:spcBef>
+                      <a:spcPts val="500"/>
+                    </a:spcBef>
+                    <a:buFont typeface="Arial" panose="020B0604020202020204" pitchFamily="34" charset="0"/>
+                    <a:buChar char="•"/>
+                    <a:defRPr sz="2000" kern="1200">
+                      <a:solidFill>
+                        <a:schemeClr val="tx1"/>
+                      </a:solidFill>
+                      <a:latin typeface="+mn-lt"/>
+                      <a:ea typeface="+mn-ea"/>
+                      <a:cs typeface="+mn-cs"/>
+                    </a:defRPr>
+                  </a:lvl3pPr>
+                  <a:lvl4pPr marL="1600200" indent="-228600" algn="l" defTabSz="914400" rtl="0" eaLnBrk="1" latinLnBrk="0" hangingPunct="1">
+                    <a:lnSpc>
+                      <a:spcPct val="90000"/>
+                    </a:lnSpc>
+                    <a:spcBef>
+                      <a:spcPts val="500"/>
+                    </a:spcBef>
+                    <a:buFont typeface="Arial" panose="020B0604020202020204" pitchFamily="34" charset="0"/>
+                    <a:buChar char="•"/>
+                    <a:defRPr sz="1800" kern="1200">
+                      <a:solidFill>
+                        <a:schemeClr val="tx1"/>
+                      </a:solidFill>
+                      <a:latin typeface="+mn-lt"/>
+                      <a:ea typeface="+mn-ea"/>
+                      <a:cs typeface="+mn-cs"/>
+                    </a:defRPr>
+                  </a:lvl4pPr>
+                  <a:lvl5pPr marL="2057400" indent="-228600" algn="l" defTabSz="914400" rtl="0" eaLnBrk="1" latinLnBrk="0" hangingPunct="1">
+                    <a:lnSpc>
+                      <a:spcPct val="90000"/>
+                    </a:lnSpc>
+                    <a:spcBef>
+                      <a:spcPts val="500"/>
+                    </a:spcBef>
+                    <a:buFont typeface="Arial" panose="020B0604020202020204" pitchFamily="34" charset="0"/>
+                    <a:buChar char="•"/>
+                    <a:defRPr sz="1800" kern="1200">
+                      <a:solidFill>
+                        <a:schemeClr val="tx1"/>
+                      </a:solidFill>
+                      <a:latin typeface="+mn-lt"/>
+                      <a:ea typeface="+mn-ea"/>
+                      <a:cs typeface="+mn-cs"/>
+                    </a:defRPr>
+                  </a:lvl5pPr>
+                  <a:lvl6pPr marL="2514600" indent="-228600" algn="l" defTabSz="914400" rtl="0" eaLnBrk="1" latinLnBrk="0" hangingPunct="1">
+                    <a:lnSpc>
+                      <a:spcPct val="90000"/>
+                    </a:lnSpc>
+                    <a:spcBef>
+                      <a:spcPts val="500"/>
+                    </a:spcBef>
+                    <a:buFont typeface="Arial" panose="020B0604020202020204" pitchFamily="34" charset="0"/>
+                    <a:buChar char="•"/>
+                    <a:defRPr sz="1800" kern="1200">
+                      <a:solidFill>
+                        <a:schemeClr val="tx1"/>
+                      </a:solidFill>
+                      <a:latin typeface="+mn-lt"/>
+                      <a:ea typeface="+mn-ea"/>
+                      <a:cs typeface="+mn-cs"/>
+                    </a:defRPr>
+                  </a:lvl6pPr>
+                  <a:lvl7pPr marL="2971800" indent="-228600" algn="l" defTabSz="914400" rtl="0" eaLnBrk="1" latinLnBrk="0" hangingPunct="1">
+                    <a:lnSpc>
+                      <a:spcPct val="90000"/>
+                    </a:lnSpc>
+                    <a:spcBef>
+                      <a:spcPts val="500"/>
+                    </a:spcBef>
+                    <a:buFont typeface="Arial" panose="020B0604020202020204" pitchFamily="34" charset="0"/>
+                    <a:buChar char="•"/>
+                    <a:defRPr sz="1800" kern="1200">
+                      <a:solidFill>
+                        <a:schemeClr val="tx1"/>
+                      </a:solidFill>
+                      <a:latin typeface="+mn-lt"/>
+                      <a:ea typeface="+mn-ea"/>
+                      <a:cs typeface="+mn-cs"/>
+                    </a:defRPr>
+                  </a:lvl7pPr>
+                  <a:lvl8pPr marL="3429000" indent="-228600" algn="l" defTabSz="914400" rtl="0" eaLnBrk="1" latinLnBrk="0" hangingPunct="1">
+                    <a:lnSpc>
+                      <a:spcPct val="90000"/>
+                    </a:lnSpc>
+                    <a:spcBef>
+                      <a:spcPts val="500"/>
+                    </a:spcBef>
+                    <a:buFont typeface="Arial" panose="020B0604020202020204" pitchFamily="34" charset="0"/>
+                    <a:buChar char="•"/>
+                    <a:defRPr sz="1800" kern="1200">
+                      <a:solidFill>
+                        <a:schemeClr val="tx1"/>
+                      </a:solidFill>
+                      <a:latin typeface="+mn-lt"/>
+                      <a:ea typeface="+mn-ea"/>
+                      <a:cs typeface="+mn-cs"/>
+                    </a:defRPr>
+                  </a:lvl8pPr>
+                  <a:lvl9pPr marL="3886200" indent="-228600" algn="l" defTabSz="914400" rtl="0" eaLnBrk="1" latinLnBrk="0" hangingPunct="1">
+                    <a:lnSpc>
+                      <a:spcPct val="90000"/>
+                    </a:lnSpc>
+                    <a:spcBef>
+                      <a:spcPts val="500"/>
+                    </a:spcBef>
+                    <a:buFont typeface="Arial" panose="020B0604020202020204" pitchFamily="34" charset="0"/>
+                    <a:buChar char="•"/>
+                    <a:defRPr sz="1800" kern="1200">
+                      <a:solidFill>
+                        <a:schemeClr val="tx1"/>
+                      </a:solidFill>
+                      <a:latin typeface="+mn-lt"/>
+                      <a:ea typeface="+mn-ea"/>
+                      <a:cs typeface="+mn-cs"/>
+                    </a:defRPr>
+                  </a:lvl9pPr>
+                </a:lstStyle>
+                <a:p>
+                  <a:pPr marL="0" indent="0">
+                    <a:buNone/>
+                  </a:pPr>
+                  <a:r>
+                    <a:rPr lang="en-US" smtClean="0"/>
+                    <a:t>56x56x256</a:t>
+                  </a:r>
+                  <a:endParaRPr lang="en-US"/>
+                </a:p>
+              </p:txBody>
+            </p:sp>
+            <p:sp>
+              <p:nvSpPr>
+                <p:cNvPr id="14" name="Cube 13"/>
+                <p:cNvSpPr/>
+                <p:nvPr/>
+              </p:nvSpPr>
+              <p:spPr>
+                <a:xfrm>
+                  <a:off x="7570120" y="4044141"/>
+                  <a:ext cx="2952403" cy="631767"/>
+                </a:xfrm>
+                <a:prstGeom prst="cube">
+                  <a:avLst/>
+                </a:prstGeom>
+              </p:spPr>
+              <p:style>
+                <a:lnRef idx="2">
+                  <a:schemeClr val="accent1">
+                    <a:shade val="50000"/>
+                  </a:schemeClr>
+                </a:lnRef>
+                <a:fillRef idx="1">
+                  <a:schemeClr val="accent1"/>
+                </a:fillRef>
+                <a:effectRef idx="0">
+                  <a:schemeClr val="accent1"/>
+                </a:effectRef>
+                <a:fontRef idx="minor">
+                  <a:schemeClr val="lt1"/>
+                </a:fontRef>
+              </p:style>
+              <p:txBody>
+                <a:bodyPr rtlCol="0" anchor="ctr"/>
+                <a:lstStyle/>
+                <a:p>
+                  <a:pPr algn="ctr"/>
+                  <a:endParaRPr lang="en-US"/>
+                </a:p>
+              </p:txBody>
+            </p:sp>
+            <p:sp>
+              <p:nvSpPr>
+                <p:cNvPr id="15" name="Cube 14"/>
+                <p:cNvSpPr/>
+                <p:nvPr/>
+              </p:nvSpPr>
+              <p:spPr>
+                <a:xfrm>
+                  <a:off x="7570121" y="4721630"/>
+                  <a:ext cx="2952403" cy="390696"/>
+                </a:xfrm>
+                <a:prstGeom prst="cube">
+                  <a:avLst/>
+                </a:prstGeom>
+              </p:spPr>
+              <p:style>
+                <a:lnRef idx="2">
+                  <a:schemeClr val="accent1">
+                    <a:shade val="50000"/>
+                  </a:schemeClr>
+                </a:lnRef>
+                <a:fillRef idx="1">
+                  <a:schemeClr val="accent1"/>
+                </a:fillRef>
+                <a:effectRef idx="0">
+                  <a:schemeClr val="accent1"/>
+                </a:effectRef>
+                <a:fontRef idx="minor">
+                  <a:schemeClr val="lt1"/>
+                </a:fontRef>
+              </p:style>
+              <p:txBody>
+                <a:bodyPr rtlCol="0" anchor="ctr"/>
+                <a:lstStyle/>
+                <a:p>
+                  <a:pPr algn="ctr"/>
+                  <a:endParaRPr lang="en-US"/>
+                </a:p>
+              </p:txBody>
+            </p:sp>
+            <p:sp>
+              <p:nvSpPr>
+                <p:cNvPr id="16" name="Subtitle 2"/>
+                <p:cNvSpPr txBox="1">
+                  <a:spLocks/>
+                </p:cNvSpPr>
+                <p:nvPr/>
+              </p:nvSpPr>
+              <p:spPr>
+                <a:xfrm>
+                  <a:off x="10464331" y="4735836"/>
+                  <a:ext cx="1967345" cy="471198"/>
+                </a:xfrm>
+                <a:prstGeom prst="rect">
+                  <a:avLst/>
+                </a:prstGeom>
+              </p:spPr>
+              <p:txBody>
+                <a:bodyPr vert="horz" lIns="91440" tIns="45720" rIns="91440" bIns="45720" rtlCol="0" anchor="t">
+                  <a:normAutofit lnSpcReduction="10000"/>
+                </a:bodyPr>
+                <a:lstStyle>
+                  <a:lvl1pPr marL="228600" indent="-228600" algn="l" defTabSz="914400" rtl="0" eaLnBrk="1" latinLnBrk="0" hangingPunct="1">
+                    <a:lnSpc>
+                      <a:spcPct val="90000"/>
+                    </a:lnSpc>
+                    <a:spcBef>
+                      <a:spcPts val="1000"/>
+                    </a:spcBef>
+                    <a:buFont typeface="Arial" panose="020B0604020202020204" pitchFamily="34" charset="0"/>
+                    <a:buChar char="•"/>
+                    <a:defRPr sz="2800" kern="1200">
+                      <a:solidFill>
+                        <a:schemeClr val="tx1"/>
+                      </a:solidFill>
+                      <a:latin typeface="+mn-lt"/>
+                      <a:ea typeface="+mn-ea"/>
+                      <a:cs typeface="+mn-cs"/>
+                    </a:defRPr>
+                  </a:lvl1pPr>
+                  <a:lvl2pPr marL="685800" indent="-228600" algn="l" defTabSz="914400" rtl="0" eaLnBrk="1" latinLnBrk="0" hangingPunct="1">
+                    <a:lnSpc>
+                      <a:spcPct val="90000"/>
+                    </a:lnSpc>
+                    <a:spcBef>
+                      <a:spcPts val="500"/>
+                    </a:spcBef>
+                    <a:buFont typeface="Arial" panose="020B0604020202020204" pitchFamily="34" charset="0"/>
+                    <a:buChar char="•"/>
+                    <a:defRPr sz="2400" kern="1200">
+                      <a:solidFill>
+                        <a:schemeClr val="tx1"/>
+                      </a:solidFill>
+                      <a:latin typeface="+mn-lt"/>
+                      <a:ea typeface="+mn-ea"/>
+                      <a:cs typeface="+mn-cs"/>
+                    </a:defRPr>
+                  </a:lvl2pPr>
+                  <a:lvl3pPr marL="1143000" indent="-228600" algn="l" defTabSz="914400" rtl="0" eaLnBrk="1" latinLnBrk="0" hangingPunct="1">
+                    <a:lnSpc>
+                      <a:spcPct val="90000"/>
+                    </a:lnSpc>
+                    <a:spcBef>
+                      <a:spcPts val="500"/>
+                    </a:spcBef>
+                    <a:buFont typeface="Arial" panose="020B0604020202020204" pitchFamily="34" charset="0"/>
+                    <a:buChar char="•"/>
+                    <a:defRPr sz="2000" kern="1200">
+                      <a:solidFill>
+                        <a:schemeClr val="tx1"/>
+                      </a:solidFill>
+                      <a:latin typeface="+mn-lt"/>
+                      <a:ea typeface="+mn-ea"/>
+                      <a:cs typeface="+mn-cs"/>
+                    </a:defRPr>
+                  </a:lvl3pPr>
+                  <a:lvl4pPr marL="1600200" indent="-228600" algn="l" defTabSz="914400" rtl="0" eaLnBrk="1" latinLnBrk="0" hangingPunct="1">
+                    <a:lnSpc>
+                      <a:spcPct val="90000"/>
+                    </a:lnSpc>
+                    <a:spcBef>
+                      <a:spcPts val="500"/>
+                    </a:spcBef>
+                    <a:buFont typeface="Arial" panose="020B0604020202020204" pitchFamily="34" charset="0"/>
+                    <a:buChar char="•"/>
+                    <a:defRPr sz="1800" kern="1200">
+                      <a:solidFill>
+                        <a:schemeClr val="tx1"/>
+                      </a:solidFill>
+                      <a:latin typeface="+mn-lt"/>
+                      <a:ea typeface="+mn-ea"/>
+                      <a:cs typeface="+mn-cs"/>
+                    </a:defRPr>
+                  </a:lvl4pPr>
+                  <a:lvl5pPr marL="2057400" indent="-228600" algn="l" defTabSz="914400" rtl="0" eaLnBrk="1" latinLnBrk="0" hangingPunct="1">
+                    <a:lnSpc>
+                      <a:spcPct val="90000"/>
+                    </a:lnSpc>
+                    <a:spcBef>
+                      <a:spcPts val="500"/>
+                    </a:spcBef>
+                    <a:buFont typeface="Arial" panose="020B0604020202020204" pitchFamily="34" charset="0"/>
+                    <a:buChar char="•"/>
+                    <a:defRPr sz="1800" kern="1200">
+                      <a:solidFill>
+                        <a:schemeClr val="tx1"/>
+                      </a:solidFill>
+                      <a:latin typeface="+mn-lt"/>
+                      <a:ea typeface="+mn-ea"/>
+                      <a:cs typeface="+mn-cs"/>
+                    </a:defRPr>
+                  </a:lvl5pPr>
+                  <a:lvl6pPr marL="2514600" indent="-228600" algn="l" defTabSz="914400" rtl="0" eaLnBrk="1" latinLnBrk="0" hangingPunct="1">
+                    <a:lnSpc>
+                      <a:spcPct val="90000"/>
+                    </a:lnSpc>
+                    <a:spcBef>
+                      <a:spcPts val="500"/>
+                    </a:spcBef>
+                    <a:buFont typeface="Arial" panose="020B0604020202020204" pitchFamily="34" charset="0"/>
+                    <a:buChar char="•"/>
+                    <a:defRPr sz="1800" kern="1200">
+                      <a:solidFill>
+                        <a:schemeClr val="tx1"/>
+                      </a:solidFill>
+                      <a:latin typeface="+mn-lt"/>
+                      <a:ea typeface="+mn-ea"/>
+                      <a:cs typeface="+mn-cs"/>
+                    </a:defRPr>
+                  </a:lvl6pPr>
+                  <a:lvl7pPr marL="2971800" indent="-228600" algn="l" defTabSz="914400" rtl="0" eaLnBrk="1" latinLnBrk="0" hangingPunct="1">
+                    <a:lnSpc>
+                      <a:spcPct val="90000"/>
+                    </a:lnSpc>
+                    <a:spcBef>
+                      <a:spcPts val="500"/>
+                    </a:spcBef>
+                    <a:buFont typeface="Arial" panose="020B0604020202020204" pitchFamily="34" charset="0"/>
+                    <a:buChar char="•"/>
+                    <a:defRPr sz="1800" kern="1200">
+                      <a:solidFill>
+                        <a:schemeClr val="tx1"/>
+                      </a:solidFill>
+                      <a:latin typeface="+mn-lt"/>
+                      <a:ea typeface="+mn-ea"/>
+                      <a:cs typeface="+mn-cs"/>
+                    </a:defRPr>
+                  </a:lvl7pPr>
+                  <a:lvl8pPr marL="3429000" indent="-228600" algn="l" defTabSz="914400" rtl="0" eaLnBrk="1" latinLnBrk="0" hangingPunct="1">
+                    <a:lnSpc>
+                      <a:spcPct val="90000"/>
+                    </a:lnSpc>
+                    <a:spcBef>
+                      <a:spcPts val="500"/>
+                    </a:spcBef>
+                    <a:buFont typeface="Arial" panose="020B0604020202020204" pitchFamily="34" charset="0"/>
+                    <a:buChar char="•"/>
+                    <a:defRPr sz="1800" kern="1200">
+                      <a:solidFill>
+                        <a:schemeClr val="tx1"/>
+                      </a:solidFill>
+                      <a:latin typeface="+mn-lt"/>
+                      <a:ea typeface="+mn-ea"/>
+                      <a:cs typeface="+mn-cs"/>
+                    </a:defRPr>
+                  </a:lvl8pPr>
+                  <a:lvl9pPr marL="3886200" indent="-228600" algn="l" defTabSz="914400" rtl="0" eaLnBrk="1" latinLnBrk="0" hangingPunct="1">
+                    <a:lnSpc>
+                      <a:spcPct val="90000"/>
+                    </a:lnSpc>
+                    <a:spcBef>
+                      <a:spcPts val="500"/>
+                    </a:spcBef>
+                    <a:buFont typeface="Arial" panose="020B0604020202020204" pitchFamily="34" charset="0"/>
+                    <a:buChar char="•"/>
+                    <a:defRPr sz="1800" kern="1200">
+                      <a:solidFill>
+                        <a:schemeClr val="tx1"/>
+                      </a:solidFill>
+                      <a:latin typeface="+mn-lt"/>
+                      <a:ea typeface="+mn-ea"/>
+                      <a:cs typeface="+mn-cs"/>
+                    </a:defRPr>
+                  </a:lvl9pPr>
+                </a:lstStyle>
+                <a:p>
+                  <a:pPr marL="0" indent="0">
+                    <a:buNone/>
+                  </a:pPr>
+                  <a:r>
+                    <a:rPr lang="en-US" smtClean="0"/>
+                    <a:t>14x14x512</a:t>
+                  </a:r>
+                  <a:endParaRPr lang="en-US"/>
+                </a:p>
+              </p:txBody>
+            </p:sp>
+            <p:sp>
+              <p:nvSpPr>
+                <p:cNvPr id="17" name="Subtitle 2"/>
+                <p:cNvSpPr txBox="1">
+                  <a:spLocks/>
+                </p:cNvSpPr>
+                <p:nvPr/>
+              </p:nvSpPr>
+              <p:spPr>
+                <a:xfrm>
+                  <a:off x="8062648" y="3513015"/>
+                  <a:ext cx="1967345" cy="471198"/>
+                </a:xfrm>
+                <a:prstGeom prst="rect">
+                  <a:avLst/>
+                </a:prstGeom>
+              </p:spPr>
+              <p:txBody>
+                <a:bodyPr vert="horz" lIns="91440" tIns="45720" rIns="91440" bIns="45720" rtlCol="0" anchor="t">
+                  <a:normAutofit lnSpcReduction="10000"/>
+                </a:bodyPr>
+                <a:lstStyle>
+                  <a:lvl1pPr marL="228600" indent="-228600" algn="l" defTabSz="914400" rtl="0" eaLnBrk="1" latinLnBrk="0" hangingPunct="1">
+                    <a:lnSpc>
+                      <a:spcPct val="90000"/>
+                    </a:lnSpc>
+                    <a:spcBef>
+                      <a:spcPts val="1000"/>
+                    </a:spcBef>
+                    <a:buFont typeface="Arial" panose="020B0604020202020204" pitchFamily="34" charset="0"/>
+                    <a:buChar char="•"/>
+                    <a:defRPr sz="2800" kern="1200">
+                      <a:solidFill>
+                        <a:schemeClr val="tx1"/>
+                      </a:solidFill>
+                      <a:latin typeface="+mn-lt"/>
+                      <a:ea typeface="+mn-ea"/>
+                      <a:cs typeface="+mn-cs"/>
+                    </a:defRPr>
+                  </a:lvl1pPr>
+                  <a:lvl2pPr marL="685800" indent="-228600" algn="l" defTabSz="914400" rtl="0" eaLnBrk="1" latinLnBrk="0" hangingPunct="1">
+                    <a:lnSpc>
+                      <a:spcPct val="90000"/>
+                    </a:lnSpc>
+                    <a:spcBef>
+                      <a:spcPts val="500"/>
+                    </a:spcBef>
+                    <a:buFont typeface="Arial" panose="020B0604020202020204" pitchFamily="34" charset="0"/>
+                    <a:buChar char="•"/>
+                    <a:defRPr sz="2400" kern="1200">
+                      <a:solidFill>
+                        <a:schemeClr val="tx1"/>
+                      </a:solidFill>
+                      <a:latin typeface="+mn-lt"/>
+                      <a:ea typeface="+mn-ea"/>
+                      <a:cs typeface="+mn-cs"/>
+                    </a:defRPr>
+                  </a:lvl2pPr>
+                  <a:lvl3pPr marL="1143000" indent="-228600" algn="l" defTabSz="914400" rtl="0" eaLnBrk="1" latinLnBrk="0" hangingPunct="1">
+                    <a:lnSpc>
+                      <a:spcPct val="90000"/>
+                    </a:lnSpc>
+                    <a:spcBef>
+                      <a:spcPts val="500"/>
+                    </a:spcBef>
+                    <a:buFont typeface="Arial" panose="020B0604020202020204" pitchFamily="34" charset="0"/>
+                    <a:buChar char="•"/>
+                    <a:defRPr sz="2000" kern="1200">
+                      <a:solidFill>
+                        <a:schemeClr val="tx1"/>
+                      </a:solidFill>
+                      <a:latin typeface="+mn-lt"/>
+                      <a:ea typeface="+mn-ea"/>
+                      <a:cs typeface="+mn-cs"/>
+                    </a:defRPr>
+                  </a:lvl3pPr>
+                  <a:lvl4pPr marL="1600200" indent="-228600" algn="l" defTabSz="914400" rtl="0" eaLnBrk="1" latinLnBrk="0" hangingPunct="1">
+                    <a:lnSpc>
+                      <a:spcPct val="90000"/>
+                    </a:lnSpc>
+                    <a:spcBef>
+                      <a:spcPts val="500"/>
+                    </a:spcBef>
+                    <a:buFont typeface="Arial" panose="020B0604020202020204" pitchFamily="34" charset="0"/>
+                    <a:buChar char="•"/>
+                    <a:defRPr sz="1800" kern="1200">
+                      <a:solidFill>
+                        <a:schemeClr val="tx1"/>
+                      </a:solidFill>
+                      <a:latin typeface="+mn-lt"/>
+                      <a:ea typeface="+mn-ea"/>
+                      <a:cs typeface="+mn-cs"/>
+                    </a:defRPr>
+                  </a:lvl4pPr>
+                  <a:lvl5pPr marL="2057400" indent="-228600" algn="l" defTabSz="914400" rtl="0" eaLnBrk="1" latinLnBrk="0" hangingPunct="1">
+                    <a:lnSpc>
+                      <a:spcPct val="90000"/>
+                    </a:lnSpc>
+                    <a:spcBef>
+                      <a:spcPts val="500"/>
+                    </a:spcBef>
+                    <a:buFont typeface="Arial" panose="020B0604020202020204" pitchFamily="34" charset="0"/>
+                    <a:buChar char="•"/>
+                    <a:defRPr sz="1800" kern="1200">
+                      <a:solidFill>
+                        <a:schemeClr val="tx1"/>
+                      </a:solidFill>
+                      <a:latin typeface="+mn-lt"/>
+                      <a:ea typeface="+mn-ea"/>
+                      <a:cs typeface="+mn-cs"/>
+                    </a:defRPr>
+                  </a:lvl5pPr>
+                  <a:lvl6pPr marL="2514600" indent="-228600" algn="l" defTabSz="914400" rtl="0" eaLnBrk="1" latinLnBrk="0" hangingPunct="1">
+                    <a:lnSpc>
+                      <a:spcPct val="90000"/>
+                    </a:lnSpc>
+                    <a:spcBef>
+                      <a:spcPts val="500"/>
+                    </a:spcBef>
+                    <a:buFont typeface="Arial" panose="020B0604020202020204" pitchFamily="34" charset="0"/>
+                    <a:buChar char="•"/>
+                    <a:defRPr sz="1800" kern="1200">
+                      <a:solidFill>
+                        <a:schemeClr val="tx1"/>
+                      </a:solidFill>
+                      <a:latin typeface="+mn-lt"/>
+                      <a:ea typeface="+mn-ea"/>
+                      <a:cs typeface="+mn-cs"/>
+                    </a:defRPr>
+                  </a:lvl6pPr>
+                  <a:lvl7pPr marL="2971800" indent="-228600" algn="l" defTabSz="914400" rtl="0" eaLnBrk="1" latinLnBrk="0" hangingPunct="1">
+                    <a:lnSpc>
+                      <a:spcPct val="90000"/>
+                    </a:lnSpc>
+                    <a:spcBef>
+                      <a:spcPts val="500"/>
+                    </a:spcBef>
+                    <a:buFont typeface="Arial" panose="020B0604020202020204" pitchFamily="34" charset="0"/>
+                    <a:buChar char="•"/>
+                    <a:defRPr sz="1800" kern="1200">
+                      <a:solidFill>
+                        <a:schemeClr val="tx1"/>
+                      </a:solidFill>
+                      <a:latin typeface="+mn-lt"/>
+                      <a:ea typeface="+mn-ea"/>
+                      <a:cs typeface="+mn-cs"/>
+                    </a:defRPr>
+                  </a:lvl7pPr>
+                  <a:lvl8pPr marL="3429000" indent="-228600" algn="l" defTabSz="914400" rtl="0" eaLnBrk="1" latinLnBrk="0" hangingPunct="1">
+                    <a:lnSpc>
+                      <a:spcPct val="90000"/>
+                    </a:lnSpc>
+                    <a:spcBef>
+                      <a:spcPts val="500"/>
+                    </a:spcBef>
+                    <a:buFont typeface="Arial" panose="020B0604020202020204" pitchFamily="34" charset="0"/>
+                    <a:buChar char="•"/>
+                    <a:defRPr sz="1800" kern="1200">
+                      <a:solidFill>
+                        <a:schemeClr val="tx1"/>
+                      </a:solidFill>
+                      <a:latin typeface="+mn-lt"/>
+                      <a:ea typeface="+mn-ea"/>
+                      <a:cs typeface="+mn-cs"/>
+                    </a:defRPr>
+                  </a:lvl8pPr>
+                  <a:lvl9pPr marL="3886200" indent="-228600" algn="l" defTabSz="914400" rtl="0" eaLnBrk="1" latinLnBrk="0" hangingPunct="1">
+                    <a:lnSpc>
+                      <a:spcPct val="90000"/>
+                    </a:lnSpc>
+                    <a:spcBef>
+                      <a:spcPts val="500"/>
+                    </a:spcBef>
+                    <a:buFont typeface="Arial" panose="020B0604020202020204" pitchFamily="34" charset="0"/>
+                    <a:buChar char="•"/>
+                    <a:defRPr sz="1800" kern="1200">
+                      <a:solidFill>
+                        <a:schemeClr val="tx1"/>
+                      </a:solidFill>
+                      <a:latin typeface="+mn-lt"/>
+                      <a:ea typeface="+mn-ea"/>
+                      <a:cs typeface="+mn-cs"/>
+                    </a:defRPr>
+                  </a:lvl9pPr>
+                </a:lstStyle>
+                <a:p>
+                  <a:pPr marL="0" indent="0">
+                    <a:buNone/>
+                  </a:pPr>
+                  <a:r>
+                    <a:rPr lang="en-US" smtClean="0"/>
+                    <a:t>28x28x512</a:t>
+                  </a:r>
+                  <a:endParaRPr lang="en-US"/>
+                </a:p>
+              </p:txBody>
+            </p:sp>
+          </p:grpSp>
+          <p:sp>
+            <p:nvSpPr>
+              <p:cNvPr id="18" name="Cube 17"/>
+              <p:cNvSpPr/>
+              <p:nvPr/>
+            </p:nvSpPr>
+            <p:spPr>
+              <a:xfrm>
+                <a:off x="7301342" y="4357607"/>
+                <a:ext cx="2952403" cy="247644"/>
+              </a:xfrm>
+              <a:prstGeom prst="cube">
+                <a:avLst/>
+              </a:prstGeom>
+            </p:spPr>
+            <p:style>
+              <a:lnRef idx="2">
+                <a:schemeClr val="accent1">
+                  <a:shade val="50000"/>
+                </a:schemeClr>
+              </a:lnRef>
+              <a:fillRef idx="1">
+                <a:schemeClr val="accent1"/>
+              </a:fillRef>
+              <a:effectRef idx="0">
+                <a:schemeClr val="accent1"/>
+              </a:effectRef>
+              <a:fontRef idx="minor">
+                <a:schemeClr val="lt1"/>
+              </a:fontRef>
+            </p:style>
+            <p:txBody>
+              <a:bodyPr rtlCol="0" anchor="ctr"/>
+              <a:lstStyle/>
+              <a:p>
+                <a:pPr algn="ctr"/>
+                <a:endParaRPr lang="en-US"/>
+              </a:p>
+            </p:txBody>
+          </p:sp>
+        </p:grpSp>
+        <p:sp>
+          <p:nvSpPr>
+            <p:cNvPr id="19" name="Subtitle 2"/>
+            <p:cNvSpPr txBox="1">
+              <a:spLocks/>
+            </p:cNvSpPr>
+            <p:nvPr/>
+          </p:nvSpPr>
+          <p:spPr>
+            <a:xfrm>
+              <a:off x="8077536" y="4735049"/>
+              <a:ext cx="1400008" cy="471198"/>
+            </a:xfrm>
+            <a:prstGeom prst="rect">
+              <a:avLst/>
+            </a:prstGeom>
+          </p:spPr>
+          <p:txBody>
+            <a:bodyPr vert="horz" lIns="91440" tIns="45720" rIns="91440" bIns="45720" rtlCol="0" anchor="t">
+              <a:normAutofit lnSpcReduction="10000"/>
+            </a:bodyPr>
+            <a:lstStyle>
+              <a:lvl1pPr marL="228600" indent="-228600" algn="l" defTabSz="914400" rtl="0" eaLnBrk="1" latinLnBrk="0" hangingPunct="1">
+                <a:lnSpc>
+                  <a:spcPct val="90000"/>
+                </a:lnSpc>
+                <a:spcBef>
+                  <a:spcPts val="1000"/>
+                </a:spcBef>
+                <a:buFont typeface="Arial" panose="020B0604020202020204" pitchFamily="34" charset="0"/>
+                <a:buChar char="•"/>
+                <a:defRPr sz="2800" kern="1200">
+                  <a:solidFill>
+                    <a:schemeClr val="tx1"/>
+                  </a:solidFill>
+                  <a:latin typeface="+mn-lt"/>
+                  <a:ea typeface="+mn-ea"/>
+                  <a:cs typeface="+mn-cs"/>
+                </a:defRPr>
+              </a:lvl1pPr>
+              <a:lvl2pPr marL="685800" indent="-228600" algn="l" defTabSz="914400" rtl="0" eaLnBrk="1" latinLnBrk="0" hangingPunct="1">
+                <a:lnSpc>
+                  <a:spcPct val="90000"/>
+                </a:lnSpc>
+                <a:spcBef>
+                  <a:spcPts val="500"/>
+                </a:spcBef>
+                <a:buFont typeface="Arial" panose="020B0604020202020204" pitchFamily="34" charset="0"/>
+                <a:buChar char="•"/>
+                <a:defRPr sz="2400" kern="1200">
+                  <a:solidFill>
+                    <a:schemeClr val="tx1"/>
+                  </a:solidFill>
+                  <a:latin typeface="+mn-lt"/>
+                  <a:ea typeface="+mn-ea"/>
+                  <a:cs typeface="+mn-cs"/>
+                </a:defRPr>
+              </a:lvl2pPr>
+              <a:lvl3pPr marL="1143000" indent="-228600" algn="l" defTabSz="914400" rtl="0" eaLnBrk="1" latinLnBrk="0" hangingPunct="1">
+                <a:lnSpc>
+                  <a:spcPct val="90000"/>
+                </a:lnSpc>
+                <a:spcBef>
+                  <a:spcPts val="500"/>
+                </a:spcBef>
+                <a:buFont typeface="Arial" panose="020B0604020202020204" pitchFamily="34" charset="0"/>
+                <a:buChar char="•"/>
+                <a:defRPr sz="2000" kern="1200">
+                  <a:solidFill>
+                    <a:schemeClr val="tx1"/>
+                  </a:solidFill>
+                  <a:latin typeface="+mn-lt"/>
+                  <a:ea typeface="+mn-ea"/>
+                  <a:cs typeface="+mn-cs"/>
+                </a:defRPr>
+              </a:lvl3pPr>
+              <a:lvl4pPr marL="1600200" indent="-228600" algn="l" defTabSz="914400" rtl="0" eaLnBrk="1" latinLnBrk="0" hangingPunct="1">
+                <a:lnSpc>
+                  <a:spcPct val="90000"/>
+                </a:lnSpc>
+                <a:spcBef>
+                  <a:spcPts val="500"/>
+                </a:spcBef>
+                <a:buFont typeface="Arial" panose="020B0604020202020204" pitchFamily="34" charset="0"/>
+                <a:buChar char="•"/>
+                <a:defRPr sz="1800" kern="1200">
+                  <a:solidFill>
+                    <a:schemeClr val="tx1"/>
+                  </a:solidFill>
+                  <a:latin typeface="+mn-lt"/>
+                  <a:ea typeface="+mn-ea"/>
+                  <a:cs typeface="+mn-cs"/>
+                </a:defRPr>
+              </a:lvl4pPr>
+              <a:lvl5pPr marL="2057400" indent="-228600" algn="l" defTabSz="914400" rtl="0" eaLnBrk="1" latinLnBrk="0" hangingPunct="1">
+                <a:lnSpc>
+                  <a:spcPct val="90000"/>
+                </a:lnSpc>
+                <a:spcBef>
+                  <a:spcPts val="500"/>
+                </a:spcBef>
+                <a:buFont typeface="Arial" panose="020B0604020202020204" pitchFamily="34" charset="0"/>
+                <a:buChar char="•"/>
+                <a:defRPr sz="1800" kern="1200">
+                  <a:solidFill>
+                    <a:schemeClr val="tx1"/>
+                  </a:solidFill>
+                  <a:latin typeface="+mn-lt"/>
+                  <a:ea typeface="+mn-ea"/>
+                  <a:cs typeface="+mn-cs"/>
+                </a:defRPr>
+              </a:lvl5pPr>
+              <a:lvl6pPr marL="2514600" indent="-228600" algn="l" defTabSz="914400" rtl="0" eaLnBrk="1" latinLnBrk="0" hangingPunct="1">
+                <a:lnSpc>
+                  <a:spcPct val="90000"/>
+                </a:lnSpc>
+                <a:spcBef>
+                  <a:spcPts val="500"/>
+                </a:spcBef>
+                <a:buFont typeface="Arial" panose="020B0604020202020204" pitchFamily="34" charset="0"/>
+                <a:buChar char="•"/>
+                <a:defRPr sz="1800" kern="1200">
+                  <a:solidFill>
+                    <a:schemeClr val="tx1"/>
+                  </a:solidFill>
+                  <a:latin typeface="+mn-lt"/>
+                  <a:ea typeface="+mn-ea"/>
+                  <a:cs typeface="+mn-cs"/>
+                </a:defRPr>
+              </a:lvl6pPr>
+              <a:lvl7pPr marL="2971800" indent="-228600" algn="l" defTabSz="914400" rtl="0" eaLnBrk="1" latinLnBrk="0" hangingPunct="1">
+                <a:lnSpc>
+                  <a:spcPct val="90000"/>
+                </a:lnSpc>
+                <a:spcBef>
+                  <a:spcPts val="500"/>
+                </a:spcBef>
+                <a:buFont typeface="Arial" panose="020B0604020202020204" pitchFamily="34" charset="0"/>
+                <a:buChar char="•"/>
+                <a:defRPr sz="1800" kern="1200">
+                  <a:solidFill>
+                    <a:schemeClr val="tx1"/>
+                  </a:solidFill>
+                  <a:latin typeface="+mn-lt"/>
+                  <a:ea typeface="+mn-ea"/>
+                  <a:cs typeface="+mn-cs"/>
+                </a:defRPr>
+              </a:lvl7pPr>
+              <a:lvl8pPr marL="3429000" indent="-228600" algn="l" defTabSz="914400" rtl="0" eaLnBrk="1" latinLnBrk="0" hangingPunct="1">
+                <a:lnSpc>
+                  <a:spcPct val="90000"/>
+                </a:lnSpc>
+                <a:spcBef>
+                  <a:spcPts val="500"/>
+                </a:spcBef>
+                <a:buFont typeface="Arial" panose="020B0604020202020204" pitchFamily="34" charset="0"/>
+                <a:buChar char="•"/>
+                <a:defRPr sz="1800" kern="1200">
+                  <a:solidFill>
+                    <a:schemeClr val="tx1"/>
+                  </a:solidFill>
+                  <a:latin typeface="+mn-lt"/>
+                  <a:ea typeface="+mn-ea"/>
+                  <a:cs typeface="+mn-cs"/>
+                </a:defRPr>
+              </a:lvl8pPr>
+              <a:lvl9pPr marL="3886200" indent="-228600" algn="l" defTabSz="914400" rtl="0" eaLnBrk="1" latinLnBrk="0" hangingPunct="1">
+                <a:lnSpc>
+                  <a:spcPct val="90000"/>
+                </a:lnSpc>
+                <a:spcBef>
+                  <a:spcPts val="500"/>
+                </a:spcBef>
+                <a:buFont typeface="Arial" panose="020B0604020202020204" pitchFamily="34" charset="0"/>
+                <a:buChar char="•"/>
+                <a:defRPr sz="1800" kern="1200">
+                  <a:solidFill>
+                    <a:schemeClr val="tx1"/>
+                  </a:solidFill>
+                  <a:latin typeface="+mn-lt"/>
+                  <a:ea typeface="+mn-ea"/>
+                  <a:cs typeface="+mn-cs"/>
+                </a:defRPr>
+              </a:lvl9pPr>
+            </a:lstStyle>
+            <a:p>
+              <a:pPr marL="0" indent="0">
+                <a:buNone/>
+              </a:pPr>
+              <a:r>
+                <a:rPr lang="en-US" smtClean="0"/>
+                <a:t>7x7x512</a:t>
+              </a:r>
+              <a:endParaRPr lang="en-US"/>
+            </a:p>
+          </p:txBody>
+        </p:sp>
+      </p:grpSp>
+    </p:spTree>
+    <p:extLst>
+      <p:ext uri="{BB962C8B-B14F-4D97-AF65-F5344CB8AC3E}">
+        <p14:creationId xmlns:p14="http://schemas.microsoft.com/office/powerpoint/2010/main" val="1646522776"/>
+      </p:ext>
+    </p:extLst>
+  </p:cSld>
+  <p:clrMapOvr>
+    <a:masterClrMapping/>
+  </p:clrMapOvr>
+</p:sld>
+</file>
+
+<file path=ppt/slides/slide6.xml><?xml version="1.0" encoding="utf-8"?>
+<p:sld xmlns:a="http://schemas.openxmlformats.org/drawingml/2006/main" xmlns:r="http://schemas.openxmlformats.org/officeDocument/2006/relationships" xmlns:p="http://schemas.openxmlformats.org/presentationml/2006/main">
+  <p:cSld>
+    <p:spTree>
+      <p:nvGrpSpPr>
+        <p:cNvPr id="1" name=""/>
+        <p:cNvGrpSpPr/>
+        <p:nvPr/>
+      </p:nvGrpSpPr>
+      <p:grpSpPr>
+        <a:xfrm>
+          <a:off x="0" y="0"/>
+          <a:ext cx="0" cy="0"/>
+          <a:chOff x="0" y="0"/>
+          <a:chExt cx="0" cy="0"/>
+        </a:xfrm>
+      </p:grpSpPr>
+      <p:sp>
+        <p:nvSpPr>
+          <p:cNvPr id="2" name="Title 1"/>
+          <p:cNvSpPr>
+            <a:spLocks noGrp="1"/>
+          </p:cNvSpPr>
+          <p:nvPr>
+            <p:ph type="title"/>
+          </p:nvPr>
+        </p:nvSpPr>
+        <p:spPr/>
+        <p:txBody>
+          <a:bodyPr/>
+          <a:lstStyle/>
+          <a:p>
+            <a:r>
+              <a:rPr lang="en-US" smtClean="0"/>
+              <a:t>VGG CNN window size</a:t>
+            </a:r>
+            <a:endParaRPr lang="en-US"/>
+          </a:p>
+        </p:txBody>
+      </p:sp>
+      <p:grpSp>
+        <p:nvGrpSpPr>
+          <p:cNvPr id="16" name="Group 15"/>
+          <p:cNvGrpSpPr/>
+          <p:nvPr/>
+        </p:nvGrpSpPr>
+        <p:grpSpPr>
+          <a:xfrm>
+            <a:off x="2466303" y="2444808"/>
+            <a:ext cx="7259393" cy="2653346"/>
+            <a:chOff x="2265220" y="2453121"/>
+            <a:chExt cx="7259393" cy="2653346"/>
+          </a:xfrm>
+        </p:grpSpPr>
+        <p:grpSp>
+          <p:nvGrpSpPr>
+            <p:cNvPr id="12" name="Group 11"/>
+            <p:cNvGrpSpPr/>
+            <p:nvPr/>
+          </p:nvGrpSpPr>
+          <p:grpSpPr>
+            <a:xfrm>
+              <a:off x="2265220" y="2453121"/>
+              <a:ext cx="3075010" cy="2653346"/>
+              <a:chOff x="1808019" y="2436495"/>
+              <a:chExt cx="3075010" cy="2653346"/>
+            </a:xfrm>
+          </p:grpSpPr>
+          <p:pic>
+            <p:nvPicPr>
+              <p:cNvPr id="6" name="Picture 5"/>
+              <p:cNvPicPr>
+                <a:picLocks noChangeAspect="1"/>
+              </p:cNvPicPr>
+              <p:nvPr/>
+            </p:nvPicPr>
+            <p:blipFill>
+              <a:blip r:embed="rId2"/>
+              <a:stretch>
+                <a:fillRect/>
+              </a:stretch>
+            </p:blipFill>
+            <p:spPr>
+              <a:xfrm>
+                <a:off x="1808019" y="2436495"/>
+                <a:ext cx="1676400" cy="1619250"/>
+              </a:xfrm>
+              <a:prstGeom prst="rect">
+                <a:avLst/>
+              </a:prstGeom>
+            </p:spPr>
+          </p:pic>
+          <p:sp>
+            <p:nvSpPr>
+              <p:cNvPr id="7" name="Subtitle 2"/>
+              <p:cNvSpPr txBox="1">
+                <a:spLocks/>
+              </p:cNvSpPr>
+              <p:nvPr/>
+            </p:nvSpPr>
+            <p:spPr>
+              <a:xfrm>
+                <a:off x="2288083" y="4055745"/>
+                <a:ext cx="716271" cy="471198"/>
+              </a:xfrm>
+              <a:prstGeom prst="rect">
+                <a:avLst/>
+              </a:prstGeom>
+            </p:spPr>
+            <p:txBody>
+              <a:bodyPr vert="horz" lIns="91440" tIns="45720" rIns="91440" bIns="45720" rtlCol="0" anchor="t">
+                <a:normAutofit lnSpcReduction="10000"/>
+              </a:bodyPr>
+              <a:lstStyle>
+                <a:lvl1pPr marL="228600" indent="-228600" algn="l" defTabSz="914400" rtl="0" eaLnBrk="1" latinLnBrk="0" hangingPunct="1">
+                  <a:lnSpc>
+                    <a:spcPct val="90000"/>
+                  </a:lnSpc>
+                  <a:spcBef>
+                    <a:spcPts val="1000"/>
+                  </a:spcBef>
+                  <a:buFont typeface="Arial" panose="020B0604020202020204" pitchFamily="34" charset="0"/>
+                  <a:buChar char="•"/>
+                  <a:defRPr sz="2800" kern="1200">
+                    <a:solidFill>
+                      <a:schemeClr val="tx1"/>
+                    </a:solidFill>
+                    <a:latin typeface="+mn-lt"/>
+                    <a:ea typeface="+mn-ea"/>
+                    <a:cs typeface="+mn-cs"/>
+                  </a:defRPr>
+                </a:lvl1pPr>
+                <a:lvl2pPr marL="685800" indent="-228600" algn="l" defTabSz="914400" rtl="0" eaLnBrk="1" latinLnBrk="0" hangingPunct="1">
+                  <a:lnSpc>
+                    <a:spcPct val="90000"/>
+                  </a:lnSpc>
+                  <a:spcBef>
+                    <a:spcPts val="500"/>
+                  </a:spcBef>
+                  <a:buFont typeface="Arial" panose="020B0604020202020204" pitchFamily="34" charset="0"/>
+                  <a:buChar char="•"/>
+                  <a:defRPr sz="2400" kern="1200">
+                    <a:solidFill>
+                      <a:schemeClr val="tx1"/>
+                    </a:solidFill>
+                    <a:latin typeface="+mn-lt"/>
+                    <a:ea typeface="+mn-ea"/>
+                    <a:cs typeface="+mn-cs"/>
+                  </a:defRPr>
+                </a:lvl2pPr>
+                <a:lvl3pPr marL="1143000" indent="-228600" algn="l" defTabSz="914400" rtl="0" eaLnBrk="1" latinLnBrk="0" hangingPunct="1">
+                  <a:lnSpc>
+                    <a:spcPct val="90000"/>
+                  </a:lnSpc>
+                  <a:spcBef>
+                    <a:spcPts val="500"/>
+                  </a:spcBef>
+                  <a:buFont typeface="Arial" panose="020B0604020202020204" pitchFamily="34" charset="0"/>
+                  <a:buChar char="•"/>
+                  <a:defRPr sz="2000" kern="1200">
+                    <a:solidFill>
+                      <a:schemeClr val="tx1"/>
+                    </a:solidFill>
+                    <a:latin typeface="+mn-lt"/>
+                    <a:ea typeface="+mn-ea"/>
+                    <a:cs typeface="+mn-cs"/>
+                  </a:defRPr>
+                </a:lvl3pPr>
+                <a:lvl4pPr marL="1600200" indent="-228600" algn="l" defTabSz="914400" rtl="0" eaLnBrk="1" latinLnBrk="0" hangingPunct="1">
+                  <a:lnSpc>
+                    <a:spcPct val="90000"/>
+                  </a:lnSpc>
+                  <a:spcBef>
+                    <a:spcPts val="500"/>
+                  </a:spcBef>
+                  <a:buFont typeface="Arial" panose="020B0604020202020204" pitchFamily="34" charset="0"/>
+                  <a:buChar char="•"/>
+                  <a:defRPr sz="1800" kern="1200">
+                    <a:solidFill>
+                      <a:schemeClr val="tx1"/>
+                    </a:solidFill>
+                    <a:latin typeface="+mn-lt"/>
+                    <a:ea typeface="+mn-ea"/>
+                    <a:cs typeface="+mn-cs"/>
+                  </a:defRPr>
+                </a:lvl4pPr>
+                <a:lvl5pPr marL="2057400" indent="-228600" algn="l" defTabSz="914400" rtl="0" eaLnBrk="1" latinLnBrk="0" hangingPunct="1">
+                  <a:lnSpc>
+                    <a:spcPct val="90000"/>
+                  </a:lnSpc>
+                  <a:spcBef>
+                    <a:spcPts val="500"/>
+                  </a:spcBef>
+                  <a:buFont typeface="Arial" panose="020B0604020202020204" pitchFamily="34" charset="0"/>
+                  <a:buChar char="•"/>
+                  <a:defRPr sz="1800" kern="1200">
+                    <a:solidFill>
+                      <a:schemeClr val="tx1"/>
+                    </a:solidFill>
+                    <a:latin typeface="+mn-lt"/>
+                    <a:ea typeface="+mn-ea"/>
+                    <a:cs typeface="+mn-cs"/>
+                  </a:defRPr>
+                </a:lvl5pPr>
+                <a:lvl6pPr marL="2514600" indent="-228600" algn="l" defTabSz="914400" rtl="0" eaLnBrk="1" latinLnBrk="0" hangingPunct="1">
+                  <a:lnSpc>
+                    <a:spcPct val="90000"/>
+                  </a:lnSpc>
+                  <a:spcBef>
+                    <a:spcPts val="500"/>
+                  </a:spcBef>
+                  <a:buFont typeface="Arial" panose="020B0604020202020204" pitchFamily="34" charset="0"/>
+                  <a:buChar char="•"/>
+                  <a:defRPr sz="1800" kern="1200">
+                    <a:solidFill>
+                      <a:schemeClr val="tx1"/>
+                    </a:solidFill>
+                    <a:latin typeface="+mn-lt"/>
+                    <a:ea typeface="+mn-ea"/>
+                    <a:cs typeface="+mn-cs"/>
+                  </a:defRPr>
+                </a:lvl6pPr>
+                <a:lvl7pPr marL="2971800" indent="-228600" algn="l" defTabSz="914400" rtl="0" eaLnBrk="1" latinLnBrk="0" hangingPunct="1">
+                  <a:lnSpc>
+                    <a:spcPct val="90000"/>
+                  </a:lnSpc>
+                  <a:spcBef>
+                    <a:spcPts val="500"/>
+                  </a:spcBef>
+                  <a:buFont typeface="Arial" panose="020B0604020202020204" pitchFamily="34" charset="0"/>
+                  <a:buChar char="•"/>
+                  <a:defRPr sz="1800" kern="1200">
+                    <a:solidFill>
+                      <a:schemeClr val="tx1"/>
+                    </a:solidFill>
+                    <a:latin typeface="+mn-lt"/>
+                    <a:ea typeface="+mn-ea"/>
+                    <a:cs typeface="+mn-cs"/>
+                  </a:defRPr>
+                </a:lvl7pPr>
+                <a:lvl8pPr marL="3429000" indent="-228600" algn="l" defTabSz="914400" rtl="0" eaLnBrk="1" latinLnBrk="0" hangingPunct="1">
+                  <a:lnSpc>
+                    <a:spcPct val="90000"/>
+                  </a:lnSpc>
+                  <a:spcBef>
+                    <a:spcPts val="500"/>
+                  </a:spcBef>
+                  <a:buFont typeface="Arial" panose="020B0604020202020204" pitchFamily="34" charset="0"/>
+                  <a:buChar char="•"/>
+                  <a:defRPr sz="1800" kern="1200">
+                    <a:solidFill>
+                      <a:schemeClr val="tx1"/>
+                    </a:solidFill>
+                    <a:latin typeface="+mn-lt"/>
+                    <a:ea typeface="+mn-ea"/>
+                    <a:cs typeface="+mn-cs"/>
+                  </a:defRPr>
+                </a:lvl8pPr>
+                <a:lvl9pPr marL="3886200" indent="-228600" algn="l" defTabSz="914400" rtl="0" eaLnBrk="1" latinLnBrk="0" hangingPunct="1">
+                  <a:lnSpc>
+                    <a:spcPct val="90000"/>
+                  </a:lnSpc>
+                  <a:spcBef>
+                    <a:spcPts val="500"/>
+                  </a:spcBef>
+                  <a:buFont typeface="Arial" panose="020B0604020202020204" pitchFamily="34" charset="0"/>
+                  <a:buChar char="•"/>
+                  <a:defRPr sz="1800" kern="1200">
+                    <a:solidFill>
+                      <a:schemeClr val="tx1"/>
+                    </a:solidFill>
+                    <a:latin typeface="+mn-lt"/>
+                    <a:ea typeface="+mn-ea"/>
+                    <a:cs typeface="+mn-cs"/>
+                  </a:defRPr>
+                </a:lvl9pPr>
+              </a:lstStyle>
+              <a:p>
+                <a:pPr marL="0" indent="0">
+                  <a:buNone/>
+                </a:pPr>
+                <a:r>
+                  <a:rPr lang="en-US" smtClean="0"/>
+                  <a:t>3x3</a:t>
+                </a:r>
+                <a:endParaRPr lang="en-US"/>
+              </a:p>
+            </p:txBody>
+          </p:sp>
+          <p:pic>
+            <p:nvPicPr>
+              <p:cNvPr id="9" name="Picture 8"/>
+              <p:cNvPicPr>
+                <a:picLocks noChangeAspect="1"/>
+              </p:cNvPicPr>
+              <p:nvPr/>
+            </p:nvPicPr>
+            <p:blipFill>
+              <a:blip r:embed="rId3"/>
+              <a:stretch>
+                <a:fillRect/>
+              </a:stretch>
+            </p:blipFill>
+            <p:spPr>
+              <a:xfrm>
+                <a:off x="4301057" y="3459220"/>
+                <a:ext cx="447675" cy="504825"/>
+              </a:xfrm>
+              <a:prstGeom prst="rect">
+                <a:avLst/>
+              </a:prstGeom>
+            </p:spPr>
+          </p:pic>
+          <p:sp>
+            <p:nvSpPr>
+              <p:cNvPr id="10" name="Subtitle 2"/>
+              <p:cNvSpPr txBox="1">
+                <a:spLocks/>
+              </p:cNvSpPr>
+              <p:nvPr/>
+            </p:nvSpPr>
+            <p:spPr>
+              <a:xfrm>
+                <a:off x="4166758" y="4055745"/>
+                <a:ext cx="716271" cy="471198"/>
+              </a:xfrm>
+              <a:prstGeom prst="rect">
+                <a:avLst/>
+              </a:prstGeom>
+            </p:spPr>
+            <p:txBody>
+              <a:bodyPr vert="horz" lIns="91440" tIns="45720" rIns="91440" bIns="45720" rtlCol="0" anchor="t">
+                <a:normAutofit lnSpcReduction="10000"/>
+              </a:bodyPr>
+              <a:lstStyle>
+                <a:lvl1pPr marL="228600" indent="-228600" algn="l" defTabSz="914400" rtl="0" eaLnBrk="1" latinLnBrk="0" hangingPunct="1">
+                  <a:lnSpc>
+                    <a:spcPct val="90000"/>
+                  </a:lnSpc>
+                  <a:spcBef>
+                    <a:spcPts val="1000"/>
+                  </a:spcBef>
+                  <a:buFont typeface="Arial" panose="020B0604020202020204" pitchFamily="34" charset="0"/>
+                  <a:buChar char="•"/>
+                  <a:defRPr sz="2800" kern="1200">
+                    <a:solidFill>
+                      <a:schemeClr val="tx1"/>
+                    </a:solidFill>
+                    <a:latin typeface="+mn-lt"/>
+                    <a:ea typeface="+mn-ea"/>
+                    <a:cs typeface="+mn-cs"/>
+                  </a:defRPr>
+                </a:lvl1pPr>
+                <a:lvl2pPr marL="685800" indent="-228600" algn="l" defTabSz="914400" rtl="0" eaLnBrk="1" latinLnBrk="0" hangingPunct="1">
+                  <a:lnSpc>
+                    <a:spcPct val="90000"/>
+                  </a:lnSpc>
+                  <a:spcBef>
+                    <a:spcPts val="500"/>
+                  </a:spcBef>
+                  <a:buFont typeface="Arial" panose="020B0604020202020204" pitchFamily="34" charset="0"/>
+                  <a:buChar char="•"/>
+                  <a:defRPr sz="2400" kern="1200">
+                    <a:solidFill>
+                      <a:schemeClr val="tx1"/>
+                    </a:solidFill>
+                    <a:latin typeface="+mn-lt"/>
+                    <a:ea typeface="+mn-ea"/>
+                    <a:cs typeface="+mn-cs"/>
+                  </a:defRPr>
+                </a:lvl2pPr>
+                <a:lvl3pPr marL="1143000" indent="-228600" algn="l" defTabSz="914400" rtl="0" eaLnBrk="1" latinLnBrk="0" hangingPunct="1">
+                  <a:lnSpc>
+                    <a:spcPct val="90000"/>
+                  </a:lnSpc>
+                  <a:spcBef>
+                    <a:spcPts val="500"/>
+                  </a:spcBef>
+                  <a:buFont typeface="Arial" panose="020B0604020202020204" pitchFamily="34" charset="0"/>
+                  <a:buChar char="•"/>
+                  <a:defRPr sz="2000" kern="1200">
+                    <a:solidFill>
+                      <a:schemeClr val="tx1"/>
+                    </a:solidFill>
+                    <a:latin typeface="+mn-lt"/>
+                    <a:ea typeface="+mn-ea"/>
+                    <a:cs typeface="+mn-cs"/>
+                  </a:defRPr>
+                </a:lvl3pPr>
+                <a:lvl4pPr marL="1600200" indent="-228600" algn="l" defTabSz="914400" rtl="0" eaLnBrk="1" latinLnBrk="0" hangingPunct="1">
+                  <a:lnSpc>
+                    <a:spcPct val="90000"/>
+                  </a:lnSpc>
+                  <a:spcBef>
+                    <a:spcPts val="500"/>
+                  </a:spcBef>
+                  <a:buFont typeface="Arial" panose="020B0604020202020204" pitchFamily="34" charset="0"/>
+                  <a:buChar char="•"/>
+                  <a:defRPr sz="1800" kern="1200">
+                    <a:solidFill>
+                      <a:schemeClr val="tx1"/>
+                    </a:solidFill>
+                    <a:latin typeface="+mn-lt"/>
+                    <a:ea typeface="+mn-ea"/>
+                    <a:cs typeface="+mn-cs"/>
+                  </a:defRPr>
+                </a:lvl4pPr>
+                <a:lvl5pPr marL="2057400" indent="-228600" algn="l" defTabSz="914400" rtl="0" eaLnBrk="1" latinLnBrk="0" hangingPunct="1">
+                  <a:lnSpc>
+                    <a:spcPct val="90000"/>
+                  </a:lnSpc>
+                  <a:spcBef>
+                    <a:spcPts val="500"/>
+                  </a:spcBef>
+                  <a:buFont typeface="Arial" panose="020B0604020202020204" pitchFamily="34" charset="0"/>
+                  <a:buChar char="•"/>
+                  <a:defRPr sz="1800" kern="1200">
+                    <a:solidFill>
+                      <a:schemeClr val="tx1"/>
+                    </a:solidFill>
+                    <a:latin typeface="+mn-lt"/>
+                    <a:ea typeface="+mn-ea"/>
+                    <a:cs typeface="+mn-cs"/>
+                  </a:defRPr>
+                </a:lvl5pPr>
+                <a:lvl6pPr marL="2514600" indent="-228600" algn="l" defTabSz="914400" rtl="0" eaLnBrk="1" latinLnBrk="0" hangingPunct="1">
+                  <a:lnSpc>
+                    <a:spcPct val="90000"/>
+                  </a:lnSpc>
+                  <a:spcBef>
+                    <a:spcPts val="500"/>
+                  </a:spcBef>
+                  <a:buFont typeface="Arial" panose="020B0604020202020204" pitchFamily="34" charset="0"/>
+                  <a:buChar char="•"/>
+                  <a:defRPr sz="1800" kern="1200">
+                    <a:solidFill>
+                      <a:schemeClr val="tx1"/>
+                    </a:solidFill>
+                    <a:latin typeface="+mn-lt"/>
+                    <a:ea typeface="+mn-ea"/>
+                    <a:cs typeface="+mn-cs"/>
+                  </a:defRPr>
+                </a:lvl6pPr>
+                <a:lvl7pPr marL="2971800" indent="-228600" algn="l" defTabSz="914400" rtl="0" eaLnBrk="1" latinLnBrk="0" hangingPunct="1">
+                  <a:lnSpc>
+                    <a:spcPct val="90000"/>
+                  </a:lnSpc>
+                  <a:spcBef>
+                    <a:spcPts val="500"/>
+                  </a:spcBef>
+                  <a:buFont typeface="Arial" panose="020B0604020202020204" pitchFamily="34" charset="0"/>
+                  <a:buChar char="•"/>
+                  <a:defRPr sz="1800" kern="1200">
+                    <a:solidFill>
+                      <a:schemeClr val="tx1"/>
+                    </a:solidFill>
+                    <a:latin typeface="+mn-lt"/>
+                    <a:ea typeface="+mn-ea"/>
+                    <a:cs typeface="+mn-cs"/>
+                  </a:defRPr>
+                </a:lvl7pPr>
+                <a:lvl8pPr marL="3429000" indent="-228600" algn="l" defTabSz="914400" rtl="0" eaLnBrk="1" latinLnBrk="0" hangingPunct="1">
+                  <a:lnSpc>
+                    <a:spcPct val="90000"/>
+                  </a:lnSpc>
+                  <a:spcBef>
+                    <a:spcPts val="500"/>
+                  </a:spcBef>
+                  <a:buFont typeface="Arial" panose="020B0604020202020204" pitchFamily="34" charset="0"/>
+                  <a:buChar char="•"/>
+                  <a:defRPr sz="1800" kern="1200">
+                    <a:solidFill>
+                      <a:schemeClr val="tx1"/>
+                    </a:solidFill>
+                    <a:latin typeface="+mn-lt"/>
+                    <a:ea typeface="+mn-ea"/>
+                    <a:cs typeface="+mn-cs"/>
+                  </a:defRPr>
+                </a:lvl8pPr>
+                <a:lvl9pPr marL="3886200" indent="-228600" algn="l" defTabSz="914400" rtl="0" eaLnBrk="1" latinLnBrk="0" hangingPunct="1">
+                  <a:lnSpc>
+                    <a:spcPct val="90000"/>
+                  </a:lnSpc>
+                  <a:spcBef>
+                    <a:spcPts val="500"/>
+                  </a:spcBef>
+                  <a:buFont typeface="Arial" panose="020B0604020202020204" pitchFamily="34" charset="0"/>
+                  <a:buChar char="•"/>
+                  <a:defRPr sz="1800" kern="1200">
+                    <a:solidFill>
+                      <a:schemeClr val="tx1"/>
+                    </a:solidFill>
+                    <a:latin typeface="+mn-lt"/>
+                    <a:ea typeface="+mn-ea"/>
+                    <a:cs typeface="+mn-cs"/>
+                  </a:defRPr>
+                </a:lvl9pPr>
+              </a:lstStyle>
+              <a:p>
+                <a:pPr marL="0" indent="0">
+                  <a:buNone/>
+                </a:pPr>
+                <a:r>
+                  <a:rPr lang="en-US" smtClean="0"/>
+                  <a:t>1x1</a:t>
+                </a:r>
+                <a:endParaRPr lang="en-US"/>
+              </a:p>
+            </p:txBody>
+          </p:sp>
+          <p:sp>
+            <p:nvSpPr>
+              <p:cNvPr id="11" name="Subtitle 2"/>
+              <p:cNvSpPr txBox="1">
+                <a:spLocks/>
+              </p:cNvSpPr>
+              <p:nvPr/>
+            </p:nvSpPr>
+            <p:spPr>
+              <a:xfrm>
+                <a:off x="2723115" y="4618643"/>
+                <a:ext cx="1699256" cy="471198"/>
+              </a:xfrm>
+              <a:prstGeom prst="rect">
+                <a:avLst/>
+              </a:prstGeom>
+            </p:spPr>
+            <p:txBody>
+              <a:bodyPr vert="horz" lIns="91440" tIns="45720" rIns="91440" bIns="45720" rtlCol="0" anchor="t">
+                <a:normAutofit lnSpcReduction="10000"/>
+              </a:bodyPr>
+              <a:lstStyle>
+                <a:lvl1pPr marL="228600" indent="-228600" algn="l" defTabSz="914400" rtl="0" eaLnBrk="1" latinLnBrk="0" hangingPunct="1">
+                  <a:lnSpc>
+                    <a:spcPct val="90000"/>
+                  </a:lnSpc>
+                  <a:spcBef>
+                    <a:spcPts val="1000"/>
+                  </a:spcBef>
+                  <a:buFont typeface="Arial" panose="020B0604020202020204" pitchFamily="34" charset="0"/>
+                  <a:buChar char="•"/>
+                  <a:defRPr sz="2800" kern="1200">
+                    <a:solidFill>
+                      <a:schemeClr val="tx1"/>
+                    </a:solidFill>
+                    <a:latin typeface="+mn-lt"/>
+                    <a:ea typeface="+mn-ea"/>
+                    <a:cs typeface="+mn-cs"/>
+                  </a:defRPr>
+                </a:lvl1pPr>
+                <a:lvl2pPr marL="685800" indent="-228600" algn="l" defTabSz="914400" rtl="0" eaLnBrk="1" latinLnBrk="0" hangingPunct="1">
+                  <a:lnSpc>
+                    <a:spcPct val="90000"/>
+                  </a:lnSpc>
+                  <a:spcBef>
+                    <a:spcPts val="500"/>
+                  </a:spcBef>
+                  <a:buFont typeface="Arial" panose="020B0604020202020204" pitchFamily="34" charset="0"/>
+                  <a:buChar char="•"/>
+                  <a:defRPr sz="2400" kern="1200">
+                    <a:solidFill>
+                      <a:schemeClr val="tx1"/>
+                    </a:solidFill>
+                    <a:latin typeface="+mn-lt"/>
+                    <a:ea typeface="+mn-ea"/>
+                    <a:cs typeface="+mn-cs"/>
+                  </a:defRPr>
+                </a:lvl2pPr>
+                <a:lvl3pPr marL="1143000" indent="-228600" algn="l" defTabSz="914400" rtl="0" eaLnBrk="1" latinLnBrk="0" hangingPunct="1">
+                  <a:lnSpc>
+                    <a:spcPct val="90000"/>
+                  </a:lnSpc>
+                  <a:spcBef>
+                    <a:spcPts val="500"/>
+                  </a:spcBef>
+                  <a:buFont typeface="Arial" panose="020B0604020202020204" pitchFamily="34" charset="0"/>
+                  <a:buChar char="•"/>
+                  <a:defRPr sz="2000" kern="1200">
+                    <a:solidFill>
+                      <a:schemeClr val="tx1"/>
+                    </a:solidFill>
+                    <a:latin typeface="+mn-lt"/>
+                    <a:ea typeface="+mn-ea"/>
+                    <a:cs typeface="+mn-cs"/>
+                  </a:defRPr>
+                </a:lvl3pPr>
+                <a:lvl4pPr marL="1600200" indent="-228600" algn="l" defTabSz="914400" rtl="0" eaLnBrk="1" latinLnBrk="0" hangingPunct="1">
+                  <a:lnSpc>
+                    <a:spcPct val="90000"/>
+                  </a:lnSpc>
+                  <a:spcBef>
+                    <a:spcPts val="500"/>
+                  </a:spcBef>
+                  <a:buFont typeface="Arial" panose="020B0604020202020204" pitchFamily="34" charset="0"/>
+                  <a:buChar char="•"/>
+                  <a:defRPr sz="1800" kern="1200">
+                    <a:solidFill>
+                      <a:schemeClr val="tx1"/>
+                    </a:solidFill>
+                    <a:latin typeface="+mn-lt"/>
+                    <a:ea typeface="+mn-ea"/>
+                    <a:cs typeface="+mn-cs"/>
+                  </a:defRPr>
+                </a:lvl4pPr>
+                <a:lvl5pPr marL="2057400" indent="-228600" algn="l" defTabSz="914400" rtl="0" eaLnBrk="1" latinLnBrk="0" hangingPunct="1">
+                  <a:lnSpc>
+                    <a:spcPct val="90000"/>
+                  </a:lnSpc>
+                  <a:spcBef>
+                    <a:spcPts val="500"/>
+                  </a:spcBef>
+                  <a:buFont typeface="Arial" panose="020B0604020202020204" pitchFamily="34" charset="0"/>
+                  <a:buChar char="•"/>
+                  <a:defRPr sz="1800" kern="1200">
+                    <a:solidFill>
+                      <a:schemeClr val="tx1"/>
+                    </a:solidFill>
+                    <a:latin typeface="+mn-lt"/>
+                    <a:ea typeface="+mn-ea"/>
+                    <a:cs typeface="+mn-cs"/>
+                  </a:defRPr>
+                </a:lvl5pPr>
+                <a:lvl6pPr marL="2514600" indent="-228600" algn="l" defTabSz="914400" rtl="0" eaLnBrk="1" latinLnBrk="0" hangingPunct="1">
+                  <a:lnSpc>
+                    <a:spcPct val="90000"/>
+                  </a:lnSpc>
+                  <a:spcBef>
+                    <a:spcPts val="500"/>
+                  </a:spcBef>
+                  <a:buFont typeface="Arial" panose="020B0604020202020204" pitchFamily="34" charset="0"/>
+                  <a:buChar char="•"/>
+                  <a:defRPr sz="1800" kern="1200">
+                    <a:solidFill>
+                      <a:schemeClr val="tx1"/>
+                    </a:solidFill>
+                    <a:latin typeface="+mn-lt"/>
+                    <a:ea typeface="+mn-ea"/>
+                    <a:cs typeface="+mn-cs"/>
+                  </a:defRPr>
+                </a:lvl6pPr>
+                <a:lvl7pPr marL="2971800" indent="-228600" algn="l" defTabSz="914400" rtl="0" eaLnBrk="1" latinLnBrk="0" hangingPunct="1">
+                  <a:lnSpc>
+                    <a:spcPct val="90000"/>
+                  </a:lnSpc>
+                  <a:spcBef>
+                    <a:spcPts val="500"/>
+                  </a:spcBef>
+                  <a:buFont typeface="Arial" panose="020B0604020202020204" pitchFamily="34" charset="0"/>
+                  <a:buChar char="•"/>
+                  <a:defRPr sz="1800" kern="1200">
+                    <a:solidFill>
+                      <a:schemeClr val="tx1"/>
+                    </a:solidFill>
+                    <a:latin typeface="+mn-lt"/>
+                    <a:ea typeface="+mn-ea"/>
+                    <a:cs typeface="+mn-cs"/>
+                  </a:defRPr>
+                </a:lvl7pPr>
+                <a:lvl8pPr marL="3429000" indent="-228600" algn="l" defTabSz="914400" rtl="0" eaLnBrk="1" latinLnBrk="0" hangingPunct="1">
+                  <a:lnSpc>
+                    <a:spcPct val="90000"/>
+                  </a:lnSpc>
+                  <a:spcBef>
+                    <a:spcPts val="500"/>
+                  </a:spcBef>
+                  <a:buFont typeface="Arial" panose="020B0604020202020204" pitchFamily="34" charset="0"/>
+                  <a:buChar char="•"/>
+                  <a:defRPr sz="1800" kern="1200">
+                    <a:solidFill>
+                      <a:schemeClr val="tx1"/>
+                    </a:solidFill>
+                    <a:latin typeface="+mn-lt"/>
+                    <a:ea typeface="+mn-ea"/>
+                    <a:cs typeface="+mn-cs"/>
+                  </a:defRPr>
+                </a:lvl8pPr>
+                <a:lvl9pPr marL="3886200" indent="-228600" algn="l" defTabSz="914400" rtl="0" eaLnBrk="1" latinLnBrk="0" hangingPunct="1">
+                  <a:lnSpc>
+                    <a:spcPct val="90000"/>
+                  </a:lnSpc>
+                  <a:spcBef>
+                    <a:spcPts val="500"/>
+                  </a:spcBef>
+                  <a:buFont typeface="Arial" panose="020B0604020202020204" pitchFamily="34" charset="0"/>
+                  <a:buChar char="•"/>
+                  <a:defRPr sz="1800" kern="1200">
+                    <a:solidFill>
+                      <a:schemeClr val="tx1"/>
+                    </a:solidFill>
+                    <a:latin typeface="+mn-lt"/>
+                    <a:ea typeface="+mn-ea"/>
+                    <a:cs typeface="+mn-cs"/>
+                  </a:defRPr>
+                </a:lvl9pPr>
+              </a:lstStyle>
+              <a:p>
+                <a:pPr marL="0" indent="0">
+                  <a:buNone/>
+                </a:pPr>
+                <a:r>
+                  <a:rPr lang="en-US" smtClean="0"/>
+                  <a:t>CNN Layer</a:t>
+                </a:r>
+                <a:endParaRPr lang="en-US"/>
+              </a:p>
+            </p:txBody>
+          </p:sp>
+        </p:grpSp>
+        <p:pic>
+          <p:nvPicPr>
+            <p:cNvPr id="13" name="Picture 12"/>
+            <p:cNvPicPr>
+              <a:picLocks noChangeAspect="1"/>
+            </p:cNvPicPr>
+            <p:nvPr/>
+          </p:nvPicPr>
+          <p:blipFill>
+            <a:blip r:embed="rId4"/>
+            <a:stretch>
+              <a:fillRect/>
+            </a:stretch>
+          </p:blipFill>
+          <p:spPr>
+            <a:xfrm>
+              <a:off x="7558086" y="2903841"/>
+              <a:ext cx="1083091" cy="1076830"/>
+            </a:xfrm>
+            <a:prstGeom prst="rect">
+              <a:avLst/>
+            </a:prstGeom>
+          </p:spPr>
+        </p:pic>
+        <p:sp>
+          <p:nvSpPr>
+            <p:cNvPr id="14" name="Subtitle 2"/>
+            <p:cNvSpPr txBox="1">
+              <a:spLocks/>
+            </p:cNvSpPr>
+            <p:nvPr/>
+          </p:nvSpPr>
+          <p:spPr>
+            <a:xfrm>
+              <a:off x="6674651" y="4635269"/>
+              <a:ext cx="2849962" cy="471198"/>
+            </a:xfrm>
+            <a:prstGeom prst="rect">
+              <a:avLst/>
+            </a:prstGeom>
+          </p:spPr>
+          <p:txBody>
+            <a:bodyPr vert="horz" lIns="91440" tIns="45720" rIns="91440" bIns="45720" rtlCol="0" anchor="t">
+              <a:normAutofit lnSpcReduction="10000"/>
+            </a:bodyPr>
+            <a:lstStyle>
+              <a:lvl1pPr marL="228600" indent="-228600" algn="l" defTabSz="914400" rtl="0" eaLnBrk="1" latinLnBrk="0" hangingPunct="1">
+                <a:lnSpc>
+                  <a:spcPct val="90000"/>
+                </a:lnSpc>
+                <a:spcBef>
+                  <a:spcPts val="1000"/>
+                </a:spcBef>
+                <a:buFont typeface="Arial" panose="020B0604020202020204" pitchFamily="34" charset="0"/>
+                <a:buChar char="•"/>
+                <a:defRPr sz="2800" kern="1200">
+                  <a:solidFill>
+                    <a:schemeClr val="tx1"/>
+                  </a:solidFill>
+                  <a:latin typeface="+mn-lt"/>
+                  <a:ea typeface="+mn-ea"/>
+                  <a:cs typeface="+mn-cs"/>
+                </a:defRPr>
+              </a:lvl1pPr>
+              <a:lvl2pPr marL="685800" indent="-228600" algn="l" defTabSz="914400" rtl="0" eaLnBrk="1" latinLnBrk="0" hangingPunct="1">
+                <a:lnSpc>
+                  <a:spcPct val="90000"/>
+                </a:lnSpc>
+                <a:spcBef>
+                  <a:spcPts val="500"/>
+                </a:spcBef>
+                <a:buFont typeface="Arial" panose="020B0604020202020204" pitchFamily="34" charset="0"/>
+                <a:buChar char="•"/>
+                <a:defRPr sz="2400" kern="1200">
+                  <a:solidFill>
+                    <a:schemeClr val="tx1"/>
+                  </a:solidFill>
+                  <a:latin typeface="+mn-lt"/>
+                  <a:ea typeface="+mn-ea"/>
+                  <a:cs typeface="+mn-cs"/>
+                </a:defRPr>
+              </a:lvl2pPr>
+              <a:lvl3pPr marL="1143000" indent="-228600" algn="l" defTabSz="914400" rtl="0" eaLnBrk="1" latinLnBrk="0" hangingPunct="1">
+                <a:lnSpc>
+                  <a:spcPct val="90000"/>
+                </a:lnSpc>
+                <a:spcBef>
+                  <a:spcPts val="500"/>
+                </a:spcBef>
+                <a:buFont typeface="Arial" panose="020B0604020202020204" pitchFamily="34" charset="0"/>
+                <a:buChar char="•"/>
+                <a:defRPr sz="2000" kern="1200">
+                  <a:solidFill>
+                    <a:schemeClr val="tx1"/>
+                  </a:solidFill>
+                  <a:latin typeface="+mn-lt"/>
+                  <a:ea typeface="+mn-ea"/>
+                  <a:cs typeface="+mn-cs"/>
+                </a:defRPr>
+              </a:lvl3pPr>
+              <a:lvl4pPr marL="1600200" indent="-228600" algn="l" defTabSz="914400" rtl="0" eaLnBrk="1" latinLnBrk="0" hangingPunct="1">
+                <a:lnSpc>
+                  <a:spcPct val="90000"/>
+                </a:lnSpc>
+                <a:spcBef>
+                  <a:spcPts val="500"/>
+                </a:spcBef>
+                <a:buFont typeface="Arial" panose="020B0604020202020204" pitchFamily="34" charset="0"/>
+                <a:buChar char="•"/>
+                <a:defRPr sz="1800" kern="1200">
+                  <a:solidFill>
+                    <a:schemeClr val="tx1"/>
+                  </a:solidFill>
+                  <a:latin typeface="+mn-lt"/>
+                  <a:ea typeface="+mn-ea"/>
+                  <a:cs typeface="+mn-cs"/>
+                </a:defRPr>
+              </a:lvl4pPr>
+              <a:lvl5pPr marL="2057400" indent="-228600" algn="l" defTabSz="914400" rtl="0" eaLnBrk="1" latinLnBrk="0" hangingPunct="1">
+                <a:lnSpc>
+                  <a:spcPct val="90000"/>
+                </a:lnSpc>
+                <a:spcBef>
+                  <a:spcPts val="500"/>
+                </a:spcBef>
+                <a:buFont typeface="Arial" panose="020B0604020202020204" pitchFamily="34" charset="0"/>
+                <a:buChar char="•"/>
+                <a:defRPr sz="1800" kern="1200">
+                  <a:solidFill>
+                    <a:schemeClr val="tx1"/>
+                  </a:solidFill>
+                  <a:latin typeface="+mn-lt"/>
+                  <a:ea typeface="+mn-ea"/>
+                  <a:cs typeface="+mn-cs"/>
+                </a:defRPr>
+              </a:lvl5pPr>
+              <a:lvl6pPr marL="2514600" indent="-228600" algn="l" defTabSz="914400" rtl="0" eaLnBrk="1" latinLnBrk="0" hangingPunct="1">
+                <a:lnSpc>
+                  <a:spcPct val="90000"/>
+                </a:lnSpc>
+                <a:spcBef>
+                  <a:spcPts val="500"/>
+                </a:spcBef>
+                <a:buFont typeface="Arial" panose="020B0604020202020204" pitchFamily="34" charset="0"/>
+                <a:buChar char="•"/>
+                <a:defRPr sz="1800" kern="1200">
+                  <a:solidFill>
+                    <a:schemeClr val="tx1"/>
+                  </a:solidFill>
+                  <a:latin typeface="+mn-lt"/>
+                  <a:ea typeface="+mn-ea"/>
+                  <a:cs typeface="+mn-cs"/>
+                </a:defRPr>
+              </a:lvl6pPr>
+              <a:lvl7pPr marL="2971800" indent="-228600" algn="l" defTabSz="914400" rtl="0" eaLnBrk="1" latinLnBrk="0" hangingPunct="1">
+                <a:lnSpc>
+                  <a:spcPct val="90000"/>
+                </a:lnSpc>
+                <a:spcBef>
+                  <a:spcPts val="500"/>
+                </a:spcBef>
+                <a:buFont typeface="Arial" panose="020B0604020202020204" pitchFamily="34" charset="0"/>
+                <a:buChar char="•"/>
+                <a:defRPr sz="1800" kern="1200">
+                  <a:solidFill>
+                    <a:schemeClr val="tx1"/>
+                  </a:solidFill>
+                  <a:latin typeface="+mn-lt"/>
+                  <a:ea typeface="+mn-ea"/>
+                  <a:cs typeface="+mn-cs"/>
+                </a:defRPr>
+              </a:lvl7pPr>
+              <a:lvl8pPr marL="3429000" indent="-228600" algn="l" defTabSz="914400" rtl="0" eaLnBrk="1" latinLnBrk="0" hangingPunct="1">
+                <a:lnSpc>
+                  <a:spcPct val="90000"/>
+                </a:lnSpc>
+                <a:spcBef>
+                  <a:spcPts val="500"/>
+                </a:spcBef>
+                <a:buFont typeface="Arial" panose="020B0604020202020204" pitchFamily="34" charset="0"/>
+                <a:buChar char="•"/>
+                <a:defRPr sz="1800" kern="1200">
+                  <a:solidFill>
+                    <a:schemeClr val="tx1"/>
+                  </a:solidFill>
+                  <a:latin typeface="+mn-lt"/>
+                  <a:ea typeface="+mn-ea"/>
+                  <a:cs typeface="+mn-cs"/>
+                </a:defRPr>
+              </a:lvl8pPr>
+              <a:lvl9pPr marL="3886200" indent="-228600" algn="l" defTabSz="914400" rtl="0" eaLnBrk="1" latinLnBrk="0" hangingPunct="1">
+                <a:lnSpc>
+                  <a:spcPct val="90000"/>
+                </a:lnSpc>
+                <a:spcBef>
+                  <a:spcPts val="500"/>
+                </a:spcBef>
+                <a:buFont typeface="Arial" panose="020B0604020202020204" pitchFamily="34" charset="0"/>
+                <a:buChar char="•"/>
+                <a:defRPr sz="1800" kern="1200">
+                  <a:solidFill>
+                    <a:schemeClr val="tx1"/>
+                  </a:solidFill>
+                  <a:latin typeface="+mn-lt"/>
+                  <a:ea typeface="+mn-ea"/>
+                  <a:cs typeface="+mn-cs"/>
+                </a:defRPr>
+              </a:lvl9pPr>
+            </a:lstStyle>
+            <a:p>
+              <a:pPr marL="0" indent="0">
+                <a:buNone/>
+              </a:pPr>
+              <a:r>
+                <a:rPr lang="en-US" smtClean="0"/>
+                <a:t>Max-pooling Layer</a:t>
+              </a:r>
+              <a:endParaRPr lang="en-US"/>
+            </a:p>
+          </p:txBody>
+        </p:sp>
+        <p:sp>
+          <p:nvSpPr>
+            <p:cNvPr id="15" name="Subtitle 2"/>
+            <p:cNvSpPr txBox="1">
+              <a:spLocks/>
+            </p:cNvSpPr>
+            <p:nvPr/>
+          </p:nvSpPr>
+          <p:spPr>
+            <a:xfrm>
+              <a:off x="7741495" y="4072371"/>
+              <a:ext cx="716271" cy="471198"/>
+            </a:xfrm>
+            <a:prstGeom prst="rect">
+              <a:avLst/>
+            </a:prstGeom>
+          </p:spPr>
+          <p:txBody>
+            <a:bodyPr vert="horz" lIns="91440" tIns="45720" rIns="91440" bIns="45720" rtlCol="0" anchor="t">
+              <a:normAutofit lnSpcReduction="10000"/>
+            </a:bodyPr>
+            <a:lstStyle>
+              <a:lvl1pPr marL="228600" indent="-228600" algn="l" defTabSz="914400" rtl="0" eaLnBrk="1" latinLnBrk="0" hangingPunct="1">
+                <a:lnSpc>
+                  <a:spcPct val="90000"/>
+                </a:lnSpc>
+                <a:spcBef>
+                  <a:spcPts val="1000"/>
+                </a:spcBef>
+                <a:buFont typeface="Arial" panose="020B0604020202020204" pitchFamily="34" charset="0"/>
+                <a:buChar char="•"/>
+                <a:defRPr sz="2800" kern="1200">
+                  <a:solidFill>
+                    <a:schemeClr val="tx1"/>
+                  </a:solidFill>
+                  <a:latin typeface="+mn-lt"/>
+                  <a:ea typeface="+mn-ea"/>
+                  <a:cs typeface="+mn-cs"/>
+                </a:defRPr>
+              </a:lvl1pPr>
+              <a:lvl2pPr marL="685800" indent="-228600" algn="l" defTabSz="914400" rtl="0" eaLnBrk="1" latinLnBrk="0" hangingPunct="1">
+                <a:lnSpc>
+                  <a:spcPct val="90000"/>
+                </a:lnSpc>
+                <a:spcBef>
+                  <a:spcPts val="500"/>
+                </a:spcBef>
+                <a:buFont typeface="Arial" panose="020B0604020202020204" pitchFamily="34" charset="0"/>
+                <a:buChar char="•"/>
+                <a:defRPr sz="2400" kern="1200">
+                  <a:solidFill>
+                    <a:schemeClr val="tx1"/>
+                  </a:solidFill>
+                  <a:latin typeface="+mn-lt"/>
+                  <a:ea typeface="+mn-ea"/>
+                  <a:cs typeface="+mn-cs"/>
+                </a:defRPr>
+              </a:lvl2pPr>
+              <a:lvl3pPr marL="1143000" indent="-228600" algn="l" defTabSz="914400" rtl="0" eaLnBrk="1" latinLnBrk="0" hangingPunct="1">
+                <a:lnSpc>
+                  <a:spcPct val="90000"/>
+                </a:lnSpc>
+                <a:spcBef>
+                  <a:spcPts val="500"/>
+                </a:spcBef>
+                <a:buFont typeface="Arial" panose="020B0604020202020204" pitchFamily="34" charset="0"/>
+                <a:buChar char="•"/>
+                <a:defRPr sz="2000" kern="1200">
+                  <a:solidFill>
+                    <a:schemeClr val="tx1"/>
+                  </a:solidFill>
+                  <a:latin typeface="+mn-lt"/>
+                  <a:ea typeface="+mn-ea"/>
+                  <a:cs typeface="+mn-cs"/>
+                </a:defRPr>
+              </a:lvl3pPr>
+              <a:lvl4pPr marL="1600200" indent="-228600" algn="l" defTabSz="914400" rtl="0" eaLnBrk="1" latinLnBrk="0" hangingPunct="1">
+                <a:lnSpc>
+                  <a:spcPct val="90000"/>
+                </a:lnSpc>
+                <a:spcBef>
+                  <a:spcPts val="500"/>
+                </a:spcBef>
+                <a:buFont typeface="Arial" panose="020B0604020202020204" pitchFamily="34" charset="0"/>
+                <a:buChar char="•"/>
+                <a:defRPr sz="1800" kern="1200">
+                  <a:solidFill>
+                    <a:schemeClr val="tx1"/>
+                  </a:solidFill>
+                  <a:latin typeface="+mn-lt"/>
+                  <a:ea typeface="+mn-ea"/>
+                  <a:cs typeface="+mn-cs"/>
+                </a:defRPr>
+              </a:lvl4pPr>
+              <a:lvl5pPr marL="2057400" indent="-228600" algn="l" defTabSz="914400" rtl="0" eaLnBrk="1" latinLnBrk="0" hangingPunct="1">
+                <a:lnSpc>
+                  <a:spcPct val="90000"/>
+                </a:lnSpc>
+                <a:spcBef>
+                  <a:spcPts val="500"/>
+                </a:spcBef>
+                <a:buFont typeface="Arial" panose="020B0604020202020204" pitchFamily="34" charset="0"/>
+                <a:buChar char="•"/>
+                <a:defRPr sz="1800" kern="1200">
+                  <a:solidFill>
+                    <a:schemeClr val="tx1"/>
+                  </a:solidFill>
+                  <a:latin typeface="+mn-lt"/>
+                  <a:ea typeface="+mn-ea"/>
+                  <a:cs typeface="+mn-cs"/>
+                </a:defRPr>
+              </a:lvl5pPr>
+              <a:lvl6pPr marL="2514600" indent="-228600" algn="l" defTabSz="914400" rtl="0" eaLnBrk="1" latinLnBrk="0" hangingPunct="1">
+                <a:lnSpc>
+                  <a:spcPct val="90000"/>
+                </a:lnSpc>
+                <a:spcBef>
+                  <a:spcPts val="500"/>
+                </a:spcBef>
+                <a:buFont typeface="Arial" panose="020B0604020202020204" pitchFamily="34" charset="0"/>
+                <a:buChar char="•"/>
+                <a:defRPr sz="1800" kern="1200">
+                  <a:solidFill>
+                    <a:schemeClr val="tx1"/>
+                  </a:solidFill>
+                  <a:latin typeface="+mn-lt"/>
+                  <a:ea typeface="+mn-ea"/>
+                  <a:cs typeface="+mn-cs"/>
+                </a:defRPr>
+              </a:lvl6pPr>
+              <a:lvl7pPr marL="2971800" indent="-228600" algn="l" defTabSz="914400" rtl="0" eaLnBrk="1" latinLnBrk="0" hangingPunct="1">
+                <a:lnSpc>
+                  <a:spcPct val="90000"/>
+                </a:lnSpc>
+                <a:spcBef>
+                  <a:spcPts val="500"/>
+                </a:spcBef>
+                <a:buFont typeface="Arial" panose="020B0604020202020204" pitchFamily="34" charset="0"/>
+                <a:buChar char="•"/>
+                <a:defRPr sz="1800" kern="1200">
+                  <a:solidFill>
+                    <a:schemeClr val="tx1"/>
+                  </a:solidFill>
+                  <a:latin typeface="+mn-lt"/>
+                  <a:ea typeface="+mn-ea"/>
+                  <a:cs typeface="+mn-cs"/>
+                </a:defRPr>
+              </a:lvl7pPr>
+              <a:lvl8pPr marL="3429000" indent="-228600" algn="l" defTabSz="914400" rtl="0" eaLnBrk="1" latinLnBrk="0" hangingPunct="1">
+                <a:lnSpc>
+                  <a:spcPct val="90000"/>
+                </a:lnSpc>
+                <a:spcBef>
+                  <a:spcPts val="500"/>
+                </a:spcBef>
+                <a:buFont typeface="Arial" panose="020B0604020202020204" pitchFamily="34" charset="0"/>
+                <a:buChar char="•"/>
+                <a:defRPr sz="1800" kern="1200">
+                  <a:solidFill>
+                    <a:schemeClr val="tx1"/>
+                  </a:solidFill>
+                  <a:latin typeface="+mn-lt"/>
+                  <a:ea typeface="+mn-ea"/>
+                  <a:cs typeface="+mn-cs"/>
+                </a:defRPr>
+              </a:lvl8pPr>
+              <a:lvl9pPr marL="3886200" indent="-228600" algn="l" defTabSz="914400" rtl="0" eaLnBrk="1" latinLnBrk="0" hangingPunct="1">
+                <a:lnSpc>
+                  <a:spcPct val="90000"/>
+                </a:lnSpc>
+                <a:spcBef>
+                  <a:spcPts val="500"/>
+                </a:spcBef>
+                <a:buFont typeface="Arial" panose="020B0604020202020204" pitchFamily="34" charset="0"/>
+                <a:buChar char="•"/>
+                <a:defRPr sz="1800" kern="1200">
+                  <a:solidFill>
+                    <a:schemeClr val="tx1"/>
+                  </a:solidFill>
+                  <a:latin typeface="+mn-lt"/>
+                  <a:ea typeface="+mn-ea"/>
+                  <a:cs typeface="+mn-cs"/>
+                </a:defRPr>
+              </a:lvl9pPr>
+            </a:lstStyle>
+            <a:p>
+              <a:pPr marL="0" indent="0">
+                <a:buNone/>
+              </a:pPr>
+              <a:r>
+                <a:rPr lang="en-US" smtClean="0"/>
+                <a:t>2x2</a:t>
+              </a:r>
+              <a:endParaRPr lang="en-US"/>
+            </a:p>
+          </p:txBody>
+        </p:sp>
+      </p:grpSp>
+    </p:spTree>
+    <p:extLst>
+      <p:ext uri="{BB962C8B-B14F-4D97-AF65-F5344CB8AC3E}">
+        <p14:creationId xmlns:p14="http://schemas.microsoft.com/office/powerpoint/2010/main" val="1614453559"/>
+      </p:ext>
+    </p:extLst>
+  </p:cSld>
+  <p:clrMapOvr>
+    <a:masterClrMapping/>
+  </p:clrMapOvr>
+</p:sld>
+</file>
+
+<file path=ppt/slides/slide7.xml><?xml version="1.0" encoding="utf-8"?>
+<p:sld xmlns:a="http://schemas.openxmlformats.org/drawingml/2006/main" xmlns:r="http://schemas.openxmlformats.org/officeDocument/2006/relationships" xmlns:p="http://schemas.openxmlformats.org/presentationml/2006/main">
+  <p:cSld>
+    <p:spTree>
+      <p:nvGrpSpPr>
+        <p:cNvPr id="1" name=""/>
+        <p:cNvGrpSpPr/>
+        <p:nvPr/>
+      </p:nvGrpSpPr>
+      <p:grpSpPr>
+        <a:xfrm>
+          <a:off x="0" y="0"/>
+          <a:ext cx="0" cy="0"/>
+          <a:chOff x="0" y="0"/>
+          <a:chExt cx="0" cy="0"/>
+        </a:xfrm>
+      </p:grpSpPr>
+      <p:sp>
+        <p:nvSpPr>
+          <p:cNvPr id="2" name="Title 1"/>
+          <p:cNvSpPr>
+            <a:spLocks noGrp="1"/>
+          </p:cNvSpPr>
+          <p:nvPr>
+            <p:ph type="title"/>
+          </p:nvPr>
+        </p:nvSpPr>
+        <p:spPr/>
+        <p:txBody>
+          <a:bodyPr/>
+          <a:lstStyle/>
+          <a:p>
+            <a:r>
+              <a:rPr lang="en-US" smtClean="0"/>
+              <a:t>VGG CNN window stride</a:t>
+            </a:r>
+            <a:endParaRPr lang="en-US"/>
+          </a:p>
+        </p:txBody>
+      </p:sp>
+      <p:grpSp>
+        <p:nvGrpSpPr>
+          <p:cNvPr id="7" name="Group 6"/>
+          <p:cNvGrpSpPr/>
+          <p:nvPr/>
+        </p:nvGrpSpPr>
+        <p:grpSpPr>
+          <a:xfrm>
+            <a:off x="2886811" y="2354608"/>
+            <a:ext cx="6418378" cy="3192174"/>
+            <a:chOff x="2886811" y="1814280"/>
+            <a:chExt cx="6418378" cy="3192174"/>
+          </a:xfrm>
+        </p:grpSpPr>
+        <p:pic>
+          <p:nvPicPr>
+            <p:cNvPr id="5" name="Picture 4"/>
+            <p:cNvPicPr>
+              <a:picLocks noChangeAspect="1"/>
+            </p:cNvPicPr>
+            <p:nvPr/>
+          </p:nvPicPr>
+          <p:blipFill>
+            <a:blip r:embed="rId2"/>
+            <a:stretch>
+              <a:fillRect/>
+            </a:stretch>
+          </p:blipFill>
+          <p:spPr>
+            <a:xfrm>
+              <a:off x="2886811" y="1814280"/>
+              <a:ext cx="6418378" cy="2720976"/>
+            </a:xfrm>
+            <a:prstGeom prst="rect">
+              <a:avLst/>
+            </a:prstGeom>
+          </p:spPr>
+        </p:pic>
+        <p:sp>
+          <p:nvSpPr>
+            <p:cNvPr id="6" name="Subtitle 2"/>
+            <p:cNvSpPr txBox="1">
+              <a:spLocks/>
+            </p:cNvSpPr>
+            <p:nvPr/>
+          </p:nvSpPr>
+          <p:spPr>
+            <a:xfrm>
+              <a:off x="4674746" y="4535256"/>
+              <a:ext cx="2842508" cy="471198"/>
+            </a:xfrm>
+            <a:prstGeom prst="rect">
+              <a:avLst/>
+            </a:prstGeom>
+          </p:spPr>
+          <p:txBody>
+            <a:bodyPr vert="horz" lIns="91440" tIns="45720" rIns="91440" bIns="45720" rtlCol="0" anchor="t">
+              <a:normAutofit lnSpcReduction="10000"/>
+            </a:bodyPr>
+            <a:lstStyle>
+              <a:lvl1pPr marL="228600" indent="-228600" algn="l" defTabSz="914400" rtl="0" eaLnBrk="1" latinLnBrk="0" hangingPunct="1">
+                <a:lnSpc>
+                  <a:spcPct val="90000"/>
+                </a:lnSpc>
+                <a:spcBef>
+                  <a:spcPts val="1000"/>
+                </a:spcBef>
+                <a:buFont typeface="Arial" panose="020B0604020202020204" pitchFamily="34" charset="0"/>
+                <a:buChar char="•"/>
+                <a:defRPr sz="2800" kern="1200">
+                  <a:solidFill>
+                    <a:schemeClr val="tx1"/>
+                  </a:solidFill>
+                  <a:latin typeface="+mn-lt"/>
+                  <a:ea typeface="+mn-ea"/>
+                  <a:cs typeface="+mn-cs"/>
+                </a:defRPr>
+              </a:lvl1pPr>
+              <a:lvl2pPr marL="685800" indent="-228600" algn="l" defTabSz="914400" rtl="0" eaLnBrk="1" latinLnBrk="0" hangingPunct="1">
+                <a:lnSpc>
+                  <a:spcPct val="90000"/>
+                </a:lnSpc>
+                <a:spcBef>
+                  <a:spcPts val="500"/>
+                </a:spcBef>
+                <a:buFont typeface="Arial" panose="020B0604020202020204" pitchFamily="34" charset="0"/>
+                <a:buChar char="•"/>
+                <a:defRPr sz="2400" kern="1200">
+                  <a:solidFill>
+                    <a:schemeClr val="tx1"/>
+                  </a:solidFill>
+                  <a:latin typeface="+mn-lt"/>
+                  <a:ea typeface="+mn-ea"/>
+                  <a:cs typeface="+mn-cs"/>
+                </a:defRPr>
+              </a:lvl2pPr>
+              <a:lvl3pPr marL="1143000" indent="-228600" algn="l" defTabSz="914400" rtl="0" eaLnBrk="1" latinLnBrk="0" hangingPunct="1">
+                <a:lnSpc>
+                  <a:spcPct val="90000"/>
+                </a:lnSpc>
+                <a:spcBef>
+                  <a:spcPts val="500"/>
+                </a:spcBef>
+                <a:buFont typeface="Arial" panose="020B0604020202020204" pitchFamily="34" charset="0"/>
+                <a:buChar char="•"/>
+                <a:defRPr sz="2000" kern="1200">
+                  <a:solidFill>
+                    <a:schemeClr val="tx1"/>
+                  </a:solidFill>
+                  <a:latin typeface="+mn-lt"/>
+                  <a:ea typeface="+mn-ea"/>
+                  <a:cs typeface="+mn-cs"/>
+                </a:defRPr>
+              </a:lvl3pPr>
+              <a:lvl4pPr marL="1600200" indent="-228600" algn="l" defTabSz="914400" rtl="0" eaLnBrk="1" latinLnBrk="0" hangingPunct="1">
+                <a:lnSpc>
+                  <a:spcPct val="90000"/>
+                </a:lnSpc>
+                <a:spcBef>
+                  <a:spcPts val="500"/>
+                </a:spcBef>
+                <a:buFont typeface="Arial" panose="020B0604020202020204" pitchFamily="34" charset="0"/>
+                <a:buChar char="•"/>
+                <a:defRPr sz="1800" kern="1200">
+                  <a:solidFill>
+                    <a:schemeClr val="tx1"/>
+                  </a:solidFill>
+                  <a:latin typeface="+mn-lt"/>
+                  <a:ea typeface="+mn-ea"/>
+                  <a:cs typeface="+mn-cs"/>
+                </a:defRPr>
+              </a:lvl4pPr>
+              <a:lvl5pPr marL="2057400" indent="-228600" algn="l" defTabSz="914400" rtl="0" eaLnBrk="1" latinLnBrk="0" hangingPunct="1">
+                <a:lnSpc>
+                  <a:spcPct val="90000"/>
+                </a:lnSpc>
+                <a:spcBef>
+                  <a:spcPts val="500"/>
+                </a:spcBef>
+                <a:buFont typeface="Arial" panose="020B0604020202020204" pitchFamily="34" charset="0"/>
+                <a:buChar char="•"/>
+                <a:defRPr sz="1800" kern="1200">
+                  <a:solidFill>
+                    <a:schemeClr val="tx1"/>
+                  </a:solidFill>
+                  <a:latin typeface="+mn-lt"/>
+                  <a:ea typeface="+mn-ea"/>
+                  <a:cs typeface="+mn-cs"/>
+                </a:defRPr>
+              </a:lvl5pPr>
+              <a:lvl6pPr marL="2514600" indent="-228600" algn="l" defTabSz="914400" rtl="0" eaLnBrk="1" latinLnBrk="0" hangingPunct="1">
+                <a:lnSpc>
+                  <a:spcPct val="90000"/>
+                </a:lnSpc>
+                <a:spcBef>
+                  <a:spcPts val="500"/>
+                </a:spcBef>
+                <a:buFont typeface="Arial" panose="020B0604020202020204" pitchFamily="34" charset="0"/>
+                <a:buChar char="•"/>
+                <a:defRPr sz="1800" kern="1200">
+                  <a:solidFill>
+                    <a:schemeClr val="tx1"/>
+                  </a:solidFill>
+                  <a:latin typeface="+mn-lt"/>
+                  <a:ea typeface="+mn-ea"/>
+                  <a:cs typeface="+mn-cs"/>
+                </a:defRPr>
+              </a:lvl6pPr>
+              <a:lvl7pPr marL="2971800" indent="-228600" algn="l" defTabSz="914400" rtl="0" eaLnBrk="1" latinLnBrk="0" hangingPunct="1">
+                <a:lnSpc>
+                  <a:spcPct val="90000"/>
+                </a:lnSpc>
+                <a:spcBef>
+                  <a:spcPts val="500"/>
+                </a:spcBef>
+                <a:buFont typeface="Arial" panose="020B0604020202020204" pitchFamily="34" charset="0"/>
+                <a:buChar char="•"/>
+                <a:defRPr sz="1800" kern="1200">
+                  <a:solidFill>
+                    <a:schemeClr val="tx1"/>
+                  </a:solidFill>
+                  <a:latin typeface="+mn-lt"/>
+                  <a:ea typeface="+mn-ea"/>
+                  <a:cs typeface="+mn-cs"/>
+                </a:defRPr>
+              </a:lvl7pPr>
+              <a:lvl8pPr marL="3429000" indent="-228600" algn="l" defTabSz="914400" rtl="0" eaLnBrk="1" latinLnBrk="0" hangingPunct="1">
+                <a:lnSpc>
+                  <a:spcPct val="90000"/>
+                </a:lnSpc>
+                <a:spcBef>
+                  <a:spcPts val="500"/>
+                </a:spcBef>
+                <a:buFont typeface="Arial" panose="020B0604020202020204" pitchFamily="34" charset="0"/>
+                <a:buChar char="•"/>
+                <a:defRPr sz="1800" kern="1200">
+                  <a:solidFill>
+                    <a:schemeClr val="tx1"/>
+                  </a:solidFill>
+                  <a:latin typeface="+mn-lt"/>
+                  <a:ea typeface="+mn-ea"/>
+                  <a:cs typeface="+mn-cs"/>
+                </a:defRPr>
+              </a:lvl8pPr>
+              <a:lvl9pPr marL="3886200" indent="-228600" algn="l" defTabSz="914400" rtl="0" eaLnBrk="1" latinLnBrk="0" hangingPunct="1">
+                <a:lnSpc>
+                  <a:spcPct val="90000"/>
+                </a:lnSpc>
+                <a:spcBef>
+                  <a:spcPts val="500"/>
+                </a:spcBef>
+                <a:buFont typeface="Arial" panose="020B0604020202020204" pitchFamily="34" charset="0"/>
+                <a:buChar char="•"/>
+                <a:defRPr sz="1800" kern="1200">
+                  <a:solidFill>
+                    <a:schemeClr val="tx1"/>
+                  </a:solidFill>
+                  <a:latin typeface="+mn-lt"/>
+                  <a:ea typeface="+mn-ea"/>
+                  <a:cs typeface="+mn-cs"/>
+                </a:defRPr>
+              </a:lvl9pPr>
+            </a:lstStyle>
+            <a:p>
+              <a:pPr marL="0" indent="0">
+                <a:buNone/>
+              </a:pPr>
+              <a:r>
+                <a:rPr lang="en-US" smtClean="0"/>
+                <a:t>Window stride = 1</a:t>
+              </a:r>
+              <a:endParaRPr lang="en-US"/>
+            </a:p>
+          </p:txBody>
+        </p:sp>
+      </p:grpSp>
+    </p:spTree>
+    <p:extLst>
+      <p:ext uri="{BB962C8B-B14F-4D97-AF65-F5344CB8AC3E}">
+        <p14:creationId xmlns:p14="http://schemas.microsoft.com/office/powerpoint/2010/main" val="1331833036"/>
+      </p:ext>
+    </p:extLst>
+  </p:cSld>
+  <p:clrMapOvr>
+    <a:masterClrMapping/>
+  </p:clrMapOvr>
+</p:sld>
+</file>
+
+<file path=ppt/slides/slide8.xml><?xml version="1.0" encoding="utf-8"?>
+<p:sld xmlns:a="http://schemas.openxmlformats.org/drawingml/2006/main" xmlns:r="http://schemas.openxmlformats.org/officeDocument/2006/relationships" xmlns:p="http://schemas.openxmlformats.org/presentationml/2006/main">
+  <p:cSld>
+    <p:spTree>
+      <p:nvGrpSpPr>
+        <p:cNvPr id="1" name=""/>
+        <p:cNvGrpSpPr/>
+        <p:nvPr/>
+      </p:nvGrpSpPr>
+      <p:grpSpPr>
+        <a:xfrm>
+          <a:off x="0" y="0"/>
+          <a:ext cx="0" cy="0"/>
+          <a:chOff x="0" y="0"/>
+          <a:chExt cx="0" cy="0"/>
+        </a:xfrm>
+      </p:grpSpPr>
+      <p:sp>
+        <p:nvSpPr>
+          <p:cNvPr id="2" name="Title 1"/>
+          <p:cNvSpPr>
+            <a:spLocks noGrp="1"/>
+          </p:cNvSpPr>
+          <p:nvPr>
+            <p:ph type="title"/>
+          </p:nvPr>
+        </p:nvSpPr>
+        <p:spPr/>
+        <p:txBody>
+          <a:bodyPr/>
+          <a:lstStyle/>
+          <a:p>
+            <a:r>
+              <a:rPr lang="en-US" smtClean="0"/>
+              <a:t>VGG Max-pooling window stride</a:t>
+            </a:r>
+            <a:endParaRPr lang="en-US"/>
+          </a:p>
+        </p:txBody>
+      </p:sp>
+      <p:grpSp>
+        <p:nvGrpSpPr>
+          <p:cNvPr id="4" name="Group 3"/>
+          <p:cNvGrpSpPr/>
+          <p:nvPr/>
+        </p:nvGrpSpPr>
+        <p:grpSpPr>
+          <a:xfrm>
+            <a:off x="3771900" y="2428153"/>
+            <a:ext cx="4648200" cy="2461923"/>
+            <a:chOff x="3771900" y="3084859"/>
+            <a:chExt cx="4648200" cy="2461923"/>
+          </a:xfrm>
+        </p:grpSpPr>
+        <p:sp>
+          <p:nvSpPr>
+            <p:cNvPr id="6" name="Subtitle 2"/>
+            <p:cNvSpPr txBox="1">
+              <a:spLocks/>
+            </p:cNvSpPr>
+            <p:nvPr/>
+          </p:nvSpPr>
+          <p:spPr>
+            <a:xfrm>
+              <a:off x="4674746" y="5075584"/>
+              <a:ext cx="2842508" cy="471198"/>
+            </a:xfrm>
+            <a:prstGeom prst="rect">
+              <a:avLst/>
+            </a:prstGeom>
+          </p:spPr>
+          <p:txBody>
+            <a:bodyPr vert="horz" lIns="91440" tIns="45720" rIns="91440" bIns="45720" rtlCol="0" anchor="t">
+              <a:normAutofit lnSpcReduction="10000"/>
+            </a:bodyPr>
+            <a:lstStyle>
+              <a:lvl1pPr marL="228600" indent="-228600" algn="l" defTabSz="914400" rtl="0" eaLnBrk="1" latinLnBrk="0" hangingPunct="1">
+                <a:lnSpc>
+                  <a:spcPct val="90000"/>
+                </a:lnSpc>
+                <a:spcBef>
+                  <a:spcPts val="1000"/>
+                </a:spcBef>
+                <a:buFont typeface="Arial" panose="020B0604020202020204" pitchFamily="34" charset="0"/>
+                <a:buChar char="•"/>
+                <a:defRPr sz="2800" kern="1200">
+                  <a:solidFill>
+                    <a:schemeClr val="tx1"/>
+                  </a:solidFill>
+                  <a:latin typeface="+mn-lt"/>
+                  <a:ea typeface="+mn-ea"/>
+                  <a:cs typeface="+mn-cs"/>
+                </a:defRPr>
+              </a:lvl1pPr>
+              <a:lvl2pPr marL="685800" indent="-228600" algn="l" defTabSz="914400" rtl="0" eaLnBrk="1" latinLnBrk="0" hangingPunct="1">
+                <a:lnSpc>
+                  <a:spcPct val="90000"/>
+                </a:lnSpc>
+                <a:spcBef>
+                  <a:spcPts val="500"/>
+                </a:spcBef>
+                <a:buFont typeface="Arial" panose="020B0604020202020204" pitchFamily="34" charset="0"/>
+                <a:buChar char="•"/>
+                <a:defRPr sz="2400" kern="1200">
+                  <a:solidFill>
+                    <a:schemeClr val="tx1"/>
+                  </a:solidFill>
+                  <a:latin typeface="+mn-lt"/>
+                  <a:ea typeface="+mn-ea"/>
+                  <a:cs typeface="+mn-cs"/>
+                </a:defRPr>
+              </a:lvl2pPr>
+              <a:lvl3pPr marL="1143000" indent="-228600" algn="l" defTabSz="914400" rtl="0" eaLnBrk="1" latinLnBrk="0" hangingPunct="1">
+                <a:lnSpc>
+                  <a:spcPct val="90000"/>
+                </a:lnSpc>
+                <a:spcBef>
+                  <a:spcPts val="500"/>
+                </a:spcBef>
+                <a:buFont typeface="Arial" panose="020B0604020202020204" pitchFamily="34" charset="0"/>
+                <a:buChar char="•"/>
+                <a:defRPr sz="2000" kern="1200">
+                  <a:solidFill>
+                    <a:schemeClr val="tx1"/>
+                  </a:solidFill>
+                  <a:latin typeface="+mn-lt"/>
+                  <a:ea typeface="+mn-ea"/>
+                  <a:cs typeface="+mn-cs"/>
+                </a:defRPr>
+              </a:lvl3pPr>
+              <a:lvl4pPr marL="1600200" indent="-228600" algn="l" defTabSz="914400" rtl="0" eaLnBrk="1" latinLnBrk="0" hangingPunct="1">
+                <a:lnSpc>
+                  <a:spcPct val="90000"/>
+                </a:lnSpc>
+                <a:spcBef>
+                  <a:spcPts val="500"/>
+                </a:spcBef>
+                <a:buFont typeface="Arial" panose="020B0604020202020204" pitchFamily="34" charset="0"/>
+                <a:buChar char="•"/>
+                <a:defRPr sz="1800" kern="1200">
+                  <a:solidFill>
+                    <a:schemeClr val="tx1"/>
+                  </a:solidFill>
+                  <a:latin typeface="+mn-lt"/>
+                  <a:ea typeface="+mn-ea"/>
+                  <a:cs typeface="+mn-cs"/>
+                </a:defRPr>
+              </a:lvl4pPr>
+              <a:lvl5pPr marL="2057400" indent="-228600" algn="l" defTabSz="914400" rtl="0" eaLnBrk="1" latinLnBrk="0" hangingPunct="1">
+                <a:lnSpc>
+                  <a:spcPct val="90000"/>
+                </a:lnSpc>
+                <a:spcBef>
+                  <a:spcPts val="500"/>
+                </a:spcBef>
+                <a:buFont typeface="Arial" panose="020B0604020202020204" pitchFamily="34" charset="0"/>
+                <a:buChar char="•"/>
+                <a:defRPr sz="1800" kern="1200">
+                  <a:solidFill>
+                    <a:schemeClr val="tx1"/>
+                  </a:solidFill>
+                  <a:latin typeface="+mn-lt"/>
+                  <a:ea typeface="+mn-ea"/>
+                  <a:cs typeface="+mn-cs"/>
+                </a:defRPr>
+              </a:lvl5pPr>
+              <a:lvl6pPr marL="2514600" indent="-228600" algn="l" defTabSz="914400" rtl="0" eaLnBrk="1" latinLnBrk="0" hangingPunct="1">
+                <a:lnSpc>
+                  <a:spcPct val="90000"/>
+                </a:lnSpc>
+                <a:spcBef>
+                  <a:spcPts val="500"/>
+                </a:spcBef>
+                <a:buFont typeface="Arial" panose="020B0604020202020204" pitchFamily="34" charset="0"/>
+                <a:buChar char="•"/>
+                <a:defRPr sz="1800" kern="1200">
+                  <a:solidFill>
+                    <a:schemeClr val="tx1"/>
+                  </a:solidFill>
+                  <a:latin typeface="+mn-lt"/>
+                  <a:ea typeface="+mn-ea"/>
+                  <a:cs typeface="+mn-cs"/>
+                </a:defRPr>
+              </a:lvl6pPr>
+              <a:lvl7pPr marL="2971800" indent="-228600" algn="l" defTabSz="914400" rtl="0" eaLnBrk="1" latinLnBrk="0" hangingPunct="1">
+                <a:lnSpc>
+                  <a:spcPct val="90000"/>
+                </a:lnSpc>
+                <a:spcBef>
+                  <a:spcPts val="500"/>
+                </a:spcBef>
+                <a:buFont typeface="Arial" panose="020B0604020202020204" pitchFamily="34" charset="0"/>
+                <a:buChar char="•"/>
+                <a:defRPr sz="1800" kern="1200">
+                  <a:solidFill>
+                    <a:schemeClr val="tx1"/>
+                  </a:solidFill>
+                  <a:latin typeface="+mn-lt"/>
+                  <a:ea typeface="+mn-ea"/>
+                  <a:cs typeface="+mn-cs"/>
+                </a:defRPr>
+              </a:lvl7pPr>
+              <a:lvl8pPr marL="3429000" indent="-228600" algn="l" defTabSz="914400" rtl="0" eaLnBrk="1" latinLnBrk="0" hangingPunct="1">
+                <a:lnSpc>
+                  <a:spcPct val="90000"/>
+                </a:lnSpc>
+                <a:spcBef>
+                  <a:spcPts val="500"/>
+                </a:spcBef>
+                <a:buFont typeface="Arial" panose="020B0604020202020204" pitchFamily="34" charset="0"/>
+                <a:buChar char="•"/>
+                <a:defRPr sz="1800" kern="1200">
+                  <a:solidFill>
+                    <a:schemeClr val="tx1"/>
+                  </a:solidFill>
+                  <a:latin typeface="+mn-lt"/>
+                  <a:ea typeface="+mn-ea"/>
+                  <a:cs typeface="+mn-cs"/>
+                </a:defRPr>
+              </a:lvl8pPr>
+              <a:lvl9pPr marL="3886200" indent="-228600" algn="l" defTabSz="914400" rtl="0" eaLnBrk="1" latinLnBrk="0" hangingPunct="1">
+                <a:lnSpc>
+                  <a:spcPct val="90000"/>
+                </a:lnSpc>
+                <a:spcBef>
+                  <a:spcPts val="500"/>
+                </a:spcBef>
+                <a:buFont typeface="Arial" panose="020B0604020202020204" pitchFamily="34" charset="0"/>
+                <a:buChar char="•"/>
+                <a:defRPr sz="1800" kern="1200">
+                  <a:solidFill>
+                    <a:schemeClr val="tx1"/>
+                  </a:solidFill>
+                  <a:latin typeface="+mn-lt"/>
+                  <a:ea typeface="+mn-ea"/>
+                  <a:cs typeface="+mn-cs"/>
+                </a:defRPr>
+              </a:lvl9pPr>
+            </a:lstStyle>
+            <a:p>
+              <a:pPr marL="0" indent="0">
+                <a:buNone/>
+              </a:pPr>
+              <a:r>
+                <a:rPr lang="en-US" smtClean="0"/>
+                <a:t>Window stride = 2</a:t>
+              </a:r>
+              <a:endParaRPr lang="en-US"/>
+            </a:p>
+          </p:txBody>
+        </p:sp>
+        <p:pic>
+          <p:nvPicPr>
+            <p:cNvPr id="3" name="Picture 2"/>
+            <p:cNvPicPr>
+              <a:picLocks noChangeAspect="1"/>
+            </p:cNvPicPr>
+            <p:nvPr/>
+          </p:nvPicPr>
+          <p:blipFill>
+            <a:blip r:embed="rId2"/>
+            <a:stretch>
+              <a:fillRect/>
+            </a:stretch>
+          </p:blipFill>
+          <p:spPr>
+            <a:xfrm>
+              <a:off x="3771900" y="3084859"/>
+              <a:ext cx="4648200" cy="1990725"/>
+            </a:xfrm>
+            <a:prstGeom prst="rect">
+              <a:avLst/>
+            </a:prstGeom>
+          </p:spPr>
+        </p:pic>
+      </p:grpSp>
+    </p:spTree>
+    <p:extLst>
+      <p:ext uri="{BB962C8B-B14F-4D97-AF65-F5344CB8AC3E}">
+        <p14:creationId xmlns:p14="http://schemas.microsoft.com/office/powerpoint/2010/main" val="2200240366"/>
+      </p:ext>
+    </p:extLst>
+  </p:cSld>
+  <p:clrMapOvr>
+    <a:masterClrMapping/>
+  </p:clrMapOvr>
+</p:sld>
+</file>
+
+<file path=ppt/slides/slide9.xml><?xml version="1.0" encoding="utf-8"?>
+<p:sld xmlns:a="http://schemas.openxmlformats.org/drawingml/2006/main" xmlns:r="http://schemas.openxmlformats.org/officeDocument/2006/relationships" xmlns:p="http://schemas.openxmlformats.org/presentationml/2006/main">
+  <p:cSld>
+    <p:spTree>
+      <p:nvGrpSpPr>
+        <p:cNvPr id="1" name=""/>
+        <p:cNvGrpSpPr/>
+        <p:nvPr/>
+      </p:nvGrpSpPr>
+      <p:grpSpPr>
+        <a:xfrm>
+          <a:off x="0" y="0"/>
+          <a:ext cx="0" cy="0"/>
+          <a:chOff x="0" y="0"/>
+          <a:chExt cx="0" cy="0"/>
+        </a:xfrm>
+      </p:grpSpPr>
+      <p:sp>
+        <p:nvSpPr>
+          <p:cNvPr id="2" name="Title 1"/>
+          <p:cNvSpPr>
+            <a:spLocks noGrp="1"/>
+          </p:cNvSpPr>
+          <p:nvPr>
+            <p:ph type="title"/>
+          </p:nvPr>
+        </p:nvSpPr>
+        <p:spPr>
+          <a:xfrm>
+            <a:off x="838200" y="198870"/>
+            <a:ext cx="10515600" cy="1325563"/>
+          </a:xfrm>
+        </p:spPr>
+        <p:txBody>
+          <a:bodyPr/>
+          <a:lstStyle/>
+          <a:p>
+            <a:r>
+              <a:rPr lang="en-US" smtClean="0"/>
+              <a:t>VGG types</a:t>
+            </a:r>
+            <a:endParaRPr lang="en-US"/>
+          </a:p>
+        </p:txBody>
+      </p:sp>
+      <p:pic>
+        <p:nvPicPr>
+          <p:cNvPr id="4" name="Picture 3"/>
+          <p:cNvPicPr>
+            <a:picLocks noChangeAspect="1"/>
+          </p:cNvPicPr>
+          <p:nvPr/>
+        </p:nvPicPr>
+        <p:blipFill>
+          <a:blip r:embed="rId2"/>
+          <a:stretch>
+            <a:fillRect/>
+          </a:stretch>
+        </p:blipFill>
+        <p:spPr>
+          <a:xfrm>
+            <a:off x="3565986" y="1275052"/>
+            <a:ext cx="5060028" cy="4860694"/>
+          </a:xfrm>
+          <a:prstGeom prst="rect">
+            <a:avLst/>
+          </a:prstGeom>
+        </p:spPr>
+      </p:pic>
+      <p:sp>
+        <p:nvSpPr>
+          <p:cNvPr id="5" name="Subtitle 2"/>
+          <p:cNvSpPr txBox="1">
+            <a:spLocks/>
+          </p:cNvSpPr>
+          <p:nvPr/>
+        </p:nvSpPr>
+        <p:spPr>
+          <a:xfrm>
+            <a:off x="1587730" y="6135746"/>
+            <a:ext cx="9202189" cy="471198"/>
+          </a:xfrm>
+          <a:prstGeom prst="rect">
+            <a:avLst/>
+          </a:prstGeom>
+        </p:spPr>
+        <p:txBody>
+          <a:bodyPr vert="horz" lIns="91440" tIns="45720" rIns="91440" bIns="45720" rtlCol="0" anchor="t">
+            <a:noAutofit/>
+          </a:bodyPr>
+          <a:lstStyle>
+            <a:lvl1pPr marL="228600" indent="-228600" algn="l" defTabSz="914400" rtl="0" eaLnBrk="1" latinLnBrk="0" hangingPunct="1">
+              <a:lnSpc>
+                <a:spcPct val="90000"/>
+              </a:lnSpc>
+              <a:spcBef>
+                <a:spcPts val="1000"/>
+              </a:spcBef>
+              <a:buFont typeface="Arial" panose="020B0604020202020204" pitchFamily="34" charset="0"/>
+              <a:buChar char="•"/>
+              <a:defRPr sz="2800" kern="1200">
+                <a:solidFill>
+                  <a:schemeClr val="tx1"/>
+                </a:solidFill>
+                <a:latin typeface="+mn-lt"/>
+                <a:ea typeface="+mn-ea"/>
+                <a:cs typeface="+mn-cs"/>
+              </a:defRPr>
+            </a:lvl1pPr>
+            <a:lvl2pPr marL="685800" indent="-228600" algn="l" defTabSz="914400" rtl="0" eaLnBrk="1" latinLnBrk="0" hangingPunct="1">
+              <a:lnSpc>
+                <a:spcPct val="90000"/>
+              </a:lnSpc>
+              <a:spcBef>
+                <a:spcPts val="500"/>
+              </a:spcBef>
+              <a:buFont typeface="Arial" panose="020B0604020202020204" pitchFamily="34" charset="0"/>
+              <a:buChar char="•"/>
+              <a:defRPr sz="2400" kern="1200">
+                <a:solidFill>
+                  <a:schemeClr val="tx1"/>
+                </a:solidFill>
+                <a:latin typeface="+mn-lt"/>
+                <a:ea typeface="+mn-ea"/>
+                <a:cs typeface="+mn-cs"/>
+              </a:defRPr>
+            </a:lvl2pPr>
+            <a:lvl3pPr marL="1143000" indent="-228600" algn="l" defTabSz="914400" rtl="0" eaLnBrk="1" latinLnBrk="0" hangingPunct="1">
+              <a:lnSpc>
+                <a:spcPct val="90000"/>
+              </a:lnSpc>
+              <a:spcBef>
+                <a:spcPts val="500"/>
+              </a:spcBef>
+              <a:buFont typeface="Arial" panose="020B0604020202020204" pitchFamily="34" charset="0"/>
+              <a:buChar char="•"/>
+              <a:defRPr sz="2000" kern="1200">
+                <a:solidFill>
+                  <a:schemeClr val="tx1"/>
+                </a:solidFill>
+                <a:latin typeface="+mn-lt"/>
+                <a:ea typeface="+mn-ea"/>
+                <a:cs typeface="+mn-cs"/>
+              </a:defRPr>
+            </a:lvl3pPr>
+            <a:lvl4pPr marL="1600200" indent="-228600" algn="l" defTabSz="914400" rtl="0" eaLnBrk="1" latinLnBrk="0" hangingPunct="1">
+              <a:lnSpc>
+                <a:spcPct val="90000"/>
+              </a:lnSpc>
+              <a:spcBef>
+                <a:spcPts val="500"/>
+              </a:spcBef>
+              <a:buFont typeface="Arial" panose="020B0604020202020204" pitchFamily="34" charset="0"/>
+              <a:buChar char="•"/>
+              <a:defRPr sz="1800" kern="1200">
+                <a:solidFill>
+                  <a:schemeClr val="tx1"/>
+                </a:solidFill>
+                <a:latin typeface="+mn-lt"/>
+                <a:ea typeface="+mn-ea"/>
+                <a:cs typeface="+mn-cs"/>
+              </a:defRPr>
+            </a:lvl4pPr>
+            <a:lvl5pPr marL="2057400" indent="-228600" algn="l" defTabSz="914400" rtl="0" eaLnBrk="1" latinLnBrk="0" hangingPunct="1">
+              <a:lnSpc>
+                <a:spcPct val="90000"/>
+              </a:lnSpc>
+              <a:spcBef>
+                <a:spcPts val="500"/>
+              </a:spcBef>
+              <a:buFont typeface="Arial" panose="020B0604020202020204" pitchFamily="34" charset="0"/>
+              <a:buChar char="•"/>
+              <a:defRPr sz="1800" kern="1200">
+                <a:solidFill>
+                  <a:schemeClr val="tx1"/>
+                </a:solidFill>
+                <a:latin typeface="+mn-lt"/>
+                <a:ea typeface="+mn-ea"/>
+                <a:cs typeface="+mn-cs"/>
+              </a:defRPr>
+            </a:lvl5pPr>
+            <a:lvl6pPr marL="2514600" indent="-228600" algn="l" defTabSz="914400" rtl="0" eaLnBrk="1" latinLnBrk="0" hangingPunct="1">
+              <a:lnSpc>
+                <a:spcPct val="90000"/>
+              </a:lnSpc>
+              <a:spcBef>
+                <a:spcPts val="500"/>
+              </a:spcBef>
+              <a:buFont typeface="Arial" panose="020B0604020202020204" pitchFamily="34" charset="0"/>
+              <a:buChar char="•"/>
+              <a:defRPr sz="1800" kern="1200">
+                <a:solidFill>
+                  <a:schemeClr val="tx1"/>
+                </a:solidFill>
+                <a:latin typeface="+mn-lt"/>
+                <a:ea typeface="+mn-ea"/>
+                <a:cs typeface="+mn-cs"/>
+              </a:defRPr>
+            </a:lvl6pPr>
+            <a:lvl7pPr marL="2971800" indent="-228600" algn="l" defTabSz="914400" rtl="0" eaLnBrk="1" latinLnBrk="0" hangingPunct="1">
+              <a:lnSpc>
+                <a:spcPct val="90000"/>
+              </a:lnSpc>
+              <a:spcBef>
+                <a:spcPts val="500"/>
+              </a:spcBef>
+              <a:buFont typeface="Arial" panose="020B0604020202020204" pitchFamily="34" charset="0"/>
+              <a:buChar char="•"/>
+              <a:defRPr sz="1800" kern="1200">
+                <a:solidFill>
+                  <a:schemeClr val="tx1"/>
+                </a:solidFill>
+                <a:latin typeface="+mn-lt"/>
+                <a:ea typeface="+mn-ea"/>
+                <a:cs typeface="+mn-cs"/>
+              </a:defRPr>
+            </a:lvl7pPr>
+            <a:lvl8pPr marL="3429000" indent="-228600" algn="l" defTabSz="914400" rtl="0" eaLnBrk="1" latinLnBrk="0" hangingPunct="1">
+              <a:lnSpc>
+                <a:spcPct val="90000"/>
+              </a:lnSpc>
+              <a:spcBef>
+                <a:spcPts val="500"/>
+              </a:spcBef>
+              <a:buFont typeface="Arial" panose="020B0604020202020204" pitchFamily="34" charset="0"/>
+              <a:buChar char="•"/>
+              <a:defRPr sz="1800" kern="1200">
+                <a:solidFill>
+                  <a:schemeClr val="tx1"/>
+                </a:solidFill>
+                <a:latin typeface="+mn-lt"/>
+                <a:ea typeface="+mn-ea"/>
+                <a:cs typeface="+mn-cs"/>
+              </a:defRPr>
+            </a:lvl8pPr>
+            <a:lvl9pPr marL="3886200" indent="-228600" algn="l" defTabSz="914400" rtl="0" eaLnBrk="1" latinLnBrk="0" hangingPunct="1">
+              <a:lnSpc>
+                <a:spcPct val="90000"/>
+              </a:lnSpc>
+              <a:spcBef>
+                <a:spcPts val="500"/>
+              </a:spcBef>
+              <a:buFont typeface="Arial" panose="020B0604020202020204" pitchFamily="34" charset="0"/>
+              <a:buChar char="•"/>
+              <a:defRPr sz="1800" kern="1200">
+                <a:solidFill>
+                  <a:schemeClr val="tx1"/>
+                </a:solidFill>
+                <a:latin typeface="+mn-lt"/>
+                <a:ea typeface="+mn-ea"/>
+                <a:cs typeface="+mn-cs"/>
+              </a:defRPr>
+            </a:lvl9pPr>
+          </a:lstStyle>
+          <a:p>
+            <a:pPr marL="0" indent="0" algn="ctr">
+              <a:buNone/>
+            </a:pPr>
+            <a:r>
+              <a:rPr lang="en-US" sz="2000" smtClean="0"/>
+              <a:t>Nguồn: </a:t>
+            </a:r>
+            <a:r>
+              <a:rPr lang="en-US" sz="2000"/>
+              <a:t>Karen Simonyan, Andrew Zisserman, 2015, Very Deep Convolutional Networks For Large-Scale Image Recognition.</a:t>
+            </a:r>
+            <a:endParaRPr lang="en-US" sz="2000"/>
+          </a:p>
+        </p:txBody>
+      </p:sp>
+    </p:spTree>
+    <p:extLst>
+      <p:ext uri="{BB962C8B-B14F-4D97-AF65-F5344CB8AC3E}">
+        <p14:creationId xmlns:p14="http://schemas.microsoft.com/office/powerpoint/2010/main" val="3865991101"/>
+      </p:ext>
+    </p:extLst>
+  </p:cSld>
+  <p:clrMapOvr>
+    <a:masterClrMapping/>
+  </p:clrMapOvr>
+  <p:timing>
+    <p:tnLst>
+      <p:par>
+        <p:cTn id="1" dur="indefinite" restart="never" nodeType="tmRoot"/>
+      </p:par>
+    </p:tnLst>
+  </p:timing>
 </p:sld>
 </file>
 

--- a/Face Recognition Algorithm Based on VGG Network Model.pptx
+++ b/Face Recognition Algorithm Based on VGG Network Model.pptx
@@ -14,11 +14,17 @@
     <p:sldId id="262" r:id="rId8"/>
     <p:sldId id="267" r:id="rId9"/>
     <p:sldId id="258" r:id="rId10"/>
-    <p:sldId id="264" r:id="rId11"/>
-    <p:sldId id="265" r:id="rId12"/>
-    <p:sldId id="266" r:id="rId13"/>
-    <p:sldId id="268" r:id="rId14"/>
-    <p:sldId id="269" r:id="rId15"/>
+    <p:sldId id="265" r:id="rId11"/>
+    <p:sldId id="266" r:id="rId12"/>
+    <p:sldId id="268" r:id="rId13"/>
+    <p:sldId id="274" r:id="rId14"/>
+    <p:sldId id="276" r:id="rId15"/>
+    <p:sldId id="275" r:id="rId16"/>
+    <p:sldId id="272" r:id="rId17"/>
+    <p:sldId id="273" r:id="rId18"/>
+    <p:sldId id="270" r:id="rId19"/>
+    <p:sldId id="271" r:id="rId20"/>
+    <p:sldId id="277" r:id="rId21"/>
   </p:sldIdLst>
   <p:sldSz cx="12192000" cy="6858000"/>
   <p:notesSz cx="6858000" cy="9144000"/>
@@ -167,10 +173,9 @@
           </a:lstStyle>
           <a:p>
             <a:r>
-              <a:rPr lang="en-US" smtClean="0"/>
+              <a:rPr lang="en-US"/>
               <a:t>Click to edit Master title style</a:t>
             </a:r>
-            <a:endParaRPr lang="en-US"/>
           </a:p>
         </p:txBody>
       </p:sp>
@@ -232,10 +237,9 @@
           </a:lstStyle>
           <a:p>
             <a:r>
-              <a:rPr lang="en-US" smtClean="0"/>
+              <a:rPr lang="en-US"/>
               <a:t>Click to edit Master subtitle style</a:t>
             </a:r>
-            <a:endParaRPr lang="en-US"/>
           </a:p>
         </p:txBody>
       </p:sp>
@@ -350,10 +354,9 @@
           <a:lstStyle/>
           <a:p>
             <a:r>
-              <a:rPr lang="en-US" smtClean="0"/>
+              <a:rPr lang="en-US"/>
               <a:t>Click to edit Master title style</a:t>
             </a:r>
-            <a:endParaRPr lang="en-US"/>
           </a:p>
         </p:txBody>
       </p:sp>
@@ -374,38 +377,37 @@
           <a:p>
             <a:pPr lvl="0"/>
             <a:r>
-              <a:rPr lang="en-US" smtClean="0"/>
+              <a:rPr lang="en-US"/>
               <a:t>Edit Master text styles</a:t>
             </a:r>
           </a:p>
           <a:p>
             <a:pPr lvl="1"/>
             <a:r>
-              <a:rPr lang="en-US" smtClean="0"/>
+              <a:rPr lang="en-US"/>
               <a:t>Second level</a:t>
             </a:r>
           </a:p>
           <a:p>
             <a:pPr lvl="2"/>
             <a:r>
-              <a:rPr lang="en-US" smtClean="0"/>
+              <a:rPr lang="en-US"/>
               <a:t>Third level</a:t>
             </a:r>
           </a:p>
           <a:p>
             <a:pPr lvl="3"/>
             <a:r>
-              <a:rPr lang="en-US" smtClean="0"/>
+              <a:rPr lang="en-US"/>
               <a:t>Fourth level</a:t>
             </a:r>
           </a:p>
           <a:p>
             <a:pPr lvl="4"/>
             <a:r>
-              <a:rPr lang="en-US" smtClean="0"/>
+              <a:rPr lang="en-US"/>
               <a:t>Fifth level</a:t>
             </a:r>
-            <a:endParaRPr lang="en-US"/>
           </a:p>
         </p:txBody>
       </p:sp>
@@ -525,10 +527,9 @@
           <a:lstStyle/>
           <a:p>
             <a:r>
-              <a:rPr lang="en-US" smtClean="0"/>
+              <a:rPr lang="en-US"/>
               <a:t>Click to edit Master title style</a:t>
             </a:r>
-            <a:endParaRPr lang="en-US"/>
           </a:p>
         </p:txBody>
       </p:sp>
@@ -554,38 +555,37 @@
           <a:p>
             <a:pPr lvl="0"/>
             <a:r>
-              <a:rPr lang="en-US" smtClean="0"/>
+              <a:rPr lang="en-US"/>
               <a:t>Edit Master text styles</a:t>
             </a:r>
           </a:p>
           <a:p>
             <a:pPr lvl="1"/>
             <a:r>
-              <a:rPr lang="en-US" smtClean="0"/>
+              <a:rPr lang="en-US"/>
               <a:t>Second level</a:t>
             </a:r>
           </a:p>
           <a:p>
             <a:pPr lvl="2"/>
             <a:r>
-              <a:rPr lang="en-US" smtClean="0"/>
+              <a:rPr lang="en-US"/>
               <a:t>Third level</a:t>
             </a:r>
           </a:p>
           <a:p>
             <a:pPr lvl="3"/>
             <a:r>
-              <a:rPr lang="en-US" smtClean="0"/>
+              <a:rPr lang="en-US"/>
               <a:t>Fourth level</a:t>
             </a:r>
           </a:p>
           <a:p>
             <a:pPr lvl="4"/>
             <a:r>
-              <a:rPr lang="en-US" smtClean="0"/>
+              <a:rPr lang="en-US"/>
               <a:t>Fifth level</a:t>
             </a:r>
-            <a:endParaRPr lang="en-US"/>
           </a:p>
         </p:txBody>
       </p:sp>
@@ -700,10 +700,9 @@
           <a:lstStyle/>
           <a:p>
             <a:r>
-              <a:rPr lang="en-US" smtClean="0"/>
+              <a:rPr lang="en-US"/>
               <a:t>Click to edit Master title style</a:t>
             </a:r>
-            <a:endParaRPr lang="en-US"/>
           </a:p>
         </p:txBody>
       </p:sp>
@@ -724,38 +723,37 @@
           <a:p>
             <a:pPr lvl="0"/>
             <a:r>
-              <a:rPr lang="en-US" smtClean="0"/>
+              <a:rPr lang="en-US"/>
               <a:t>Edit Master text styles</a:t>
             </a:r>
           </a:p>
           <a:p>
             <a:pPr lvl="1"/>
             <a:r>
-              <a:rPr lang="en-US" smtClean="0"/>
+              <a:rPr lang="en-US"/>
               <a:t>Second level</a:t>
             </a:r>
           </a:p>
           <a:p>
             <a:pPr lvl="2"/>
             <a:r>
-              <a:rPr lang="en-US" smtClean="0"/>
+              <a:rPr lang="en-US"/>
               <a:t>Third level</a:t>
             </a:r>
           </a:p>
           <a:p>
             <a:pPr lvl="3"/>
             <a:r>
-              <a:rPr lang="en-US" smtClean="0"/>
+              <a:rPr lang="en-US"/>
               <a:t>Fourth level</a:t>
             </a:r>
           </a:p>
           <a:p>
             <a:pPr lvl="4"/>
             <a:r>
-              <a:rPr lang="en-US" smtClean="0"/>
+              <a:rPr lang="en-US"/>
               <a:t>Fifth level</a:t>
             </a:r>
-            <a:endParaRPr lang="en-US"/>
           </a:p>
         </p:txBody>
       </p:sp>
@@ -879,10 +877,9 @@
           </a:lstStyle>
           <a:p>
             <a:r>
-              <a:rPr lang="en-US" smtClean="0"/>
+              <a:rPr lang="en-US"/>
               <a:t>Click to edit Master title style</a:t>
             </a:r>
-            <a:endParaRPr lang="en-US"/>
           </a:p>
         </p:txBody>
       </p:sp>
@@ -999,7 +996,7 @@
           <a:p>
             <a:pPr lvl="0"/>
             <a:r>
-              <a:rPr lang="en-US" smtClean="0"/>
+              <a:rPr lang="en-US"/>
               <a:t>Edit Master text styles</a:t>
             </a:r>
           </a:p>
@@ -1116,10 +1113,9 @@
           <a:lstStyle/>
           <a:p>
             <a:r>
-              <a:rPr lang="en-US" smtClean="0"/>
+              <a:rPr lang="en-US"/>
               <a:t>Click to edit Master title style</a:t>
             </a:r>
-            <a:endParaRPr lang="en-US"/>
           </a:p>
         </p:txBody>
       </p:sp>
@@ -1145,38 +1141,37 @@
           <a:p>
             <a:pPr lvl="0"/>
             <a:r>
-              <a:rPr lang="en-US" smtClean="0"/>
+              <a:rPr lang="en-US"/>
               <a:t>Edit Master text styles</a:t>
             </a:r>
           </a:p>
           <a:p>
             <a:pPr lvl="1"/>
             <a:r>
-              <a:rPr lang="en-US" smtClean="0"/>
+              <a:rPr lang="en-US"/>
               <a:t>Second level</a:t>
             </a:r>
           </a:p>
           <a:p>
             <a:pPr lvl="2"/>
             <a:r>
-              <a:rPr lang="en-US" smtClean="0"/>
+              <a:rPr lang="en-US"/>
               <a:t>Third level</a:t>
             </a:r>
           </a:p>
           <a:p>
             <a:pPr lvl="3"/>
             <a:r>
-              <a:rPr lang="en-US" smtClean="0"/>
+              <a:rPr lang="en-US"/>
               <a:t>Fourth level</a:t>
             </a:r>
           </a:p>
           <a:p>
             <a:pPr lvl="4"/>
             <a:r>
-              <a:rPr lang="en-US" smtClean="0"/>
+              <a:rPr lang="en-US"/>
               <a:t>Fifth level</a:t>
             </a:r>
-            <a:endParaRPr lang="en-US"/>
           </a:p>
         </p:txBody>
       </p:sp>
@@ -1202,38 +1197,37 @@
           <a:p>
             <a:pPr lvl="0"/>
             <a:r>
-              <a:rPr lang="en-US" smtClean="0"/>
+              <a:rPr lang="en-US"/>
               <a:t>Edit Master text styles</a:t>
             </a:r>
           </a:p>
           <a:p>
             <a:pPr lvl="1"/>
             <a:r>
-              <a:rPr lang="en-US" smtClean="0"/>
+              <a:rPr lang="en-US"/>
               <a:t>Second level</a:t>
             </a:r>
           </a:p>
           <a:p>
             <a:pPr lvl="2"/>
             <a:r>
-              <a:rPr lang="en-US" smtClean="0"/>
+              <a:rPr lang="en-US"/>
               <a:t>Third level</a:t>
             </a:r>
           </a:p>
           <a:p>
             <a:pPr lvl="3"/>
             <a:r>
-              <a:rPr lang="en-US" smtClean="0"/>
+              <a:rPr lang="en-US"/>
               <a:t>Fourth level</a:t>
             </a:r>
           </a:p>
           <a:p>
             <a:pPr lvl="4"/>
             <a:r>
-              <a:rPr lang="en-US" smtClean="0"/>
+              <a:rPr lang="en-US"/>
               <a:t>Fifth level</a:t>
             </a:r>
-            <a:endParaRPr lang="en-US"/>
           </a:p>
         </p:txBody>
       </p:sp>
@@ -1353,10 +1347,9 @@
           <a:lstStyle/>
           <a:p>
             <a:r>
-              <a:rPr lang="en-US" smtClean="0"/>
+              <a:rPr lang="en-US"/>
               <a:t>Click to edit Master title style</a:t>
             </a:r>
-            <a:endParaRPr lang="en-US"/>
           </a:p>
         </p:txBody>
       </p:sp>
@@ -1419,7 +1412,7 @@
           <a:p>
             <a:pPr lvl="0"/>
             <a:r>
-              <a:rPr lang="en-US" smtClean="0"/>
+              <a:rPr lang="en-US"/>
               <a:t>Edit Master text styles</a:t>
             </a:r>
           </a:p>
@@ -1447,38 +1440,37 @@
           <a:p>
             <a:pPr lvl="0"/>
             <a:r>
-              <a:rPr lang="en-US" smtClean="0"/>
+              <a:rPr lang="en-US"/>
               <a:t>Edit Master text styles</a:t>
             </a:r>
           </a:p>
           <a:p>
             <a:pPr lvl="1"/>
             <a:r>
-              <a:rPr lang="en-US" smtClean="0"/>
+              <a:rPr lang="en-US"/>
               <a:t>Second level</a:t>
             </a:r>
           </a:p>
           <a:p>
             <a:pPr lvl="2"/>
             <a:r>
-              <a:rPr lang="en-US" smtClean="0"/>
+              <a:rPr lang="en-US"/>
               <a:t>Third level</a:t>
             </a:r>
           </a:p>
           <a:p>
             <a:pPr lvl="3"/>
             <a:r>
-              <a:rPr lang="en-US" smtClean="0"/>
+              <a:rPr lang="en-US"/>
               <a:t>Fourth level</a:t>
             </a:r>
           </a:p>
           <a:p>
             <a:pPr lvl="4"/>
             <a:r>
-              <a:rPr lang="en-US" smtClean="0"/>
+              <a:rPr lang="en-US"/>
               <a:t>Fifth level</a:t>
             </a:r>
-            <a:endParaRPr lang="en-US"/>
           </a:p>
         </p:txBody>
       </p:sp>
@@ -1541,7 +1533,7 @@
           <a:p>
             <a:pPr lvl="0"/>
             <a:r>
-              <a:rPr lang="en-US" smtClean="0"/>
+              <a:rPr lang="en-US"/>
               <a:t>Edit Master text styles</a:t>
             </a:r>
           </a:p>
@@ -1569,38 +1561,37 @@
           <a:p>
             <a:pPr lvl="0"/>
             <a:r>
-              <a:rPr lang="en-US" smtClean="0"/>
+              <a:rPr lang="en-US"/>
               <a:t>Edit Master text styles</a:t>
             </a:r>
           </a:p>
           <a:p>
             <a:pPr lvl="1"/>
             <a:r>
-              <a:rPr lang="en-US" smtClean="0"/>
+              <a:rPr lang="en-US"/>
               <a:t>Second level</a:t>
             </a:r>
           </a:p>
           <a:p>
             <a:pPr lvl="2"/>
             <a:r>
-              <a:rPr lang="en-US" smtClean="0"/>
+              <a:rPr lang="en-US"/>
               <a:t>Third level</a:t>
             </a:r>
           </a:p>
           <a:p>
             <a:pPr lvl="3"/>
             <a:r>
-              <a:rPr lang="en-US" smtClean="0"/>
+              <a:rPr lang="en-US"/>
               <a:t>Fourth level</a:t>
             </a:r>
           </a:p>
           <a:p>
             <a:pPr lvl="4"/>
             <a:r>
-              <a:rPr lang="en-US" smtClean="0"/>
+              <a:rPr lang="en-US"/>
               <a:t>Fifth level</a:t>
             </a:r>
-            <a:endParaRPr lang="en-US"/>
           </a:p>
         </p:txBody>
       </p:sp>
@@ -1715,10 +1706,9 @@
           <a:lstStyle/>
           <a:p>
             <a:r>
-              <a:rPr lang="en-US" smtClean="0"/>
+              <a:rPr lang="en-US"/>
               <a:t>Click to edit Master title style</a:t>
             </a:r>
-            <a:endParaRPr lang="en-US"/>
           </a:p>
         </p:txBody>
       </p:sp>
@@ -1937,10 +1927,9 @@
           </a:lstStyle>
           <a:p>
             <a:r>
-              <a:rPr lang="en-US" smtClean="0"/>
+              <a:rPr lang="en-US"/>
               <a:t>Click to edit Master title style</a:t>
             </a:r>
-            <a:endParaRPr lang="en-US"/>
           </a:p>
         </p:txBody>
       </p:sp>
@@ -1994,38 +1983,37 @@
           <a:p>
             <a:pPr lvl="0"/>
             <a:r>
-              <a:rPr lang="en-US" smtClean="0"/>
+              <a:rPr lang="en-US"/>
               <a:t>Edit Master text styles</a:t>
             </a:r>
           </a:p>
           <a:p>
             <a:pPr lvl="1"/>
             <a:r>
-              <a:rPr lang="en-US" smtClean="0"/>
+              <a:rPr lang="en-US"/>
               <a:t>Second level</a:t>
             </a:r>
           </a:p>
           <a:p>
             <a:pPr lvl="2"/>
             <a:r>
-              <a:rPr lang="en-US" smtClean="0"/>
+              <a:rPr lang="en-US"/>
               <a:t>Third level</a:t>
             </a:r>
           </a:p>
           <a:p>
             <a:pPr lvl="3"/>
             <a:r>
-              <a:rPr lang="en-US" smtClean="0"/>
+              <a:rPr lang="en-US"/>
               <a:t>Fourth level</a:t>
             </a:r>
           </a:p>
           <a:p>
             <a:pPr lvl="4"/>
             <a:r>
-              <a:rPr lang="en-US" smtClean="0"/>
+              <a:rPr lang="en-US"/>
               <a:t>Fifth level</a:t>
             </a:r>
-            <a:endParaRPr lang="en-US"/>
           </a:p>
         </p:txBody>
       </p:sp>
@@ -2088,7 +2076,7 @@
           <a:p>
             <a:pPr lvl="0"/>
             <a:r>
-              <a:rPr lang="en-US" smtClean="0"/>
+              <a:rPr lang="en-US"/>
               <a:t>Edit Master text styles</a:t>
             </a:r>
           </a:p>
@@ -2214,10 +2202,9 @@
           </a:lstStyle>
           <a:p>
             <a:r>
-              <a:rPr lang="en-US" smtClean="0"/>
+              <a:rPr lang="en-US"/>
               <a:t>Click to edit Master title style</a:t>
             </a:r>
-            <a:endParaRPr lang="en-US"/>
           </a:p>
         </p:txBody>
       </p:sp>
@@ -2341,7 +2328,7 @@
           <a:p>
             <a:pPr lvl="0"/>
             <a:r>
-              <a:rPr lang="en-US" smtClean="0"/>
+              <a:rPr lang="en-US"/>
               <a:t>Edit Master text styles</a:t>
             </a:r>
           </a:p>
@@ -2473,10 +2460,9 @@
           <a:lstStyle/>
           <a:p>
             <a:r>
-              <a:rPr lang="en-US" smtClean="0"/>
+              <a:rPr lang="en-US"/>
               <a:t>Click to edit Master title style</a:t>
             </a:r>
-            <a:endParaRPr lang="en-US"/>
           </a:p>
         </p:txBody>
       </p:sp>
@@ -2507,38 +2493,37 @@
           <a:p>
             <a:pPr lvl="0"/>
             <a:r>
-              <a:rPr lang="en-US" smtClean="0"/>
+              <a:rPr lang="en-US"/>
               <a:t>Edit Master text styles</a:t>
             </a:r>
           </a:p>
           <a:p>
             <a:pPr lvl="1"/>
             <a:r>
-              <a:rPr lang="en-US" smtClean="0"/>
+              <a:rPr lang="en-US"/>
               <a:t>Second level</a:t>
             </a:r>
           </a:p>
           <a:p>
             <a:pPr lvl="2"/>
             <a:r>
-              <a:rPr lang="en-US" smtClean="0"/>
+              <a:rPr lang="en-US"/>
               <a:t>Third level</a:t>
             </a:r>
           </a:p>
           <a:p>
             <a:pPr lvl="3"/>
             <a:r>
-              <a:rPr lang="en-US" smtClean="0"/>
+              <a:rPr lang="en-US"/>
               <a:t>Fourth level</a:t>
             </a:r>
           </a:p>
           <a:p>
             <a:pPr lvl="4"/>
             <a:r>
-              <a:rPr lang="en-US" smtClean="0"/>
+              <a:rPr lang="en-US"/>
               <a:t>Fifth level</a:t>
             </a:r>
-            <a:endParaRPr lang="en-US"/>
           </a:p>
         </p:txBody>
       </p:sp>
@@ -3001,13 +2986,8 @@
           <a:p>
             <a:r>
               <a:rPr lang="en-US"/>
-              <a:t>Face Recognition Algorithm Based on VGG Network Model and </a:t>
-            </a:r>
-            <a:r>
-              <a:rPr lang="en-US" smtClean="0"/>
-              <a:t>SVM</a:t>
-            </a:r>
-            <a:endParaRPr lang="en-US"/>
+              <a:t>Face Recognition Algorithm Based on VGG Network Model and SVM</a:t>
+            </a:r>
           </a:p>
         </p:txBody>
       </p:sp>
@@ -3033,17 +3013,64 @@
           <a:p>
             <a:pPr algn="r"/>
             <a:r>
-              <a:rPr lang="en-US" smtClean="0"/>
-              <a:t>Đào Việt Duy – MSSV: </a:t>
+              <a:rPr lang="en-US" dirty="0" err="1"/>
+              <a:t>Đào</a:t>
+            </a:r>
+            <a:r>
+              <a:rPr lang="en-US" dirty="0"/>
+              <a:t> </a:t>
+            </a:r>
+            <a:r>
+              <a:rPr lang="en-US" dirty="0" err="1"/>
+              <a:t>Việt</a:t>
+            </a:r>
+            <a:r>
+              <a:rPr lang="en-US" dirty="0"/>
+              <a:t> </a:t>
+            </a:r>
+            <a:r>
+              <a:rPr lang="en-US" dirty="0" err="1"/>
+              <a:t>Duy</a:t>
+            </a:r>
+            <a:r>
+              <a:rPr lang="en-US" dirty="0"/>
+              <a:t> – MSSV: 51603070 </a:t>
             </a:r>
           </a:p>
           <a:p>
             <a:pPr algn="r"/>
             <a:r>
-              <a:rPr lang="en-US" smtClean="0"/>
-              <a:t>Nguyễn Duy Hàn Lâm – MSHV: 196005004</a:t>
-            </a:r>
-            <a:endParaRPr lang="en-US"/>
+              <a:rPr lang="en-US" dirty="0" err="1"/>
+              <a:t>Nguyễn</a:t>
+            </a:r>
+            <a:r>
+              <a:rPr lang="en-US" dirty="0"/>
+              <a:t> </a:t>
+            </a:r>
+            <a:r>
+              <a:rPr lang="en-US" dirty="0" err="1"/>
+              <a:t>Duy</a:t>
+            </a:r>
+            <a:r>
+              <a:rPr lang="en-US" dirty="0"/>
+              <a:t> </a:t>
+            </a:r>
+            <a:r>
+              <a:rPr lang="en-US" dirty="0" err="1"/>
+              <a:t>Hàn</a:t>
+            </a:r>
+            <a:r>
+              <a:rPr lang="en-US" dirty="0"/>
+              <a:t> </a:t>
+            </a:r>
+            <a:r>
+              <a:rPr lang="en-US" dirty="0" err="1"/>
+              <a:t>Lâm</a:t>
+            </a:r>
+            <a:r>
+              <a:rPr lang="en-US" dirty="0"/>
+              <a:t> – MSHV: 196005004</a:t>
+            </a:r>
           </a:p>
         </p:txBody>
       </p:sp>
@@ -3057,13 +3084,6 @@
   <p:clrMapOvr>
     <a:masterClrMapping/>
   </p:clrMapOvr>
-  <p:timing>
-    <p:tnLst>
-      <p:par>
-        <p:cTn id="1" dur="indefinite" restart="never" nodeType="tmRoot"/>
-      </p:par>
-    </p:tnLst>
-  </p:timing>
 </p:sld>
 </file>
 
@@ -3094,321 +3114,23 @@
             <p:ph type="title"/>
           </p:nvPr>
         </p:nvSpPr>
-        <p:spPr>
-          <a:xfrm>
-            <a:off x="455814" y="40928"/>
-            <a:ext cx="10515600" cy="1325563"/>
-          </a:xfrm>
-        </p:spPr>
-        <p:txBody>
-          <a:bodyPr/>
-          <a:lstStyle/>
-          <a:p>
-            <a:r>
-              <a:rPr lang="en-US" smtClean="0"/>
-              <a:t>General </a:t>
-            </a:r>
-            <a:r>
-              <a:rPr lang="en-US"/>
-              <a:t>presentation</a:t>
-            </a:r>
-          </a:p>
-        </p:txBody>
-      </p:sp>
-      <p:pic>
-        <p:nvPicPr>
-          <p:cNvPr id="4" name="RNnKtNrsrmg"/>
-          <p:cNvPicPr>
-            <a:picLocks noRot="1" noChangeAspect="1"/>
-          </p:cNvPicPr>
-          <p:nvPr>
-            <a:videoFile r:link="rId1"/>
-          </p:nvPr>
-        </p:nvPicPr>
-        <p:blipFill>
-          <a:blip r:embed="rId3"/>
-          <a:stretch>
-            <a:fillRect/>
-          </a:stretch>
-        </p:blipFill>
-        <p:spPr>
-          <a:xfrm>
-            <a:off x="2147916" y="1200237"/>
-            <a:ext cx="8311803" cy="4675389"/>
-          </a:xfrm>
-          <a:prstGeom prst="rect">
-            <a:avLst/>
-          </a:prstGeom>
-        </p:spPr>
-      </p:pic>
-      <p:sp>
-        <p:nvSpPr>
-          <p:cNvPr id="5" name="Subtitle 2"/>
-          <p:cNvSpPr txBox="1">
-            <a:spLocks/>
-          </p:cNvSpPr>
-          <p:nvPr/>
-        </p:nvSpPr>
-        <p:spPr>
-          <a:xfrm>
-            <a:off x="2147916" y="6048462"/>
-            <a:ext cx="8679873" cy="471198"/>
-          </a:xfrm>
-          <a:prstGeom prst="rect">
-            <a:avLst/>
-          </a:prstGeom>
-        </p:spPr>
-        <p:txBody>
-          <a:bodyPr vert="horz" lIns="91440" tIns="45720" rIns="91440" bIns="45720" rtlCol="0" anchor="t">
-            <a:normAutofit fontScale="62500" lnSpcReduction="20000"/>
-          </a:bodyPr>
-          <a:lstStyle>
-            <a:lvl1pPr marL="228600" indent="-228600" algn="l" defTabSz="914400" rtl="0" eaLnBrk="1" latinLnBrk="0" hangingPunct="1">
-              <a:lnSpc>
-                <a:spcPct val="90000"/>
-              </a:lnSpc>
-              <a:spcBef>
-                <a:spcPts val="1000"/>
-              </a:spcBef>
-              <a:buFont typeface="Arial" panose="020B0604020202020204" pitchFamily="34" charset="0"/>
-              <a:buChar char="•"/>
-              <a:defRPr sz="2800" kern="1200">
-                <a:solidFill>
-                  <a:schemeClr val="tx1"/>
-                </a:solidFill>
-                <a:latin typeface="+mn-lt"/>
-                <a:ea typeface="+mn-ea"/>
-                <a:cs typeface="+mn-cs"/>
-              </a:defRPr>
-            </a:lvl1pPr>
-            <a:lvl2pPr marL="685800" indent="-228600" algn="l" defTabSz="914400" rtl="0" eaLnBrk="1" latinLnBrk="0" hangingPunct="1">
-              <a:lnSpc>
-                <a:spcPct val="90000"/>
-              </a:lnSpc>
-              <a:spcBef>
-                <a:spcPts val="500"/>
-              </a:spcBef>
-              <a:buFont typeface="Arial" panose="020B0604020202020204" pitchFamily="34" charset="0"/>
-              <a:buChar char="•"/>
-              <a:defRPr sz="2400" kern="1200">
-                <a:solidFill>
-                  <a:schemeClr val="tx1"/>
-                </a:solidFill>
-                <a:latin typeface="+mn-lt"/>
-                <a:ea typeface="+mn-ea"/>
-                <a:cs typeface="+mn-cs"/>
-              </a:defRPr>
-            </a:lvl2pPr>
-            <a:lvl3pPr marL="1143000" indent="-228600" algn="l" defTabSz="914400" rtl="0" eaLnBrk="1" latinLnBrk="0" hangingPunct="1">
-              <a:lnSpc>
-                <a:spcPct val="90000"/>
-              </a:lnSpc>
-              <a:spcBef>
-                <a:spcPts val="500"/>
-              </a:spcBef>
-              <a:buFont typeface="Arial" panose="020B0604020202020204" pitchFamily="34" charset="0"/>
-              <a:buChar char="•"/>
-              <a:defRPr sz="2000" kern="1200">
-                <a:solidFill>
-                  <a:schemeClr val="tx1"/>
-                </a:solidFill>
-                <a:latin typeface="+mn-lt"/>
-                <a:ea typeface="+mn-ea"/>
-                <a:cs typeface="+mn-cs"/>
-              </a:defRPr>
-            </a:lvl3pPr>
-            <a:lvl4pPr marL="1600200" indent="-228600" algn="l" defTabSz="914400" rtl="0" eaLnBrk="1" latinLnBrk="0" hangingPunct="1">
-              <a:lnSpc>
-                <a:spcPct val="90000"/>
-              </a:lnSpc>
-              <a:spcBef>
-                <a:spcPts val="500"/>
-              </a:spcBef>
-              <a:buFont typeface="Arial" panose="020B0604020202020204" pitchFamily="34" charset="0"/>
-              <a:buChar char="•"/>
-              <a:defRPr sz="1800" kern="1200">
-                <a:solidFill>
-                  <a:schemeClr val="tx1"/>
-                </a:solidFill>
-                <a:latin typeface="+mn-lt"/>
-                <a:ea typeface="+mn-ea"/>
-                <a:cs typeface="+mn-cs"/>
-              </a:defRPr>
-            </a:lvl4pPr>
-            <a:lvl5pPr marL="2057400" indent="-228600" algn="l" defTabSz="914400" rtl="0" eaLnBrk="1" latinLnBrk="0" hangingPunct="1">
-              <a:lnSpc>
-                <a:spcPct val="90000"/>
-              </a:lnSpc>
-              <a:spcBef>
-                <a:spcPts val="500"/>
-              </a:spcBef>
-              <a:buFont typeface="Arial" panose="020B0604020202020204" pitchFamily="34" charset="0"/>
-              <a:buChar char="•"/>
-              <a:defRPr sz="1800" kern="1200">
-                <a:solidFill>
-                  <a:schemeClr val="tx1"/>
-                </a:solidFill>
-                <a:latin typeface="+mn-lt"/>
-                <a:ea typeface="+mn-ea"/>
-                <a:cs typeface="+mn-cs"/>
-              </a:defRPr>
-            </a:lvl5pPr>
-            <a:lvl6pPr marL="2514600" indent="-228600" algn="l" defTabSz="914400" rtl="0" eaLnBrk="1" latinLnBrk="0" hangingPunct="1">
-              <a:lnSpc>
-                <a:spcPct val="90000"/>
-              </a:lnSpc>
-              <a:spcBef>
-                <a:spcPts val="500"/>
-              </a:spcBef>
-              <a:buFont typeface="Arial" panose="020B0604020202020204" pitchFamily="34" charset="0"/>
-              <a:buChar char="•"/>
-              <a:defRPr sz="1800" kern="1200">
-                <a:solidFill>
-                  <a:schemeClr val="tx1"/>
-                </a:solidFill>
-                <a:latin typeface="+mn-lt"/>
-                <a:ea typeface="+mn-ea"/>
-                <a:cs typeface="+mn-cs"/>
-              </a:defRPr>
-            </a:lvl6pPr>
-            <a:lvl7pPr marL="2971800" indent="-228600" algn="l" defTabSz="914400" rtl="0" eaLnBrk="1" latinLnBrk="0" hangingPunct="1">
-              <a:lnSpc>
-                <a:spcPct val="90000"/>
-              </a:lnSpc>
-              <a:spcBef>
-                <a:spcPts val="500"/>
-              </a:spcBef>
-              <a:buFont typeface="Arial" panose="020B0604020202020204" pitchFamily="34" charset="0"/>
-              <a:buChar char="•"/>
-              <a:defRPr sz="1800" kern="1200">
-                <a:solidFill>
-                  <a:schemeClr val="tx1"/>
-                </a:solidFill>
-                <a:latin typeface="+mn-lt"/>
-                <a:ea typeface="+mn-ea"/>
-                <a:cs typeface="+mn-cs"/>
-              </a:defRPr>
-            </a:lvl7pPr>
-            <a:lvl8pPr marL="3429000" indent="-228600" algn="l" defTabSz="914400" rtl="0" eaLnBrk="1" latinLnBrk="0" hangingPunct="1">
-              <a:lnSpc>
-                <a:spcPct val="90000"/>
-              </a:lnSpc>
-              <a:spcBef>
-                <a:spcPts val="500"/>
-              </a:spcBef>
-              <a:buFont typeface="Arial" panose="020B0604020202020204" pitchFamily="34" charset="0"/>
-              <a:buChar char="•"/>
-              <a:defRPr sz="1800" kern="1200">
-                <a:solidFill>
-                  <a:schemeClr val="tx1"/>
-                </a:solidFill>
-                <a:latin typeface="+mn-lt"/>
-                <a:ea typeface="+mn-ea"/>
-                <a:cs typeface="+mn-cs"/>
-              </a:defRPr>
-            </a:lvl8pPr>
-            <a:lvl9pPr marL="3886200" indent="-228600" algn="l" defTabSz="914400" rtl="0" eaLnBrk="1" latinLnBrk="0" hangingPunct="1">
-              <a:lnSpc>
-                <a:spcPct val="90000"/>
-              </a:lnSpc>
-              <a:spcBef>
-                <a:spcPts val="500"/>
-              </a:spcBef>
-              <a:buFont typeface="Arial" panose="020B0604020202020204" pitchFamily="34" charset="0"/>
-              <a:buChar char="•"/>
-              <a:defRPr sz="1800" kern="1200">
-                <a:solidFill>
-                  <a:schemeClr val="tx1"/>
-                </a:solidFill>
-                <a:latin typeface="+mn-lt"/>
-                <a:ea typeface="+mn-ea"/>
-                <a:cs typeface="+mn-cs"/>
-              </a:defRPr>
-            </a:lvl9pPr>
-          </a:lstStyle>
-          <a:p>
-            <a:pPr marL="0" indent="0">
-              <a:buNone/>
-            </a:pPr>
-            <a:r>
-              <a:rPr lang="en-US" smtClean="0"/>
-              <a:t>Nguồn: </a:t>
-            </a:r>
-            <a:r>
-              <a:rPr lang="en-US">
-                <a:hlinkClick r:id="rId4"/>
-              </a:rPr>
-              <a:t>https://www.youtube.com/watch?v=RNnKtNrsrmg&amp;ab_channel=DenisDmitriev</a:t>
-            </a:r>
-            <a:endParaRPr lang="en-US"/>
-          </a:p>
-        </p:txBody>
-      </p:sp>
-    </p:spTree>
-    <p:extLst>
-      <p:ext uri="{BB962C8B-B14F-4D97-AF65-F5344CB8AC3E}">
-        <p14:creationId xmlns:p14="http://schemas.microsoft.com/office/powerpoint/2010/main" val="1636723207"/>
-      </p:ext>
-    </p:extLst>
-  </p:cSld>
-  <p:clrMapOvr>
-    <a:masterClrMapping/>
-  </p:clrMapOvr>
-  <p:timing>
-    <p:tnLst>
-      <p:par>
-        <p:cTn id="1" dur="indefinite" restart="never" nodeType="tmRoot"/>
-      </p:par>
-    </p:tnLst>
-  </p:timing>
-</p:sld>
-</file>
-
-<file path=ppt/slides/slide11.xml><?xml version="1.0" encoding="utf-8"?>
-<p:sld xmlns:a="http://schemas.openxmlformats.org/drawingml/2006/main" xmlns:r="http://schemas.openxmlformats.org/officeDocument/2006/relationships" xmlns:p="http://schemas.openxmlformats.org/presentationml/2006/main">
-  <p:cSld>
-    <p:spTree>
-      <p:nvGrpSpPr>
-        <p:cNvPr id="1" name=""/>
-        <p:cNvGrpSpPr/>
-        <p:nvPr/>
-      </p:nvGrpSpPr>
-      <p:grpSpPr>
-        <a:xfrm>
-          <a:off x="0" y="0"/>
-          <a:ext cx="0" cy="0"/>
-          <a:chOff x="0" y="0"/>
-          <a:chExt cx="0" cy="0"/>
-        </a:xfrm>
-      </p:grpSpPr>
-      <p:sp>
-        <p:nvSpPr>
-          <p:cNvPr id="2" name="Title 1"/>
-          <p:cNvSpPr>
-            <a:spLocks noGrp="1"/>
-          </p:cNvSpPr>
-          <p:nvPr>
-            <p:ph type="title"/>
-          </p:nvPr>
-        </p:nvSpPr>
         <p:spPr/>
         <p:txBody>
           <a:bodyPr/>
           <a:lstStyle/>
           <a:p>
             <a:r>
-              <a:rPr lang="en-US" smtClean="0"/>
+              <a:rPr lang="en-US"/>
               <a:t>Bias </a:t>
             </a:r>
             <a:r>
-              <a:rPr lang="en-US" err="1" smtClean="0"/>
+              <a:rPr lang="en-US" err="1"/>
               <a:t>và</a:t>
             </a:r>
             <a:r>
-              <a:rPr lang="en-US" smtClean="0"/>
+              <a:rPr lang="en-US"/>
               <a:t> Variance</a:t>
             </a:r>
-            <a:endParaRPr lang="en-US"/>
           </a:p>
         </p:txBody>
       </p:sp>
@@ -3646,14 +3368,9 @@
               <a:buNone/>
             </a:pPr>
             <a:r>
-              <a:rPr lang="en-US" sz="2000" smtClean="0"/>
-              <a:t>Nguồn: </a:t>
-            </a:r>
-            <a:r>
               <a:rPr lang="en-US" sz="2000"/>
-              <a:t>Trevor Hastie, Robert Tibshirani, Jerome Friedman, 2008, The Elements of Statistical Learning: Data Mining, Inference, and Prediction (Second Edition).</a:t>
-            </a:r>
-            <a:endParaRPr lang="en-US" sz="2000"/>
+              <a:t>Nguồn: Trevor Hastie, Robert Tibshirani, Jerome Friedman, 2008, The Elements of Statistical Learning: Data Mining, Inference, and Prediction (Second Edition).</a:t>
+            </a:r>
           </a:p>
         </p:txBody>
       </p:sp>
@@ -3670,7 +3387,7 @@
 </p:sld>
 </file>
 
-<file path=ppt/slides/slide12.xml><?xml version="1.0" encoding="utf-8"?>
+<file path=ppt/slides/slide11.xml><?xml version="1.0" encoding="utf-8"?>
 <p:sld xmlns:a="http://schemas.openxmlformats.org/drawingml/2006/main" xmlns:r="http://schemas.openxmlformats.org/officeDocument/2006/relationships" xmlns:p="http://schemas.openxmlformats.org/presentationml/2006/main">
   <p:cSld>
     <p:spTree>
@@ -3714,23 +3431,12 @@
           <a:lstStyle/>
           <a:p>
             <a:r>
-              <a:rPr lang="en-US" smtClean="0">
+              <a:rPr lang="en-US">
                 <a:latin typeface="Times New Roman" panose="02020603050405020304" pitchFamily="18" charset="0"/>
                 <a:cs typeface="Times New Roman" panose="02020603050405020304" pitchFamily="18" charset="0"/>
               </a:rPr>
-              <a:t>Principle </a:t>
-            </a:r>
-            <a:r>
-              <a:rPr lang="en-US" smtClean="0">
-                <a:latin typeface="Times New Roman" panose="02020603050405020304" pitchFamily="18" charset="0"/>
-                <a:cs typeface="Times New Roman" panose="02020603050405020304" pitchFamily="18" charset="0"/>
-              </a:rPr>
-              <a:t>Component Regression</a:t>
-            </a:r>
-            <a:endParaRPr lang="en-US">
-              <a:latin typeface="Times New Roman" panose="02020603050405020304" pitchFamily="18" charset="0"/>
-              <a:cs typeface="Times New Roman" panose="02020603050405020304" pitchFamily="18" charset="0"/>
-            </a:endParaRPr>
+              <a:t>Principle Component Regression</a:t>
+            </a:r>
           </a:p>
         </p:txBody>
       </p:sp>
@@ -3979,16 +3685,12 @@
               <a:buNone/>
             </a:pPr>
             <a:r>
-              <a:rPr lang="en-US" smtClean="0">
+              <a:rPr lang="en-US">
                 <a:latin typeface="Times New Roman" panose="02020603050405020304" pitchFamily="18" charset="0"/>
                 <a:cs typeface="Times New Roman" panose="02020603050405020304" pitchFamily="18" charset="0"/>
               </a:rPr>
               <a:t>Phân tập dữ liệu thành tập các thành phần z</a:t>
             </a:r>
-            <a:endParaRPr lang="en-US">
-              <a:latin typeface="Times New Roman" panose="02020603050405020304" pitchFamily="18" charset="0"/>
-              <a:cs typeface="Times New Roman" panose="02020603050405020304" pitchFamily="18" charset="0"/>
-            </a:endParaRPr>
           </a:p>
         </p:txBody>
       </p:sp>
@@ -4443,16 +4145,12 @@
               <a:buNone/>
             </a:pPr>
             <a:r>
-              <a:rPr lang="en-US" smtClean="0">
+              <a:rPr lang="en-US">
                 <a:latin typeface="Times New Roman" panose="02020603050405020304" pitchFamily="18" charset="0"/>
                 <a:cs typeface="Times New Roman" panose="02020603050405020304" pitchFamily="18" charset="0"/>
               </a:rPr>
               <a:t>Chọn tập có m z_component có sai số nhỏ nhất làm mô hình chính.</a:t>
             </a:r>
-            <a:endParaRPr lang="en-US">
-              <a:latin typeface="Times New Roman" panose="02020603050405020304" pitchFamily="18" charset="0"/>
-              <a:cs typeface="Times New Roman" panose="02020603050405020304" pitchFamily="18" charset="0"/>
-            </a:endParaRPr>
           </a:p>
         </p:txBody>
       </p:sp>
@@ -4469,7 +4167,7 @@
 </p:sld>
 </file>
 
-<file path=ppt/slides/slide13.xml><?xml version="1.0" encoding="utf-8"?>
+<file path=ppt/slides/slide12.xml><?xml version="1.0" encoding="utf-8"?>
 <p:sld xmlns:a="http://schemas.openxmlformats.org/drawingml/2006/main" xmlns:r="http://schemas.openxmlformats.org/officeDocument/2006/relationships" xmlns:p="http://schemas.openxmlformats.org/presentationml/2006/main">
   <p:cSld>
     <p:spTree>
@@ -4513,23 +4211,12 @@
           <a:lstStyle/>
           <a:p>
             <a:r>
-              <a:rPr lang="en-US" smtClean="0">
+              <a:rPr lang="en-US">
                 <a:latin typeface="Times New Roman" panose="02020603050405020304" pitchFamily="18" charset="0"/>
                 <a:cs typeface="Times New Roman" panose="02020603050405020304" pitchFamily="18" charset="0"/>
               </a:rPr>
-              <a:t>Principle </a:t>
-            </a:r>
-            <a:r>
-              <a:rPr lang="en-US" smtClean="0">
-                <a:latin typeface="Times New Roman" panose="02020603050405020304" pitchFamily="18" charset="0"/>
-                <a:cs typeface="Times New Roman" panose="02020603050405020304" pitchFamily="18" charset="0"/>
-              </a:rPr>
-              <a:t>Component Regression</a:t>
-            </a:r>
-            <a:endParaRPr lang="en-US">
-              <a:latin typeface="Times New Roman" panose="02020603050405020304" pitchFamily="18" charset="0"/>
-              <a:cs typeface="Times New Roman" panose="02020603050405020304" pitchFamily="18" charset="0"/>
-            </a:endParaRPr>
+              <a:t>Principle Component Regression</a:t>
+            </a:r>
           </a:p>
         </p:txBody>
       </p:sp>
@@ -4745,14 +4432,9 @@
               <a:buNone/>
             </a:pPr>
             <a:r>
-              <a:rPr lang="en-US" sz="2000" smtClean="0"/>
-              <a:t>Nguồn: </a:t>
-            </a:r>
-            <a:r>
               <a:rPr lang="en-US" sz="2000"/>
-              <a:t>Trevor Hastie, Robert Tibshirani, Jerome Friedman, 2008, The Elements of Statistical Learning: Data Mining, Inference, and Prediction (Second Edition).</a:t>
-            </a:r>
-            <a:endParaRPr lang="en-US" sz="2000"/>
+              <a:t>Nguồn: Trevor Hastie, Robert Tibshirani, Jerome Friedman, 2008, The Elements of Statistical Learning: Data Mining, Inference, and Prediction (Second Edition).</a:t>
+            </a:r>
           </a:p>
         </p:txBody>
       </p:sp>
@@ -4760,6 +4442,119 @@
     <p:extLst>
       <p:ext uri="{BB962C8B-B14F-4D97-AF65-F5344CB8AC3E}">
         <p14:creationId xmlns:p14="http://schemas.microsoft.com/office/powerpoint/2010/main" val="2689894869"/>
+      </p:ext>
+    </p:extLst>
+  </p:cSld>
+  <p:clrMapOvr>
+    <a:masterClrMapping/>
+  </p:clrMapOvr>
+</p:sld>
+</file>
+
+<file path=ppt/slides/slide13.xml><?xml version="1.0" encoding="utf-8"?>
+<p:sld xmlns:a="http://schemas.openxmlformats.org/drawingml/2006/main" xmlns:r="http://schemas.openxmlformats.org/officeDocument/2006/relationships" xmlns:p="http://schemas.openxmlformats.org/presentationml/2006/main">
+  <p:cSld>
+    <p:spTree>
+      <p:nvGrpSpPr>
+        <p:cNvPr id="1" name=""/>
+        <p:cNvGrpSpPr/>
+        <p:nvPr/>
+      </p:nvGrpSpPr>
+      <p:grpSpPr>
+        <a:xfrm>
+          <a:off x="0" y="0"/>
+          <a:ext cx="0" cy="0"/>
+          <a:chOff x="0" y="0"/>
+          <a:chExt cx="0" cy="0"/>
+        </a:xfrm>
+      </p:grpSpPr>
+      <p:sp>
+        <p:nvSpPr>
+          <p:cNvPr id="5" name="Title 4">
+            <a:extLst>
+              <a:ext uri="{FF2B5EF4-FFF2-40B4-BE49-F238E27FC236}">
+                <a16:creationId xmlns:a16="http://schemas.microsoft.com/office/drawing/2014/main" id="{1ACD2337-0507-40BF-B21F-D38B9A855491}"/>
+              </a:ext>
+            </a:extLst>
+          </p:cNvPr>
+          <p:cNvSpPr>
+            <a:spLocks noGrp="1"/>
+          </p:cNvSpPr>
+          <p:nvPr>
+            <p:ph type="title"/>
+          </p:nvPr>
+        </p:nvSpPr>
+        <p:spPr>
+          <a:xfrm>
+            <a:off x="838199" y="111628"/>
+            <a:ext cx="10515600" cy="1325563"/>
+          </a:xfrm>
+        </p:spPr>
+        <p:txBody>
+          <a:bodyPr/>
+          <a:lstStyle/>
+          <a:p>
+            <a:r>
+              <a:rPr lang="en-US" dirty="0">
+                <a:latin typeface="Times New Roman" panose="02020603050405020304" pitchFamily="18" charset="0"/>
+                <a:cs typeface="Times New Roman" panose="02020603050405020304" pitchFamily="18" charset="0"/>
+              </a:rPr>
+              <a:t>Support Vector Machine</a:t>
+            </a:r>
+          </a:p>
+        </p:txBody>
+      </p:sp>
+      <p:pic>
+        <p:nvPicPr>
+          <p:cNvPr id="1026" name="Picture 2">
+            <a:extLst>
+              <a:ext uri="{FF2B5EF4-FFF2-40B4-BE49-F238E27FC236}">
+                <a16:creationId xmlns:a16="http://schemas.microsoft.com/office/drawing/2014/main" id="{21DB0B41-2CA2-4F80-915D-93E516AE21F9}"/>
+              </a:ext>
+            </a:extLst>
+          </p:cNvPr>
+          <p:cNvPicPr>
+            <a:picLocks noChangeAspect="1" noChangeArrowheads="1"/>
+          </p:cNvPicPr>
+          <p:nvPr/>
+        </p:nvPicPr>
+        <p:blipFill>
+          <a:blip r:embed="rId2" cstate="print">
+            <a:extLst>
+              <a:ext uri="{28A0092B-C50C-407E-A947-70E740481C1C}">
+                <a14:useLocalDpi xmlns:a14="http://schemas.microsoft.com/office/drawing/2010/main" val="0"/>
+              </a:ext>
+            </a:extLst>
+          </a:blip>
+          <a:srcRect/>
+          <a:stretch>
+            <a:fillRect/>
+          </a:stretch>
+        </p:blipFill>
+        <p:spPr bwMode="auto">
+          <a:xfrm>
+            <a:off x="2191526" y="1437191"/>
+            <a:ext cx="7808945" cy="5205963"/>
+          </a:xfrm>
+          <a:prstGeom prst="rect">
+            <a:avLst/>
+          </a:prstGeom>
+          <a:noFill/>
+          <a:extLst>
+            <a:ext uri="{909E8E84-426E-40DD-AFC4-6F175D3DCCD1}">
+              <a14:hiddenFill xmlns:a14="http://schemas.microsoft.com/office/drawing/2010/main">
+                <a:solidFill>
+                  <a:srgbClr val="FFFFFF"/>
+                </a:solidFill>
+              </a14:hiddenFill>
+            </a:ext>
+          </a:extLst>
+        </p:spPr>
+      </p:pic>
+    </p:spTree>
+    <p:extLst>
+      <p:ext uri="{BB962C8B-B14F-4D97-AF65-F5344CB8AC3E}">
+        <p14:creationId xmlns:p14="http://schemas.microsoft.com/office/powerpoint/2010/main" val="3693740438"/>
       </p:ext>
     </p:extLst>
   </p:cSld>
@@ -4788,7 +4583,13 @@
       </p:grpSpPr>
       <p:sp>
         <p:nvSpPr>
-          <p:cNvPr id="2" name="Title 1"/>
+          <p:cNvPr id="5" name="Title 4">
+            <a:extLst>
+              <a:ext uri="{FF2B5EF4-FFF2-40B4-BE49-F238E27FC236}">
+                <a16:creationId xmlns:a16="http://schemas.microsoft.com/office/drawing/2014/main" id="{1ACD2337-0507-40BF-B21F-D38B9A855491}"/>
+              </a:ext>
+            </a:extLst>
+          </p:cNvPr>
           <p:cNvSpPr>
             <a:spLocks noGrp="1"/>
           </p:cNvSpPr>
@@ -4798,7 +4599,7 @@
         </p:nvSpPr>
         <p:spPr>
           <a:xfrm>
-            <a:off x="555567" y="99118"/>
+            <a:off x="838199" y="111628"/>
             <a:ext cx="10515600" cy="1325563"/>
           </a:xfrm>
         </p:spPr>
@@ -4807,22 +4608,331 @@
           <a:lstStyle/>
           <a:p>
             <a:r>
-              <a:rPr lang="en-US" smtClean="0"/>
-              <a:t>Support Vector Machine - SVM</a:t>
-            </a:r>
-            <a:endParaRPr lang="en-US"/>
+              <a:rPr lang="en-US" dirty="0">
+                <a:latin typeface="Times New Roman" panose="02020603050405020304" pitchFamily="18" charset="0"/>
+                <a:cs typeface="Times New Roman" panose="02020603050405020304" pitchFamily="18" charset="0"/>
+              </a:rPr>
+              <a:t>Support Vector Machine</a:t>
+            </a:r>
           </a:p>
         </p:txBody>
       </p:sp>
       <p:pic>
         <p:nvPicPr>
-          <p:cNvPr id="4" name="efR1C6CvhmE"/>
+          <p:cNvPr id="2050" name="Picture 2">
+            <a:extLst>
+              <a:ext uri="{FF2B5EF4-FFF2-40B4-BE49-F238E27FC236}">
+                <a16:creationId xmlns:a16="http://schemas.microsoft.com/office/drawing/2014/main" id="{68FBDA59-B399-46D0-AAE1-314716F8605A}"/>
+              </a:ext>
+            </a:extLst>
+          </p:cNvPr>
           <p:cNvPicPr>
-            <a:picLocks noRot="1" noChangeAspect="1"/>
+            <a:picLocks noChangeAspect="1" noChangeArrowheads="1"/>
           </p:cNvPicPr>
+          <p:nvPr/>
+        </p:nvPicPr>
+        <p:blipFill>
+          <a:blip r:embed="rId2" cstate="print">
+            <a:extLst>
+              <a:ext uri="{28A0092B-C50C-407E-A947-70E740481C1C}">
+                <a14:useLocalDpi xmlns:a14="http://schemas.microsoft.com/office/drawing/2010/main" val="0"/>
+              </a:ext>
+            </a:extLst>
+          </a:blip>
+          <a:srcRect/>
+          <a:stretch>
+            <a:fillRect/>
+          </a:stretch>
+        </p:blipFill>
+        <p:spPr bwMode="auto">
+          <a:xfrm>
+            <a:off x="209161" y="1466720"/>
+            <a:ext cx="5886839" cy="3924559"/>
+          </a:xfrm>
+          <a:prstGeom prst="rect">
+            <a:avLst/>
+          </a:prstGeom>
+          <a:noFill/>
+          <a:extLst>
+            <a:ext uri="{909E8E84-426E-40DD-AFC4-6F175D3DCCD1}">
+              <a14:hiddenFill xmlns:a14="http://schemas.microsoft.com/office/drawing/2010/main">
+                <a:solidFill>
+                  <a:srgbClr val="FFFFFF"/>
+                </a:solidFill>
+              </a14:hiddenFill>
+            </a:ext>
+          </a:extLst>
+        </p:spPr>
+      </p:pic>
+      <p:pic>
+        <p:nvPicPr>
+          <p:cNvPr id="2052" name="Picture 4">
+            <a:extLst>
+              <a:ext uri="{FF2B5EF4-FFF2-40B4-BE49-F238E27FC236}">
+                <a16:creationId xmlns:a16="http://schemas.microsoft.com/office/drawing/2014/main" id="{B8207749-CA3F-493F-9326-02F7B87A1ED3}"/>
+              </a:ext>
+            </a:extLst>
+          </p:cNvPr>
+          <p:cNvPicPr>
+            <a:picLocks noChangeAspect="1" noChangeArrowheads="1"/>
+          </p:cNvPicPr>
+          <p:nvPr/>
+        </p:nvPicPr>
+        <p:blipFill>
+          <a:blip r:embed="rId3" cstate="print">
+            <a:extLst>
+              <a:ext uri="{28A0092B-C50C-407E-A947-70E740481C1C}">
+                <a14:useLocalDpi xmlns:a14="http://schemas.microsoft.com/office/drawing/2010/main" val="0"/>
+              </a:ext>
+            </a:extLst>
+          </a:blip>
+          <a:srcRect/>
+          <a:stretch>
+            <a:fillRect/>
+          </a:stretch>
+        </p:blipFill>
+        <p:spPr bwMode="auto">
+          <a:xfrm>
+            <a:off x="5907055" y="1466720"/>
+            <a:ext cx="5886839" cy="3924559"/>
+          </a:xfrm>
+          <a:prstGeom prst="rect">
+            <a:avLst/>
+          </a:prstGeom>
+          <a:noFill/>
+          <a:extLst>
+            <a:ext uri="{909E8E84-426E-40DD-AFC4-6F175D3DCCD1}">
+              <a14:hiddenFill xmlns:a14="http://schemas.microsoft.com/office/drawing/2010/main">
+                <a:solidFill>
+                  <a:srgbClr val="FFFFFF"/>
+                </a:solidFill>
+              </a14:hiddenFill>
+            </a:ext>
+          </a:extLst>
+        </p:spPr>
+      </p:pic>
+    </p:spTree>
+    <p:extLst>
+      <p:ext uri="{BB962C8B-B14F-4D97-AF65-F5344CB8AC3E}">
+        <p14:creationId xmlns:p14="http://schemas.microsoft.com/office/powerpoint/2010/main" val="568061818"/>
+      </p:ext>
+    </p:extLst>
+  </p:cSld>
+  <p:clrMapOvr>
+    <a:masterClrMapping/>
+  </p:clrMapOvr>
+</p:sld>
+</file>
+
+<file path=ppt/slides/slide15.xml><?xml version="1.0" encoding="utf-8"?>
+<p:sld xmlns:a="http://schemas.openxmlformats.org/drawingml/2006/main" xmlns:r="http://schemas.openxmlformats.org/officeDocument/2006/relationships" xmlns:p="http://schemas.openxmlformats.org/presentationml/2006/main">
+  <p:cSld>
+    <p:spTree>
+      <p:nvGrpSpPr>
+        <p:cNvPr id="1" name=""/>
+        <p:cNvGrpSpPr/>
+        <p:nvPr/>
+      </p:nvGrpSpPr>
+      <p:grpSpPr>
+        <a:xfrm>
+          <a:off x="0" y="0"/>
+          <a:ext cx="0" cy="0"/>
+          <a:chOff x="0" y="0"/>
+          <a:chExt cx="0" cy="0"/>
+        </a:xfrm>
+      </p:grpSpPr>
+      <p:sp>
+        <p:nvSpPr>
+          <p:cNvPr id="5" name="Title 4">
+            <a:extLst>
+              <a:ext uri="{FF2B5EF4-FFF2-40B4-BE49-F238E27FC236}">
+                <a16:creationId xmlns:a16="http://schemas.microsoft.com/office/drawing/2014/main" id="{1ACD2337-0507-40BF-B21F-D38B9A855491}"/>
+              </a:ext>
+            </a:extLst>
+          </p:cNvPr>
+          <p:cNvSpPr>
+            <a:spLocks noGrp="1"/>
+          </p:cNvSpPr>
           <p:nvPr>
-            <a:videoFile r:link="rId1"/>
+            <p:ph type="title"/>
           </p:nvPr>
+        </p:nvSpPr>
+        <p:spPr>
+          <a:xfrm>
+            <a:off x="838199" y="111628"/>
+            <a:ext cx="10515600" cy="1325563"/>
+          </a:xfrm>
+        </p:spPr>
+        <p:txBody>
+          <a:bodyPr/>
+          <a:lstStyle/>
+          <a:p>
+            <a:r>
+              <a:rPr lang="en-US" dirty="0">
+                <a:latin typeface="Times New Roman" panose="02020603050405020304" pitchFamily="18" charset="0"/>
+                <a:cs typeface="Times New Roman" panose="02020603050405020304" pitchFamily="18" charset="0"/>
+              </a:rPr>
+              <a:t>Support Vector Machine</a:t>
+            </a:r>
+          </a:p>
+        </p:txBody>
+      </p:sp>
+      <p:pic>
+        <p:nvPicPr>
+          <p:cNvPr id="3074" name="Picture 2">
+            <a:extLst>
+              <a:ext uri="{FF2B5EF4-FFF2-40B4-BE49-F238E27FC236}">
+                <a16:creationId xmlns:a16="http://schemas.microsoft.com/office/drawing/2014/main" id="{481753EA-6C34-40A3-9D46-8E3A7C33CB5E}"/>
+              </a:ext>
+            </a:extLst>
+          </p:cNvPr>
+          <p:cNvPicPr>
+            <a:picLocks noChangeAspect="1" noChangeArrowheads="1"/>
+          </p:cNvPicPr>
+          <p:nvPr/>
+        </p:nvPicPr>
+        <p:blipFill>
+          <a:blip r:embed="rId2" cstate="print">
+            <a:extLst>
+              <a:ext uri="{28A0092B-C50C-407E-A947-70E740481C1C}">
+                <a14:useLocalDpi xmlns:a14="http://schemas.microsoft.com/office/drawing/2010/main" val="0"/>
+              </a:ext>
+            </a:extLst>
+          </a:blip>
+          <a:srcRect/>
+          <a:stretch>
+            <a:fillRect/>
+          </a:stretch>
+        </p:blipFill>
+        <p:spPr bwMode="auto">
+          <a:xfrm>
+            <a:off x="2854000" y="1437191"/>
+            <a:ext cx="6483998" cy="4322665"/>
+          </a:xfrm>
+          <a:prstGeom prst="rect">
+            <a:avLst/>
+          </a:prstGeom>
+          <a:noFill/>
+          <a:extLst>
+            <a:ext uri="{909E8E84-426E-40DD-AFC4-6F175D3DCCD1}">
+              <a14:hiddenFill xmlns:a14="http://schemas.microsoft.com/office/drawing/2010/main">
+                <a:solidFill>
+                  <a:srgbClr val="FFFFFF"/>
+                </a:solidFill>
+              </a14:hiddenFill>
+            </a:ext>
+          </a:extLst>
+        </p:spPr>
+      </p:pic>
+    </p:spTree>
+    <p:extLst>
+      <p:ext uri="{BB962C8B-B14F-4D97-AF65-F5344CB8AC3E}">
+        <p14:creationId xmlns:p14="http://schemas.microsoft.com/office/powerpoint/2010/main" val="3484681181"/>
+      </p:ext>
+    </p:extLst>
+  </p:cSld>
+  <p:clrMapOvr>
+    <a:masterClrMapping/>
+  </p:clrMapOvr>
+</p:sld>
+</file>
+
+<file path=ppt/slides/slide16.xml><?xml version="1.0" encoding="utf-8"?>
+<p:sld xmlns:a="http://schemas.openxmlformats.org/drawingml/2006/main" xmlns:r="http://schemas.openxmlformats.org/officeDocument/2006/relationships" xmlns:p="http://schemas.openxmlformats.org/presentationml/2006/main">
+  <p:cSld>
+    <p:spTree>
+      <p:nvGrpSpPr>
+        <p:cNvPr id="1" name=""/>
+        <p:cNvGrpSpPr/>
+        <p:nvPr/>
+      </p:nvGrpSpPr>
+      <p:grpSpPr>
+        <a:xfrm>
+          <a:off x="0" y="0"/>
+          <a:ext cx="0" cy="0"/>
+          <a:chOff x="0" y="0"/>
+          <a:chExt cx="0" cy="0"/>
+        </a:xfrm>
+      </p:grpSpPr>
+      <p:sp>
+        <p:nvSpPr>
+          <p:cNvPr id="5" name="Title 4">
+            <a:extLst>
+              <a:ext uri="{FF2B5EF4-FFF2-40B4-BE49-F238E27FC236}">
+                <a16:creationId xmlns:a16="http://schemas.microsoft.com/office/drawing/2014/main" id="{1ACD2337-0507-40BF-B21F-D38B9A855491}"/>
+              </a:ext>
+            </a:extLst>
+          </p:cNvPr>
+          <p:cNvSpPr>
+            <a:spLocks noGrp="1"/>
+          </p:cNvSpPr>
+          <p:nvPr>
+            <p:ph type="title"/>
+          </p:nvPr>
+        </p:nvSpPr>
+        <p:spPr>
+          <a:xfrm>
+            <a:off x="838199" y="111628"/>
+            <a:ext cx="10515600" cy="1325563"/>
+          </a:xfrm>
+        </p:spPr>
+        <p:txBody>
+          <a:bodyPr/>
+          <a:lstStyle/>
+          <a:p>
+            <a:r>
+              <a:rPr lang="en-US" dirty="0">
+                <a:latin typeface="Times New Roman" panose="02020603050405020304" pitchFamily="18" charset="0"/>
+                <a:cs typeface="Times New Roman" panose="02020603050405020304" pitchFamily="18" charset="0"/>
+              </a:rPr>
+              <a:t>Support Vector Machine</a:t>
+            </a:r>
+          </a:p>
+        </p:txBody>
+      </p:sp>
+      <p:pic>
+        <p:nvPicPr>
+          <p:cNvPr id="4" name="Picture 3">
+            <a:extLst>
+              <a:ext uri="{FF2B5EF4-FFF2-40B4-BE49-F238E27FC236}">
+                <a16:creationId xmlns:a16="http://schemas.microsoft.com/office/drawing/2014/main" id="{1E18190D-9A06-4249-8265-3401BA989503}"/>
+              </a:ext>
+            </a:extLst>
+          </p:cNvPr>
+          <p:cNvPicPr>
+            <a:picLocks noChangeAspect="1"/>
+          </p:cNvPicPr>
+          <p:nvPr/>
+        </p:nvPicPr>
+        <p:blipFill>
+          <a:blip r:embed="rId2"/>
+          <a:stretch>
+            <a:fillRect/>
+          </a:stretch>
+        </p:blipFill>
+        <p:spPr>
+          <a:xfrm>
+            <a:off x="3286124" y="2212009"/>
+            <a:ext cx="5619750" cy="1000125"/>
+          </a:xfrm>
+          <a:prstGeom prst="rect">
+            <a:avLst/>
+          </a:prstGeom>
+        </p:spPr>
+      </p:pic>
+      <p:pic>
+        <p:nvPicPr>
+          <p:cNvPr id="7" name="Picture 6">
+            <a:extLst>
+              <a:ext uri="{FF2B5EF4-FFF2-40B4-BE49-F238E27FC236}">
+                <a16:creationId xmlns:a16="http://schemas.microsoft.com/office/drawing/2014/main" id="{02659546-0D60-4FB0-B447-763D6279F893}"/>
+              </a:ext>
+            </a:extLst>
+          </p:cNvPr>
+          <p:cNvPicPr>
+            <a:picLocks noChangeAspect="1"/>
+          </p:cNvPicPr>
+          <p:nvPr/>
         </p:nvPicPr>
         <p:blipFill>
           <a:blip r:embed="rId3"/>
@@ -4832,8 +4942,8 @@
         </p:blipFill>
         <p:spPr>
           <a:xfrm>
-            <a:off x="1493519" y="1258338"/>
-            <a:ext cx="8639696" cy="4859829"/>
+            <a:off x="4038599" y="3645866"/>
+            <a:ext cx="4114800" cy="933450"/>
           </a:xfrm>
           <a:prstGeom prst="rect">
             <a:avLst/>
@@ -4842,7 +4952,13 @@
       </p:pic>
       <p:sp>
         <p:nvSpPr>
-          <p:cNvPr id="5" name="Subtitle 2"/>
+          <p:cNvPr id="11" name="Content Placeholder 2">
+            <a:extLst>
+              <a:ext uri="{FF2B5EF4-FFF2-40B4-BE49-F238E27FC236}">
+                <a16:creationId xmlns:a16="http://schemas.microsoft.com/office/drawing/2014/main" id="{C9457B49-F034-4715-B975-CFC172A5A40D}"/>
+              </a:ext>
+            </a:extLst>
+          </p:cNvPr>
           <p:cNvSpPr txBox="1">
             <a:spLocks/>
           </p:cNvSpPr>
@@ -4850,16 +4966,16 @@
         </p:nvSpPr>
         <p:spPr>
           <a:xfrm>
-            <a:off x="1473430" y="6295362"/>
-            <a:ext cx="8679873" cy="471198"/>
+            <a:off x="838199" y="1437191"/>
+            <a:ext cx="8257666" cy="481347"/>
           </a:xfrm>
           <a:prstGeom prst="rect">
             <a:avLst/>
           </a:prstGeom>
         </p:spPr>
         <p:txBody>
-          <a:bodyPr vert="horz" lIns="91440" tIns="45720" rIns="91440" bIns="45720" rtlCol="0" anchor="t">
-            <a:normAutofit fontScale="55000" lnSpcReduction="20000"/>
+          <a:bodyPr vert="horz" lIns="91440" tIns="45720" rIns="91440" bIns="45720" rtlCol="0">
+            <a:noAutofit/>
           </a:bodyPr>
           <a:lstStyle>
             <a:lvl1pPr marL="228600" indent="-228600" algn="l" defTabSz="914400" rtl="0" eaLnBrk="1" latinLnBrk="0" hangingPunct="1">
@@ -5027,26 +5143,985 @@
           </a:lstStyle>
           <a:p>
             <a:pPr marL="0" indent="0">
+              <a:buFont typeface="Arial" panose="020B0604020202020204" pitchFamily="34" charset="0"/>
               <a:buNone/>
             </a:pPr>
             <a:r>
-              <a:rPr lang="en-US" smtClean="0"/>
-              <a:t>Nguồn: </a:t>
-            </a:r>
-            <a:r>
-              <a:rPr lang="en-US">
-                <a:hlinkClick r:id="rId4"/>
+              <a:rPr lang="en-US" dirty="0">
+                <a:latin typeface="Times New Roman" panose="02020603050405020304" pitchFamily="18" charset="0"/>
+                <a:cs typeface="Times New Roman" panose="02020603050405020304" pitchFamily="18" charset="0"/>
               </a:rPr>
-              <a:t>https://www.youtube.com/watch?v=efR1C6CvhmE&amp;t=723s&amp;ab_channel=StatQuestwithJoshStarmer</a:t>
-            </a:r>
-            <a:endParaRPr lang="en-US"/>
+              <a:t>Linear separable</a:t>
+            </a:r>
           </a:p>
         </p:txBody>
       </p:sp>
     </p:spTree>
     <p:extLst>
       <p:ext uri="{BB962C8B-B14F-4D97-AF65-F5344CB8AC3E}">
-        <p14:creationId xmlns:p14="http://schemas.microsoft.com/office/powerpoint/2010/main" val="1742130797"/>
+        <p14:creationId xmlns:p14="http://schemas.microsoft.com/office/powerpoint/2010/main" val="349222343"/>
+      </p:ext>
+    </p:extLst>
+  </p:cSld>
+  <p:clrMapOvr>
+    <a:masterClrMapping/>
+  </p:clrMapOvr>
+</p:sld>
+</file>
+
+<file path=ppt/slides/slide17.xml><?xml version="1.0" encoding="utf-8"?>
+<p:sld xmlns:a="http://schemas.openxmlformats.org/drawingml/2006/main" xmlns:r="http://schemas.openxmlformats.org/officeDocument/2006/relationships" xmlns:p="http://schemas.openxmlformats.org/presentationml/2006/main">
+  <p:cSld>
+    <p:spTree>
+      <p:nvGrpSpPr>
+        <p:cNvPr id="1" name=""/>
+        <p:cNvGrpSpPr/>
+        <p:nvPr/>
+      </p:nvGrpSpPr>
+      <p:grpSpPr>
+        <a:xfrm>
+          <a:off x="0" y="0"/>
+          <a:ext cx="0" cy="0"/>
+          <a:chOff x="0" y="0"/>
+          <a:chExt cx="0" cy="0"/>
+        </a:xfrm>
+      </p:grpSpPr>
+      <p:sp>
+        <p:nvSpPr>
+          <p:cNvPr id="5" name="Title 4">
+            <a:extLst>
+              <a:ext uri="{FF2B5EF4-FFF2-40B4-BE49-F238E27FC236}">
+                <a16:creationId xmlns:a16="http://schemas.microsoft.com/office/drawing/2014/main" id="{1ACD2337-0507-40BF-B21F-D38B9A855491}"/>
+              </a:ext>
+            </a:extLst>
+          </p:cNvPr>
+          <p:cNvSpPr>
+            <a:spLocks noGrp="1"/>
+          </p:cNvSpPr>
+          <p:nvPr>
+            <p:ph type="title"/>
+          </p:nvPr>
+        </p:nvSpPr>
+        <p:spPr>
+          <a:xfrm>
+            <a:off x="838199" y="111628"/>
+            <a:ext cx="10515600" cy="1325563"/>
+          </a:xfrm>
+        </p:spPr>
+        <p:txBody>
+          <a:bodyPr/>
+          <a:lstStyle/>
+          <a:p>
+            <a:r>
+              <a:rPr lang="en-US" dirty="0">
+                <a:latin typeface="Times New Roman" panose="02020603050405020304" pitchFamily="18" charset="0"/>
+                <a:cs typeface="Times New Roman" panose="02020603050405020304" pitchFamily="18" charset="0"/>
+              </a:rPr>
+              <a:t>Support Vector Machine</a:t>
+            </a:r>
+          </a:p>
+        </p:txBody>
+      </p:sp>
+      <p:sp>
+        <p:nvSpPr>
+          <p:cNvPr id="11" name="Content Placeholder 2">
+            <a:extLst>
+              <a:ext uri="{FF2B5EF4-FFF2-40B4-BE49-F238E27FC236}">
+                <a16:creationId xmlns:a16="http://schemas.microsoft.com/office/drawing/2014/main" id="{C9457B49-F034-4715-B975-CFC172A5A40D}"/>
+              </a:ext>
+            </a:extLst>
+          </p:cNvPr>
+          <p:cNvSpPr txBox="1">
+            <a:spLocks/>
+          </p:cNvSpPr>
+          <p:nvPr/>
+        </p:nvSpPr>
+        <p:spPr>
+          <a:xfrm>
+            <a:off x="838199" y="1437191"/>
+            <a:ext cx="8257666" cy="481347"/>
+          </a:xfrm>
+          <a:prstGeom prst="rect">
+            <a:avLst/>
+          </a:prstGeom>
+        </p:spPr>
+        <p:txBody>
+          <a:bodyPr vert="horz" lIns="91440" tIns="45720" rIns="91440" bIns="45720" rtlCol="0">
+            <a:noAutofit/>
+          </a:bodyPr>
+          <a:lstStyle>
+            <a:lvl1pPr marL="228600" indent="-228600" algn="l" defTabSz="914400" rtl="0" eaLnBrk="1" latinLnBrk="0" hangingPunct="1">
+              <a:lnSpc>
+                <a:spcPct val="90000"/>
+              </a:lnSpc>
+              <a:spcBef>
+                <a:spcPts val="1000"/>
+              </a:spcBef>
+              <a:buFont typeface="Arial" panose="020B0604020202020204" pitchFamily="34" charset="0"/>
+              <a:buChar char="•"/>
+              <a:defRPr sz="2800" kern="1200">
+                <a:solidFill>
+                  <a:schemeClr val="tx1"/>
+                </a:solidFill>
+                <a:latin typeface="+mn-lt"/>
+                <a:ea typeface="+mn-ea"/>
+                <a:cs typeface="+mn-cs"/>
+              </a:defRPr>
+            </a:lvl1pPr>
+            <a:lvl2pPr marL="685800" indent="-228600" algn="l" defTabSz="914400" rtl="0" eaLnBrk="1" latinLnBrk="0" hangingPunct="1">
+              <a:lnSpc>
+                <a:spcPct val="90000"/>
+              </a:lnSpc>
+              <a:spcBef>
+                <a:spcPts val="500"/>
+              </a:spcBef>
+              <a:buFont typeface="Arial" panose="020B0604020202020204" pitchFamily="34" charset="0"/>
+              <a:buChar char="•"/>
+              <a:defRPr sz="2400" kern="1200">
+                <a:solidFill>
+                  <a:schemeClr val="tx1"/>
+                </a:solidFill>
+                <a:latin typeface="+mn-lt"/>
+                <a:ea typeface="+mn-ea"/>
+                <a:cs typeface="+mn-cs"/>
+              </a:defRPr>
+            </a:lvl2pPr>
+            <a:lvl3pPr marL="1143000" indent="-228600" algn="l" defTabSz="914400" rtl="0" eaLnBrk="1" latinLnBrk="0" hangingPunct="1">
+              <a:lnSpc>
+                <a:spcPct val="90000"/>
+              </a:lnSpc>
+              <a:spcBef>
+                <a:spcPts val="500"/>
+              </a:spcBef>
+              <a:buFont typeface="Arial" panose="020B0604020202020204" pitchFamily="34" charset="0"/>
+              <a:buChar char="•"/>
+              <a:defRPr sz="2000" kern="1200">
+                <a:solidFill>
+                  <a:schemeClr val="tx1"/>
+                </a:solidFill>
+                <a:latin typeface="+mn-lt"/>
+                <a:ea typeface="+mn-ea"/>
+                <a:cs typeface="+mn-cs"/>
+              </a:defRPr>
+            </a:lvl3pPr>
+            <a:lvl4pPr marL="1600200" indent="-228600" algn="l" defTabSz="914400" rtl="0" eaLnBrk="1" latinLnBrk="0" hangingPunct="1">
+              <a:lnSpc>
+                <a:spcPct val="90000"/>
+              </a:lnSpc>
+              <a:spcBef>
+                <a:spcPts val="500"/>
+              </a:spcBef>
+              <a:buFont typeface="Arial" panose="020B0604020202020204" pitchFamily="34" charset="0"/>
+              <a:buChar char="•"/>
+              <a:defRPr sz="1800" kern="1200">
+                <a:solidFill>
+                  <a:schemeClr val="tx1"/>
+                </a:solidFill>
+                <a:latin typeface="+mn-lt"/>
+                <a:ea typeface="+mn-ea"/>
+                <a:cs typeface="+mn-cs"/>
+              </a:defRPr>
+            </a:lvl4pPr>
+            <a:lvl5pPr marL="2057400" indent="-228600" algn="l" defTabSz="914400" rtl="0" eaLnBrk="1" latinLnBrk="0" hangingPunct="1">
+              <a:lnSpc>
+                <a:spcPct val="90000"/>
+              </a:lnSpc>
+              <a:spcBef>
+                <a:spcPts val="500"/>
+              </a:spcBef>
+              <a:buFont typeface="Arial" panose="020B0604020202020204" pitchFamily="34" charset="0"/>
+              <a:buChar char="•"/>
+              <a:defRPr sz="1800" kern="1200">
+                <a:solidFill>
+                  <a:schemeClr val="tx1"/>
+                </a:solidFill>
+                <a:latin typeface="+mn-lt"/>
+                <a:ea typeface="+mn-ea"/>
+                <a:cs typeface="+mn-cs"/>
+              </a:defRPr>
+            </a:lvl5pPr>
+            <a:lvl6pPr marL="2514600" indent="-228600" algn="l" defTabSz="914400" rtl="0" eaLnBrk="1" latinLnBrk="0" hangingPunct="1">
+              <a:lnSpc>
+                <a:spcPct val="90000"/>
+              </a:lnSpc>
+              <a:spcBef>
+                <a:spcPts val="500"/>
+              </a:spcBef>
+              <a:buFont typeface="Arial" panose="020B0604020202020204" pitchFamily="34" charset="0"/>
+              <a:buChar char="•"/>
+              <a:defRPr sz="1800" kern="1200">
+                <a:solidFill>
+                  <a:schemeClr val="tx1"/>
+                </a:solidFill>
+                <a:latin typeface="+mn-lt"/>
+                <a:ea typeface="+mn-ea"/>
+                <a:cs typeface="+mn-cs"/>
+              </a:defRPr>
+            </a:lvl6pPr>
+            <a:lvl7pPr marL="2971800" indent="-228600" algn="l" defTabSz="914400" rtl="0" eaLnBrk="1" latinLnBrk="0" hangingPunct="1">
+              <a:lnSpc>
+                <a:spcPct val="90000"/>
+              </a:lnSpc>
+              <a:spcBef>
+                <a:spcPts val="500"/>
+              </a:spcBef>
+              <a:buFont typeface="Arial" panose="020B0604020202020204" pitchFamily="34" charset="0"/>
+              <a:buChar char="•"/>
+              <a:defRPr sz="1800" kern="1200">
+                <a:solidFill>
+                  <a:schemeClr val="tx1"/>
+                </a:solidFill>
+                <a:latin typeface="+mn-lt"/>
+                <a:ea typeface="+mn-ea"/>
+                <a:cs typeface="+mn-cs"/>
+              </a:defRPr>
+            </a:lvl7pPr>
+            <a:lvl8pPr marL="3429000" indent="-228600" algn="l" defTabSz="914400" rtl="0" eaLnBrk="1" latinLnBrk="0" hangingPunct="1">
+              <a:lnSpc>
+                <a:spcPct val="90000"/>
+              </a:lnSpc>
+              <a:spcBef>
+                <a:spcPts val="500"/>
+              </a:spcBef>
+              <a:buFont typeface="Arial" panose="020B0604020202020204" pitchFamily="34" charset="0"/>
+              <a:buChar char="•"/>
+              <a:defRPr sz="1800" kern="1200">
+                <a:solidFill>
+                  <a:schemeClr val="tx1"/>
+                </a:solidFill>
+                <a:latin typeface="+mn-lt"/>
+                <a:ea typeface="+mn-ea"/>
+                <a:cs typeface="+mn-cs"/>
+              </a:defRPr>
+            </a:lvl8pPr>
+            <a:lvl9pPr marL="3886200" indent="-228600" algn="l" defTabSz="914400" rtl="0" eaLnBrk="1" latinLnBrk="0" hangingPunct="1">
+              <a:lnSpc>
+                <a:spcPct val="90000"/>
+              </a:lnSpc>
+              <a:spcBef>
+                <a:spcPts val="500"/>
+              </a:spcBef>
+              <a:buFont typeface="Arial" panose="020B0604020202020204" pitchFamily="34" charset="0"/>
+              <a:buChar char="•"/>
+              <a:defRPr sz="1800" kern="1200">
+                <a:solidFill>
+                  <a:schemeClr val="tx1"/>
+                </a:solidFill>
+                <a:latin typeface="+mn-lt"/>
+                <a:ea typeface="+mn-ea"/>
+                <a:cs typeface="+mn-cs"/>
+              </a:defRPr>
+            </a:lvl9pPr>
+          </a:lstStyle>
+          <a:p>
+            <a:pPr marL="0" indent="0">
+              <a:buFont typeface="Arial" panose="020B0604020202020204" pitchFamily="34" charset="0"/>
+              <a:buNone/>
+            </a:pPr>
+            <a:r>
+              <a:rPr lang="en-US" dirty="0">
+                <a:latin typeface="Times New Roman" panose="02020603050405020304" pitchFamily="18" charset="0"/>
+                <a:cs typeface="Times New Roman" panose="02020603050405020304" pitchFamily="18" charset="0"/>
+              </a:rPr>
+              <a:t>Non-linear separable</a:t>
+            </a:r>
+          </a:p>
+        </p:txBody>
+      </p:sp>
+      <p:pic>
+        <p:nvPicPr>
+          <p:cNvPr id="3" name="Picture 2">
+            <a:extLst>
+              <a:ext uri="{FF2B5EF4-FFF2-40B4-BE49-F238E27FC236}">
+                <a16:creationId xmlns:a16="http://schemas.microsoft.com/office/drawing/2014/main" id="{39F032EB-9359-43BF-922B-8B542E3409D4}"/>
+              </a:ext>
+            </a:extLst>
+          </p:cNvPr>
+          <p:cNvPicPr>
+            <a:picLocks noChangeAspect="1"/>
+          </p:cNvPicPr>
+          <p:nvPr/>
+        </p:nvPicPr>
+        <p:blipFill>
+          <a:blip r:embed="rId2"/>
+          <a:stretch>
+            <a:fillRect/>
+          </a:stretch>
+        </p:blipFill>
+        <p:spPr>
+          <a:xfrm>
+            <a:off x="4238624" y="2244790"/>
+            <a:ext cx="3714750" cy="838200"/>
+          </a:xfrm>
+          <a:prstGeom prst="rect">
+            <a:avLst/>
+          </a:prstGeom>
+        </p:spPr>
+      </p:pic>
+      <p:pic>
+        <p:nvPicPr>
+          <p:cNvPr id="8" name="Picture 7">
+            <a:extLst>
+              <a:ext uri="{FF2B5EF4-FFF2-40B4-BE49-F238E27FC236}">
+                <a16:creationId xmlns:a16="http://schemas.microsoft.com/office/drawing/2014/main" id="{E774E012-EFAE-4A29-8081-FB5B71492CC1}"/>
+              </a:ext>
+            </a:extLst>
+          </p:cNvPr>
+          <p:cNvPicPr>
+            <a:picLocks noChangeAspect="1"/>
+          </p:cNvPicPr>
+          <p:nvPr/>
+        </p:nvPicPr>
+        <p:blipFill>
+          <a:blip r:embed="rId3"/>
+          <a:stretch>
+            <a:fillRect/>
+          </a:stretch>
+        </p:blipFill>
+        <p:spPr>
+          <a:xfrm>
+            <a:off x="3938586" y="3244101"/>
+            <a:ext cx="4314825" cy="914400"/>
+          </a:xfrm>
+          <a:prstGeom prst="rect">
+            <a:avLst/>
+          </a:prstGeom>
+        </p:spPr>
+      </p:pic>
+    </p:spTree>
+    <p:extLst>
+      <p:ext uri="{BB962C8B-B14F-4D97-AF65-F5344CB8AC3E}">
+        <p14:creationId xmlns:p14="http://schemas.microsoft.com/office/powerpoint/2010/main" val="3391816703"/>
+      </p:ext>
+    </p:extLst>
+  </p:cSld>
+  <p:clrMapOvr>
+    <a:masterClrMapping/>
+  </p:clrMapOvr>
+</p:sld>
+</file>
+
+<file path=ppt/slides/slide18.xml><?xml version="1.0" encoding="utf-8"?>
+<p:sld xmlns:a="http://schemas.openxmlformats.org/drawingml/2006/main" xmlns:r="http://schemas.openxmlformats.org/officeDocument/2006/relationships" xmlns:p="http://schemas.openxmlformats.org/presentationml/2006/main">
+  <p:cSld>
+    <p:spTree>
+      <p:nvGrpSpPr>
+        <p:cNvPr id="1" name=""/>
+        <p:cNvGrpSpPr/>
+        <p:nvPr/>
+      </p:nvGrpSpPr>
+      <p:grpSpPr>
+        <a:xfrm>
+          <a:off x="0" y="0"/>
+          <a:ext cx="0" cy="0"/>
+          <a:chOff x="0" y="0"/>
+          <a:chExt cx="0" cy="0"/>
+        </a:xfrm>
+      </p:grpSpPr>
+      <p:sp>
+        <p:nvSpPr>
+          <p:cNvPr id="2" name="Title 1">
+            <a:extLst>
+              <a:ext uri="{FF2B5EF4-FFF2-40B4-BE49-F238E27FC236}">
+                <a16:creationId xmlns:a16="http://schemas.microsoft.com/office/drawing/2014/main" id="{152A72C9-3AA8-49C4-889D-AC56D759F0DB}"/>
+              </a:ext>
+            </a:extLst>
+          </p:cNvPr>
+          <p:cNvSpPr>
+            <a:spLocks noGrp="1"/>
+          </p:cNvSpPr>
+          <p:nvPr>
+            <p:ph type="title"/>
+          </p:nvPr>
+        </p:nvSpPr>
+        <p:spPr>
+          <a:xfrm>
+            <a:off x="483637" y="-82745"/>
+            <a:ext cx="10515600" cy="1325563"/>
+          </a:xfrm>
+        </p:spPr>
+        <p:txBody>
+          <a:bodyPr/>
+          <a:lstStyle/>
+          <a:p>
+            <a:r>
+              <a:rPr lang="en-US" dirty="0"/>
+              <a:t>Paper result</a:t>
+            </a:r>
+          </a:p>
+        </p:txBody>
+      </p:sp>
+      <p:pic>
+        <p:nvPicPr>
+          <p:cNvPr id="5" name="Picture 4">
+            <a:extLst>
+              <a:ext uri="{FF2B5EF4-FFF2-40B4-BE49-F238E27FC236}">
+                <a16:creationId xmlns:a16="http://schemas.microsoft.com/office/drawing/2014/main" id="{A07FBD6D-6658-42A2-BF5F-DC9B03E4D48D}"/>
+              </a:ext>
+            </a:extLst>
+          </p:cNvPr>
+          <p:cNvPicPr>
+            <a:picLocks noChangeAspect="1"/>
+          </p:cNvPicPr>
+          <p:nvPr/>
+        </p:nvPicPr>
+        <p:blipFill>
+          <a:blip r:embed="rId2"/>
+          <a:stretch>
+            <a:fillRect/>
+          </a:stretch>
+        </p:blipFill>
+        <p:spPr>
+          <a:xfrm>
+            <a:off x="2865858" y="1064351"/>
+            <a:ext cx="6460283" cy="4729298"/>
+          </a:xfrm>
+          <a:prstGeom prst="rect">
+            <a:avLst/>
+          </a:prstGeom>
+        </p:spPr>
+      </p:pic>
+      <p:sp>
+        <p:nvSpPr>
+          <p:cNvPr id="7" name="Subtitle 2">
+            <a:extLst>
+              <a:ext uri="{FF2B5EF4-FFF2-40B4-BE49-F238E27FC236}">
+                <a16:creationId xmlns:a16="http://schemas.microsoft.com/office/drawing/2014/main" id="{681F6472-2071-46AE-8421-282EDB626369}"/>
+              </a:ext>
+            </a:extLst>
+          </p:cNvPr>
+          <p:cNvSpPr txBox="1">
+            <a:spLocks/>
+          </p:cNvSpPr>
+          <p:nvPr/>
+        </p:nvSpPr>
+        <p:spPr>
+          <a:xfrm>
+            <a:off x="1009063" y="5913592"/>
+            <a:ext cx="10823171" cy="471198"/>
+          </a:xfrm>
+          <a:prstGeom prst="rect">
+            <a:avLst/>
+          </a:prstGeom>
+        </p:spPr>
+        <p:txBody>
+          <a:bodyPr vert="horz" lIns="91440" tIns="45720" rIns="91440" bIns="45720" rtlCol="0" anchor="t">
+            <a:normAutofit fontScale="62500" lnSpcReduction="20000"/>
+          </a:bodyPr>
+          <a:lstStyle>
+            <a:lvl1pPr marL="228600" indent="-228600" algn="l" defTabSz="914400" rtl="0" eaLnBrk="1" latinLnBrk="0" hangingPunct="1">
+              <a:lnSpc>
+                <a:spcPct val="90000"/>
+              </a:lnSpc>
+              <a:spcBef>
+                <a:spcPts val="1000"/>
+              </a:spcBef>
+              <a:buFont typeface="Arial" panose="020B0604020202020204" pitchFamily="34" charset="0"/>
+              <a:buChar char="•"/>
+              <a:defRPr sz="2800" kern="1200">
+                <a:solidFill>
+                  <a:schemeClr val="tx1"/>
+                </a:solidFill>
+                <a:latin typeface="+mn-lt"/>
+                <a:ea typeface="+mn-ea"/>
+                <a:cs typeface="+mn-cs"/>
+              </a:defRPr>
+            </a:lvl1pPr>
+            <a:lvl2pPr marL="685800" indent="-228600" algn="l" defTabSz="914400" rtl="0" eaLnBrk="1" latinLnBrk="0" hangingPunct="1">
+              <a:lnSpc>
+                <a:spcPct val="90000"/>
+              </a:lnSpc>
+              <a:spcBef>
+                <a:spcPts val="500"/>
+              </a:spcBef>
+              <a:buFont typeface="Arial" panose="020B0604020202020204" pitchFamily="34" charset="0"/>
+              <a:buChar char="•"/>
+              <a:defRPr sz="2400" kern="1200">
+                <a:solidFill>
+                  <a:schemeClr val="tx1"/>
+                </a:solidFill>
+                <a:latin typeface="+mn-lt"/>
+                <a:ea typeface="+mn-ea"/>
+                <a:cs typeface="+mn-cs"/>
+              </a:defRPr>
+            </a:lvl2pPr>
+            <a:lvl3pPr marL="1143000" indent="-228600" algn="l" defTabSz="914400" rtl="0" eaLnBrk="1" latinLnBrk="0" hangingPunct="1">
+              <a:lnSpc>
+                <a:spcPct val="90000"/>
+              </a:lnSpc>
+              <a:spcBef>
+                <a:spcPts val="500"/>
+              </a:spcBef>
+              <a:buFont typeface="Arial" panose="020B0604020202020204" pitchFamily="34" charset="0"/>
+              <a:buChar char="•"/>
+              <a:defRPr sz="2000" kern="1200">
+                <a:solidFill>
+                  <a:schemeClr val="tx1"/>
+                </a:solidFill>
+                <a:latin typeface="+mn-lt"/>
+                <a:ea typeface="+mn-ea"/>
+                <a:cs typeface="+mn-cs"/>
+              </a:defRPr>
+            </a:lvl3pPr>
+            <a:lvl4pPr marL="1600200" indent="-228600" algn="l" defTabSz="914400" rtl="0" eaLnBrk="1" latinLnBrk="0" hangingPunct="1">
+              <a:lnSpc>
+                <a:spcPct val="90000"/>
+              </a:lnSpc>
+              <a:spcBef>
+                <a:spcPts val="500"/>
+              </a:spcBef>
+              <a:buFont typeface="Arial" panose="020B0604020202020204" pitchFamily="34" charset="0"/>
+              <a:buChar char="•"/>
+              <a:defRPr sz="1800" kern="1200">
+                <a:solidFill>
+                  <a:schemeClr val="tx1"/>
+                </a:solidFill>
+                <a:latin typeface="+mn-lt"/>
+                <a:ea typeface="+mn-ea"/>
+                <a:cs typeface="+mn-cs"/>
+              </a:defRPr>
+            </a:lvl4pPr>
+            <a:lvl5pPr marL="2057400" indent="-228600" algn="l" defTabSz="914400" rtl="0" eaLnBrk="1" latinLnBrk="0" hangingPunct="1">
+              <a:lnSpc>
+                <a:spcPct val="90000"/>
+              </a:lnSpc>
+              <a:spcBef>
+                <a:spcPts val="500"/>
+              </a:spcBef>
+              <a:buFont typeface="Arial" panose="020B0604020202020204" pitchFamily="34" charset="0"/>
+              <a:buChar char="•"/>
+              <a:defRPr sz="1800" kern="1200">
+                <a:solidFill>
+                  <a:schemeClr val="tx1"/>
+                </a:solidFill>
+                <a:latin typeface="+mn-lt"/>
+                <a:ea typeface="+mn-ea"/>
+                <a:cs typeface="+mn-cs"/>
+              </a:defRPr>
+            </a:lvl5pPr>
+            <a:lvl6pPr marL="2514600" indent="-228600" algn="l" defTabSz="914400" rtl="0" eaLnBrk="1" latinLnBrk="0" hangingPunct="1">
+              <a:lnSpc>
+                <a:spcPct val="90000"/>
+              </a:lnSpc>
+              <a:spcBef>
+                <a:spcPts val="500"/>
+              </a:spcBef>
+              <a:buFont typeface="Arial" panose="020B0604020202020204" pitchFamily="34" charset="0"/>
+              <a:buChar char="•"/>
+              <a:defRPr sz="1800" kern="1200">
+                <a:solidFill>
+                  <a:schemeClr val="tx1"/>
+                </a:solidFill>
+                <a:latin typeface="+mn-lt"/>
+                <a:ea typeface="+mn-ea"/>
+                <a:cs typeface="+mn-cs"/>
+              </a:defRPr>
+            </a:lvl6pPr>
+            <a:lvl7pPr marL="2971800" indent="-228600" algn="l" defTabSz="914400" rtl="0" eaLnBrk="1" latinLnBrk="0" hangingPunct="1">
+              <a:lnSpc>
+                <a:spcPct val="90000"/>
+              </a:lnSpc>
+              <a:spcBef>
+                <a:spcPts val="500"/>
+              </a:spcBef>
+              <a:buFont typeface="Arial" panose="020B0604020202020204" pitchFamily="34" charset="0"/>
+              <a:buChar char="•"/>
+              <a:defRPr sz="1800" kern="1200">
+                <a:solidFill>
+                  <a:schemeClr val="tx1"/>
+                </a:solidFill>
+                <a:latin typeface="+mn-lt"/>
+                <a:ea typeface="+mn-ea"/>
+                <a:cs typeface="+mn-cs"/>
+              </a:defRPr>
+            </a:lvl7pPr>
+            <a:lvl8pPr marL="3429000" indent="-228600" algn="l" defTabSz="914400" rtl="0" eaLnBrk="1" latinLnBrk="0" hangingPunct="1">
+              <a:lnSpc>
+                <a:spcPct val="90000"/>
+              </a:lnSpc>
+              <a:spcBef>
+                <a:spcPts val="500"/>
+              </a:spcBef>
+              <a:buFont typeface="Arial" panose="020B0604020202020204" pitchFamily="34" charset="0"/>
+              <a:buChar char="•"/>
+              <a:defRPr sz="1800" kern="1200">
+                <a:solidFill>
+                  <a:schemeClr val="tx1"/>
+                </a:solidFill>
+                <a:latin typeface="+mn-lt"/>
+                <a:ea typeface="+mn-ea"/>
+                <a:cs typeface="+mn-cs"/>
+              </a:defRPr>
+            </a:lvl8pPr>
+            <a:lvl9pPr marL="3886200" indent="-228600" algn="l" defTabSz="914400" rtl="0" eaLnBrk="1" latinLnBrk="0" hangingPunct="1">
+              <a:lnSpc>
+                <a:spcPct val="90000"/>
+              </a:lnSpc>
+              <a:spcBef>
+                <a:spcPts val="500"/>
+              </a:spcBef>
+              <a:buFont typeface="Arial" panose="020B0604020202020204" pitchFamily="34" charset="0"/>
+              <a:buChar char="•"/>
+              <a:defRPr sz="1800" kern="1200">
+                <a:solidFill>
+                  <a:schemeClr val="tx1"/>
+                </a:solidFill>
+                <a:latin typeface="+mn-lt"/>
+                <a:ea typeface="+mn-ea"/>
+                <a:cs typeface="+mn-cs"/>
+              </a:defRPr>
+            </a:lvl9pPr>
+          </a:lstStyle>
+          <a:p>
+            <a:pPr marL="0" indent="0">
+              <a:buNone/>
+            </a:pPr>
+            <a:r>
+              <a:rPr lang="en-US" dirty="0" err="1"/>
+              <a:t>Nguồn</a:t>
+            </a:r>
+            <a:r>
+              <a:rPr lang="en-US" dirty="0"/>
+              <a:t>: </a:t>
+            </a:r>
+            <a:r>
+              <a:rPr lang="en-US" dirty="0" err="1"/>
+              <a:t>Hongling</a:t>
+            </a:r>
+            <a:r>
+              <a:rPr lang="en-US" dirty="0"/>
+              <a:t> Chen, Chen </a:t>
+            </a:r>
+            <a:r>
+              <a:rPr lang="en-US" dirty="0" err="1"/>
+              <a:t>Haoyu</a:t>
+            </a:r>
+            <a:r>
+              <a:rPr lang="en-US" dirty="0"/>
+              <a:t>, 2019, Face Recognition Algorithm Based on VGG Network Model and SVM.</a:t>
+            </a:r>
+          </a:p>
+        </p:txBody>
+      </p:sp>
+    </p:spTree>
+    <p:extLst>
+      <p:ext uri="{BB962C8B-B14F-4D97-AF65-F5344CB8AC3E}">
+        <p14:creationId xmlns:p14="http://schemas.microsoft.com/office/powerpoint/2010/main" val="3100763399"/>
+      </p:ext>
+    </p:extLst>
+  </p:cSld>
+  <p:clrMapOvr>
+    <a:masterClrMapping/>
+  </p:clrMapOvr>
+</p:sld>
+</file>
+
+<file path=ppt/slides/slide19.xml><?xml version="1.0" encoding="utf-8"?>
+<p:sld xmlns:a="http://schemas.openxmlformats.org/drawingml/2006/main" xmlns:r="http://schemas.openxmlformats.org/officeDocument/2006/relationships" xmlns:p="http://schemas.openxmlformats.org/presentationml/2006/main">
+  <p:cSld>
+    <p:spTree>
+      <p:nvGrpSpPr>
+        <p:cNvPr id="1" name=""/>
+        <p:cNvGrpSpPr/>
+        <p:nvPr/>
+      </p:nvGrpSpPr>
+      <p:grpSpPr>
+        <a:xfrm>
+          <a:off x="0" y="0"/>
+          <a:ext cx="0" cy="0"/>
+          <a:chOff x="0" y="0"/>
+          <a:chExt cx="0" cy="0"/>
+        </a:xfrm>
+      </p:grpSpPr>
+      <p:sp>
+        <p:nvSpPr>
+          <p:cNvPr id="2" name="Title 1">
+            <a:extLst>
+              <a:ext uri="{FF2B5EF4-FFF2-40B4-BE49-F238E27FC236}">
+                <a16:creationId xmlns:a16="http://schemas.microsoft.com/office/drawing/2014/main" id="{152A72C9-3AA8-49C4-889D-AC56D759F0DB}"/>
+              </a:ext>
+            </a:extLst>
+          </p:cNvPr>
+          <p:cNvSpPr>
+            <a:spLocks noGrp="1"/>
+          </p:cNvSpPr>
+          <p:nvPr>
+            <p:ph type="title"/>
+          </p:nvPr>
+        </p:nvSpPr>
+        <p:spPr>
+          <a:xfrm>
+            <a:off x="483637" y="-82745"/>
+            <a:ext cx="10515600" cy="1325563"/>
+          </a:xfrm>
+        </p:spPr>
+        <p:txBody>
+          <a:bodyPr/>
+          <a:lstStyle/>
+          <a:p>
+            <a:r>
+              <a:rPr lang="en-US" dirty="0"/>
+              <a:t>Paper result</a:t>
+            </a:r>
+          </a:p>
+        </p:txBody>
+      </p:sp>
+      <p:sp>
+        <p:nvSpPr>
+          <p:cNvPr id="7" name="Subtitle 2">
+            <a:extLst>
+              <a:ext uri="{FF2B5EF4-FFF2-40B4-BE49-F238E27FC236}">
+                <a16:creationId xmlns:a16="http://schemas.microsoft.com/office/drawing/2014/main" id="{681F6472-2071-46AE-8421-282EDB626369}"/>
+              </a:ext>
+            </a:extLst>
+          </p:cNvPr>
+          <p:cNvSpPr txBox="1">
+            <a:spLocks/>
+          </p:cNvSpPr>
+          <p:nvPr/>
+        </p:nvSpPr>
+        <p:spPr>
+          <a:xfrm>
+            <a:off x="1009063" y="5913592"/>
+            <a:ext cx="10823171" cy="471198"/>
+          </a:xfrm>
+          <a:prstGeom prst="rect">
+            <a:avLst/>
+          </a:prstGeom>
+        </p:spPr>
+        <p:txBody>
+          <a:bodyPr vert="horz" lIns="91440" tIns="45720" rIns="91440" bIns="45720" rtlCol="0" anchor="t">
+            <a:normAutofit fontScale="62500" lnSpcReduction="20000"/>
+          </a:bodyPr>
+          <a:lstStyle>
+            <a:lvl1pPr marL="228600" indent="-228600" algn="l" defTabSz="914400" rtl="0" eaLnBrk="1" latinLnBrk="0" hangingPunct="1">
+              <a:lnSpc>
+                <a:spcPct val="90000"/>
+              </a:lnSpc>
+              <a:spcBef>
+                <a:spcPts val="1000"/>
+              </a:spcBef>
+              <a:buFont typeface="Arial" panose="020B0604020202020204" pitchFamily="34" charset="0"/>
+              <a:buChar char="•"/>
+              <a:defRPr sz="2800" kern="1200">
+                <a:solidFill>
+                  <a:schemeClr val="tx1"/>
+                </a:solidFill>
+                <a:latin typeface="+mn-lt"/>
+                <a:ea typeface="+mn-ea"/>
+                <a:cs typeface="+mn-cs"/>
+              </a:defRPr>
+            </a:lvl1pPr>
+            <a:lvl2pPr marL="685800" indent="-228600" algn="l" defTabSz="914400" rtl="0" eaLnBrk="1" latinLnBrk="0" hangingPunct="1">
+              <a:lnSpc>
+                <a:spcPct val="90000"/>
+              </a:lnSpc>
+              <a:spcBef>
+                <a:spcPts val="500"/>
+              </a:spcBef>
+              <a:buFont typeface="Arial" panose="020B0604020202020204" pitchFamily="34" charset="0"/>
+              <a:buChar char="•"/>
+              <a:defRPr sz="2400" kern="1200">
+                <a:solidFill>
+                  <a:schemeClr val="tx1"/>
+                </a:solidFill>
+                <a:latin typeface="+mn-lt"/>
+                <a:ea typeface="+mn-ea"/>
+                <a:cs typeface="+mn-cs"/>
+              </a:defRPr>
+            </a:lvl2pPr>
+            <a:lvl3pPr marL="1143000" indent="-228600" algn="l" defTabSz="914400" rtl="0" eaLnBrk="1" latinLnBrk="0" hangingPunct="1">
+              <a:lnSpc>
+                <a:spcPct val="90000"/>
+              </a:lnSpc>
+              <a:spcBef>
+                <a:spcPts val="500"/>
+              </a:spcBef>
+              <a:buFont typeface="Arial" panose="020B0604020202020204" pitchFamily="34" charset="0"/>
+              <a:buChar char="•"/>
+              <a:defRPr sz="2000" kern="1200">
+                <a:solidFill>
+                  <a:schemeClr val="tx1"/>
+                </a:solidFill>
+                <a:latin typeface="+mn-lt"/>
+                <a:ea typeface="+mn-ea"/>
+                <a:cs typeface="+mn-cs"/>
+              </a:defRPr>
+            </a:lvl3pPr>
+            <a:lvl4pPr marL="1600200" indent="-228600" algn="l" defTabSz="914400" rtl="0" eaLnBrk="1" latinLnBrk="0" hangingPunct="1">
+              <a:lnSpc>
+                <a:spcPct val="90000"/>
+              </a:lnSpc>
+              <a:spcBef>
+                <a:spcPts val="500"/>
+              </a:spcBef>
+              <a:buFont typeface="Arial" panose="020B0604020202020204" pitchFamily="34" charset="0"/>
+              <a:buChar char="•"/>
+              <a:defRPr sz="1800" kern="1200">
+                <a:solidFill>
+                  <a:schemeClr val="tx1"/>
+                </a:solidFill>
+                <a:latin typeface="+mn-lt"/>
+                <a:ea typeface="+mn-ea"/>
+                <a:cs typeface="+mn-cs"/>
+              </a:defRPr>
+            </a:lvl4pPr>
+            <a:lvl5pPr marL="2057400" indent="-228600" algn="l" defTabSz="914400" rtl="0" eaLnBrk="1" latinLnBrk="0" hangingPunct="1">
+              <a:lnSpc>
+                <a:spcPct val="90000"/>
+              </a:lnSpc>
+              <a:spcBef>
+                <a:spcPts val="500"/>
+              </a:spcBef>
+              <a:buFont typeface="Arial" panose="020B0604020202020204" pitchFamily="34" charset="0"/>
+              <a:buChar char="•"/>
+              <a:defRPr sz="1800" kern="1200">
+                <a:solidFill>
+                  <a:schemeClr val="tx1"/>
+                </a:solidFill>
+                <a:latin typeface="+mn-lt"/>
+                <a:ea typeface="+mn-ea"/>
+                <a:cs typeface="+mn-cs"/>
+              </a:defRPr>
+            </a:lvl5pPr>
+            <a:lvl6pPr marL="2514600" indent="-228600" algn="l" defTabSz="914400" rtl="0" eaLnBrk="1" latinLnBrk="0" hangingPunct="1">
+              <a:lnSpc>
+                <a:spcPct val="90000"/>
+              </a:lnSpc>
+              <a:spcBef>
+                <a:spcPts val="500"/>
+              </a:spcBef>
+              <a:buFont typeface="Arial" panose="020B0604020202020204" pitchFamily="34" charset="0"/>
+              <a:buChar char="•"/>
+              <a:defRPr sz="1800" kern="1200">
+                <a:solidFill>
+                  <a:schemeClr val="tx1"/>
+                </a:solidFill>
+                <a:latin typeface="+mn-lt"/>
+                <a:ea typeface="+mn-ea"/>
+                <a:cs typeface="+mn-cs"/>
+              </a:defRPr>
+            </a:lvl6pPr>
+            <a:lvl7pPr marL="2971800" indent="-228600" algn="l" defTabSz="914400" rtl="0" eaLnBrk="1" latinLnBrk="0" hangingPunct="1">
+              <a:lnSpc>
+                <a:spcPct val="90000"/>
+              </a:lnSpc>
+              <a:spcBef>
+                <a:spcPts val="500"/>
+              </a:spcBef>
+              <a:buFont typeface="Arial" panose="020B0604020202020204" pitchFamily="34" charset="0"/>
+              <a:buChar char="•"/>
+              <a:defRPr sz="1800" kern="1200">
+                <a:solidFill>
+                  <a:schemeClr val="tx1"/>
+                </a:solidFill>
+                <a:latin typeface="+mn-lt"/>
+                <a:ea typeface="+mn-ea"/>
+                <a:cs typeface="+mn-cs"/>
+              </a:defRPr>
+            </a:lvl7pPr>
+            <a:lvl8pPr marL="3429000" indent="-228600" algn="l" defTabSz="914400" rtl="0" eaLnBrk="1" latinLnBrk="0" hangingPunct="1">
+              <a:lnSpc>
+                <a:spcPct val="90000"/>
+              </a:lnSpc>
+              <a:spcBef>
+                <a:spcPts val="500"/>
+              </a:spcBef>
+              <a:buFont typeface="Arial" panose="020B0604020202020204" pitchFamily="34" charset="0"/>
+              <a:buChar char="•"/>
+              <a:defRPr sz="1800" kern="1200">
+                <a:solidFill>
+                  <a:schemeClr val="tx1"/>
+                </a:solidFill>
+                <a:latin typeface="+mn-lt"/>
+                <a:ea typeface="+mn-ea"/>
+                <a:cs typeface="+mn-cs"/>
+              </a:defRPr>
+            </a:lvl8pPr>
+            <a:lvl9pPr marL="3886200" indent="-228600" algn="l" defTabSz="914400" rtl="0" eaLnBrk="1" latinLnBrk="0" hangingPunct="1">
+              <a:lnSpc>
+                <a:spcPct val="90000"/>
+              </a:lnSpc>
+              <a:spcBef>
+                <a:spcPts val="500"/>
+              </a:spcBef>
+              <a:buFont typeface="Arial" panose="020B0604020202020204" pitchFamily="34" charset="0"/>
+              <a:buChar char="•"/>
+              <a:defRPr sz="1800" kern="1200">
+                <a:solidFill>
+                  <a:schemeClr val="tx1"/>
+                </a:solidFill>
+                <a:latin typeface="+mn-lt"/>
+                <a:ea typeface="+mn-ea"/>
+                <a:cs typeface="+mn-cs"/>
+              </a:defRPr>
+            </a:lvl9pPr>
+          </a:lstStyle>
+          <a:p>
+            <a:pPr marL="0" indent="0">
+              <a:buNone/>
+            </a:pPr>
+            <a:r>
+              <a:rPr lang="en-US" dirty="0" err="1"/>
+              <a:t>Nguồn</a:t>
+            </a:r>
+            <a:r>
+              <a:rPr lang="en-US" dirty="0"/>
+              <a:t>: </a:t>
+            </a:r>
+            <a:r>
+              <a:rPr lang="en-US" dirty="0" err="1"/>
+              <a:t>Hongling</a:t>
+            </a:r>
+            <a:r>
+              <a:rPr lang="en-US" dirty="0"/>
+              <a:t> Chen, Chen </a:t>
+            </a:r>
+            <a:r>
+              <a:rPr lang="en-US" dirty="0" err="1"/>
+              <a:t>Haoyu</a:t>
+            </a:r>
+            <a:r>
+              <a:rPr lang="en-US" dirty="0"/>
+              <a:t>, 2019, Face Recognition Algorithm Based on VGG Network Model and SVM.</a:t>
+            </a:r>
+          </a:p>
+        </p:txBody>
+      </p:sp>
+      <p:pic>
+        <p:nvPicPr>
+          <p:cNvPr id="4" name="Picture 3">
+            <a:extLst>
+              <a:ext uri="{FF2B5EF4-FFF2-40B4-BE49-F238E27FC236}">
+                <a16:creationId xmlns:a16="http://schemas.microsoft.com/office/drawing/2014/main" id="{310F9C55-1B38-45F5-B6F6-22C2BB54258E}"/>
+              </a:ext>
+            </a:extLst>
+          </p:cNvPr>
+          <p:cNvPicPr>
+            <a:picLocks noChangeAspect="1"/>
+          </p:cNvPicPr>
+          <p:nvPr/>
+        </p:nvPicPr>
+        <p:blipFill>
+          <a:blip r:embed="rId2"/>
+          <a:stretch>
+            <a:fillRect/>
+          </a:stretch>
+        </p:blipFill>
+        <p:spPr>
+          <a:xfrm>
+            <a:off x="2634732" y="1028364"/>
+            <a:ext cx="6213410" cy="4801271"/>
+          </a:xfrm>
+          <a:prstGeom prst="rect">
+            <a:avLst/>
+          </a:prstGeom>
+        </p:spPr>
+      </p:pic>
+    </p:spTree>
+    <p:extLst>
+      <p:ext uri="{BB962C8B-B14F-4D97-AF65-F5344CB8AC3E}">
+        <p14:creationId xmlns:p14="http://schemas.microsoft.com/office/powerpoint/2010/main" val="1075639487"/>
       </p:ext>
     </p:extLst>
   </p:cSld>
@@ -5089,10 +6164,9 @@
           <a:lstStyle/>
           <a:p>
             <a:r>
-              <a:rPr lang="en-US" smtClean="0"/>
+              <a:rPr lang="en-US"/>
               <a:t>Concept</a:t>
             </a:r>
-            <a:endParaRPr lang="en-US"/>
           </a:p>
         </p:txBody>
       </p:sp>
@@ -5310,14 +6384,29 @@
               <a:buNone/>
             </a:pPr>
             <a:r>
-              <a:rPr lang="en-US" smtClean="0"/>
-              <a:t>Nguồn: </a:t>
-            </a:r>
-            <a:r>
-              <a:rPr lang="en-US"/>
-              <a:t>Hongling Chen, Chen Haoyu, 2019, Face Recognition Algorithm Based on VGG Network Model and SVM.</a:t>
-            </a:r>
-            <a:endParaRPr lang="en-US"/>
+              <a:rPr lang="en-US" dirty="0" err="1"/>
+              <a:t>Nguồn</a:t>
+            </a:r>
+            <a:r>
+              <a:rPr lang="en-US" dirty="0"/>
+              <a:t>: </a:t>
+            </a:r>
+            <a:r>
+              <a:rPr lang="en-US" dirty="0" err="1"/>
+              <a:t>Hongling</a:t>
+            </a:r>
+            <a:r>
+              <a:rPr lang="en-US" dirty="0"/>
+              <a:t> Chen, Chen </a:t>
+            </a:r>
+            <a:r>
+              <a:rPr lang="en-US" dirty="0" err="1"/>
+              <a:t>Haoyu</a:t>
+            </a:r>
+            <a:r>
+              <a:rPr lang="en-US" dirty="0"/>
+              <a:t>, 2019, Face Recognition Algorithm Based on VGG Network Model and SVM.</a:t>
+            </a:r>
           </a:p>
         </p:txBody>
       </p:sp>
@@ -5331,13 +6420,321 @@
   <p:clrMapOvr>
     <a:masterClrMapping/>
   </p:clrMapOvr>
-  <p:timing>
-    <p:tnLst>
-      <p:par>
-        <p:cTn id="1" dur="indefinite" restart="never" nodeType="tmRoot"/>
-      </p:par>
-    </p:tnLst>
-  </p:timing>
+</p:sld>
+</file>
+
+<file path=ppt/slides/slide20.xml><?xml version="1.0" encoding="utf-8"?>
+<p:sld xmlns:a="http://schemas.openxmlformats.org/drawingml/2006/main" xmlns:r="http://schemas.openxmlformats.org/officeDocument/2006/relationships" xmlns:p="http://schemas.openxmlformats.org/presentationml/2006/main">
+  <p:cSld>
+    <p:spTree>
+      <p:nvGrpSpPr>
+        <p:cNvPr id="1" name=""/>
+        <p:cNvGrpSpPr/>
+        <p:nvPr/>
+      </p:nvGrpSpPr>
+      <p:grpSpPr>
+        <a:xfrm>
+          <a:off x="0" y="0"/>
+          <a:ext cx="0" cy="0"/>
+          <a:chOff x="0" y="0"/>
+          <a:chExt cx="0" cy="0"/>
+        </a:xfrm>
+      </p:grpSpPr>
+      <p:sp>
+        <p:nvSpPr>
+          <p:cNvPr id="2" name="Title 1">
+            <a:extLst>
+              <a:ext uri="{FF2B5EF4-FFF2-40B4-BE49-F238E27FC236}">
+                <a16:creationId xmlns:a16="http://schemas.microsoft.com/office/drawing/2014/main" id="{152A72C9-3AA8-49C4-889D-AC56D759F0DB}"/>
+              </a:ext>
+            </a:extLst>
+          </p:cNvPr>
+          <p:cNvSpPr>
+            <a:spLocks noGrp="1"/>
+          </p:cNvSpPr>
+          <p:nvPr>
+            <p:ph type="title"/>
+          </p:nvPr>
+        </p:nvSpPr>
+        <p:spPr>
+          <a:xfrm>
+            <a:off x="483637" y="-82745"/>
+            <a:ext cx="10515600" cy="1325563"/>
+          </a:xfrm>
+        </p:spPr>
+        <p:txBody>
+          <a:bodyPr/>
+          <a:lstStyle/>
+          <a:p>
+            <a:r>
+              <a:rPr lang="en-US" dirty="0"/>
+              <a:t>Paper result</a:t>
+            </a:r>
+          </a:p>
+        </p:txBody>
+      </p:sp>
+      <p:sp>
+        <p:nvSpPr>
+          <p:cNvPr id="7" name="Subtitle 2">
+            <a:extLst>
+              <a:ext uri="{FF2B5EF4-FFF2-40B4-BE49-F238E27FC236}">
+                <a16:creationId xmlns:a16="http://schemas.microsoft.com/office/drawing/2014/main" id="{681F6472-2071-46AE-8421-282EDB626369}"/>
+              </a:ext>
+            </a:extLst>
+          </p:cNvPr>
+          <p:cNvSpPr txBox="1">
+            <a:spLocks/>
+          </p:cNvSpPr>
+          <p:nvPr/>
+        </p:nvSpPr>
+        <p:spPr>
+          <a:xfrm>
+            <a:off x="1009063" y="5913592"/>
+            <a:ext cx="10823171" cy="471198"/>
+          </a:xfrm>
+          <a:prstGeom prst="rect">
+            <a:avLst/>
+          </a:prstGeom>
+        </p:spPr>
+        <p:txBody>
+          <a:bodyPr vert="horz" lIns="91440" tIns="45720" rIns="91440" bIns="45720" rtlCol="0" anchor="t">
+            <a:normAutofit fontScale="62500" lnSpcReduction="20000"/>
+          </a:bodyPr>
+          <a:lstStyle>
+            <a:lvl1pPr marL="228600" indent="-228600" algn="l" defTabSz="914400" rtl="0" eaLnBrk="1" latinLnBrk="0" hangingPunct="1">
+              <a:lnSpc>
+                <a:spcPct val="90000"/>
+              </a:lnSpc>
+              <a:spcBef>
+                <a:spcPts val="1000"/>
+              </a:spcBef>
+              <a:buFont typeface="Arial" panose="020B0604020202020204" pitchFamily="34" charset="0"/>
+              <a:buChar char="•"/>
+              <a:defRPr sz="2800" kern="1200">
+                <a:solidFill>
+                  <a:schemeClr val="tx1"/>
+                </a:solidFill>
+                <a:latin typeface="+mn-lt"/>
+                <a:ea typeface="+mn-ea"/>
+                <a:cs typeface="+mn-cs"/>
+              </a:defRPr>
+            </a:lvl1pPr>
+            <a:lvl2pPr marL="685800" indent="-228600" algn="l" defTabSz="914400" rtl="0" eaLnBrk="1" latinLnBrk="0" hangingPunct="1">
+              <a:lnSpc>
+                <a:spcPct val="90000"/>
+              </a:lnSpc>
+              <a:spcBef>
+                <a:spcPts val="500"/>
+              </a:spcBef>
+              <a:buFont typeface="Arial" panose="020B0604020202020204" pitchFamily="34" charset="0"/>
+              <a:buChar char="•"/>
+              <a:defRPr sz="2400" kern="1200">
+                <a:solidFill>
+                  <a:schemeClr val="tx1"/>
+                </a:solidFill>
+                <a:latin typeface="+mn-lt"/>
+                <a:ea typeface="+mn-ea"/>
+                <a:cs typeface="+mn-cs"/>
+              </a:defRPr>
+            </a:lvl2pPr>
+            <a:lvl3pPr marL="1143000" indent="-228600" algn="l" defTabSz="914400" rtl="0" eaLnBrk="1" latinLnBrk="0" hangingPunct="1">
+              <a:lnSpc>
+                <a:spcPct val="90000"/>
+              </a:lnSpc>
+              <a:spcBef>
+                <a:spcPts val="500"/>
+              </a:spcBef>
+              <a:buFont typeface="Arial" panose="020B0604020202020204" pitchFamily="34" charset="0"/>
+              <a:buChar char="•"/>
+              <a:defRPr sz="2000" kern="1200">
+                <a:solidFill>
+                  <a:schemeClr val="tx1"/>
+                </a:solidFill>
+                <a:latin typeface="+mn-lt"/>
+                <a:ea typeface="+mn-ea"/>
+                <a:cs typeface="+mn-cs"/>
+              </a:defRPr>
+            </a:lvl3pPr>
+            <a:lvl4pPr marL="1600200" indent="-228600" algn="l" defTabSz="914400" rtl="0" eaLnBrk="1" latinLnBrk="0" hangingPunct="1">
+              <a:lnSpc>
+                <a:spcPct val="90000"/>
+              </a:lnSpc>
+              <a:spcBef>
+                <a:spcPts val="500"/>
+              </a:spcBef>
+              <a:buFont typeface="Arial" panose="020B0604020202020204" pitchFamily="34" charset="0"/>
+              <a:buChar char="•"/>
+              <a:defRPr sz="1800" kern="1200">
+                <a:solidFill>
+                  <a:schemeClr val="tx1"/>
+                </a:solidFill>
+                <a:latin typeface="+mn-lt"/>
+                <a:ea typeface="+mn-ea"/>
+                <a:cs typeface="+mn-cs"/>
+              </a:defRPr>
+            </a:lvl4pPr>
+            <a:lvl5pPr marL="2057400" indent="-228600" algn="l" defTabSz="914400" rtl="0" eaLnBrk="1" latinLnBrk="0" hangingPunct="1">
+              <a:lnSpc>
+                <a:spcPct val="90000"/>
+              </a:lnSpc>
+              <a:spcBef>
+                <a:spcPts val="500"/>
+              </a:spcBef>
+              <a:buFont typeface="Arial" panose="020B0604020202020204" pitchFamily="34" charset="0"/>
+              <a:buChar char="•"/>
+              <a:defRPr sz="1800" kern="1200">
+                <a:solidFill>
+                  <a:schemeClr val="tx1"/>
+                </a:solidFill>
+                <a:latin typeface="+mn-lt"/>
+                <a:ea typeface="+mn-ea"/>
+                <a:cs typeface="+mn-cs"/>
+              </a:defRPr>
+            </a:lvl5pPr>
+            <a:lvl6pPr marL="2514600" indent="-228600" algn="l" defTabSz="914400" rtl="0" eaLnBrk="1" latinLnBrk="0" hangingPunct="1">
+              <a:lnSpc>
+                <a:spcPct val="90000"/>
+              </a:lnSpc>
+              <a:spcBef>
+                <a:spcPts val="500"/>
+              </a:spcBef>
+              <a:buFont typeface="Arial" panose="020B0604020202020204" pitchFamily="34" charset="0"/>
+              <a:buChar char="•"/>
+              <a:defRPr sz="1800" kern="1200">
+                <a:solidFill>
+                  <a:schemeClr val="tx1"/>
+                </a:solidFill>
+                <a:latin typeface="+mn-lt"/>
+                <a:ea typeface="+mn-ea"/>
+                <a:cs typeface="+mn-cs"/>
+              </a:defRPr>
+            </a:lvl6pPr>
+            <a:lvl7pPr marL="2971800" indent="-228600" algn="l" defTabSz="914400" rtl="0" eaLnBrk="1" latinLnBrk="0" hangingPunct="1">
+              <a:lnSpc>
+                <a:spcPct val="90000"/>
+              </a:lnSpc>
+              <a:spcBef>
+                <a:spcPts val="500"/>
+              </a:spcBef>
+              <a:buFont typeface="Arial" panose="020B0604020202020204" pitchFamily="34" charset="0"/>
+              <a:buChar char="•"/>
+              <a:defRPr sz="1800" kern="1200">
+                <a:solidFill>
+                  <a:schemeClr val="tx1"/>
+                </a:solidFill>
+                <a:latin typeface="+mn-lt"/>
+                <a:ea typeface="+mn-ea"/>
+                <a:cs typeface="+mn-cs"/>
+              </a:defRPr>
+            </a:lvl7pPr>
+            <a:lvl8pPr marL="3429000" indent="-228600" algn="l" defTabSz="914400" rtl="0" eaLnBrk="1" latinLnBrk="0" hangingPunct="1">
+              <a:lnSpc>
+                <a:spcPct val="90000"/>
+              </a:lnSpc>
+              <a:spcBef>
+                <a:spcPts val="500"/>
+              </a:spcBef>
+              <a:buFont typeface="Arial" panose="020B0604020202020204" pitchFamily="34" charset="0"/>
+              <a:buChar char="•"/>
+              <a:defRPr sz="1800" kern="1200">
+                <a:solidFill>
+                  <a:schemeClr val="tx1"/>
+                </a:solidFill>
+                <a:latin typeface="+mn-lt"/>
+                <a:ea typeface="+mn-ea"/>
+                <a:cs typeface="+mn-cs"/>
+              </a:defRPr>
+            </a:lvl8pPr>
+            <a:lvl9pPr marL="3886200" indent="-228600" algn="l" defTabSz="914400" rtl="0" eaLnBrk="1" latinLnBrk="0" hangingPunct="1">
+              <a:lnSpc>
+                <a:spcPct val="90000"/>
+              </a:lnSpc>
+              <a:spcBef>
+                <a:spcPts val="500"/>
+              </a:spcBef>
+              <a:buFont typeface="Arial" panose="020B0604020202020204" pitchFamily="34" charset="0"/>
+              <a:buChar char="•"/>
+              <a:defRPr sz="1800" kern="1200">
+                <a:solidFill>
+                  <a:schemeClr val="tx1"/>
+                </a:solidFill>
+                <a:latin typeface="+mn-lt"/>
+                <a:ea typeface="+mn-ea"/>
+                <a:cs typeface="+mn-cs"/>
+              </a:defRPr>
+            </a:lvl9pPr>
+          </a:lstStyle>
+          <a:p>
+            <a:pPr marL="0" indent="0">
+              <a:buNone/>
+            </a:pPr>
+            <a:r>
+              <a:rPr lang="en-US" dirty="0" err="1"/>
+              <a:t>Nguồn</a:t>
+            </a:r>
+            <a:r>
+              <a:rPr lang="en-US" dirty="0"/>
+              <a:t>: </a:t>
+            </a:r>
+            <a:r>
+              <a:rPr lang="en-US" dirty="0" err="1"/>
+              <a:t>Hongling</a:t>
+            </a:r>
+            <a:r>
+              <a:rPr lang="en-US" dirty="0"/>
+              <a:t> Chen, Chen </a:t>
+            </a:r>
+            <a:r>
+              <a:rPr lang="en-US" dirty="0" err="1"/>
+              <a:t>Haoyu</a:t>
+            </a:r>
+            <a:r>
+              <a:rPr lang="en-US" dirty="0"/>
+              <a:t>, 2019, Face Recognition Algorithm Based on VGG Network Model and SVM.</a:t>
+            </a:r>
+          </a:p>
+        </p:txBody>
+      </p:sp>
+      <p:pic>
+        <p:nvPicPr>
+          <p:cNvPr id="5" name="Picture 4">
+            <a:extLst>
+              <a:ext uri="{FF2B5EF4-FFF2-40B4-BE49-F238E27FC236}">
+                <a16:creationId xmlns:a16="http://schemas.microsoft.com/office/drawing/2014/main" id="{4D754A33-E9FA-441C-AA28-044D2535F56A}"/>
+              </a:ext>
+            </a:extLst>
+          </p:cNvPr>
+          <p:cNvPicPr>
+            <a:picLocks noChangeAspect="1"/>
+          </p:cNvPicPr>
+          <p:nvPr/>
+        </p:nvPicPr>
+        <p:blipFill>
+          <a:blip r:embed="rId2"/>
+          <a:stretch>
+            <a:fillRect/>
+          </a:stretch>
+        </p:blipFill>
+        <p:spPr>
+          <a:xfrm>
+            <a:off x="504825" y="1433512"/>
+            <a:ext cx="11182350" cy="3990975"/>
+          </a:xfrm>
+          <a:prstGeom prst="rect">
+            <a:avLst/>
+          </a:prstGeom>
+        </p:spPr>
+      </p:pic>
+    </p:spTree>
+    <p:extLst>
+      <p:ext uri="{BB962C8B-B14F-4D97-AF65-F5344CB8AC3E}">
+        <p14:creationId xmlns:p14="http://schemas.microsoft.com/office/powerpoint/2010/main" val="937700550"/>
+      </p:ext>
+    </p:extLst>
+  </p:cSld>
+  <p:clrMapOvr>
+    <a:masterClrMapping/>
+  </p:clrMapOvr>
 </p:sld>
 </file>
 
@@ -5374,14 +6771,9 @@
           <a:lstStyle/>
           <a:p>
             <a:r>
-              <a:rPr lang="en-US" smtClean="0"/>
-              <a:t>VGG </a:t>
-            </a:r>
-            <a:r>
-              <a:rPr lang="en-US" smtClean="0"/>
-              <a:t>model concept</a:t>
-            </a:r>
-            <a:endParaRPr lang="en-US"/>
+              <a:rPr lang="en-US"/>
+              <a:t>VGG model concept</a:t>
+            </a:r>
           </a:p>
         </p:txBody>
       </p:sp>
@@ -5599,12 +6991,8 @@
               <a:buNone/>
             </a:pPr>
             <a:r>
-              <a:rPr lang="en-US" smtClean="0"/>
-              <a:t>Nguồn: </a:t>
-            </a:r>
-            <a:r>
               <a:rPr lang="en-US"/>
-              <a:t>https://neurohive.io/en/popular-networks/vgg16/</a:t>
+              <a:t>Nguồn: https://neurohive.io/en/popular-networks/vgg16/</a:t>
             </a:r>
           </a:p>
         </p:txBody>
@@ -5619,13 +7007,6 @@
   <p:clrMapOvr>
     <a:masterClrMapping/>
   </p:clrMapOvr>
-  <p:timing>
-    <p:tnLst>
-      <p:par>
-        <p:cTn id="1" dur="indefinite" restart="never" nodeType="tmRoot"/>
-      </p:par>
-    </p:tnLst>
-  </p:timing>
 </p:sld>
 </file>
 
@@ -5662,10 +7043,9 @@
           <a:lstStyle/>
           <a:p>
             <a:r>
-              <a:rPr lang="en-US" smtClean="0"/>
+              <a:rPr lang="en-US"/>
               <a:t>VGG CNN stack</a:t>
             </a:r>
-            <a:endParaRPr lang="en-US"/>
           </a:p>
         </p:txBody>
       </p:sp>
@@ -5913,10 +7293,9 @@
                 <a:buNone/>
               </a:pPr>
               <a:r>
-                <a:rPr lang="en-US" smtClean="0"/>
+                <a:rPr lang="en-US"/>
                 <a:t>224x224x64</a:t>
               </a:r>
-              <a:endParaRPr lang="en-US"/>
             </a:p>
           </p:txBody>
         </p:sp>
@@ -6150,10 +7529,9 @@
                 <a:buNone/>
               </a:pPr>
               <a:r>
-                <a:rPr lang="en-US" smtClean="0"/>
+                <a:rPr lang="en-US"/>
                 <a:t>112x112x128</a:t>
               </a:r>
-              <a:endParaRPr lang="en-US"/>
             </a:p>
           </p:txBody>
         </p:sp>
@@ -6387,10 +7765,9 @@
                 <a:buNone/>
               </a:pPr>
               <a:r>
-                <a:rPr lang="en-US" smtClean="0"/>
+                <a:rPr lang="en-US"/>
                 <a:t>56x56x256</a:t>
               </a:r>
-              <a:endParaRPr lang="en-US"/>
             </a:p>
           </p:txBody>
         </p:sp>
@@ -6664,10 +8041,9 @@
                 <a:buNone/>
               </a:pPr>
               <a:r>
-                <a:rPr lang="en-US" smtClean="0"/>
+                <a:rPr lang="en-US"/>
                 <a:t>14x14x512</a:t>
               </a:r>
-              <a:endParaRPr lang="en-US"/>
             </a:p>
           </p:txBody>
         </p:sp>
@@ -6861,10 +8237,9 @@
                 <a:buNone/>
               </a:pPr>
               <a:r>
-                <a:rPr lang="en-US" smtClean="0"/>
+                <a:rPr lang="en-US"/>
                 <a:t>28x28x512</a:t>
               </a:r>
-              <a:endParaRPr lang="en-US"/>
             </a:p>
           </p:txBody>
         </p:sp>
@@ -6879,13 +8254,6 @@
   <p:clrMapOvr>
     <a:masterClrMapping/>
   </p:clrMapOvr>
-  <p:timing>
-    <p:tnLst>
-      <p:par>
-        <p:cTn id="1" dur="indefinite" restart="never" nodeType="tmRoot"/>
-      </p:par>
-    </p:tnLst>
-  </p:timing>
 </p:sld>
 </file>
 
@@ -6922,10 +8290,9 @@
           <a:lstStyle/>
           <a:p>
             <a:r>
-              <a:rPr lang="en-US" smtClean="0"/>
+              <a:rPr lang="en-US"/>
               <a:t>VGG Max-pooling stack</a:t>
             </a:r>
-            <a:endParaRPr lang="en-US"/>
           </a:p>
         </p:txBody>
       </p:sp>
@@ -7201,10 +8568,9 @@
                     <a:buNone/>
                   </a:pPr>
                   <a:r>
-                    <a:rPr lang="en-US" smtClean="0"/>
+                    <a:rPr lang="en-US"/>
                     <a:t>112x112x128</a:t>
                   </a:r>
-                  <a:endParaRPr lang="en-US"/>
                 </a:p>
               </p:txBody>
             </p:sp>
@@ -7438,10 +8804,9 @@
                     <a:buNone/>
                   </a:pPr>
                   <a:r>
-                    <a:rPr lang="en-US" smtClean="0"/>
+                    <a:rPr lang="en-US"/>
                     <a:t>56x56x256</a:t>
                   </a:r>
-                  <a:endParaRPr lang="en-US"/>
                 </a:p>
               </p:txBody>
             </p:sp>
@@ -7715,10 +9080,9 @@
                     <a:buNone/>
                   </a:pPr>
                   <a:r>
-                    <a:rPr lang="en-US" smtClean="0"/>
+                    <a:rPr lang="en-US"/>
                     <a:t>14x14x512</a:t>
                   </a:r>
-                  <a:endParaRPr lang="en-US"/>
                 </a:p>
               </p:txBody>
             </p:sp>
@@ -7912,10 +9276,9 @@
                     <a:buNone/>
                   </a:pPr>
                   <a:r>
-                    <a:rPr lang="en-US" smtClean="0"/>
+                    <a:rPr lang="en-US"/>
                     <a:t>28x28x512</a:t>
                   </a:r>
-                  <a:endParaRPr lang="en-US"/>
                 </a:p>
               </p:txBody>
             </p:sp>
@@ -8151,10 +9514,9 @@
                 <a:buNone/>
               </a:pPr>
               <a:r>
-                <a:rPr lang="en-US" smtClean="0"/>
+                <a:rPr lang="en-US"/>
                 <a:t>7x7x512</a:t>
               </a:r>
-              <a:endParaRPr lang="en-US"/>
             </a:p>
           </p:txBody>
         </p:sp>
@@ -8205,10 +9567,9 @@
           <a:lstStyle/>
           <a:p>
             <a:r>
-              <a:rPr lang="en-US" smtClean="0"/>
+              <a:rPr lang="en-US"/>
               <a:t>VGG CNN window size</a:t>
             </a:r>
-            <a:endParaRPr lang="en-US"/>
           </a:p>
         </p:txBody>
       </p:sp>
@@ -8454,10 +9815,9 @@
                   <a:buNone/>
                 </a:pPr>
                 <a:r>
-                  <a:rPr lang="en-US" smtClean="0"/>
+                  <a:rPr lang="en-US"/>
                   <a:t>3x3</a:t>
                 </a:r>
-                <a:endParaRPr lang="en-US"/>
               </a:p>
             </p:txBody>
           </p:sp>
@@ -8675,10 +10035,9 @@
                   <a:buNone/>
                 </a:pPr>
                 <a:r>
-                  <a:rPr lang="en-US" smtClean="0"/>
+                  <a:rPr lang="en-US"/>
                   <a:t>1x1</a:t>
                 </a:r>
-                <a:endParaRPr lang="en-US"/>
               </a:p>
             </p:txBody>
           </p:sp>
@@ -8872,10 +10231,9 @@
                   <a:buNone/>
                 </a:pPr>
                 <a:r>
-                  <a:rPr lang="en-US" smtClean="0"/>
+                  <a:rPr lang="en-US"/>
                   <a:t>CNN Layer</a:t>
                 </a:r>
-                <a:endParaRPr lang="en-US"/>
               </a:p>
             </p:txBody>
           </p:sp>
@@ -9094,10 +10452,9 @@
                 <a:buNone/>
               </a:pPr>
               <a:r>
-                <a:rPr lang="en-US" smtClean="0"/>
+                <a:rPr lang="en-US"/>
                 <a:t>Max-pooling Layer</a:t>
               </a:r>
-              <a:endParaRPr lang="en-US"/>
             </a:p>
           </p:txBody>
         </p:sp>
@@ -9291,10 +10648,9 @@
                 <a:buNone/>
               </a:pPr>
               <a:r>
-                <a:rPr lang="en-US" smtClean="0"/>
+                <a:rPr lang="en-US"/>
                 <a:t>2x2</a:t>
               </a:r>
-              <a:endParaRPr lang="en-US"/>
             </a:p>
           </p:txBody>
         </p:sp>
@@ -9345,10 +10701,9 @@
           <a:lstStyle/>
           <a:p>
             <a:r>
-              <a:rPr lang="en-US" smtClean="0"/>
+              <a:rPr lang="en-US"/>
               <a:t>VGG CNN window stride</a:t>
             </a:r>
-            <a:endParaRPr lang="en-US"/>
           </a:p>
         </p:txBody>
       </p:sp>
@@ -9580,10 +10935,9 @@
                 <a:buNone/>
               </a:pPr>
               <a:r>
-                <a:rPr lang="en-US" smtClean="0"/>
+                <a:rPr lang="en-US"/>
                 <a:t>Window stride = 1</a:t>
               </a:r>
-              <a:endParaRPr lang="en-US"/>
             </a:p>
           </p:txBody>
         </p:sp>
@@ -9634,10 +10988,9 @@
           <a:lstStyle/>
           <a:p>
             <a:r>
-              <a:rPr lang="en-US" smtClean="0"/>
+              <a:rPr lang="en-US"/>
               <a:t>VGG Max-pooling window stride</a:t>
             </a:r>
-            <a:endParaRPr lang="en-US"/>
           </a:p>
         </p:txBody>
       </p:sp>
@@ -9845,10 +11198,9 @@
                 <a:buNone/>
               </a:pPr>
               <a:r>
-                <a:rPr lang="en-US" smtClean="0"/>
+                <a:rPr lang="en-US"/>
                 <a:t>Window stride = 2</a:t>
               </a:r>
-              <a:endParaRPr lang="en-US"/>
             </a:p>
           </p:txBody>
         </p:sp>
@@ -9928,10 +11280,9 @@
           <a:lstStyle/>
           <a:p>
             <a:r>
-              <a:rPr lang="en-US" smtClean="0"/>
+              <a:rPr lang="en-US"/>
               <a:t>VGG types</a:t>
             </a:r>
-            <a:endParaRPr lang="en-US"/>
           </a:p>
         </p:txBody>
       </p:sp>
@@ -10149,14 +11500,9 @@
               <a:buNone/>
             </a:pPr>
             <a:r>
-              <a:rPr lang="en-US" sz="2000" smtClean="0"/>
-              <a:t>Nguồn: </a:t>
-            </a:r>
-            <a:r>
               <a:rPr lang="en-US" sz="2000"/>
-              <a:t>Karen Simonyan, Andrew Zisserman, 2015, Very Deep Convolutional Networks For Large-Scale Image Recognition.</a:t>
-            </a:r>
-            <a:endParaRPr lang="en-US" sz="2000"/>
+              <a:t>Nguồn: Karen Simonyan, Andrew Zisserman, 2015, Very Deep Convolutional Networks For Large-Scale Image Recognition.</a:t>
+            </a:r>
           </a:p>
         </p:txBody>
       </p:sp>
@@ -10170,13 +11516,6 @@
   <p:clrMapOvr>
     <a:masterClrMapping/>
   </p:clrMapOvr>
-  <p:timing>
-    <p:tnLst>
-      <p:par>
-        <p:cTn id="1" dur="indefinite" restart="never" nodeType="tmRoot"/>
-      </p:par>
-    </p:tnLst>
-  </p:timing>
 </p:sld>
 </file>
 
